--- a/presentation/FGV-MBA - Monografia - Detecção de Máscara Facial.pptx
+++ b/presentation/FGV-MBA - Monografia - Detecção de Máscara Facial.pptx
@@ -7,29 +7,30 @@
     <p:sldMasterId id="2147483654" r:id="rId3"/>
   </p:sldMasterIdLst>
   <p:notesMasterIdLst>
-    <p:notesMasterId r:id="rId21"/>
+    <p:notesMasterId r:id="rId22"/>
   </p:notesMasterIdLst>
   <p:handoutMasterIdLst>
-    <p:handoutMasterId r:id="rId22"/>
+    <p:handoutMasterId r:id="rId23"/>
   </p:handoutMasterIdLst>
   <p:sldIdLst>
     <p:sldId id="351" r:id="rId4"/>
     <p:sldId id="346" r:id="rId5"/>
     <p:sldId id="371" r:id="rId6"/>
-    <p:sldId id="360" r:id="rId7"/>
-    <p:sldId id="361" r:id="rId8"/>
-    <p:sldId id="362" r:id="rId9"/>
-    <p:sldId id="363" r:id="rId10"/>
-    <p:sldId id="357" r:id="rId11"/>
-    <p:sldId id="364" r:id="rId12"/>
-    <p:sldId id="365" r:id="rId13"/>
-    <p:sldId id="358" r:id="rId14"/>
-    <p:sldId id="366" r:id="rId15"/>
-    <p:sldId id="359" r:id="rId16"/>
-    <p:sldId id="367" r:id="rId17"/>
-    <p:sldId id="368" r:id="rId18"/>
-    <p:sldId id="369" r:id="rId19"/>
-    <p:sldId id="370" r:id="rId20"/>
+    <p:sldId id="372" r:id="rId7"/>
+    <p:sldId id="360" r:id="rId8"/>
+    <p:sldId id="361" r:id="rId9"/>
+    <p:sldId id="362" r:id="rId10"/>
+    <p:sldId id="363" r:id="rId11"/>
+    <p:sldId id="357" r:id="rId12"/>
+    <p:sldId id="364" r:id="rId13"/>
+    <p:sldId id="365" r:id="rId14"/>
+    <p:sldId id="358" r:id="rId15"/>
+    <p:sldId id="366" r:id="rId16"/>
+    <p:sldId id="359" r:id="rId17"/>
+    <p:sldId id="367" r:id="rId18"/>
+    <p:sldId id="368" r:id="rId19"/>
+    <p:sldId id="369" r:id="rId20"/>
+    <p:sldId id="370" r:id="rId21"/>
   </p:sldIdLst>
   <p:sldSz cx="12192000" cy="6858000"/>
   <p:notesSz cx="6858000" cy="9144000"/>
@@ -142,7 +143,7 @@
 <file path=ppt/revisionInfo.xml><?xml version="1.0" encoding="utf-8"?>
 <p1510:revInfo xmlns:a="http://schemas.openxmlformats.org/drawingml/2006/main" xmlns:r="http://schemas.openxmlformats.org/officeDocument/2006/relationships" xmlns:p1510="http://schemas.microsoft.com/office/powerpoint/2015/10/main">
   <p1510:revLst>
-    <p1510:client id="{0C927506-5143-4A7D-B285-178AAC9CF657}" v="4" dt="2020-05-24T19:05:01.036"/>
+    <p1510:client id="{0C927506-5143-4A7D-B285-178AAC9CF657}" v="21" dt="2020-05-24T20:39:20.233"/>
     <p1510:client id="{7BA9A1FE-DBFD-4F2E-9BE2-09098A8CCE86}" v="56" dt="2020-05-24T17:53:39.811"/>
   </p1510:revLst>
 </p1510:revInfo>
@@ -309,19 +310,19 @@
   </pc:docChgLst>
   <pc:docChgLst>
     <pc:chgData name="Leandro Daniel" userId="682bb4abc622d264" providerId="LiveId" clId="{0C927506-5143-4A7D-B285-178AAC9CF657}"/>
-    <pc:docChg chg="addSld modSld">
-      <pc:chgData name="Leandro Daniel" userId="682bb4abc622d264" providerId="LiveId" clId="{0C927506-5143-4A7D-B285-178AAC9CF657}" dt="2020-05-24T19:05:03.465" v="576" actId="20577"/>
+    <pc:docChg chg="custSel addSld modSld">
+      <pc:chgData name="Leandro Daniel" userId="682bb4abc622d264" providerId="LiveId" clId="{0C927506-5143-4A7D-B285-178AAC9CF657}" dt="2020-05-24T20:39:47.908" v="2336" actId="20577"/>
       <pc:docMkLst>
         <pc:docMk/>
       </pc:docMkLst>
       <pc:sldChg chg="addSp modSp mod">
-        <pc:chgData name="Leandro Daniel" userId="682bb4abc622d264" providerId="LiveId" clId="{0C927506-5143-4A7D-B285-178AAC9CF657}" dt="2020-05-24T19:04:49.030" v="574" actId="20577"/>
+        <pc:chgData name="Leandro Daniel" userId="682bb4abc622d264" providerId="LiveId" clId="{0C927506-5143-4A7D-B285-178AAC9CF657}" dt="2020-05-24T20:06:37.345" v="1071" actId="20577"/>
         <pc:sldMkLst>
           <pc:docMk/>
           <pc:sldMk cId="351260889" sldId="346"/>
         </pc:sldMkLst>
         <pc:spChg chg="mod">
-          <ac:chgData name="Leandro Daniel" userId="682bb4abc622d264" providerId="LiveId" clId="{0C927506-5143-4A7D-B285-178AAC9CF657}" dt="2020-05-24T18:22:16.233" v="541" actId="20577"/>
+          <ac:chgData name="Leandro Daniel" userId="682bb4abc622d264" providerId="LiveId" clId="{0C927506-5143-4A7D-B285-178AAC9CF657}" dt="2020-05-24T20:06:37.345" v="1071" actId="20577"/>
           <ac:spMkLst>
             <pc:docMk/>
             <pc:sldMk cId="351260889" sldId="346"/>
@@ -329,7 +330,7 @@
           </ac:spMkLst>
         </pc:spChg>
         <pc:spChg chg="add mod">
-          <ac:chgData name="Leandro Daniel" userId="682bb4abc622d264" providerId="LiveId" clId="{0C927506-5143-4A7D-B285-178AAC9CF657}" dt="2020-05-24T19:04:49.030" v="574" actId="20577"/>
+          <ac:chgData name="Leandro Daniel" userId="682bb4abc622d264" providerId="LiveId" clId="{0C927506-5143-4A7D-B285-178AAC9CF657}" dt="2020-05-24T19:13:55.199" v="610" actId="20577"/>
           <ac:spMkLst>
             <pc:docMk/>
             <pc:sldMk cId="351260889" sldId="346"/>
@@ -337,20 +338,242 @@
           </ac:spMkLst>
         </pc:spChg>
       </pc:sldChg>
-      <pc:sldChg chg="addSp modSp add mod">
-        <pc:chgData name="Leandro Daniel" userId="682bb4abc622d264" providerId="LiveId" clId="{0C927506-5143-4A7D-B285-178AAC9CF657}" dt="2020-05-24T19:05:03.465" v="576" actId="20577"/>
+      <pc:sldChg chg="modSp mod">
+        <pc:chgData name="Leandro Daniel" userId="682bb4abc622d264" providerId="LiveId" clId="{0C927506-5143-4A7D-B285-178AAC9CF657}" dt="2020-05-24T20:15:03.308" v="1310" actId="20577"/>
+        <pc:sldMkLst>
+          <pc:docMk/>
+          <pc:sldMk cId="679871842" sldId="351"/>
+        </pc:sldMkLst>
+        <pc:spChg chg="mod">
+          <ac:chgData name="Leandro Daniel" userId="682bb4abc622d264" providerId="LiveId" clId="{0C927506-5143-4A7D-B285-178AAC9CF657}" dt="2020-05-24T20:15:03.308" v="1310" actId="20577"/>
+          <ac:spMkLst>
+            <pc:docMk/>
+            <pc:sldMk cId="679871842" sldId="351"/>
+            <ac:spMk id="2" creationId="{70F687BA-32A2-41BC-B72A-F28209A7F473}"/>
+          </ac:spMkLst>
+        </pc:spChg>
+      </pc:sldChg>
+      <pc:sldChg chg="addSp delSp modSp add mod">
+        <pc:chgData name="Leandro Daniel" userId="682bb4abc622d264" providerId="LiveId" clId="{0C927506-5143-4A7D-B285-178AAC9CF657}" dt="2020-05-24T20:13:46.032" v="1207" actId="20577"/>
         <pc:sldMkLst>
           <pc:docMk/>
           <pc:sldMk cId="3921174963" sldId="371"/>
         </pc:sldMkLst>
+        <pc:spChg chg="del mod">
+          <ac:chgData name="Leandro Daniel" userId="682bb4abc622d264" providerId="LiveId" clId="{0C927506-5143-4A7D-B285-178AAC9CF657}" dt="2020-05-24T19:20:16.220" v="922" actId="21"/>
+          <ac:spMkLst>
+            <pc:docMk/>
+            <pc:sldMk cId="3921174963" sldId="371"/>
+            <ac:spMk id="6" creationId="{D5F67441-A755-4247-851C-41974715F282}"/>
+          </ac:spMkLst>
+        </pc:spChg>
         <pc:spChg chg="add mod">
-          <ac:chgData name="Leandro Daniel" userId="682bb4abc622d264" providerId="LiveId" clId="{0C927506-5143-4A7D-B285-178AAC9CF657}" dt="2020-05-24T19:05:03.465" v="576" actId="20577"/>
+          <ac:chgData name="Leandro Daniel" userId="682bb4abc622d264" providerId="LiveId" clId="{0C927506-5143-4A7D-B285-178AAC9CF657}" dt="2020-05-24T19:13:50.901" v="609" actId="20577"/>
           <ac:spMkLst>
             <pc:docMk/>
             <pc:sldMk cId="3921174963" sldId="371"/>
             <ac:spMk id="7" creationId="{6F061871-FDA0-491B-B84B-B5AB0970885B}"/>
           </ac:spMkLst>
         </pc:spChg>
+        <pc:spChg chg="add del mod">
+          <ac:chgData name="Leandro Daniel" userId="682bb4abc622d264" providerId="LiveId" clId="{0C927506-5143-4A7D-B285-178AAC9CF657}" dt="2020-05-24T19:20:16.220" v="922" actId="21"/>
+          <ac:spMkLst>
+            <pc:docMk/>
+            <pc:sldMk cId="3921174963" sldId="371"/>
+            <ac:spMk id="11" creationId="{1A672CB9-5A04-4176-9D9E-55D7A9EF3CE4}"/>
+          </ac:spMkLst>
+        </pc:spChg>
+        <pc:spChg chg="add mod">
+          <ac:chgData name="Leandro Daniel" userId="682bb4abc622d264" providerId="LiveId" clId="{0C927506-5143-4A7D-B285-178AAC9CF657}" dt="2020-05-24T20:13:46.032" v="1207" actId="20577"/>
+          <ac:spMkLst>
+            <pc:docMk/>
+            <pc:sldMk cId="3921174963" sldId="371"/>
+            <ac:spMk id="14" creationId="{07CA8BF6-9A49-441F-836D-9072850A59D4}"/>
+          </ac:spMkLst>
+        </pc:spChg>
+        <pc:spChg chg="add mod">
+          <ac:chgData name="Leandro Daniel" userId="682bb4abc622d264" providerId="LiveId" clId="{0C927506-5143-4A7D-B285-178AAC9CF657}" dt="2020-05-24T20:11:30.806" v="1073" actId="20577"/>
+          <ac:spMkLst>
+            <pc:docMk/>
+            <pc:sldMk cId="3921174963" sldId="371"/>
+            <ac:spMk id="18" creationId="{E05EE9CB-CEAD-49FB-B917-F3911C866716}"/>
+          </ac:spMkLst>
+        </pc:spChg>
+        <pc:graphicFrameChg chg="add del mod">
+          <ac:chgData name="Leandro Daniel" userId="682bb4abc622d264" providerId="LiveId" clId="{0C927506-5143-4A7D-B285-178AAC9CF657}" dt="2020-05-24T19:08:11.585" v="588" actId="478"/>
+          <ac:graphicFrameMkLst>
+            <pc:docMk/>
+            <pc:sldMk cId="3921174963" sldId="371"/>
+            <ac:graphicFrameMk id="3" creationId="{439B052B-7ADE-4F71-97D8-530EF1CF479F}"/>
+          </ac:graphicFrameMkLst>
+        </pc:graphicFrameChg>
+        <pc:picChg chg="add del mod">
+          <ac:chgData name="Leandro Daniel" userId="682bb4abc622d264" providerId="LiveId" clId="{0C927506-5143-4A7D-B285-178AAC9CF657}" dt="2020-05-24T19:20:16.220" v="922" actId="21"/>
+          <ac:picMkLst>
+            <pc:docMk/>
+            <pc:sldMk cId="3921174963" sldId="371"/>
+            <ac:picMk id="8" creationId="{AC909D0D-3174-4A96-ACF9-9162A8A5ACEC}"/>
+          </ac:picMkLst>
+        </pc:picChg>
+        <pc:picChg chg="add del mod">
+          <ac:chgData name="Leandro Daniel" userId="682bb4abc622d264" providerId="LiveId" clId="{0C927506-5143-4A7D-B285-178AAC9CF657}" dt="2020-05-24T19:20:16.220" v="922" actId="21"/>
+          <ac:picMkLst>
+            <pc:docMk/>
+            <pc:sldMk cId="3921174963" sldId="371"/>
+            <ac:picMk id="9" creationId="{4E6ABAF2-18C9-4203-BEA1-09AE83E51337}"/>
+          </ac:picMkLst>
+        </pc:picChg>
+        <pc:picChg chg="add del mod">
+          <ac:chgData name="Leandro Daniel" userId="682bb4abc622d264" providerId="LiveId" clId="{0C927506-5143-4A7D-B285-178AAC9CF657}" dt="2020-05-24T19:20:16.220" v="922" actId="21"/>
+          <ac:picMkLst>
+            <pc:docMk/>
+            <pc:sldMk cId="3921174963" sldId="371"/>
+            <ac:picMk id="10" creationId="{98AB35B6-C01B-4BC7-9234-A61B0A25D67B}"/>
+          </ac:picMkLst>
+        </pc:picChg>
+        <pc:picChg chg="add mod">
+          <ac:chgData name="Leandro Daniel" userId="682bb4abc622d264" providerId="LiveId" clId="{0C927506-5143-4A7D-B285-178AAC9CF657}" dt="2020-05-24T19:20:21.954" v="924"/>
+          <ac:picMkLst>
+            <pc:docMk/>
+            <pc:sldMk cId="3921174963" sldId="371"/>
+            <ac:picMk id="15" creationId="{2F22A74C-3364-4DD1-BBA7-38E977DAC637}"/>
+          </ac:picMkLst>
+        </pc:picChg>
+        <pc:picChg chg="add mod">
+          <ac:chgData name="Leandro Daniel" userId="682bb4abc622d264" providerId="LiveId" clId="{0C927506-5143-4A7D-B285-178AAC9CF657}" dt="2020-05-24T20:05:01.027" v="943" actId="408"/>
+          <ac:picMkLst>
+            <pc:docMk/>
+            <pc:sldMk cId="3921174963" sldId="371"/>
+            <ac:picMk id="16" creationId="{B1A27C00-ABA4-4EE5-95D2-97D339292616}"/>
+          </ac:picMkLst>
+        </pc:picChg>
+        <pc:picChg chg="add mod">
+          <ac:chgData name="Leandro Daniel" userId="682bb4abc622d264" providerId="LiveId" clId="{0C927506-5143-4A7D-B285-178AAC9CF657}" dt="2020-05-24T20:04:51.283" v="941" actId="1076"/>
+          <ac:picMkLst>
+            <pc:docMk/>
+            <pc:sldMk cId="3921174963" sldId="371"/>
+            <ac:picMk id="17" creationId="{D6CEEE49-8720-460A-9FA7-E01A051D6D3D}"/>
+          </ac:picMkLst>
+        </pc:picChg>
+        <pc:cxnChg chg="add del mod">
+          <ac:chgData name="Leandro Daniel" userId="682bb4abc622d264" providerId="LiveId" clId="{0C927506-5143-4A7D-B285-178AAC9CF657}" dt="2020-05-24T19:20:16.220" v="922" actId="21"/>
+          <ac:cxnSpMkLst>
+            <pc:docMk/>
+            <pc:sldMk cId="3921174963" sldId="371"/>
+            <ac:cxnSpMk id="13" creationId="{461DF850-D789-480D-A92B-6F9C8AB2ED91}"/>
+          </ac:cxnSpMkLst>
+        </pc:cxnChg>
+        <pc:cxnChg chg="add mod">
+          <ac:chgData name="Leandro Daniel" userId="682bb4abc622d264" providerId="LiveId" clId="{0C927506-5143-4A7D-B285-178AAC9CF657}" dt="2020-05-24T19:20:21.954" v="924"/>
+          <ac:cxnSpMkLst>
+            <pc:docMk/>
+            <pc:sldMk cId="3921174963" sldId="371"/>
+            <ac:cxnSpMk id="19" creationId="{5E198959-BDE7-4419-BDC5-99C20E0B5EC8}"/>
+          </ac:cxnSpMkLst>
+        </pc:cxnChg>
+      </pc:sldChg>
+      <pc:sldChg chg="addSp delSp modSp add mod">
+        <pc:chgData name="Leandro Daniel" userId="682bb4abc622d264" providerId="LiveId" clId="{0C927506-5143-4A7D-B285-178AAC9CF657}" dt="2020-05-24T20:39:47.908" v="2336" actId="20577"/>
+        <pc:sldMkLst>
+          <pc:docMk/>
+          <pc:sldMk cId="1275928961" sldId="372"/>
+        </pc:sldMkLst>
+        <pc:spChg chg="del">
+          <ac:chgData name="Leandro Daniel" userId="682bb4abc622d264" providerId="LiveId" clId="{0C927506-5143-4A7D-B285-178AAC9CF657}" dt="2020-05-24T19:20:11.151" v="921" actId="478"/>
+          <ac:spMkLst>
+            <pc:docMk/>
+            <pc:sldMk cId="1275928961" sldId="372"/>
+            <ac:spMk id="6" creationId="{D5F67441-A755-4247-851C-41974715F282}"/>
+          </ac:spMkLst>
+        </pc:spChg>
+        <pc:spChg chg="mod">
+          <ac:chgData name="Leandro Daniel" userId="682bb4abc622d264" providerId="LiveId" clId="{0C927506-5143-4A7D-B285-178AAC9CF657}" dt="2020-05-24T19:13:45.033" v="608" actId="20577"/>
+          <ac:spMkLst>
+            <pc:docMk/>
+            <pc:sldMk cId="1275928961" sldId="372"/>
+            <ac:spMk id="7" creationId="{6F061871-FDA0-491B-B84B-B5AB0970885B}"/>
+          </ac:spMkLst>
+        </pc:spChg>
+        <pc:spChg chg="add del mod">
+          <ac:chgData name="Leandro Daniel" userId="682bb4abc622d264" providerId="LiveId" clId="{0C927506-5143-4A7D-B285-178AAC9CF657}" dt="2020-05-24T19:20:30.316" v="925" actId="478"/>
+          <ac:spMkLst>
+            <pc:docMk/>
+            <pc:sldMk cId="1275928961" sldId="372"/>
+            <ac:spMk id="11" creationId="{96D2EE0A-E21F-4805-9CCD-AE4D58E613E5}"/>
+          </ac:spMkLst>
+        </pc:spChg>
+        <pc:spChg chg="add del mod">
+          <ac:chgData name="Leandro Daniel" userId="682bb4abc622d264" providerId="LiveId" clId="{0C927506-5143-4A7D-B285-178AAC9CF657}" dt="2020-05-24T19:20:30.316" v="925" actId="478"/>
+          <ac:spMkLst>
+            <pc:docMk/>
+            <pc:sldMk cId="1275928961" sldId="372"/>
+            <ac:spMk id="15" creationId="{101961AE-8D08-4106-ACBA-2F8DAAC4EC0F}"/>
+          </ac:spMkLst>
+        </pc:spChg>
+        <pc:spChg chg="add mod">
+          <ac:chgData name="Leandro Daniel" userId="682bb4abc622d264" providerId="LiveId" clId="{0C927506-5143-4A7D-B285-178AAC9CF657}" dt="2020-05-24T20:39:47.908" v="2336" actId="20577"/>
+          <ac:spMkLst>
+            <pc:docMk/>
+            <pc:sldMk cId="1275928961" sldId="372"/>
+            <ac:spMk id="17" creationId="{0EACA767-5D74-4C51-98B7-763F041F495E}"/>
+          </ac:spMkLst>
+        </pc:spChg>
+        <pc:picChg chg="del">
+          <ac:chgData name="Leandro Daniel" userId="682bb4abc622d264" providerId="LiveId" clId="{0C927506-5143-4A7D-B285-178AAC9CF657}" dt="2020-05-24T19:20:11.151" v="921" actId="478"/>
+          <ac:picMkLst>
+            <pc:docMk/>
+            <pc:sldMk cId="1275928961" sldId="372"/>
+            <ac:picMk id="8" creationId="{AC909D0D-3174-4A96-ACF9-9162A8A5ACEC}"/>
+          </ac:picMkLst>
+        </pc:picChg>
+        <pc:picChg chg="del">
+          <ac:chgData name="Leandro Daniel" userId="682bb4abc622d264" providerId="LiveId" clId="{0C927506-5143-4A7D-B285-178AAC9CF657}" dt="2020-05-24T19:20:11.151" v="921" actId="478"/>
+          <ac:picMkLst>
+            <pc:docMk/>
+            <pc:sldMk cId="1275928961" sldId="372"/>
+            <ac:picMk id="9" creationId="{4E6ABAF2-18C9-4203-BEA1-09AE83E51337}"/>
+          </ac:picMkLst>
+        </pc:picChg>
+        <pc:picChg chg="del">
+          <ac:chgData name="Leandro Daniel" userId="682bb4abc622d264" providerId="LiveId" clId="{0C927506-5143-4A7D-B285-178AAC9CF657}" dt="2020-05-24T19:20:11.151" v="921" actId="478"/>
+          <ac:picMkLst>
+            <pc:docMk/>
+            <pc:sldMk cId="1275928961" sldId="372"/>
+            <ac:picMk id="10" creationId="{98AB35B6-C01B-4BC7-9234-A61B0A25D67B}"/>
+          </ac:picMkLst>
+        </pc:picChg>
+        <pc:picChg chg="add del mod">
+          <ac:chgData name="Leandro Daniel" userId="682bb4abc622d264" providerId="LiveId" clId="{0C927506-5143-4A7D-B285-178AAC9CF657}" dt="2020-05-24T19:20:30.316" v="925" actId="478"/>
+          <ac:picMkLst>
+            <pc:docMk/>
+            <pc:sldMk cId="1275928961" sldId="372"/>
+            <ac:picMk id="12" creationId="{6FBC6350-2952-468E-A4A5-5EAFFA9C1274}"/>
+          </ac:picMkLst>
+        </pc:picChg>
+        <pc:picChg chg="add del mod">
+          <ac:chgData name="Leandro Daniel" userId="682bb4abc622d264" providerId="LiveId" clId="{0C927506-5143-4A7D-B285-178AAC9CF657}" dt="2020-05-24T19:20:30.316" v="925" actId="478"/>
+          <ac:picMkLst>
+            <pc:docMk/>
+            <pc:sldMk cId="1275928961" sldId="372"/>
+            <ac:picMk id="13" creationId="{BAB79A15-E753-407A-B7F2-23D620DE7067}"/>
+          </ac:picMkLst>
+        </pc:picChg>
+        <pc:picChg chg="add del mod">
+          <ac:chgData name="Leandro Daniel" userId="682bb4abc622d264" providerId="LiveId" clId="{0C927506-5143-4A7D-B285-178AAC9CF657}" dt="2020-05-24T19:20:30.316" v="925" actId="478"/>
+          <ac:picMkLst>
+            <pc:docMk/>
+            <pc:sldMk cId="1275928961" sldId="372"/>
+            <ac:picMk id="14" creationId="{A4711A5A-BE4E-4692-9C78-47ACAF315FE3}"/>
+          </ac:picMkLst>
+        </pc:picChg>
+        <pc:cxnChg chg="add del mod">
+          <ac:chgData name="Leandro Daniel" userId="682bb4abc622d264" providerId="LiveId" clId="{0C927506-5143-4A7D-B285-178AAC9CF657}" dt="2020-05-24T19:20:30.316" v="925" actId="478"/>
+          <ac:cxnSpMkLst>
+            <pc:docMk/>
+            <pc:sldMk cId="1275928961" sldId="372"/>
+            <ac:cxnSpMk id="16" creationId="{EA648973-512C-4670-9344-A687D2E41ED4}"/>
+          </ac:cxnSpMkLst>
+        </pc:cxnChg>
       </pc:sldChg>
     </pc:docChg>
   </pc:docChgLst>
@@ -3621,7 +3844,23 @@
                   <a:schemeClr val="bg1"/>
                 </a:solidFill>
               </a:rPr>
-              <a:t>  Título da Monografia:</a:t>
+              <a:t>  Título da Monografia: (</a:t>
+            </a:r>
+            <a:r>
+              <a:rPr lang="pt-BR" sz="3600" b="1" dirty="0" err="1">
+                <a:solidFill>
+                  <a:schemeClr val="bg1"/>
+                </a:solidFill>
+              </a:rPr>
+              <a:t>to-do</a:t>
+            </a:r>
+            <a:r>
+              <a:rPr lang="pt-BR" sz="3600" b="1" dirty="0">
+                <a:solidFill>
+                  <a:schemeClr val="bg1"/>
+                </a:solidFill>
+              </a:rPr>
+              <a:t>)</a:t>
             </a:r>
           </a:p>
         </p:txBody>
@@ -4129,7 +4368,7 @@
         <p:spPr>
           <a:xfrm>
             <a:off x="176644" y="1355075"/>
-            <a:ext cx="11919876" cy="846835"/>
+            <a:ext cx="11919876" cy="462114"/>
           </a:xfrm>
           <a:prstGeom prst="rect">
             <a:avLst/>
@@ -4151,11 +4390,11 @@
             </a:pPr>
             <a:r>
               <a:rPr lang="pt-BR" sz="2400" dirty="0"/>
-              <a:t>- Quais técnicas estatísticas e/ou de </a:t>
+              <a:t>- Quais variáveis foram concebidas após aplicação de </a:t>
             </a:r>
             <a:r>
               <a:rPr lang="pt-BR" sz="2400" i="1" dirty="0" err="1"/>
-              <a:t>machine</a:t>
+              <a:t>feature</a:t>
             </a:r>
             <a:r>
               <a:rPr lang="pt-BR" sz="2400" i="1" dirty="0"/>
@@ -4163,11 +4402,11 @@
             </a:r>
             <a:r>
               <a:rPr lang="pt-BR" sz="2400" i="1" dirty="0" err="1"/>
-              <a:t>learning</a:t>
+              <a:t>engineering</a:t>
             </a:r>
             <a:r>
               <a:rPr lang="pt-BR" sz="2400" dirty="0"/>
-              <a:t> serão utilizadas (dentre as aprendidas no curso)?</a:t>
+              <a:t>?</a:t>
             </a:r>
           </a:p>
         </p:txBody>
@@ -4177,7 +4416,7 @@
           <p:cNvPr id="4" name="CaixaDeTexto 3">
             <a:extLst>
               <a:ext uri="{FF2B5EF4-FFF2-40B4-BE49-F238E27FC236}">
-                <a16:creationId xmlns:a16="http://schemas.microsoft.com/office/drawing/2014/main" id="{2CEABB78-1981-4542-9477-F6F9986CDBB1}"/>
+                <a16:creationId xmlns:a16="http://schemas.microsoft.com/office/drawing/2014/main" id="{C7463C38-0C64-417D-97DB-85F9C1B86AF4}"/>
               </a:ext>
             </a:extLst>
           </p:cNvPr>
@@ -4186,7 +4425,7 @@
         </p:nvSpPr>
         <p:spPr>
           <a:xfrm>
-            <a:off x="176644" y="2291511"/>
+            <a:off x="176644" y="2016087"/>
             <a:ext cx="11919876" cy="430887"/>
           </a:xfrm>
           <a:prstGeom prst="rect">
@@ -4213,7 +4452,7 @@
     </p:spTree>
     <p:extLst>
       <p:ext uri="{BB962C8B-B14F-4D97-AF65-F5344CB8AC3E}">
-        <p14:creationId xmlns:p14="http://schemas.microsoft.com/office/powerpoint/2010/main" val="303897569"/>
+        <p14:creationId xmlns:p14="http://schemas.microsoft.com/office/powerpoint/2010/main" val="1588210080"/>
       </p:ext>
     </p:extLst>
   </p:cSld>
@@ -4255,7 +4494,7 @@
         <p:spPr>
           <a:xfrm>
             <a:off x="176644" y="207818"/>
-            <a:ext cx="10619886" cy="523220"/>
+            <a:ext cx="10058026" cy="954107"/>
           </a:xfrm>
           <a:prstGeom prst="rect">
             <a:avLst/>
@@ -4274,7 +4513,31 @@
                   <a:schemeClr val="bg1"/>
                 </a:solidFill>
               </a:rPr>
-              <a:t>3) Referencial Teórico e Metodologia do Projeto Analítico</a:t>
+              <a:t>2) Base de Dados e Técnicas Estatísticas e/ou de </a:t>
+            </a:r>
+            <a:r>
+              <a:rPr lang="pt-BR" sz="2800" b="1" i="1" dirty="0" err="1">
+                <a:solidFill>
+                  <a:schemeClr val="bg1"/>
+                </a:solidFill>
+              </a:rPr>
+              <a:t>Machine</a:t>
+            </a:r>
+            <a:r>
+              <a:rPr lang="pt-BR" sz="2800" b="1" i="1" dirty="0">
+                <a:solidFill>
+                  <a:schemeClr val="bg1"/>
+                </a:solidFill>
+              </a:rPr>
+              <a:t> Learning</a:t>
+            </a:r>
+            <a:r>
+              <a:rPr lang="pt-BR" sz="2800" b="1" dirty="0">
+                <a:solidFill>
+                  <a:schemeClr val="bg1"/>
+                </a:solidFill>
+              </a:rPr>
+              <a:t> do Projeto Analítico</a:t>
             </a:r>
           </a:p>
         </p:txBody>
@@ -4284,7 +4547,7 @@
           <p:cNvPr id="3" name="Retângulo 2">
             <a:extLst>
               <a:ext uri="{FF2B5EF4-FFF2-40B4-BE49-F238E27FC236}">
-                <a16:creationId xmlns:a16="http://schemas.microsoft.com/office/drawing/2014/main" id="{0464F21F-CB9C-45F7-B671-AA1301672C7C}"/>
+                <a16:creationId xmlns:a16="http://schemas.microsoft.com/office/drawing/2014/main" id="{174208DE-0C00-40F4-A31A-3BC0AEE1B5CE}"/>
               </a:ext>
             </a:extLst>
           </p:cNvPr>
@@ -4294,7 +4557,7 @@
         <p:spPr>
           <a:xfrm>
             <a:off x="176644" y="1355075"/>
-            <a:ext cx="11919876" cy="462114"/>
+            <a:ext cx="11919876" cy="846835"/>
           </a:xfrm>
           <a:prstGeom prst="rect">
             <a:avLst/>
@@ -4309,58 +4572,30 @@
           </a:bodyPr>
           <a:lstStyle/>
           <a:p>
-            <a:pPr marL="15875" indent="-15875" algn="just">
+            <a:pPr marL="15875" indent="-15875">
               <a:lnSpc>
                 <a:spcPts val="3000"/>
               </a:lnSpc>
             </a:pPr>
             <a:r>
               <a:rPr lang="pt-BR" sz="2400" dirty="0"/>
-              <a:t>- </a:t>
-            </a:r>
-            <a:r>
-              <a:rPr lang="pt-BR" sz="2400" dirty="0">
-                <a:solidFill>
-                  <a:prstClr val="black"/>
-                </a:solidFill>
-              </a:rPr>
-              <a:t>Qual foi o </a:t>
-            </a:r>
-            <a:r>
-              <a:rPr lang="pt-BR" sz="2400" b="1" dirty="0">
-                <a:solidFill>
-                  <a:prstClr val="black"/>
-                </a:solidFill>
-              </a:rPr>
-              <a:t>REFERENCIAL TEÓRICO</a:t>
-            </a:r>
-            <a:r>
-              <a:rPr lang="pt-BR" sz="2400" dirty="0">
-                <a:solidFill>
-                  <a:prstClr val="black"/>
-                </a:solidFill>
-              </a:rPr>
-              <a:t> concebido (</a:t>
-            </a:r>
-            <a:r>
-              <a:rPr lang="pt-BR" sz="2400" b="1" dirty="0">
-                <a:solidFill>
-                  <a:prstClr val="black"/>
-                </a:solidFill>
-              </a:rPr>
-              <a:t>ler para a turma</a:t>
-            </a:r>
-            <a:r>
-              <a:rPr lang="pt-BR" sz="2400" dirty="0">
-                <a:solidFill>
-                  <a:prstClr val="black"/>
-                </a:solidFill>
-              </a:rPr>
-              <a:t>)</a:t>
+              <a:t>- Quais técnicas estatísticas e/ou de </a:t>
+            </a:r>
+            <a:r>
+              <a:rPr lang="pt-BR" sz="2400" i="1" dirty="0" err="1"/>
+              <a:t>machine</a:t>
+            </a:r>
+            <a:r>
+              <a:rPr lang="pt-BR" sz="2400" i="1" dirty="0"/>
+              <a:t> </a:t>
+            </a:r>
+            <a:r>
+              <a:rPr lang="pt-BR" sz="2400" i="1" dirty="0" err="1"/>
+              <a:t>learning</a:t>
             </a:r>
             <a:r>
               <a:rPr lang="pt-BR" sz="2400" dirty="0"/>
-              <a:t>?</a:t>
+              <a:t> serão utilizadas (dentre as aprendidas no curso)?</a:t>
             </a:r>
           </a:p>
         </p:txBody>
@@ -4370,7 +4605,7 @@
           <p:cNvPr id="4" name="CaixaDeTexto 3">
             <a:extLst>
               <a:ext uri="{FF2B5EF4-FFF2-40B4-BE49-F238E27FC236}">
-                <a16:creationId xmlns:a16="http://schemas.microsoft.com/office/drawing/2014/main" id="{2986ED32-27EE-4608-ACDA-A45D763B90F1}"/>
+                <a16:creationId xmlns:a16="http://schemas.microsoft.com/office/drawing/2014/main" id="{2CEABB78-1981-4542-9477-F6F9986CDBB1}"/>
               </a:ext>
             </a:extLst>
           </p:cNvPr>
@@ -4379,7 +4614,7 @@
         </p:nvSpPr>
         <p:spPr>
           <a:xfrm>
-            <a:off x="176644" y="2016087"/>
+            <a:off x="176644" y="2291511"/>
             <a:ext cx="11919876" cy="430887"/>
           </a:xfrm>
           <a:prstGeom prst="rect">
@@ -4406,7 +4641,7 @@
     </p:spTree>
     <p:extLst>
       <p:ext uri="{BB962C8B-B14F-4D97-AF65-F5344CB8AC3E}">
-        <p14:creationId xmlns:p14="http://schemas.microsoft.com/office/powerpoint/2010/main" val="2538997075"/>
+        <p14:creationId xmlns:p14="http://schemas.microsoft.com/office/powerpoint/2010/main" val="303897569"/>
       </p:ext>
     </p:extLst>
   </p:cSld>
@@ -4502,18 +4737,22 @@
           </a:bodyPr>
           <a:lstStyle/>
           <a:p>
-            <a:pPr marL="15875" lvl="0" indent="-15875" algn="just">
+            <a:pPr marL="15875" indent="-15875" algn="just">
               <a:lnSpc>
                 <a:spcPts val="3000"/>
               </a:lnSpc>
             </a:pPr>
             <a:r>
+              <a:rPr lang="pt-BR" sz="2400" dirty="0"/>
+              <a:t>- </a:t>
+            </a:r>
+            <a:r>
               <a:rPr lang="pt-BR" sz="2400" dirty="0">
                 <a:solidFill>
                   <a:prstClr val="black"/>
                 </a:solidFill>
               </a:rPr>
-              <a:t>- Qual é a </a:t>
+              <a:t>Qual foi o </a:t>
             </a:r>
             <a:r>
               <a:rPr lang="pt-BR" sz="2400" b="1" dirty="0">
@@ -4521,7 +4760,7 @@
                   <a:prstClr val="black"/>
                 </a:solidFill>
               </a:rPr>
-              <a:t>METODOLOGIA</a:t>
+              <a:t>REFERENCIAL TEÓRICO</a:t>
             </a:r>
             <a:r>
               <a:rPr lang="pt-BR" sz="2400" dirty="0">
@@ -4529,9 +4768,28 @@
                   <a:prstClr val="black"/>
                 </a:solidFill>
               </a:rPr>
-              <a:t> (procedimento passo a passo) da pesquisa?</a:t>
-            </a:r>
-            <a:endParaRPr lang="pt-BR" sz="2400" dirty="0"/>
+              <a:t> concebido (</a:t>
+            </a:r>
+            <a:r>
+              <a:rPr lang="pt-BR" sz="2400" b="1" dirty="0">
+                <a:solidFill>
+                  <a:prstClr val="black"/>
+                </a:solidFill>
+              </a:rPr>
+              <a:t>ler para a turma</a:t>
+            </a:r>
+            <a:r>
+              <a:rPr lang="pt-BR" sz="2400" dirty="0">
+                <a:solidFill>
+                  <a:prstClr val="black"/>
+                </a:solidFill>
+              </a:rPr>
+              <a:t>)</a:t>
+            </a:r>
+            <a:r>
+              <a:rPr lang="pt-BR" sz="2400" dirty="0"/>
+              <a:t>?</a:t>
+            </a:r>
           </a:p>
         </p:txBody>
       </p:sp>
@@ -4540,7 +4798,7 @@
           <p:cNvPr id="4" name="CaixaDeTexto 3">
             <a:extLst>
               <a:ext uri="{FF2B5EF4-FFF2-40B4-BE49-F238E27FC236}">
-                <a16:creationId xmlns:a16="http://schemas.microsoft.com/office/drawing/2014/main" id="{ACB5372C-5619-4615-BA99-8963D2DAED07}"/>
+                <a16:creationId xmlns:a16="http://schemas.microsoft.com/office/drawing/2014/main" id="{2986ED32-27EE-4608-ACDA-A45D763B90F1}"/>
               </a:ext>
             </a:extLst>
           </p:cNvPr>
@@ -4576,7 +4834,7 @@
     </p:spTree>
     <p:extLst>
       <p:ext uri="{BB962C8B-B14F-4D97-AF65-F5344CB8AC3E}">
-        <p14:creationId xmlns:p14="http://schemas.microsoft.com/office/powerpoint/2010/main" val="1046586723"/>
+        <p14:creationId xmlns:p14="http://schemas.microsoft.com/office/powerpoint/2010/main" val="2538997075"/>
       </p:ext>
     </p:extLst>
   </p:cSld>
@@ -4637,7 +4895,7 @@
                   <a:schemeClr val="bg1"/>
                 </a:solidFill>
               </a:rPr>
-              <a:t>4) Análise dos Dados e Resultados Encontrados</a:t>
+              <a:t>3) Referencial Teórico e Metodologia do Projeto Analítico</a:t>
             </a:r>
           </a:p>
         </p:txBody>
@@ -4647,7 +4905,7 @@
           <p:cNvPr id="3" name="Retângulo 2">
             <a:extLst>
               <a:ext uri="{FF2B5EF4-FFF2-40B4-BE49-F238E27FC236}">
-                <a16:creationId xmlns:a16="http://schemas.microsoft.com/office/drawing/2014/main" id="{6E4F48DF-7BE3-4E81-BCEE-F95E301A11C3}"/>
+                <a16:creationId xmlns:a16="http://schemas.microsoft.com/office/drawing/2014/main" id="{0464F21F-CB9C-45F7-B671-AA1301672C7C}"/>
               </a:ext>
             </a:extLst>
           </p:cNvPr>
@@ -4672,22 +4930,18 @@
           </a:bodyPr>
           <a:lstStyle/>
           <a:p>
-            <a:pPr marL="15875" indent="-15875" algn="just">
+            <a:pPr marL="15875" lvl="0" indent="-15875" algn="just">
               <a:lnSpc>
                 <a:spcPts val="3000"/>
               </a:lnSpc>
             </a:pPr>
             <a:r>
-              <a:rPr lang="pt-BR" sz="2400" dirty="0"/>
-              <a:t>- </a:t>
-            </a:r>
-            <a:r>
               <a:rPr lang="pt-BR" sz="2400" dirty="0">
                 <a:solidFill>
                   <a:prstClr val="black"/>
                 </a:solidFill>
               </a:rPr>
-              <a:t>Quais </a:t>
+              <a:t>- Qual é a </a:t>
             </a:r>
             <a:r>
               <a:rPr lang="pt-BR" sz="2400" b="1" dirty="0">
@@ -4695,7 +4949,7 @@
                   <a:prstClr val="black"/>
                 </a:solidFill>
               </a:rPr>
-              <a:t>RESULTADOS</a:t>
+              <a:t>METODOLOGIA</a:t>
             </a:r>
             <a:r>
               <a:rPr lang="pt-BR" sz="2400" dirty="0">
@@ -4703,12 +4957,9 @@
                   <a:prstClr val="black"/>
                 </a:solidFill>
               </a:rPr>
-              <a:t> foram encontrados na análise nos dados</a:t>
-            </a:r>
-            <a:r>
-              <a:rPr lang="pt-BR" sz="2400" dirty="0"/>
-              <a:t>?</a:t>
-            </a:r>
+              <a:t> (procedimento passo a passo) da pesquisa?</a:t>
+            </a:r>
+            <a:endParaRPr lang="pt-BR" sz="2400" dirty="0"/>
           </a:p>
         </p:txBody>
       </p:sp>
@@ -4717,7 +4968,7 @@
           <p:cNvPr id="4" name="CaixaDeTexto 3">
             <a:extLst>
               <a:ext uri="{FF2B5EF4-FFF2-40B4-BE49-F238E27FC236}">
-                <a16:creationId xmlns:a16="http://schemas.microsoft.com/office/drawing/2014/main" id="{5F96A4B5-BCBF-4128-AA58-68E853C4C0C1}"/>
+                <a16:creationId xmlns:a16="http://schemas.microsoft.com/office/drawing/2014/main" id="{ACB5372C-5619-4615-BA99-8963D2DAED07}"/>
               </a:ext>
             </a:extLst>
           </p:cNvPr>
@@ -4753,7 +5004,7 @@
     </p:spTree>
     <p:extLst>
       <p:ext uri="{BB962C8B-B14F-4D97-AF65-F5344CB8AC3E}">
-        <p14:creationId xmlns:p14="http://schemas.microsoft.com/office/powerpoint/2010/main" val="3932015321"/>
+        <p14:creationId xmlns:p14="http://schemas.microsoft.com/office/powerpoint/2010/main" val="1046586723"/>
       </p:ext>
     </p:extLst>
   </p:cSld>
@@ -4814,7 +5065,7 @@
                   <a:schemeClr val="bg1"/>
                 </a:solidFill>
               </a:rPr>
-              <a:t>5) Implicações Gerenciais e Conclusão do Projeto Analítico</a:t>
+              <a:t>4) Análise dos Dados e Resultados Encontrados</a:t>
             </a:r>
           </a:p>
         </p:txBody>
@@ -4849,18 +5100,22 @@
           </a:bodyPr>
           <a:lstStyle/>
           <a:p>
-            <a:pPr marL="15875" lvl="0" indent="-15875" algn="just">
+            <a:pPr marL="15875" indent="-15875" algn="just">
               <a:lnSpc>
                 <a:spcPts val="3000"/>
               </a:lnSpc>
             </a:pPr>
             <a:r>
+              <a:rPr lang="pt-BR" sz="2400" dirty="0"/>
+              <a:t>- </a:t>
+            </a:r>
+            <a:r>
               <a:rPr lang="pt-BR" sz="2400" dirty="0">
                 <a:solidFill>
                   <a:prstClr val="black"/>
                 </a:solidFill>
               </a:rPr>
-              <a:t>- Quais são as </a:t>
+              <a:t>Quais </a:t>
             </a:r>
             <a:r>
               <a:rPr lang="pt-BR" sz="2400" b="1" dirty="0">
@@ -4868,7 +5123,7 @@
                   <a:prstClr val="black"/>
                 </a:solidFill>
               </a:rPr>
-              <a:t>IMPLICAÇÕES GERENCIAIS</a:t>
+              <a:t>RESULTADOS</a:t>
             </a:r>
             <a:r>
               <a:rPr lang="pt-BR" sz="2400" dirty="0">
@@ -4876,7 +5131,11 @@
                   <a:prstClr val="black"/>
                 </a:solidFill>
               </a:rPr>
-              <a:t> da pesquisa?</a:t>
+              <a:t> foram encontrados na análise nos dados</a:t>
+            </a:r>
+            <a:r>
+              <a:rPr lang="pt-BR" sz="2400" dirty="0"/>
+              <a:t>?</a:t>
             </a:r>
           </a:p>
         </p:txBody>
@@ -4886,7 +5145,7 @@
           <p:cNvPr id="4" name="CaixaDeTexto 3">
             <a:extLst>
               <a:ext uri="{FF2B5EF4-FFF2-40B4-BE49-F238E27FC236}">
-                <a16:creationId xmlns:a16="http://schemas.microsoft.com/office/drawing/2014/main" id="{6BFF6B08-BA12-4A27-A6FB-E5AD25D2188C}"/>
+                <a16:creationId xmlns:a16="http://schemas.microsoft.com/office/drawing/2014/main" id="{5F96A4B5-BCBF-4128-AA58-68E853C4C0C1}"/>
               </a:ext>
             </a:extLst>
           </p:cNvPr>
@@ -4922,7 +5181,7 @@
     </p:spTree>
     <p:extLst>
       <p:ext uri="{BB962C8B-B14F-4D97-AF65-F5344CB8AC3E}">
-        <p14:creationId xmlns:p14="http://schemas.microsoft.com/office/powerpoint/2010/main" val="3981785778"/>
+        <p14:creationId xmlns:p14="http://schemas.microsoft.com/office/powerpoint/2010/main" val="3932015321"/>
       </p:ext>
     </p:extLst>
   </p:cSld>
@@ -5018,7 +5277,7 @@
           </a:bodyPr>
           <a:lstStyle/>
           <a:p>
-            <a:pPr marL="15875" indent="-15875" algn="just">
+            <a:pPr marL="15875" lvl="0" indent="-15875" algn="just">
               <a:lnSpc>
                 <a:spcPts val="3000"/>
               </a:lnSpc>
@@ -5029,7 +5288,7 @@
                   <a:prstClr val="black"/>
                 </a:solidFill>
               </a:rPr>
-              <a:t>- Quais foram as </a:t>
+              <a:t>- Quais são as </a:t>
             </a:r>
             <a:r>
               <a:rPr lang="pt-BR" sz="2400" b="1" dirty="0">
@@ -5037,7 +5296,7 @@
                   <a:prstClr val="black"/>
                 </a:solidFill>
               </a:rPr>
-              <a:t>LIMITAÇÕES</a:t>
+              <a:t>IMPLICAÇÕES GERENCIAIS</a:t>
             </a:r>
             <a:r>
               <a:rPr lang="pt-BR" sz="2400" dirty="0">
@@ -5055,7 +5314,7 @@
           <p:cNvPr id="4" name="CaixaDeTexto 3">
             <a:extLst>
               <a:ext uri="{FF2B5EF4-FFF2-40B4-BE49-F238E27FC236}">
-                <a16:creationId xmlns:a16="http://schemas.microsoft.com/office/drawing/2014/main" id="{D2E0FDAC-7CB4-4675-900E-00A8FF1FFE1A}"/>
+                <a16:creationId xmlns:a16="http://schemas.microsoft.com/office/drawing/2014/main" id="{6BFF6B08-BA12-4A27-A6FB-E5AD25D2188C}"/>
               </a:ext>
             </a:extLst>
           </p:cNvPr>
@@ -5091,7 +5350,7 @@
     </p:spTree>
     <p:extLst>
       <p:ext uri="{BB962C8B-B14F-4D97-AF65-F5344CB8AC3E}">
-        <p14:creationId xmlns:p14="http://schemas.microsoft.com/office/powerpoint/2010/main" val="1782597892"/>
+        <p14:creationId xmlns:p14="http://schemas.microsoft.com/office/powerpoint/2010/main" val="3981785778"/>
       </p:ext>
     </p:extLst>
   </p:cSld>
@@ -5198,6 +5457,175 @@
                   <a:prstClr val="black"/>
                 </a:solidFill>
               </a:rPr>
+              <a:t>- Quais foram as </a:t>
+            </a:r>
+            <a:r>
+              <a:rPr lang="pt-BR" sz="2400" b="1" dirty="0">
+                <a:solidFill>
+                  <a:prstClr val="black"/>
+                </a:solidFill>
+              </a:rPr>
+              <a:t>LIMITAÇÕES</a:t>
+            </a:r>
+            <a:r>
+              <a:rPr lang="pt-BR" sz="2400" dirty="0">
+                <a:solidFill>
+                  <a:prstClr val="black"/>
+                </a:solidFill>
+              </a:rPr>
+              <a:t> da pesquisa?</a:t>
+            </a:r>
+          </a:p>
+        </p:txBody>
+      </p:sp>
+      <p:sp>
+        <p:nvSpPr>
+          <p:cNvPr id="4" name="CaixaDeTexto 3">
+            <a:extLst>
+              <a:ext uri="{FF2B5EF4-FFF2-40B4-BE49-F238E27FC236}">
+                <a16:creationId xmlns:a16="http://schemas.microsoft.com/office/drawing/2014/main" id="{D2E0FDAC-7CB4-4675-900E-00A8FF1FFE1A}"/>
+              </a:ext>
+            </a:extLst>
+          </p:cNvPr>
+          <p:cNvSpPr txBox="1"/>
+          <p:nvPr/>
+        </p:nvSpPr>
+        <p:spPr>
+          <a:xfrm>
+            <a:off x="176644" y="2016087"/>
+            <a:ext cx="11919876" cy="430887"/>
+          </a:xfrm>
+          <a:prstGeom prst="rect">
+            <a:avLst/>
+          </a:prstGeom>
+          <a:noFill/>
+          <a:ln>
+            <a:noFill/>
+          </a:ln>
+        </p:spPr>
+        <p:txBody>
+          <a:bodyPr wrap="square" rtlCol="0">
+            <a:spAutoFit/>
+          </a:bodyPr>
+          <a:lstStyle/>
+          <a:p>
+            <a:r>
+              <a:rPr lang="pt-BR" sz="2200" i="1" dirty="0"/>
+              <a:t>Escrever aqui</a:t>
+            </a:r>
+          </a:p>
+        </p:txBody>
+      </p:sp>
+    </p:spTree>
+    <p:extLst>
+      <p:ext uri="{BB962C8B-B14F-4D97-AF65-F5344CB8AC3E}">
+        <p14:creationId xmlns:p14="http://schemas.microsoft.com/office/powerpoint/2010/main" val="1782597892"/>
+      </p:ext>
+    </p:extLst>
+  </p:cSld>
+  <p:clrMapOvr>
+    <a:masterClrMapping/>
+  </p:clrMapOvr>
+</p:sld>
+</file>
+
+<file path=ppt/slides/slide17.xml><?xml version="1.0" encoding="utf-8"?>
+<p:sld xmlns:a="http://schemas.openxmlformats.org/drawingml/2006/main" xmlns:r="http://schemas.openxmlformats.org/officeDocument/2006/relationships" xmlns:p="http://schemas.openxmlformats.org/presentationml/2006/main">
+  <p:cSld>
+    <p:spTree>
+      <p:nvGrpSpPr>
+        <p:cNvPr id="1" name=""/>
+        <p:cNvGrpSpPr/>
+        <p:nvPr/>
+      </p:nvGrpSpPr>
+      <p:grpSpPr>
+        <a:xfrm>
+          <a:off x="0" y="0"/>
+          <a:ext cx="0" cy="0"/>
+          <a:chOff x="0" y="0"/>
+          <a:chExt cx="0" cy="0"/>
+        </a:xfrm>
+      </p:grpSpPr>
+      <p:sp>
+        <p:nvSpPr>
+          <p:cNvPr id="2" name="CaixaDeTexto 1">
+            <a:extLst>
+              <a:ext uri="{FF2B5EF4-FFF2-40B4-BE49-F238E27FC236}">
+                <a16:creationId xmlns:a16="http://schemas.microsoft.com/office/drawing/2014/main" id="{E2289C40-6B36-4906-BF6F-3D1B594D6D57}"/>
+              </a:ext>
+            </a:extLst>
+          </p:cNvPr>
+          <p:cNvSpPr txBox="1"/>
+          <p:nvPr/>
+        </p:nvSpPr>
+        <p:spPr>
+          <a:xfrm>
+            <a:off x="176644" y="207818"/>
+            <a:ext cx="10619886" cy="523220"/>
+          </a:xfrm>
+          <a:prstGeom prst="rect">
+            <a:avLst/>
+          </a:prstGeom>
+          <a:noFill/>
+        </p:spPr>
+        <p:txBody>
+          <a:bodyPr wrap="square" rtlCol="0">
+            <a:spAutoFit/>
+          </a:bodyPr>
+          <a:lstStyle/>
+          <a:p>
+            <a:r>
+              <a:rPr lang="pt-BR" sz="2800" b="1" dirty="0">
+                <a:solidFill>
+                  <a:schemeClr val="bg1"/>
+                </a:solidFill>
+              </a:rPr>
+              <a:t>5) Implicações Gerenciais e Conclusão do Projeto Analítico</a:t>
+            </a:r>
+          </a:p>
+        </p:txBody>
+      </p:sp>
+      <p:sp>
+        <p:nvSpPr>
+          <p:cNvPr id="3" name="Retângulo 2">
+            <a:extLst>
+              <a:ext uri="{FF2B5EF4-FFF2-40B4-BE49-F238E27FC236}">
+                <a16:creationId xmlns:a16="http://schemas.microsoft.com/office/drawing/2014/main" id="{6E4F48DF-7BE3-4E81-BCEE-F95E301A11C3}"/>
+              </a:ext>
+            </a:extLst>
+          </p:cNvPr>
+          <p:cNvSpPr/>
+          <p:nvPr/>
+        </p:nvSpPr>
+        <p:spPr>
+          <a:xfrm>
+            <a:off x="176644" y="1355075"/>
+            <a:ext cx="11919876" cy="462114"/>
+          </a:xfrm>
+          <a:prstGeom prst="rect">
+            <a:avLst/>
+          </a:prstGeom>
+          <a:solidFill>
+            <a:srgbClr val="CDCDCD"/>
+          </a:solidFill>
+        </p:spPr>
+        <p:txBody>
+          <a:bodyPr wrap="square">
+            <a:spAutoFit/>
+          </a:bodyPr>
+          <a:lstStyle/>
+          <a:p>
+            <a:pPr marL="15875" indent="-15875" algn="just">
+              <a:lnSpc>
+                <a:spcPts val="3000"/>
+              </a:lnSpc>
+            </a:pPr>
+            <a:r>
+              <a:rPr lang="pt-BR" sz="2400" dirty="0">
+                <a:solidFill>
+                  <a:prstClr val="black"/>
+                </a:solidFill>
+              </a:rPr>
               <a:t>- Quais são as </a:t>
             </a:r>
             <a:r>
@@ -5286,7 +5714,7 @@
 </p:sld>
 </file>
 
-<file path=ppt/slides/slide17.xml><?xml version="1.0" encoding="utf-8"?>
+<file path=ppt/slides/slide18.xml><?xml version="1.0" encoding="utf-8"?>
 <p:sld xmlns:a="http://schemas.openxmlformats.org/drawingml/2006/main" xmlns:r="http://schemas.openxmlformats.org/officeDocument/2006/relationships" xmlns:p="http://schemas.openxmlformats.org/presentationml/2006/main">
   <p:cSld>
     <p:spTree>
@@ -5568,7 +5996,7 @@
         <p:spPr>
           <a:xfrm>
             <a:off x="176644" y="2016087"/>
-            <a:ext cx="11919876" cy="2462213"/>
+            <a:ext cx="11919876" cy="4154984"/>
           </a:xfrm>
           <a:prstGeom prst="rect">
             <a:avLst/>
@@ -5590,9 +6018,49 @@
             </a:r>
           </a:p>
           <a:p>
+            <a:endParaRPr lang="pt-PT" sz="2200" i="1" dirty="0"/>
+          </a:p>
+          <a:p>
+            <a:r>
+              <a:rPr lang="pt-PT" sz="2200" i="1" dirty="0"/>
+              <a:t>Com base nas evidências atuais, o vírus COVID-19 é transmitido entre pessoas através de contato próximo e gotículas</a:t>
+            </a:r>
             <a:r>
               <a:rPr lang="pt-BR" sz="2200" i="1" dirty="0"/>
-              <a:t>O vírus é altamente transmissível por gotículas e contato. Calcula-se que uma pessoa com infecção o transmita para de duas a quatro pessoas. A Organização Mundial de Saúde (OMS) recomenda o uso de máscaras combinadas com a correta higiene frequente das mãos como uma</a:t>
+              <a:t>. Calcula-se que uma pessoa com infecção o transmita para de duas a quatro pessoas. </a:t>
+            </a:r>
+          </a:p>
+          <a:p>
+            <a:endParaRPr lang="pt-BR" sz="2200" i="1" dirty="0"/>
+          </a:p>
+          <a:p>
+            <a:r>
+              <a:rPr lang="pt-BR" sz="2200" i="1" dirty="0"/>
+              <a:t>A Organização Mundial de Saúde (OMS) recomenda o uso de máscaras combinadas com a correta higiene frequente das mãos como parte da chamada EPI (Equipamento de Proteção Individual, do inglês PPE, ou </a:t>
+            </a:r>
+            <a:r>
+              <a:rPr lang="pt-BR" sz="2200" i="1" dirty="0" err="1"/>
+              <a:t>Personal</a:t>
+            </a:r>
+            <a:r>
+              <a:rPr lang="pt-BR" sz="2200" i="1" dirty="0"/>
+              <a:t> </a:t>
+            </a:r>
+            <a:r>
+              <a:rPr lang="pt-BR" sz="2200" i="1" dirty="0" err="1"/>
+              <a:t>Protective</a:t>
+            </a:r>
+            <a:r>
+              <a:rPr lang="pt-BR" sz="2200" i="1" dirty="0"/>
+              <a:t> </a:t>
+            </a:r>
+            <a:r>
+              <a:rPr lang="pt-BR" sz="2200" i="1" dirty="0" err="1"/>
+              <a:t>Equipment</a:t>
+            </a:r>
+            <a:r>
+              <a:rPr lang="pt-BR" sz="2200" i="1" dirty="0"/>
+              <a:t>).</a:t>
             </a:r>
           </a:p>
         </p:txBody>
@@ -5634,7 +6102,7 @@
             </a:pPr>
             <a:r>
               <a:rPr lang="pt-BR" dirty="0"/>
-              <a:t>[1 de 2]</a:t>
+              <a:t>[1 de 3]</a:t>
             </a:r>
           </a:p>
         </p:txBody>
@@ -5752,50 +6220,6 @@
       </p:sp>
       <p:sp>
         <p:nvSpPr>
-          <p:cNvPr id="6" name="CaixaDeTexto 5">
-            <a:extLst>
-              <a:ext uri="{FF2B5EF4-FFF2-40B4-BE49-F238E27FC236}">
-                <a16:creationId xmlns:a16="http://schemas.microsoft.com/office/drawing/2014/main" id="{D5F67441-A755-4247-851C-41974715F282}"/>
-              </a:ext>
-            </a:extLst>
-          </p:cNvPr>
-          <p:cNvSpPr txBox="1"/>
-          <p:nvPr/>
-        </p:nvSpPr>
-        <p:spPr>
-          <a:xfrm>
-            <a:off x="176644" y="2016087"/>
-            <a:ext cx="11919876" cy="2462213"/>
-          </a:xfrm>
-          <a:prstGeom prst="rect">
-            <a:avLst/>
-          </a:prstGeom>
-          <a:noFill/>
-          <a:ln>
-            <a:noFill/>
-          </a:ln>
-        </p:spPr>
-        <p:txBody>
-          <a:bodyPr wrap="square" rtlCol="0">
-            <a:spAutoFit/>
-          </a:bodyPr>
-          <a:lstStyle/>
-          <a:p>
-            <a:r>
-              <a:rPr lang="pt-BR" sz="2200" i="1" dirty="0"/>
-              <a:t>Vivemos tempos exponenciais, onde nossa sociedade enfrenta o desafio de combate e prevenção contra o crescente alastramento da COVID-19 em uma escala global. Deste desafiador contexto, emergem efeitos colaterais inéditos na era moderna, como o distanciamento social, dentre diversas mudanças de hábitos.</a:t>
-            </a:r>
-          </a:p>
-          <a:p>
-            <a:r>
-              <a:rPr lang="pt-BR" sz="2200" i="1" dirty="0"/>
-              <a:t>O vírus é altamente transmissível por gotículas e contato. Calcula-se que uma pessoa com infecção o transmita para de duas a quatro pessoas. A Organização Mundial de Saúde (OMS) recomenda o uso de máscaras combinadas com a correta higiene frequente das mãos como uma</a:t>
-            </a:r>
-          </a:p>
-        </p:txBody>
-      </p:sp>
-      <p:sp>
-        <p:nvSpPr>
           <p:cNvPr id="7" name="Retângulo 4">
             <a:extLst>
               <a:ext uri="{FF2B5EF4-FFF2-40B4-BE49-F238E27FC236}">
@@ -5831,11 +6255,249 @@
             </a:pPr>
             <a:r>
               <a:rPr lang="pt-BR" dirty="0"/>
-              <a:t>[2 de 2]</a:t>
+              <a:t>[2 de 3]</a:t>
             </a:r>
           </a:p>
         </p:txBody>
       </p:sp>
+      <p:sp>
+        <p:nvSpPr>
+          <p:cNvPr id="14" name="CaixaDeTexto 5">
+            <a:extLst>
+              <a:ext uri="{FF2B5EF4-FFF2-40B4-BE49-F238E27FC236}">
+                <a16:creationId xmlns:a16="http://schemas.microsoft.com/office/drawing/2014/main" id="{07CA8BF6-9A49-441F-836D-9072850A59D4}"/>
+              </a:ext>
+            </a:extLst>
+          </p:cNvPr>
+          <p:cNvSpPr txBox="1"/>
+          <p:nvPr/>
+        </p:nvSpPr>
+        <p:spPr>
+          <a:xfrm>
+            <a:off x="176644" y="2016087"/>
+            <a:ext cx="3251748" cy="4154984"/>
+          </a:xfrm>
+          <a:prstGeom prst="rect">
+            <a:avLst/>
+          </a:prstGeom>
+          <a:noFill/>
+          <a:ln>
+            <a:noFill/>
+          </a:ln>
+        </p:spPr>
+        <p:txBody>
+          <a:bodyPr wrap="square" rtlCol="0">
+            <a:spAutoFit/>
+          </a:bodyPr>
+          <a:lstStyle/>
+          <a:p>
+            <a:r>
+              <a:rPr lang="pt-BR" sz="2200" i="1" dirty="0"/>
+              <a:t>A Organização Mundial de Saúde disponibiliza uma série de orientações e guias para o uso correto das máscaras, bem com seu descarte e combinação com procedimentos de lavagem das mãos, como uma das medidas possíveis de contenção do alastramento da </a:t>
+            </a:r>
+          </a:p>
+          <a:p>
+            <a:r>
+              <a:rPr lang="pt-BR" sz="2200" i="1" dirty="0"/>
+              <a:t>COVID-19.</a:t>
+            </a:r>
+          </a:p>
+        </p:txBody>
+      </p:sp>
+      <p:pic>
+        <p:nvPicPr>
+          <p:cNvPr id="15" name="Picture 14" descr="A screenshot of a cell phone&#10;&#10;Description automatically generated">
+            <a:extLst>
+              <a:ext uri="{FF2B5EF4-FFF2-40B4-BE49-F238E27FC236}">
+                <a16:creationId xmlns:a16="http://schemas.microsoft.com/office/drawing/2014/main" id="{2F22A74C-3364-4DD1-BBA7-38E977DAC637}"/>
+              </a:ext>
+            </a:extLst>
+          </p:cNvPr>
+          <p:cNvPicPr>
+            <a:picLocks noChangeAspect="1"/>
+          </p:cNvPicPr>
+          <p:nvPr/>
+        </p:nvPicPr>
+        <p:blipFill>
+          <a:blip r:embed="rId2">
+            <a:extLst>
+              <a:ext uri="{28A0092B-C50C-407E-A947-70E740481C1C}">
+                <a14:useLocalDpi xmlns:a14="http://schemas.microsoft.com/office/drawing/2010/main" val="0"/>
+              </a:ext>
+            </a:extLst>
+          </a:blip>
+          <a:stretch>
+            <a:fillRect/>
+          </a:stretch>
+        </p:blipFill>
+        <p:spPr>
+          <a:xfrm>
+            <a:off x="9289299" y="2010337"/>
+            <a:ext cx="2807221" cy="3967660"/>
+          </a:xfrm>
+          <a:prstGeom prst="rect">
+            <a:avLst/>
+          </a:prstGeom>
+        </p:spPr>
+      </p:pic>
+      <p:pic>
+        <p:nvPicPr>
+          <p:cNvPr id="16" name="Picture 15">
+            <a:extLst>
+              <a:ext uri="{FF2B5EF4-FFF2-40B4-BE49-F238E27FC236}">
+                <a16:creationId xmlns:a16="http://schemas.microsoft.com/office/drawing/2014/main" id="{B1A27C00-ABA4-4EE5-95D2-97D339292616}"/>
+              </a:ext>
+            </a:extLst>
+          </p:cNvPr>
+          <p:cNvPicPr>
+            <a:picLocks noChangeAspect="1"/>
+          </p:cNvPicPr>
+          <p:nvPr/>
+        </p:nvPicPr>
+        <p:blipFill>
+          <a:blip r:embed="rId3"/>
+          <a:stretch>
+            <a:fillRect/>
+          </a:stretch>
+        </p:blipFill>
+        <p:spPr>
+          <a:xfrm>
+            <a:off x="6420744" y="2010337"/>
+            <a:ext cx="2794669" cy="3967660"/>
+          </a:xfrm>
+          <a:prstGeom prst="rect">
+            <a:avLst/>
+          </a:prstGeom>
+        </p:spPr>
+      </p:pic>
+      <p:pic>
+        <p:nvPicPr>
+          <p:cNvPr id="17" name="Picture 16">
+            <a:extLst>
+              <a:ext uri="{FF2B5EF4-FFF2-40B4-BE49-F238E27FC236}">
+                <a16:creationId xmlns:a16="http://schemas.microsoft.com/office/drawing/2014/main" id="{D6CEEE49-8720-460A-9FA7-E01A051D6D3D}"/>
+              </a:ext>
+            </a:extLst>
+          </p:cNvPr>
+          <p:cNvPicPr>
+            <a:picLocks noChangeAspect="1"/>
+          </p:cNvPicPr>
+          <p:nvPr/>
+        </p:nvPicPr>
+        <p:blipFill>
+          <a:blip r:embed="rId4"/>
+          <a:stretch>
+            <a:fillRect/>
+          </a:stretch>
+        </p:blipFill>
+        <p:spPr>
+          <a:xfrm>
+            <a:off x="3519659" y="2010337"/>
+            <a:ext cx="2827198" cy="3967660"/>
+          </a:xfrm>
+          <a:prstGeom prst="rect">
+            <a:avLst/>
+          </a:prstGeom>
+        </p:spPr>
+      </p:pic>
+      <p:sp>
+        <p:nvSpPr>
+          <p:cNvPr id="18" name="CaixaDeTexto 5">
+            <a:extLst>
+              <a:ext uri="{FF2B5EF4-FFF2-40B4-BE49-F238E27FC236}">
+                <a16:creationId xmlns:a16="http://schemas.microsoft.com/office/drawing/2014/main" id="{E05EE9CB-CEAD-49FB-B917-F3911C866716}"/>
+              </a:ext>
+            </a:extLst>
+          </p:cNvPr>
+          <p:cNvSpPr txBox="1"/>
+          <p:nvPr/>
+        </p:nvSpPr>
+        <p:spPr>
+          <a:xfrm>
+            <a:off x="176644" y="6220657"/>
+            <a:ext cx="11867132" cy="577081"/>
+          </a:xfrm>
+          <a:prstGeom prst="rect">
+            <a:avLst/>
+          </a:prstGeom>
+          <a:noFill/>
+          <a:ln>
+            <a:noFill/>
+          </a:ln>
+        </p:spPr>
+        <p:txBody>
+          <a:bodyPr wrap="square" rtlCol="0">
+            <a:spAutoFit/>
+          </a:bodyPr>
+          <a:lstStyle/>
+          <a:p>
+            <a:r>
+              <a:rPr lang="pt-BR" sz="1050" b="1" i="1" dirty="0"/>
+              <a:t>Fonte(s) e URL(s) utilizada(s) em 24/05/2020:</a:t>
+            </a:r>
+          </a:p>
+          <a:p>
+            <a:r>
+              <a:rPr lang="en-US" sz="1050" dirty="0"/>
+              <a:t>Coronavirus disease (COVID-19) advice for the public: When and how to use masks</a:t>
+            </a:r>
+            <a:br>
+              <a:rPr lang="en-US" sz="1050" dirty="0"/>
+            </a:br>
+            <a:r>
+              <a:rPr lang="pt-BR" sz="1050" i="1" dirty="0">
+                <a:hlinkClick r:id="rId5"/>
+              </a:rPr>
+              <a:t>https://www.who.int/emergencies/diseases/novel-coronavirus-2019/advice-for-public/when-and-how-to-use-masks</a:t>
+            </a:r>
+            <a:r>
+              <a:rPr lang="pt-BR" sz="1050" i="1" dirty="0"/>
+              <a:t> </a:t>
+            </a:r>
+          </a:p>
+        </p:txBody>
+      </p:sp>
+      <p:cxnSp>
+        <p:nvCxnSpPr>
+          <p:cNvPr id="19" name="Straight Connector 18">
+            <a:extLst>
+              <a:ext uri="{FF2B5EF4-FFF2-40B4-BE49-F238E27FC236}">
+                <a16:creationId xmlns:a16="http://schemas.microsoft.com/office/drawing/2014/main" id="{5E198959-BDE7-4419-BDC5-99C20E0B5EC8}"/>
+              </a:ext>
+            </a:extLst>
+          </p:cNvPr>
+          <p:cNvCxnSpPr/>
+          <p:nvPr/>
+        </p:nvCxnSpPr>
+        <p:spPr>
+          <a:xfrm>
+            <a:off x="269310" y="6203352"/>
+            <a:ext cx="1528175" cy="0"/>
+          </a:xfrm>
+          <a:prstGeom prst="line">
+            <a:avLst/>
+          </a:prstGeom>
+          <a:ln>
+            <a:solidFill>
+              <a:srgbClr val="1B2C62"/>
+            </a:solidFill>
+          </a:ln>
+        </p:spPr>
+        <p:style>
+          <a:lnRef idx="1">
+            <a:schemeClr val="accent1"/>
+          </a:lnRef>
+          <a:fillRef idx="0">
+            <a:schemeClr val="accent1"/>
+          </a:fillRef>
+          <a:effectRef idx="0">
+            <a:schemeClr val="accent1"/>
+          </a:effectRef>
+          <a:fontRef idx="minor">
+            <a:schemeClr val="tx1"/>
+          </a:fontRef>
+        </p:style>
+      </p:cxnSp>
     </p:spTree>
     <p:extLst>
       <p:ext uri="{BB962C8B-B14F-4D97-AF65-F5344CB8AC3E}">
@@ -5942,33 +6604,59 @@
             </a:pPr>
             <a:r>
               <a:rPr lang="pt-BR" sz="2400" dirty="0"/>
-              <a:t>- Qual é a </a:t>
-            </a:r>
-            <a:r>
-              <a:rPr lang="pt-BR" sz="2400" b="1" dirty="0"/>
-              <a:t>PERGUNTA </a:t>
-            </a:r>
-            <a:r>
-              <a:rPr lang="pt-BR" sz="2400" dirty="0"/>
-              <a:t>do</a:t>
-            </a:r>
-            <a:r>
-              <a:rPr lang="pt-BR" sz="2400" b="1" dirty="0"/>
-              <a:t> PROBLEMA</a:t>
-            </a:r>
-            <a:r>
-              <a:rPr lang="pt-BR" sz="2400" dirty="0"/>
-              <a:t> de pesquisa?</a:t>
+              <a:t>- Onde a pesquisa será realizada (contexto)?</a:t>
             </a:r>
           </a:p>
         </p:txBody>
       </p:sp>
       <p:sp>
         <p:nvSpPr>
-          <p:cNvPr id="4" name="CaixaDeTexto 3">
+          <p:cNvPr id="7" name="Retângulo 4">
             <a:extLst>
               <a:ext uri="{FF2B5EF4-FFF2-40B4-BE49-F238E27FC236}">
-                <a16:creationId xmlns:a16="http://schemas.microsoft.com/office/drawing/2014/main" id="{6C14915E-E529-4FEB-989B-94707A646704}"/>
+                <a16:creationId xmlns:a16="http://schemas.microsoft.com/office/drawing/2014/main" id="{6F061871-FDA0-491B-B84B-B5AB0970885B}"/>
+              </a:ext>
+            </a:extLst>
+          </p:cNvPr>
+          <p:cNvSpPr/>
+          <p:nvPr/>
+        </p:nvSpPr>
+        <p:spPr>
+          <a:xfrm>
+            <a:off x="11311003" y="1355074"/>
+            <a:ext cx="785517" cy="462113"/>
+          </a:xfrm>
+          <a:prstGeom prst="rect">
+            <a:avLst/>
+          </a:prstGeom>
+          <a:solidFill>
+            <a:srgbClr val="CDCDCD"/>
+          </a:solidFill>
+        </p:spPr>
+        <p:txBody>
+          <a:bodyPr wrap="none" lIns="0" tIns="0" rIns="0" bIns="91440" anchor="ctr" anchorCtr="1">
+            <a:noAutofit/>
+          </a:bodyPr>
+          <a:lstStyle/>
+          <a:p>
+            <a:pPr marL="15875" indent="-15875" algn="ctr">
+              <a:lnSpc>
+                <a:spcPts val="3000"/>
+              </a:lnSpc>
+            </a:pPr>
+            <a:r>
+              <a:rPr lang="pt-BR" dirty="0"/>
+              <a:t>[3 de 3]</a:t>
+            </a:r>
+          </a:p>
+        </p:txBody>
+      </p:sp>
+      <p:sp>
+        <p:nvSpPr>
+          <p:cNvPr id="17" name="CaixaDeTexto 5">
+            <a:extLst>
+              <a:ext uri="{FF2B5EF4-FFF2-40B4-BE49-F238E27FC236}">
+                <a16:creationId xmlns:a16="http://schemas.microsoft.com/office/drawing/2014/main" id="{0EACA767-5D74-4C51-98B7-763F041F495E}"/>
               </a:ext>
             </a:extLst>
           </p:cNvPr>
@@ -5978,7 +6666,7 @@
         <p:spPr>
           <a:xfrm>
             <a:off x="176644" y="2016087"/>
-            <a:ext cx="11919876" cy="430887"/>
+            <a:ext cx="11919876" cy="3816429"/>
           </a:xfrm>
           <a:prstGeom prst="rect">
             <a:avLst/>
@@ -5996,7 +6684,40 @@
           <a:p>
             <a:r>
               <a:rPr lang="pt-BR" sz="2200" i="1" dirty="0"/>
-              <a:t>Escrever aqui</a:t>
+              <a:t>A presente pesquisa tem como objetivo principal, desenvolver possibilidades de aplicação de Deep Learning, utilizando um </a:t>
+            </a:r>
+            <a:r>
+              <a:rPr lang="pt-BR" sz="2200" i="1" dirty="0" err="1"/>
+              <a:t>stacking</a:t>
+            </a:r>
+            <a:r>
+              <a:rPr lang="pt-BR" sz="2200" i="1" dirty="0"/>
+              <a:t> de técnicas (como por exemplo, </a:t>
+            </a:r>
+            <a:r>
+              <a:rPr lang="en-US" sz="2200" i="1" dirty="0"/>
+              <a:t>CNN + </a:t>
+            </a:r>
+            <a:r>
+              <a:rPr lang="en-US" sz="2200" i="1" dirty="0" err="1"/>
+              <a:t>XGBoost</a:t>
+            </a:r>
+            <a:r>
+              <a:rPr lang="en-US" sz="2200" i="1" dirty="0"/>
+              <a:t> (stacking) com Bayesian Optimization</a:t>
+            </a:r>
+            <a:r>
+              <a:rPr lang="pt-BR" sz="2200" i="1" dirty="0"/>
+              <a:t>), para uso na detecção de indivíduos utilizando máscaras faciais como ferramenta de monitoramento de medidas preventivas ao alastramento da COVID-19 em locais e áreas de convívio público ou privado.</a:t>
+            </a:r>
+          </a:p>
+          <a:p>
+            <a:endParaRPr lang="pt-BR" sz="2200" i="1" dirty="0"/>
+          </a:p>
+          <a:p>
+            <a:r>
+              <a:rPr lang="pt-BR" sz="2200" i="1" dirty="0"/>
+              <a:t>O modelo resultante do estudo, visa sua aplicação em sistemas de monitoramento por vídeo como uma ferramenta adicional de alerta em casos de pessoas que não estejam utilizando máscaras faciais. Podendo adicionalmente, ser empregado em combinação com materiais educacionais na orientação do adequado uso em estabelecimentos comerciais e artísticos, instituições de ensino ou quaisquer outros usos onde as corretas orientações científicas possam ser asseguradas de forma rápida e ampla.</a:t>
             </a:r>
           </a:p>
         </p:txBody>
@@ -6004,7 +6725,7 @@
     </p:spTree>
     <p:extLst>
       <p:ext uri="{BB962C8B-B14F-4D97-AF65-F5344CB8AC3E}">
-        <p14:creationId xmlns:p14="http://schemas.microsoft.com/office/powerpoint/2010/main" val="3817115773"/>
+        <p14:creationId xmlns:p14="http://schemas.microsoft.com/office/powerpoint/2010/main" val="1275928961"/>
       </p:ext>
     </p:extLst>
   </p:cSld>
@@ -6107,23 +6828,23 @@
             </a:pPr>
             <a:r>
               <a:rPr lang="pt-BR" sz="2400" dirty="0"/>
-              <a:t>- Qual é o </a:t>
+              <a:t>- Qual é a </a:t>
             </a:r>
             <a:r>
               <a:rPr lang="pt-BR" sz="2400" b="1" dirty="0"/>
-              <a:t>OBJETIVO GERAL</a:t>
+              <a:t>PERGUNTA </a:t>
             </a:r>
             <a:r>
               <a:rPr lang="pt-BR" sz="2400" dirty="0"/>
-              <a:t> e quais são os </a:t>
+              <a:t>do</a:t>
             </a:r>
             <a:r>
               <a:rPr lang="pt-BR" sz="2400" b="1" dirty="0"/>
-              <a:t>OBJETIVOS ESPECÍFICOS</a:t>
+              <a:t> PROBLEMA</a:t>
             </a:r>
             <a:r>
               <a:rPr lang="pt-BR" sz="2400" dirty="0"/>
-              <a:t>?</a:t>
+              <a:t> de pesquisa?</a:t>
             </a:r>
           </a:p>
         </p:txBody>
@@ -6133,7 +6854,7 @@
           <p:cNvPr id="4" name="CaixaDeTexto 3">
             <a:extLst>
               <a:ext uri="{FF2B5EF4-FFF2-40B4-BE49-F238E27FC236}">
-                <a16:creationId xmlns:a16="http://schemas.microsoft.com/office/drawing/2014/main" id="{84CA2768-938F-4EEA-B0DD-BAF05149B6F5}"/>
+                <a16:creationId xmlns:a16="http://schemas.microsoft.com/office/drawing/2014/main" id="{6C14915E-E529-4FEB-989B-94707A646704}"/>
               </a:ext>
             </a:extLst>
           </p:cNvPr>
@@ -6169,7 +6890,7 @@
     </p:spTree>
     <p:extLst>
       <p:ext uri="{BB962C8B-B14F-4D97-AF65-F5344CB8AC3E}">
-        <p14:creationId xmlns:p14="http://schemas.microsoft.com/office/powerpoint/2010/main" val="3953857876"/>
+        <p14:creationId xmlns:p14="http://schemas.microsoft.com/office/powerpoint/2010/main" val="3817115773"/>
       </p:ext>
     </p:extLst>
   </p:cSld>
@@ -6272,15 +6993,23 @@
             </a:pPr>
             <a:r>
               <a:rPr lang="pt-BR" sz="2400" dirty="0"/>
-              <a:t>- Quais são as </a:t>
+              <a:t>- Qual é o </a:t>
             </a:r>
             <a:r>
               <a:rPr lang="pt-BR" sz="2400" b="1" dirty="0"/>
-              <a:t>HIPÓTESES</a:t>
+              <a:t>OBJETIVO GERAL</a:t>
             </a:r>
             <a:r>
               <a:rPr lang="pt-BR" sz="2400" dirty="0"/>
-              <a:t> da pesquisa (se necessário)?</a:t>
+              <a:t> e quais são os </a:t>
+            </a:r>
+            <a:r>
+              <a:rPr lang="pt-BR" sz="2400" b="1" dirty="0"/>
+              <a:t>OBJETIVOS ESPECÍFICOS</a:t>
+            </a:r>
+            <a:r>
+              <a:rPr lang="pt-BR" sz="2400" dirty="0"/>
+              <a:t>?</a:t>
             </a:r>
           </a:p>
         </p:txBody>
@@ -6290,7 +7019,7 @@
           <p:cNvPr id="4" name="CaixaDeTexto 3">
             <a:extLst>
               <a:ext uri="{FF2B5EF4-FFF2-40B4-BE49-F238E27FC236}">
-                <a16:creationId xmlns:a16="http://schemas.microsoft.com/office/drawing/2014/main" id="{201C3BF0-3DB6-45FE-ABB3-0E8206DE61D9}"/>
+                <a16:creationId xmlns:a16="http://schemas.microsoft.com/office/drawing/2014/main" id="{84CA2768-938F-4EEA-B0DD-BAF05149B6F5}"/>
               </a:ext>
             </a:extLst>
           </p:cNvPr>
@@ -6326,7 +7055,7 @@
     </p:spTree>
     <p:extLst>
       <p:ext uri="{BB962C8B-B14F-4D97-AF65-F5344CB8AC3E}">
-        <p14:creationId xmlns:p14="http://schemas.microsoft.com/office/powerpoint/2010/main" val="1702763331"/>
+        <p14:creationId xmlns:p14="http://schemas.microsoft.com/office/powerpoint/2010/main" val="3953857876"/>
       </p:ext>
     </p:extLst>
   </p:cSld>
@@ -6407,7 +7136,7 @@
         <p:spPr>
           <a:xfrm>
             <a:off x="176644" y="1355075"/>
-            <a:ext cx="11919876" cy="1231556"/>
+            <a:ext cx="11919876" cy="462114"/>
           </a:xfrm>
           <a:prstGeom prst="rect">
             <a:avLst/>
@@ -6429,31 +7158,15 @@
             </a:pPr>
             <a:r>
               <a:rPr lang="pt-BR" sz="2400" dirty="0"/>
-              <a:t>- Quais artigos científicos já trataram do mesmo contexto e/ou utilizaram as mesmas técnicas estatísticas e/ou de </a:t>
-            </a:r>
-            <a:r>
-              <a:rPr lang="pt-BR" sz="2400" i="1" dirty="0" err="1"/>
-              <a:t>machine</a:t>
-            </a:r>
-            <a:r>
-              <a:rPr lang="pt-BR" sz="2400" i="1" dirty="0"/>
-              <a:t> </a:t>
-            </a:r>
-            <a:r>
-              <a:rPr lang="pt-BR" sz="2400" i="1" dirty="0" err="1"/>
-              <a:t>learning</a:t>
+              <a:t>- Quais são as </a:t>
+            </a:r>
+            <a:r>
+              <a:rPr lang="pt-BR" sz="2400" b="1" dirty="0"/>
+              <a:t>HIPÓTESES</a:t>
             </a:r>
             <a:r>
               <a:rPr lang="pt-BR" sz="2400" dirty="0"/>
-              <a:t> que serão utilizadas (</a:t>
-            </a:r>
-            <a:r>
-              <a:rPr lang="pt-BR" sz="2400" b="1" dirty="0"/>
-              <a:t>apresentar resumidamente 20 artigos no mínimo</a:t>
-            </a:r>
-            <a:r>
-              <a:rPr lang="pt-BR" sz="2400" dirty="0"/>
-              <a:t>)?</a:t>
+              <a:t> da pesquisa (se necessário)?</a:t>
             </a:r>
           </a:p>
         </p:txBody>
@@ -6463,7 +7176,7 @@
           <p:cNvPr id="4" name="CaixaDeTexto 3">
             <a:extLst>
               <a:ext uri="{FF2B5EF4-FFF2-40B4-BE49-F238E27FC236}">
-                <a16:creationId xmlns:a16="http://schemas.microsoft.com/office/drawing/2014/main" id="{E4CC8CAB-3F4C-409C-8745-BB5BD7AF0FCB}"/>
+                <a16:creationId xmlns:a16="http://schemas.microsoft.com/office/drawing/2014/main" id="{201C3BF0-3DB6-45FE-ABB3-0E8206DE61D9}"/>
               </a:ext>
             </a:extLst>
           </p:cNvPr>
@@ -6472,7 +7185,7 @@
         </p:nvSpPr>
         <p:spPr>
           <a:xfrm>
-            <a:off x="176644" y="2699134"/>
+            <a:off x="176644" y="2016087"/>
             <a:ext cx="11919876" cy="430887"/>
           </a:xfrm>
           <a:prstGeom prst="rect">
@@ -6499,7 +7212,7 @@
     </p:spTree>
     <p:extLst>
       <p:ext uri="{BB962C8B-B14F-4D97-AF65-F5344CB8AC3E}">
-        <p14:creationId xmlns:p14="http://schemas.microsoft.com/office/powerpoint/2010/main" val="1752641579"/>
+        <p14:creationId xmlns:p14="http://schemas.microsoft.com/office/powerpoint/2010/main" val="1702763331"/>
       </p:ext>
     </p:extLst>
   </p:cSld>
@@ -6541,7 +7254,7 @@
         <p:spPr>
           <a:xfrm>
             <a:off x="176644" y="207818"/>
-            <a:ext cx="10058026" cy="954107"/>
+            <a:ext cx="10619886" cy="954107"/>
           </a:xfrm>
           <a:prstGeom prst="rect">
             <a:avLst/>
@@ -6560,41 +7273,17 @@
                   <a:schemeClr val="bg1"/>
                 </a:solidFill>
               </a:rPr>
-              <a:t>2) Base de Dados e Técnicas Estatísticas e/ou de </a:t>
-            </a:r>
-            <a:r>
-              <a:rPr lang="pt-BR" sz="2800" b="1" i="1" dirty="0" err="1">
-                <a:solidFill>
-                  <a:schemeClr val="bg1"/>
-                </a:solidFill>
-              </a:rPr>
-              <a:t>Machine</a:t>
-            </a:r>
-            <a:r>
-              <a:rPr lang="pt-BR" sz="2800" b="1" i="1" dirty="0">
-                <a:solidFill>
-                  <a:schemeClr val="bg1"/>
-                </a:solidFill>
-              </a:rPr>
-              <a:t> Learning</a:t>
-            </a:r>
-            <a:r>
-              <a:rPr lang="pt-BR" sz="2800" b="1" dirty="0">
-                <a:solidFill>
-                  <a:schemeClr val="bg1"/>
-                </a:solidFill>
-              </a:rPr>
-              <a:t> do Projeto Analítico</a:t>
+              <a:t>1) Contexto da Pesquisa, Busca de Artigos Científicos, Problema, Hipóteses e Objetivos do Projeto Analítico</a:t>
             </a:r>
           </a:p>
         </p:txBody>
       </p:sp>
       <p:sp>
         <p:nvSpPr>
-          <p:cNvPr id="3" name="Retângulo 2">
+          <p:cNvPr id="5" name="Retângulo 4">
             <a:extLst>
               <a:ext uri="{FF2B5EF4-FFF2-40B4-BE49-F238E27FC236}">
-                <a16:creationId xmlns:a16="http://schemas.microsoft.com/office/drawing/2014/main" id="{174208DE-0C00-40F4-A31A-3BC0AEE1B5CE}"/>
+                <a16:creationId xmlns:a16="http://schemas.microsoft.com/office/drawing/2014/main" id="{C4351BF4-6949-465B-A55A-C8561462CF2E}"/>
               </a:ext>
             </a:extLst>
           </p:cNvPr>
@@ -6604,7 +7293,7 @@
         <p:spPr>
           <a:xfrm>
             <a:off x="176644" y="1355075"/>
-            <a:ext cx="11919876" cy="462114"/>
+            <a:ext cx="11919876" cy="1231556"/>
           </a:xfrm>
           <a:prstGeom prst="rect">
             <a:avLst/>
@@ -6626,19 +7315,27 @@
             </a:pPr>
             <a:r>
               <a:rPr lang="pt-BR" sz="2400" dirty="0"/>
-              <a:t>- Quais variáveis formam a </a:t>
+              <a:t>- Quais artigos científicos já trataram do mesmo contexto e/ou utilizaram as mesmas técnicas estatísticas e/ou de </a:t>
+            </a:r>
+            <a:r>
+              <a:rPr lang="pt-BR" sz="2400" i="1" dirty="0" err="1"/>
+              <a:t>machine</a:t>
+            </a:r>
+            <a:r>
+              <a:rPr lang="pt-BR" sz="2400" i="1" dirty="0"/>
+              <a:t> </a:t>
+            </a:r>
+            <a:r>
+              <a:rPr lang="pt-BR" sz="2400" i="1" dirty="0" err="1"/>
+              <a:t>learning</a:t>
+            </a:r>
+            <a:r>
+              <a:rPr lang="pt-BR" sz="2400" dirty="0"/>
+              <a:t> que serão utilizadas (</a:t>
             </a:r>
             <a:r>
               <a:rPr lang="pt-BR" sz="2400" b="1" dirty="0"/>
-              <a:t>BASE DE DADOS</a:t>
-            </a:r>
-            <a:r>
-              <a:rPr lang="pt-BR" sz="2400" dirty="0"/>
-              <a:t> (</a:t>
-            </a:r>
-            <a:r>
-              <a:rPr lang="pt-BR" sz="2400" b="1" dirty="0"/>
-              <a:t>mostrar a base de dados completa</a:t>
+              <a:t>apresentar resumidamente 20 artigos no mínimo</a:t>
             </a:r>
             <a:r>
               <a:rPr lang="pt-BR" sz="2400" dirty="0"/>
@@ -6652,7 +7349,7 @@
           <p:cNvPr id="4" name="CaixaDeTexto 3">
             <a:extLst>
               <a:ext uri="{FF2B5EF4-FFF2-40B4-BE49-F238E27FC236}">
-                <a16:creationId xmlns:a16="http://schemas.microsoft.com/office/drawing/2014/main" id="{F523F8A5-43AB-4AB2-BB4F-7F4A30E4A077}"/>
+                <a16:creationId xmlns:a16="http://schemas.microsoft.com/office/drawing/2014/main" id="{E4CC8CAB-3F4C-409C-8745-BB5BD7AF0FCB}"/>
               </a:ext>
             </a:extLst>
           </p:cNvPr>
@@ -6661,7 +7358,7 @@
         </p:nvSpPr>
         <p:spPr>
           <a:xfrm>
-            <a:off x="176644" y="2016087"/>
+            <a:off x="176644" y="2699134"/>
             <a:ext cx="11919876" cy="430887"/>
           </a:xfrm>
           <a:prstGeom prst="rect">
@@ -6688,7 +7385,7 @@
     </p:spTree>
     <p:extLst>
       <p:ext uri="{BB962C8B-B14F-4D97-AF65-F5344CB8AC3E}">
-        <p14:creationId xmlns:p14="http://schemas.microsoft.com/office/powerpoint/2010/main" val="599003997"/>
+        <p14:creationId xmlns:p14="http://schemas.microsoft.com/office/powerpoint/2010/main" val="1752641579"/>
       </p:ext>
     </p:extLst>
   </p:cSld>
@@ -6815,23 +7512,23 @@
             </a:pPr>
             <a:r>
               <a:rPr lang="pt-BR" sz="2400" dirty="0"/>
-              <a:t>- Quais variáveis foram concebidas após aplicação de </a:t>
-            </a:r>
-            <a:r>
-              <a:rPr lang="pt-BR" sz="2400" i="1" dirty="0" err="1"/>
-              <a:t>feature</a:t>
-            </a:r>
-            <a:r>
-              <a:rPr lang="pt-BR" sz="2400" i="1" dirty="0"/>
-              <a:t> </a:t>
-            </a:r>
-            <a:r>
-              <a:rPr lang="pt-BR" sz="2400" i="1" dirty="0" err="1"/>
-              <a:t>engineering</a:t>
+              <a:t>- Quais variáveis formam a </a:t>
+            </a:r>
+            <a:r>
+              <a:rPr lang="pt-BR" sz="2400" b="1" dirty="0"/>
+              <a:t>BASE DE DADOS</a:t>
             </a:r>
             <a:r>
               <a:rPr lang="pt-BR" sz="2400" dirty="0"/>
-              <a:t>?</a:t>
+              <a:t> (</a:t>
+            </a:r>
+            <a:r>
+              <a:rPr lang="pt-BR" sz="2400" b="1" dirty="0"/>
+              <a:t>mostrar a base de dados completa</a:t>
+            </a:r>
+            <a:r>
+              <a:rPr lang="pt-BR" sz="2400" dirty="0"/>
+              <a:t>)?</a:t>
             </a:r>
           </a:p>
         </p:txBody>
@@ -6841,7 +7538,7 @@
           <p:cNvPr id="4" name="CaixaDeTexto 3">
             <a:extLst>
               <a:ext uri="{FF2B5EF4-FFF2-40B4-BE49-F238E27FC236}">
-                <a16:creationId xmlns:a16="http://schemas.microsoft.com/office/drawing/2014/main" id="{C7463C38-0C64-417D-97DB-85F9C1B86AF4}"/>
+                <a16:creationId xmlns:a16="http://schemas.microsoft.com/office/drawing/2014/main" id="{F523F8A5-43AB-4AB2-BB4F-7F4A30E4A077}"/>
               </a:ext>
             </a:extLst>
           </p:cNvPr>
@@ -6877,7 +7574,7 @@
     </p:spTree>
     <p:extLst>
       <p:ext uri="{BB962C8B-B14F-4D97-AF65-F5344CB8AC3E}">
-        <p14:creationId xmlns:p14="http://schemas.microsoft.com/office/powerpoint/2010/main" val="1588210080"/>
+        <p14:creationId xmlns:p14="http://schemas.microsoft.com/office/powerpoint/2010/main" val="599003997"/>
       </p:ext>
     </p:extLst>
   </p:cSld>

--- a/presentation/FGV-MBA - Monografia - Detecção de Máscara Facial.pptx
+++ b/presentation/FGV-MBA - Monografia - Detecção de Máscara Facial.pptx
@@ -143,7 +143,7 @@
 <file path=ppt/revisionInfo.xml><?xml version="1.0" encoding="utf-8"?>
 <p1510:revInfo xmlns:a="http://schemas.openxmlformats.org/drawingml/2006/main" xmlns:r="http://schemas.openxmlformats.org/officeDocument/2006/relationships" xmlns:p1510="http://schemas.microsoft.com/office/powerpoint/2015/10/main">
   <p1510:revLst>
-    <p1510:client id="{0C927506-5143-4A7D-B285-178AAC9CF657}" v="21" dt="2020-05-24T20:39:20.233"/>
+    <p1510:client id="{0C927506-5143-4A7D-B285-178AAC9CF657}" v="34" dt="2020-05-24T21:08:29.986"/>
     <p1510:client id="{7BA9A1FE-DBFD-4F2E-9BE2-09098A8CCE86}" v="56" dt="2020-05-24T17:53:39.811"/>
   </p1510:revLst>
 </p1510:revInfo>
@@ -310,8 +310,8 @@
   </pc:docChgLst>
   <pc:docChgLst>
     <pc:chgData name="Leandro Daniel" userId="682bb4abc622d264" providerId="LiveId" clId="{0C927506-5143-4A7D-B285-178AAC9CF657}"/>
-    <pc:docChg chg="custSel addSld modSld">
-      <pc:chgData name="Leandro Daniel" userId="682bb4abc622d264" providerId="LiveId" clId="{0C927506-5143-4A7D-B285-178AAC9CF657}" dt="2020-05-24T20:39:47.908" v="2336" actId="20577"/>
+    <pc:docChg chg="undo custSel addSld modSld">
+      <pc:chgData name="Leandro Daniel" userId="682bb4abc622d264" providerId="LiveId" clId="{0C927506-5143-4A7D-B285-178AAC9CF657}" dt="2020-05-24T21:12:51.956" v="2497" actId="20577"/>
       <pc:docMkLst>
         <pc:docMk/>
       </pc:docMkLst>
@@ -339,22 +339,30 @@
         </pc:spChg>
       </pc:sldChg>
       <pc:sldChg chg="modSp mod">
-        <pc:chgData name="Leandro Daniel" userId="682bb4abc622d264" providerId="LiveId" clId="{0C927506-5143-4A7D-B285-178AAC9CF657}" dt="2020-05-24T20:15:03.308" v="1310" actId="20577"/>
+        <pc:chgData name="Leandro Daniel" userId="682bb4abc622d264" providerId="LiveId" clId="{0C927506-5143-4A7D-B285-178AAC9CF657}" dt="2020-05-24T21:12:51.956" v="2497" actId="20577"/>
         <pc:sldMkLst>
           <pc:docMk/>
           <pc:sldMk cId="679871842" sldId="351"/>
         </pc:sldMkLst>
         <pc:spChg chg="mod">
-          <ac:chgData name="Leandro Daniel" userId="682bb4abc622d264" providerId="LiveId" clId="{0C927506-5143-4A7D-B285-178AAC9CF657}" dt="2020-05-24T20:15:03.308" v="1310" actId="20577"/>
+          <ac:chgData name="Leandro Daniel" userId="682bb4abc622d264" providerId="LiveId" clId="{0C927506-5143-4A7D-B285-178AAC9CF657}" dt="2020-05-24T21:12:51.956" v="2497" actId="20577"/>
           <ac:spMkLst>
             <pc:docMk/>
             <pc:sldMk cId="679871842" sldId="351"/>
             <ac:spMk id="2" creationId="{70F687BA-32A2-41BC-B72A-F28209A7F473}"/>
           </ac:spMkLst>
         </pc:spChg>
+        <pc:spChg chg="mod">
+          <ac:chgData name="Leandro Daniel" userId="682bb4abc622d264" providerId="LiveId" clId="{0C927506-5143-4A7D-B285-178AAC9CF657}" dt="2020-05-24T20:52:34.557" v="2351" actId="207"/>
+          <ac:spMkLst>
+            <pc:docMk/>
+            <pc:sldMk cId="679871842" sldId="351"/>
+            <ac:spMk id="3" creationId="{94B768D7-96B0-41DF-9630-0D308384D261}"/>
+          </ac:spMkLst>
+        </pc:spChg>
       </pc:sldChg>
       <pc:sldChg chg="addSp delSp modSp add mod">
-        <pc:chgData name="Leandro Daniel" userId="682bb4abc622d264" providerId="LiveId" clId="{0C927506-5143-4A7D-B285-178AAC9CF657}" dt="2020-05-24T20:13:46.032" v="1207" actId="20577"/>
+        <pc:chgData name="Leandro Daniel" userId="682bb4abc622d264" providerId="LiveId" clId="{0C927506-5143-4A7D-B285-178AAC9CF657}" dt="2020-05-24T20:59:51.439" v="2353" actId="1076"/>
         <pc:sldMkLst>
           <pc:docMk/>
           <pc:sldMk cId="3921174963" sldId="371"/>
@@ -407,6 +415,14 @@
             <ac:graphicFrameMk id="3" creationId="{439B052B-7ADE-4F71-97D8-530EF1CF479F}"/>
           </ac:graphicFrameMkLst>
         </pc:graphicFrameChg>
+        <pc:picChg chg="add mod">
+          <ac:chgData name="Leandro Daniel" userId="682bb4abc622d264" providerId="LiveId" clId="{0C927506-5143-4A7D-B285-178AAC9CF657}" dt="2020-05-24T20:59:51.439" v="2353" actId="1076"/>
+          <ac:picMkLst>
+            <pc:docMk/>
+            <pc:sldMk cId="3921174963" sldId="371"/>
+            <ac:picMk id="3" creationId="{36078AE8-5334-447D-AD43-BB3AF83E359B}"/>
+          </ac:picMkLst>
+        </pc:picChg>
         <pc:picChg chg="add del mod">
           <ac:chgData name="Leandro Daniel" userId="682bb4abc622d264" providerId="LiveId" clId="{0C927506-5143-4A7D-B285-178AAC9CF657}" dt="2020-05-24T19:20:16.220" v="922" actId="21"/>
           <ac:picMkLst>
@@ -473,11 +489,19 @@
         </pc:cxnChg>
       </pc:sldChg>
       <pc:sldChg chg="addSp delSp modSp add mod">
-        <pc:chgData name="Leandro Daniel" userId="682bb4abc622d264" providerId="LiveId" clId="{0C927506-5143-4A7D-B285-178AAC9CF657}" dt="2020-05-24T20:39:47.908" v="2336" actId="20577"/>
+        <pc:chgData name="Leandro Daniel" userId="682bb4abc622d264" providerId="LiveId" clId="{0C927506-5143-4A7D-B285-178AAC9CF657}" dt="2020-05-24T21:10:27.850" v="2392" actId="20577"/>
         <pc:sldMkLst>
           <pc:docMk/>
           <pc:sldMk cId="1275928961" sldId="372"/>
         </pc:sldMkLst>
+        <pc:spChg chg="add mod">
+          <ac:chgData name="Leandro Daniel" userId="682bb4abc622d264" providerId="LiveId" clId="{0C927506-5143-4A7D-B285-178AAC9CF657}" dt="2020-05-24T21:08:40.557" v="2372" actId="114"/>
+          <ac:spMkLst>
+            <pc:docMk/>
+            <pc:sldMk cId="1275928961" sldId="372"/>
+            <ac:spMk id="6" creationId="{AD1205DC-63D6-44A4-B20E-BC9057891E98}"/>
+          </ac:spMkLst>
+        </pc:spChg>
         <pc:spChg chg="del">
           <ac:chgData name="Leandro Daniel" userId="682bb4abc622d264" providerId="LiveId" clId="{0C927506-5143-4A7D-B285-178AAC9CF657}" dt="2020-05-24T19:20:11.151" v="921" actId="478"/>
           <ac:spMkLst>
@@ -511,13 +535,29 @@
           </ac:spMkLst>
         </pc:spChg>
         <pc:spChg chg="add mod">
-          <ac:chgData name="Leandro Daniel" userId="682bb4abc622d264" providerId="LiveId" clId="{0C927506-5143-4A7D-B285-178AAC9CF657}" dt="2020-05-24T20:39:47.908" v="2336" actId="20577"/>
+          <ac:chgData name="Leandro Daniel" userId="682bb4abc622d264" providerId="LiveId" clId="{0C927506-5143-4A7D-B285-178AAC9CF657}" dt="2020-05-24T21:10:27.850" v="2392" actId="20577"/>
           <ac:spMkLst>
             <pc:docMk/>
             <pc:sldMk cId="1275928961" sldId="372"/>
             <ac:spMk id="17" creationId="{0EACA767-5D74-4C51-98B7-763F041F495E}"/>
           </ac:spMkLst>
         </pc:spChg>
+        <pc:grpChg chg="add mod">
+          <ac:chgData name="Leandro Daniel" userId="682bb4abc622d264" providerId="LiveId" clId="{0C927506-5143-4A7D-B285-178AAC9CF657}" dt="2020-05-24T21:08:29.985" v="2371" actId="164"/>
+          <ac:grpSpMkLst>
+            <pc:docMk/>
+            <pc:sldMk cId="1275928961" sldId="372"/>
+            <ac:grpSpMk id="8" creationId="{1E163097-A71F-4360-857F-CDF7256C8A07}"/>
+          </ac:grpSpMkLst>
+        </pc:grpChg>
+        <pc:picChg chg="add mod">
+          <ac:chgData name="Leandro Daniel" userId="682bb4abc622d264" providerId="LiveId" clId="{0C927506-5143-4A7D-B285-178AAC9CF657}" dt="2020-05-24T21:08:29.985" v="2371" actId="164"/>
+          <ac:picMkLst>
+            <pc:docMk/>
+            <pc:sldMk cId="1275928961" sldId="372"/>
+            <ac:picMk id="4" creationId="{2AFB5B40-0E71-438C-A693-F6960B64154E}"/>
+          </ac:picMkLst>
+        </pc:picChg>
         <pc:picChg chg="del">
           <ac:chgData name="Leandro Daniel" userId="682bb4abc622d264" providerId="LiveId" clId="{0C927506-5143-4A7D-B285-178AAC9CF657}" dt="2020-05-24T19:20:11.151" v="921" actId="478"/>
           <ac:picMkLst>
@@ -3808,7 +3848,7 @@
         <p:spPr>
           <a:xfrm>
             <a:off x="0" y="1107035"/>
-            <a:ext cx="12192000" cy="1938992"/>
+            <a:ext cx="12192000" cy="2492990"/>
           </a:xfrm>
           <a:prstGeom prst="rect">
             <a:avLst/>
@@ -3844,23 +3884,15 @@
                   <a:schemeClr val="bg1"/>
                 </a:solidFill>
               </a:rPr>
-              <a:t>  Título da Monografia: (</a:t>
-            </a:r>
-            <a:r>
-              <a:rPr lang="pt-BR" sz="3600" b="1" dirty="0" err="1">
+              <a:t>Título da Monografia: </a:t>
+            </a:r>
+            <a:r>
+              <a:rPr lang="pt-BR" sz="3600" dirty="0">
                 <a:solidFill>
                   <a:schemeClr val="bg1"/>
                 </a:solidFill>
               </a:rPr>
-              <a:t>to-do</a:t>
-            </a:r>
-            <a:r>
-              <a:rPr lang="pt-BR" sz="3600" b="1" dirty="0">
-                <a:solidFill>
-                  <a:schemeClr val="bg1"/>
-                </a:solidFill>
-              </a:rPr>
-              <a:t>)</a:t>
+              <a:t>Técnicas de Deep Learning na detecção de uso de máscaras faciais em sistemas de monitoramento.</a:t>
             </a:r>
           </a:p>
         </p:txBody>
@@ -4026,7 +4058,6 @@
                   <a:srgbClr val="00A1D7"/>
                 </a:solidFill>
                 <a:latin typeface="Calibri (Body)"/>
-                <a:ea typeface="Times New Roman" panose="02020603050405020304" pitchFamily="18" charset="0"/>
                 <a:hlinkClick r:id="rId3">
                   <a:extLst>
                     <a:ext uri="{A12FA001-AC4F-418D-AE19-62706E023703}">
@@ -4038,7 +4069,7 @@
               <a:t>contato@leandrodaniel.com</a:t>
             </a:r>
             <a:r>
-              <a:rPr lang="en-US" sz="2200" dirty="0">
+              <a:rPr lang="pt-BR" sz="2200" dirty="0">
                 <a:solidFill>
                   <a:srgbClr val="00A1D7"/>
                 </a:solidFill>
@@ -6498,6 +6529,36 @@
           </a:fontRef>
         </p:style>
       </p:cxnSp>
+      <p:pic>
+        <p:nvPicPr>
+          <p:cNvPr id="3" name="Picture 2">
+            <a:extLst>
+              <a:ext uri="{FF2B5EF4-FFF2-40B4-BE49-F238E27FC236}">
+                <a16:creationId xmlns:a16="http://schemas.microsoft.com/office/drawing/2014/main" id="{36078AE8-5334-447D-AD43-BB3AF83E359B}"/>
+              </a:ext>
+            </a:extLst>
+          </p:cNvPr>
+          <p:cNvPicPr>
+            <a:picLocks noChangeAspect="1"/>
+          </p:cNvPicPr>
+          <p:nvPr/>
+        </p:nvPicPr>
+        <p:blipFill>
+          <a:blip r:embed="rId6"/>
+          <a:stretch>
+            <a:fillRect/>
+          </a:stretch>
+        </p:blipFill>
+        <p:spPr>
+          <a:xfrm>
+            <a:off x="10061804" y="6171071"/>
+            <a:ext cx="2034716" cy="624894"/>
+          </a:xfrm>
+          <a:prstGeom prst="rect">
+            <a:avLst/>
+          </a:prstGeom>
+        </p:spPr>
+      </p:pic>
     </p:spTree>
     <p:extLst>
       <p:ext uri="{BB962C8B-B14F-4D97-AF65-F5344CB8AC3E}">
@@ -6704,7 +6765,7 @@
             </a:r>
             <a:r>
               <a:rPr lang="en-US" sz="2200" i="1" dirty="0"/>
-              <a:t> (stacking) com Bayesian Optimization</a:t>
+              <a:t> stacking com Bayesian Optimization</a:t>
             </a:r>
             <a:r>
               <a:rPr lang="pt-BR" sz="2200" i="1" dirty="0"/>
@@ -6722,6 +6783,219 @@
           </a:p>
         </p:txBody>
       </p:sp>
+      <p:grpSp>
+        <p:nvGrpSpPr>
+          <p:cNvPr id="8" name="Group 7">
+            <a:extLst>
+              <a:ext uri="{FF2B5EF4-FFF2-40B4-BE49-F238E27FC236}">
+                <a16:creationId xmlns:a16="http://schemas.microsoft.com/office/drawing/2014/main" id="{1E163097-A71F-4360-857F-CDF7256C8A07}"/>
+              </a:ext>
+            </a:extLst>
+          </p:cNvPr>
+          <p:cNvGrpSpPr/>
+          <p:nvPr/>
+        </p:nvGrpSpPr>
+        <p:grpSpPr>
+          <a:xfrm>
+            <a:off x="176644" y="5960259"/>
+            <a:ext cx="11558999" cy="665530"/>
+            <a:chOff x="176644" y="5960259"/>
+            <a:chExt cx="11558999" cy="665530"/>
+          </a:xfrm>
+        </p:grpSpPr>
+        <p:pic>
+          <p:nvPicPr>
+            <p:cNvPr id="4" name="Graphic 3" descr="Person with idea">
+              <a:extLst>
+                <a:ext uri="{FF2B5EF4-FFF2-40B4-BE49-F238E27FC236}">
+                  <a16:creationId xmlns:a16="http://schemas.microsoft.com/office/drawing/2014/main" id="{2AFB5B40-0E71-438C-A693-F6960B64154E}"/>
+                </a:ext>
+              </a:extLst>
+            </p:cNvPr>
+            <p:cNvPicPr>
+              <a:picLocks noChangeAspect="1"/>
+            </p:cNvPicPr>
+            <p:nvPr/>
+          </p:nvPicPr>
+          <p:blipFill>
+            <a:blip r:embed="rId2">
+              <a:extLst>
+                <a:ext uri="{28A0092B-C50C-407E-A947-70E740481C1C}">
+                  <a14:useLocalDpi xmlns:a14="http://schemas.microsoft.com/office/drawing/2010/main" val="0"/>
+                </a:ext>
+                <a:ext uri="{96DAC541-7B7A-43D3-8B79-37D633B846F1}">
+                  <asvg:svgBlip xmlns:asvg="http://schemas.microsoft.com/office/drawing/2016/SVG/main" r:embed="rId3"/>
+                </a:ext>
+              </a:extLst>
+            </a:blip>
+            <a:stretch>
+              <a:fillRect/>
+            </a:stretch>
+          </p:blipFill>
+          <p:spPr>
+            <a:xfrm>
+              <a:off x="176644" y="5960259"/>
+              <a:ext cx="665530" cy="665530"/>
+            </a:xfrm>
+            <a:prstGeom prst="rect">
+              <a:avLst/>
+            </a:prstGeom>
+          </p:spPr>
+        </p:pic>
+        <p:sp>
+          <p:nvSpPr>
+            <p:cNvPr id="6" name="Rectangle 5">
+              <a:extLst>
+                <a:ext uri="{FF2B5EF4-FFF2-40B4-BE49-F238E27FC236}">
+                  <a16:creationId xmlns:a16="http://schemas.microsoft.com/office/drawing/2014/main" id="{AD1205DC-63D6-44A4-B20E-BC9057891E98}"/>
+                </a:ext>
+              </a:extLst>
+            </p:cNvPr>
+            <p:cNvSpPr/>
+            <p:nvPr/>
+          </p:nvSpPr>
+          <p:spPr>
+            <a:xfrm>
+              <a:off x="842174" y="6031414"/>
+              <a:ext cx="10893469" cy="523220"/>
+            </a:xfrm>
+            <a:prstGeom prst="rect">
+              <a:avLst/>
+            </a:prstGeom>
+          </p:spPr>
+          <p:txBody>
+            <a:bodyPr wrap="square">
+              <a:spAutoFit/>
+            </a:bodyPr>
+            <a:lstStyle/>
+            <a:p>
+              <a:r>
+                <a:rPr lang="pt-BR" sz="1400" i="1" dirty="0"/>
+                <a:t>"The </a:t>
+              </a:r>
+              <a:r>
+                <a:rPr lang="pt-BR" sz="1400" i="1" dirty="0" err="1"/>
+                <a:t>best</a:t>
+              </a:r>
+              <a:r>
+                <a:rPr lang="pt-BR" sz="1400" i="1" dirty="0"/>
+                <a:t> </a:t>
+              </a:r>
+              <a:r>
+                <a:rPr lang="pt-BR" sz="1400" i="1" dirty="0" err="1"/>
+                <a:t>way</a:t>
+              </a:r>
+              <a:r>
+                <a:rPr lang="pt-BR" sz="1400" i="1" dirty="0"/>
+                <a:t> </a:t>
+              </a:r>
+              <a:r>
+                <a:rPr lang="pt-BR" sz="1400" i="1" dirty="0" err="1"/>
+                <a:t>forward</a:t>
+              </a:r>
+              <a:r>
+                <a:rPr lang="pt-BR" sz="1400" i="1" dirty="0"/>
+                <a:t> </a:t>
+              </a:r>
+              <a:r>
+                <a:rPr lang="pt-BR" sz="1400" i="1" dirty="0" err="1"/>
+                <a:t>is</a:t>
+              </a:r>
+              <a:r>
+                <a:rPr lang="pt-BR" sz="1400" i="1" dirty="0"/>
+                <a:t> </a:t>
+              </a:r>
+              <a:r>
+                <a:rPr lang="pt-BR" sz="1400" i="1" dirty="0" err="1"/>
+                <a:t>the</a:t>
+              </a:r>
+              <a:r>
+                <a:rPr lang="pt-BR" sz="1400" i="1" dirty="0"/>
+                <a:t> </a:t>
+              </a:r>
+              <a:r>
+                <a:rPr lang="pt-BR" sz="1400" i="1" dirty="0" err="1"/>
+                <a:t>blended</a:t>
+              </a:r>
+              <a:r>
+                <a:rPr lang="pt-BR" sz="1400" i="1" dirty="0"/>
+                <a:t> </a:t>
+              </a:r>
+              <a:r>
+                <a:rPr lang="pt-BR" sz="1400" i="1" dirty="0" err="1"/>
+                <a:t>comprehensive</a:t>
+              </a:r>
+              <a:r>
+                <a:rPr lang="pt-BR" sz="1400" i="1" dirty="0"/>
+                <a:t> approach </a:t>
+              </a:r>
+              <a:r>
+                <a:rPr lang="pt-BR" sz="1400" i="1" dirty="0" err="1"/>
+                <a:t>which</a:t>
+              </a:r>
+              <a:r>
+                <a:rPr lang="pt-BR" sz="1400" i="1" dirty="0"/>
+                <a:t> </a:t>
+              </a:r>
+              <a:r>
+                <a:rPr lang="pt-BR" sz="1400" i="1" dirty="0" err="1"/>
+                <a:t>puts</a:t>
+              </a:r>
+              <a:r>
+                <a:rPr lang="pt-BR" sz="1400" i="1" dirty="0"/>
+                <a:t> </a:t>
+              </a:r>
+              <a:r>
+                <a:rPr lang="pt-BR" sz="1400" i="1" dirty="0" err="1"/>
+                <a:t>containment</a:t>
+              </a:r>
+              <a:r>
+                <a:rPr lang="pt-BR" sz="1400" i="1" dirty="0"/>
+                <a:t> as a major </a:t>
+              </a:r>
+              <a:r>
+                <a:rPr lang="pt-BR" sz="1400" i="1" dirty="0" err="1"/>
+                <a:t>pillar</a:t>
+              </a:r>
+              <a:r>
+                <a:rPr lang="pt-BR" sz="1400" i="1" dirty="0"/>
+                <a:t>." </a:t>
+              </a:r>
+              <a:br>
+                <a:rPr lang="pt-BR" sz="1400" dirty="0"/>
+              </a:br>
+              <a:r>
+                <a:rPr lang="pt-BR" sz="1400" b="1" dirty="0"/>
+                <a:t>-- Dr. </a:t>
+              </a:r>
+              <a:r>
+                <a:rPr lang="pt-BR" sz="1400" b="1" dirty="0" err="1"/>
+                <a:t>Tedros</a:t>
+              </a:r>
+              <a:r>
+                <a:rPr lang="pt-BR" sz="1400" b="1" dirty="0"/>
+                <a:t> </a:t>
+              </a:r>
+              <a:r>
+                <a:rPr lang="pt-BR" sz="1400" b="1" dirty="0" err="1"/>
+                <a:t>Adhanom</a:t>
+              </a:r>
+              <a:r>
+                <a:rPr lang="pt-BR" sz="1400" b="1" dirty="0"/>
+                <a:t>, WHO </a:t>
+              </a:r>
+              <a:r>
+                <a:rPr lang="pt-BR" sz="1400" b="1" dirty="0" err="1"/>
+                <a:t>director</a:t>
+              </a:r>
+              <a:r>
+                <a:rPr lang="pt-BR" sz="1400" b="1" dirty="0"/>
+                <a:t>-general.</a:t>
+              </a:r>
+            </a:p>
+          </p:txBody>
+        </p:sp>
+      </p:grpSp>
     </p:spTree>
     <p:extLst>
       <p:ext uri="{BB962C8B-B14F-4D97-AF65-F5344CB8AC3E}">

--- a/presentation/FGV-MBA - Monografia - Detecção de Máscara Facial.pptx
+++ b/presentation/FGV-MBA - Monografia - Detecção de Máscara Facial.pptx
@@ -143,7 +143,7 @@
 <file path=ppt/revisionInfo.xml><?xml version="1.0" encoding="utf-8"?>
 <p1510:revInfo xmlns:a="http://schemas.openxmlformats.org/drawingml/2006/main" xmlns:r="http://schemas.openxmlformats.org/officeDocument/2006/relationships" xmlns:p1510="http://schemas.microsoft.com/office/powerpoint/2015/10/main">
   <p1510:revLst>
-    <p1510:client id="{0C927506-5143-4A7D-B285-178AAC9CF657}" v="34" dt="2020-05-24T21:08:29.986"/>
+    <p1510:client id="{0C927506-5143-4A7D-B285-178AAC9CF657}" v="35" dt="2020-05-24T21:23:26.745"/>
     <p1510:client id="{7BA9A1FE-DBFD-4F2E-9BE2-09098A8CCE86}" v="56" dt="2020-05-24T17:53:39.811"/>
   </p1510:revLst>
 </p1510:revInfo>
@@ -311,7 +311,7 @@
   <pc:docChgLst>
     <pc:chgData name="Leandro Daniel" userId="682bb4abc622d264" providerId="LiveId" clId="{0C927506-5143-4A7D-B285-178AAC9CF657}"/>
     <pc:docChg chg="undo custSel addSld modSld">
-      <pc:chgData name="Leandro Daniel" userId="682bb4abc622d264" providerId="LiveId" clId="{0C927506-5143-4A7D-B285-178AAC9CF657}" dt="2020-05-24T21:12:51.956" v="2497" actId="20577"/>
+      <pc:chgData name="Leandro Daniel" userId="682bb4abc622d264" providerId="LiveId" clId="{0C927506-5143-4A7D-B285-178AAC9CF657}" dt="2020-05-24T21:23:35.887" v="2500" actId="478"/>
       <pc:docMkLst>
         <pc:docMk/>
       </pc:docMkLst>
@@ -339,13 +339,13 @@
         </pc:spChg>
       </pc:sldChg>
       <pc:sldChg chg="modSp mod">
-        <pc:chgData name="Leandro Daniel" userId="682bb4abc622d264" providerId="LiveId" clId="{0C927506-5143-4A7D-B285-178AAC9CF657}" dt="2020-05-24T21:12:51.956" v="2497" actId="20577"/>
+        <pc:chgData name="Leandro Daniel" userId="682bb4abc622d264" providerId="LiveId" clId="{0C927506-5143-4A7D-B285-178AAC9CF657}" dt="2020-05-24T21:22:37.469" v="2498" actId="122"/>
         <pc:sldMkLst>
           <pc:docMk/>
           <pc:sldMk cId="679871842" sldId="351"/>
         </pc:sldMkLst>
         <pc:spChg chg="mod">
-          <ac:chgData name="Leandro Daniel" userId="682bb4abc622d264" providerId="LiveId" clId="{0C927506-5143-4A7D-B285-178AAC9CF657}" dt="2020-05-24T21:12:51.956" v="2497" actId="20577"/>
+          <ac:chgData name="Leandro Daniel" userId="682bb4abc622d264" providerId="LiveId" clId="{0C927506-5143-4A7D-B285-178AAC9CF657}" dt="2020-05-24T21:22:37.469" v="2498" actId="122"/>
           <ac:spMkLst>
             <pc:docMk/>
             <pc:sldMk cId="679871842" sldId="351"/>
@@ -489,7 +489,7 @@
         </pc:cxnChg>
       </pc:sldChg>
       <pc:sldChg chg="addSp delSp modSp add mod">
-        <pc:chgData name="Leandro Daniel" userId="682bb4abc622d264" providerId="LiveId" clId="{0C927506-5143-4A7D-B285-178AAC9CF657}" dt="2020-05-24T21:10:27.850" v="2392" actId="20577"/>
+        <pc:chgData name="Leandro Daniel" userId="682bb4abc622d264" providerId="LiveId" clId="{0C927506-5143-4A7D-B285-178AAC9CF657}" dt="2020-05-24T21:23:35.887" v="2500" actId="478"/>
         <pc:sldMkLst>
           <pc:docMk/>
           <pc:sldMk cId="1275928961" sldId="372"/>
@@ -572,6 +572,14 @@
             <pc:docMk/>
             <pc:sldMk cId="1275928961" sldId="372"/>
             <ac:picMk id="9" creationId="{4E6ABAF2-18C9-4203-BEA1-09AE83E51337}"/>
+          </ac:picMkLst>
+        </pc:picChg>
+        <pc:picChg chg="add del mod">
+          <ac:chgData name="Leandro Daniel" userId="682bb4abc622d264" providerId="LiveId" clId="{0C927506-5143-4A7D-B285-178AAC9CF657}" dt="2020-05-24T21:23:35.887" v="2500" actId="478"/>
+          <ac:picMkLst>
+            <pc:docMk/>
+            <pc:sldMk cId="1275928961" sldId="372"/>
+            <ac:picMk id="9" creationId="{AB2D39B2-8115-48EF-8277-7854546058D4}"/>
           </ac:picMkLst>
         </pc:picChg>
         <pc:picChg chg="del">
@@ -3878,6 +3886,7 @@
             </a:endParaRPr>
           </a:p>
           <a:p>
+            <a:pPr algn="ctr"/>
             <a:r>
               <a:rPr lang="pt-BR" sz="3600" b="1" dirty="0">
                 <a:solidFill>

--- a/presentation/FGV-MBA - Monografia - Detecção de Máscara Facial.pptx
+++ b/presentation/FGV-MBA - Monografia - Detecção de Máscara Facial.pptx
@@ -131,10 +131,10 @@
   </p:defaultTextStyle>
   <p:extLst>
     <p:ext uri="{EFAFB233-063F-42B5-8137-9DF3F51BA10A}">
-      <p15:sldGuideLst xmlns:p15="http://schemas.microsoft.com/office/powerpoint/2012/main"/>
+      <p15:sldGuideLst xmlns="" xmlns:p15="http://schemas.microsoft.com/office/powerpoint/2012/main"/>
     </p:ext>
     <p:ext uri="{2D200454-40CA-4A62-9FC3-DE9A4176ACB9}">
-      <p15:notesGuideLst xmlns:p15="http://schemas.microsoft.com/office/powerpoint/2012/main"/>
+      <p15:notesGuideLst xmlns="" xmlns:p15="http://schemas.microsoft.com/office/powerpoint/2012/main"/>
     </p:ext>
   </p:extLst>
 </p:presentation>
@@ -655,7 +655,7 @@
           <p:cNvPr id="2" name="Espaço Reservado para Cabeçalho 1">
             <a:extLst>
               <a:ext uri="{FF2B5EF4-FFF2-40B4-BE49-F238E27FC236}">
-                <a16:creationId xmlns:a16="http://schemas.microsoft.com/office/drawing/2014/main" id="{E162C314-7D57-441B-B744-E28993A863F5}"/>
+                <a16:creationId xmlns="" xmlns:a16="http://schemas.microsoft.com/office/drawing/2014/main" id="{E162C314-7D57-441B-B744-E28993A863F5}"/>
               </a:ext>
             </a:extLst>
           </p:cNvPr>
@@ -692,7 +692,7 @@
           <p:cNvPr id="3" name="Espaço Reservado para Data 2">
             <a:extLst>
               <a:ext uri="{FF2B5EF4-FFF2-40B4-BE49-F238E27FC236}">
-                <a16:creationId xmlns:a16="http://schemas.microsoft.com/office/drawing/2014/main" id="{C2801EC7-4137-4F0C-9FE9-6CCD8E42D476}"/>
+                <a16:creationId xmlns="" xmlns:a16="http://schemas.microsoft.com/office/drawing/2014/main" id="{C2801EC7-4137-4F0C-9FE9-6CCD8E42D476}"/>
               </a:ext>
             </a:extLst>
           </p:cNvPr>
@@ -722,7 +722,8 @@
           <a:p>
             <a:fld id="{B26FF4F9-2FBB-4F7A-9697-05FA74F11F3B}" type="datetimeFigureOut">
               <a:rPr lang="pt-BR" smtClean="0"/>
-              <a:t>24/05/2020</a:t>
+              <a:pPr/>
+              <a:t>25/05/2020</a:t>
             </a:fld>
             <a:endParaRPr lang="pt-BR"/>
           </a:p>
@@ -733,7 +734,7 @@
           <p:cNvPr id="4" name="Espaço Reservado para Rodapé 3">
             <a:extLst>
               <a:ext uri="{FF2B5EF4-FFF2-40B4-BE49-F238E27FC236}">
-                <a16:creationId xmlns:a16="http://schemas.microsoft.com/office/drawing/2014/main" id="{08AC7BC5-A4B9-4BAF-8599-3FBF718ACEDF}"/>
+                <a16:creationId xmlns="" xmlns:a16="http://schemas.microsoft.com/office/drawing/2014/main" id="{08AC7BC5-A4B9-4BAF-8599-3FBF718ACEDF}"/>
               </a:ext>
             </a:extLst>
           </p:cNvPr>
@@ -770,7 +771,7 @@
           <p:cNvPr id="5" name="Espaço Reservado para Número de Slide 4">
             <a:extLst>
               <a:ext uri="{FF2B5EF4-FFF2-40B4-BE49-F238E27FC236}">
-                <a16:creationId xmlns:a16="http://schemas.microsoft.com/office/drawing/2014/main" id="{1B9FE065-BF0E-4247-835C-E4DA37C97E0F}"/>
+                <a16:creationId xmlns="" xmlns:a16="http://schemas.microsoft.com/office/drawing/2014/main" id="{1B9FE065-BF0E-4247-835C-E4DA37C97E0F}"/>
               </a:ext>
             </a:extLst>
           </p:cNvPr>
@@ -800,7 +801,8 @@
           <a:p>
             <a:fld id="{966B0CA9-991F-48D6-8F14-8287C17CA522}" type="slidenum">
               <a:rPr lang="pt-BR" smtClean="0"/>
-              <a:t>‹#›</a:t>
+              <a:pPr/>
+              <a:t>‹nº›</a:t>
             </a:fld>
             <a:endParaRPr lang="pt-BR"/>
           </a:p>
@@ -809,7 +811,7 @@
     </p:spTree>
     <p:extLst>
       <p:ext uri="{BB962C8B-B14F-4D97-AF65-F5344CB8AC3E}">
-        <p14:creationId xmlns:p14="http://schemas.microsoft.com/office/powerpoint/2010/main" val="3668408037"/>
+        <p14:creationId xmlns="" xmlns:p14="http://schemas.microsoft.com/office/powerpoint/2010/main" val="3668408037"/>
       </p:ext>
     </p:extLst>
   </p:cSld>
@@ -899,7 +901,8 @@
           <a:p>
             <a:fld id="{1820D135-1270-41BD-8A14-B5B3DA62A4B5}" type="datetimeFigureOut">
               <a:rPr lang="pt-BR" smtClean="0"/>
-              <a:t>24/05/2020</a:t>
+              <a:pPr/>
+              <a:t>25/05/2020</a:t>
             </a:fld>
             <a:endParaRPr lang="pt-BR"/>
           </a:p>
@@ -1057,7 +1060,8 @@
           <a:p>
             <a:fld id="{A9C31BF8-0EC7-40CB-89AF-7A4EB90D2C8E}" type="slidenum">
               <a:rPr lang="pt-BR" smtClean="0"/>
-              <a:t>‹#›</a:t>
+              <a:pPr/>
+              <a:t>‹nº›</a:t>
             </a:fld>
             <a:endParaRPr lang="pt-BR"/>
           </a:p>
@@ -1066,7 +1070,7 @@
     </p:spTree>
     <p:extLst>
       <p:ext uri="{BB962C8B-B14F-4D97-AF65-F5344CB8AC3E}">
-        <p14:creationId xmlns:p14="http://schemas.microsoft.com/office/powerpoint/2010/main" val="138149862"/>
+        <p14:creationId xmlns="" xmlns:p14="http://schemas.microsoft.com/office/powerpoint/2010/main" val="138149862"/>
       </p:ext>
     </p:extLst>
   </p:cSld>
@@ -1186,7 +1190,7 @@
     </p:spTree>
     <p:extLst>
       <p:ext uri="{BB962C8B-B14F-4D97-AF65-F5344CB8AC3E}">
-        <p14:creationId xmlns:p14="http://schemas.microsoft.com/office/powerpoint/2010/main" val="670603413"/>
+        <p14:creationId xmlns="" xmlns:p14="http://schemas.microsoft.com/office/powerpoint/2010/main" val="670603413"/>
       </p:ext>
     </p:extLst>
   </p:cSld>
@@ -1216,7 +1220,7 @@
     </p:spTree>
     <p:extLst>
       <p:ext uri="{BB962C8B-B14F-4D97-AF65-F5344CB8AC3E}">
-        <p14:creationId xmlns:p14="http://schemas.microsoft.com/office/powerpoint/2010/main" val="3704000944"/>
+        <p14:creationId xmlns="" xmlns:p14="http://schemas.microsoft.com/office/powerpoint/2010/main" val="3704000944"/>
       </p:ext>
     </p:extLst>
   </p:cSld>
@@ -1246,7 +1250,7 @@
     </p:spTree>
     <p:extLst>
       <p:ext uri="{BB962C8B-B14F-4D97-AF65-F5344CB8AC3E}">
-        <p14:creationId xmlns:p14="http://schemas.microsoft.com/office/powerpoint/2010/main" val="1254645961"/>
+        <p14:creationId xmlns="" xmlns:p14="http://schemas.microsoft.com/office/powerpoint/2010/main" val="1254645961"/>
       </p:ext>
     </p:extLst>
   </p:cSld>
@@ -1283,7 +1287,7 @@
           <p:cNvPr id="2" name="Rectangle 1">
             <a:extLst>
               <a:ext uri="{FF2B5EF4-FFF2-40B4-BE49-F238E27FC236}">
-                <a16:creationId xmlns:a16="http://schemas.microsoft.com/office/drawing/2014/main" id="{64EB0046-E308-4E16-A675-E3D297191010}"/>
+                <a16:creationId xmlns="" xmlns:a16="http://schemas.microsoft.com/office/drawing/2014/main" id="{64EB0046-E308-4E16-A675-E3D297191010}"/>
               </a:ext>
             </a:extLst>
           </p:cNvPr>
@@ -1335,7 +1339,7 @@
           <p:cNvPr id="8" name="Retângulo 7">
             <a:extLst>
               <a:ext uri="{FF2B5EF4-FFF2-40B4-BE49-F238E27FC236}">
-                <a16:creationId xmlns:a16="http://schemas.microsoft.com/office/drawing/2014/main" id="{A828098A-D6AF-47D7-9E8B-AC289B93477A}"/>
+                <a16:creationId xmlns="" xmlns:a16="http://schemas.microsoft.com/office/drawing/2014/main" id="{A828098A-D6AF-47D7-9E8B-AC289B93477A}"/>
               </a:ext>
             </a:extLst>
           </p:cNvPr>
@@ -1407,7 +1411,7 @@
           <p:cNvPr id="9" name="Retângulo 8">
             <a:extLst>
               <a:ext uri="{FF2B5EF4-FFF2-40B4-BE49-F238E27FC236}">
-                <a16:creationId xmlns:a16="http://schemas.microsoft.com/office/drawing/2014/main" id="{86DC847E-2163-4663-8A43-44176F3FA653}"/>
+                <a16:creationId xmlns="" xmlns:a16="http://schemas.microsoft.com/office/drawing/2014/main" id="{86DC847E-2163-4663-8A43-44176F3FA653}"/>
               </a:ext>
             </a:extLst>
           </p:cNvPr>
@@ -1479,7 +1483,7 @@
           <p:cNvPr id="10" name="Retângulo 9">
             <a:extLst>
               <a:ext uri="{FF2B5EF4-FFF2-40B4-BE49-F238E27FC236}">
-                <a16:creationId xmlns:a16="http://schemas.microsoft.com/office/drawing/2014/main" id="{3DDD2990-640C-48C0-9A30-F34F09FDB932}"/>
+                <a16:creationId xmlns="" xmlns:a16="http://schemas.microsoft.com/office/drawing/2014/main" id="{3DDD2990-640C-48C0-9A30-F34F09FDB932}"/>
               </a:ext>
             </a:extLst>
           </p:cNvPr>
@@ -1551,7 +1555,7 @@
           <p:cNvPr id="11" name="Retângulo 10">
             <a:extLst>
               <a:ext uri="{FF2B5EF4-FFF2-40B4-BE49-F238E27FC236}">
-                <a16:creationId xmlns:a16="http://schemas.microsoft.com/office/drawing/2014/main" id="{7E10A596-828F-4E16-B1BA-A98D5F25D8A2}"/>
+                <a16:creationId xmlns="" xmlns:a16="http://schemas.microsoft.com/office/drawing/2014/main" id="{7E10A596-828F-4E16-B1BA-A98D5F25D8A2}"/>
               </a:ext>
             </a:extLst>
           </p:cNvPr>
@@ -1639,7 +1643,7 @@
           <p:cNvPr id="12" name="Retângulo 11">
             <a:extLst>
               <a:ext uri="{FF2B5EF4-FFF2-40B4-BE49-F238E27FC236}">
-                <a16:creationId xmlns:a16="http://schemas.microsoft.com/office/drawing/2014/main" id="{12B7208E-31A2-41A8-A5AB-47F269367C24}"/>
+                <a16:creationId xmlns="" xmlns:a16="http://schemas.microsoft.com/office/drawing/2014/main" id="{12B7208E-31A2-41A8-A5AB-47F269367C24}"/>
               </a:ext>
             </a:extLst>
           </p:cNvPr>
@@ -1711,7 +1715,7 @@
           <p:cNvPr id="13" name="Retângulo 12">
             <a:extLst>
               <a:ext uri="{FF2B5EF4-FFF2-40B4-BE49-F238E27FC236}">
-                <a16:creationId xmlns:a16="http://schemas.microsoft.com/office/drawing/2014/main" id="{6B0C24F7-7F69-4B70-9F40-4AEE70149CD1}"/>
+                <a16:creationId xmlns="" xmlns:a16="http://schemas.microsoft.com/office/drawing/2014/main" id="{6B0C24F7-7F69-4B70-9F40-4AEE70149CD1}"/>
               </a:ext>
             </a:extLst>
           </p:cNvPr>
@@ -1799,7 +1803,7 @@
           <p:cNvPr id="4" name="Picture 3" descr="A close up of a sign&#10;&#10;Description automatically generated">
             <a:extLst>
               <a:ext uri="{FF2B5EF4-FFF2-40B4-BE49-F238E27FC236}">
-                <a16:creationId xmlns:a16="http://schemas.microsoft.com/office/drawing/2014/main" id="{D73F671B-4A3D-42B4-9CAA-AB16E1C8C881}"/>
+                <a16:creationId xmlns="" xmlns:a16="http://schemas.microsoft.com/office/drawing/2014/main" id="{D73F671B-4A3D-42B4-9CAA-AB16E1C8C881}"/>
               </a:ext>
             </a:extLst>
           </p:cNvPr>
@@ -1809,10 +1813,10 @@
           <p:nvPr userDrawn="1"/>
         </p:nvPicPr>
         <p:blipFill>
-          <a:blip r:embed="rId3">
+          <a:blip r:embed="rId3" cstate="print">
             <a:extLst>
               <a:ext uri="{28A0092B-C50C-407E-A947-70E740481C1C}">
-                <a14:useLocalDpi xmlns:a14="http://schemas.microsoft.com/office/drawing/2010/main" val="0"/>
+                <a14:useLocalDpi xmlns="" xmlns:a14="http://schemas.microsoft.com/office/drawing/2010/main" val="0"/>
               </a:ext>
             </a:extLst>
           </a:blip>
@@ -1833,7 +1837,7 @@
     </p:spTree>
     <p:extLst>
       <p:ext uri="{BB962C8B-B14F-4D97-AF65-F5344CB8AC3E}">
-        <p14:creationId xmlns:p14="http://schemas.microsoft.com/office/powerpoint/2010/main" val="2748047865"/>
+        <p14:creationId xmlns="" xmlns:p14="http://schemas.microsoft.com/office/powerpoint/2010/main" val="2748047865"/>
       </p:ext>
     </p:extLst>
   </p:cSld>
@@ -2151,7 +2155,7 @@
           <p:cNvPr id="8" name="Retângulo 7">
             <a:extLst>
               <a:ext uri="{FF2B5EF4-FFF2-40B4-BE49-F238E27FC236}">
-                <a16:creationId xmlns:a16="http://schemas.microsoft.com/office/drawing/2014/main" id="{A828098A-D6AF-47D7-9E8B-AC289B93477A}"/>
+                <a16:creationId xmlns="" xmlns:a16="http://schemas.microsoft.com/office/drawing/2014/main" id="{A828098A-D6AF-47D7-9E8B-AC289B93477A}"/>
               </a:ext>
             </a:extLst>
           </p:cNvPr>
@@ -2223,7 +2227,7 @@
           <p:cNvPr id="9" name="Retângulo 8">
             <a:extLst>
               <a:ext uri="{FF2B5EF4-FFF2-40B4-BE49-F238E27FC236}">
-                <a16:creationId xmlns:a16="http://schemas.microsoft.com/office/drawing/2014/main" id="{86DC847E-2163-4663-8A43-44176F3FA653}"/>
+                <a16:creationId xmlns="" xmlns:a16="http://schemas.microsoft.com/office/drawing/2014/main" id="{86DC847E-2163-4663-8A43-44176F3FA653}"/>
               </a:ext>
             </a:extLst>
           </p:cNvPr>
@@ -2295,7 +2299,7 @@
           <p:cNvPr id="10" name="Retângulo 9">
             <a:extLst>
               <a:ext uri="{FF2B5EF4-FFF2-40B4-BE49-F238E27FC236}">
-                <a16:creationId xmlns:a16="http://schemas.microsoft.com/office/drawing/2014/main" id="{3DDD2990-640C-48C0-9A30-F34F09FDB932}"/>
+                <a16:creationId xmlns="" xmlns:a16="http://schemas.microsoft.com/office/drawing/2014/main" id="{3DDD2990-640C-48C0-9A30-F34F09FDB932}"/>
               </a:ext>
             </a:extLst>
           </p:cNvPr>
@@ -2367,7 +2371,7 @@
           <p:cNvPr id="11" name="Retângulo 10">
             <a:extLst>
               <a:ext uri="{FF2B5EF4-FFF2-40B4-BE49-F238E27FC236}">
-                <a16:creationId xmlns:a16="http://schemas.microsoft.com/office/drawing/2014/main" id="{7E10A596-828F-4E16-B1BA-A98D5F25D8A2}"/>
+                <a16:creationId xmlns="" xmlns:a16="http://schemas.microsoft.com/office/drawing/2014/main" id="{7E10A596-828F-4E16-B1BA-A98D5F25D8A2}"/>
               </a:ext>
             </a:extLst>
           </p:cNvPr>
@@ -2455,7 +2459,7 @@
           <p:cNvPr id="12" name="Retângulo 11">
             <a:extLst>
               <a:ext uri="{FF2B5EF4-FFF2-40B4-BE49-F238E27FC236}">
-                <a16:creationId xmlns:a16="http://schemas.microsoft.com/office/drawing/2014/main" id="{12B7208E-31A2-41A8-A5AB-47F269367C24}"/>
+                <a16:creationId xmlns="" xmlns:a16="http://schemas.microsoft.com/office/drawing/2014/main" id="{12B7208E-31A2-41A8-A5AB-47F269367C24}"/>
               </a:ext>
             </a:extLst>
           </p:cNvPr>
@@ -2527,7 +2531,7 @@
           <p:cNvPr id="13" name="Retângulo 12">
             <a:extLst>
               <a:ext uri="{FF2B5EF4-FFF2-40B4-BE49-F238E27FC236}">
-                <a16:creationId xmlns:a16="http://schemas.microsoft.com/office/drawing/2014/main" id="{6B0C24F7-7F69-4B70-9F40-4AEE70149CD1}"/>
+                <a16:creationId xmlns="" xmlns:a16="http://schemas.microsoft.com/office/drawing/2014/main" id="{6B0C24F7-7F69-4B70-9F40-4AEE70149CD1}"/>
               </a:ext>
             </a:extLst>
           </p:cNvPr>
@@ -2615,7 +2619,7 @@
           <p:cNvPr id="2" name="Retângulo 1">
             <a:extLst>
               <a:ext uri="{FF2B5EF4-FFF2-40B4-BE49-F238E27FC236}">
-                <a16:creationId xmlns:a16="http://schemas.microsoft.com/office/drawing/2014/main" id="{5334EC60-A39B-4E05-8C93-2BCD38586D66}"/>
+                <a16:creationId xmlns="" xmlns:a16="http://schemas.microsoft.com/office/drawing/2014/main" id="{5334EC60-A39B-4E05-8C93-2BCD38586D66}"/>
               </a:ext>
             </a:extLst>
           </p:cNvPr>
@@ -2667,7 +2671,7 @@
           <p:cNvPr id="17" name="Picture 16" descr="A close up of a sign&#10;&#10;Description automatically generated">
             <a:extLst>
               <a:ext uri="{FF2B5EF4-FFF2-40B4-BE49-F238E27FC236}">
-                <a16:creationId xmlns:a16="http://schemas.microsoft.com/office/drawing/2014/main" id="{26D5B9F7-D9B8-4552-A8E2-279C065ACFE9}"/>
+                <a16:creationId xmlns="" xmlns:a16="http://schemas.microsoft.com/office/drawing/2014/main" id="{26D5B9F7-D9B8-4552-A8E2-279C065ACFE9}"/>
               </a:ext>
             </a:extLst>
           </p:cNvPr>
@@ -2677,10 +2681,10 @@
           <p:nvPr userDrawn="1"/>
         </p:nvPicPr>
         <p:blipFill>
-          <a:blip r:embed="rId3">
+          <a:blip r:embed="rId3" cstate="print">
             <a:extLst>
               <a:ext uri="{28A0092B-C50C-407E-A947-70E740481C1C}">
-                <a14:useLocalDpi xmlns:a14="http://schemas.microsoft.com/office/drawing/2010/main" val="0"/>
+                <a14:useLocalDpi xmlns="" xmlns:a14="http://schemas.microsoft.com/office/drawing/2010/main" val="0"/>
               </a:ext>
             </a:extLst>
           </a:blip>
@@ -2701,7 +2705,7 @@
     </p:spTree>
     <p:extLst>
       <p:ext uri="{BB962C8B-B14F-4D97-AF65-F5344CB8AC3E}">
-        <p14:creationId xmlns:p14="http://schemas.microsoft.com/office/powerpoint/2010/main" val="1038931235"/>
+        <p14:creationId xmlns="" xmlns:p14="http://schemas.microsoft.com/office/powerpoint/2010/main" val="1038931235"/>
       </p:ext>
     </p:extLst>
   </p:cSld>
@@ -3019,7 +3023,7 @@
           <p:cNvPr id="8" name="Retângulo 7">
             <a:extLst>
               <a:ext uri="{FF2B5EF4-FFF2-40B4-BE49-F238E27FC236}">
-                <a16:creationId xmlns:a16="http://schemas.microsoft.com/office/drawing/2014/main" id="{A828098A-D6AF-47D7-9E8B-AC289B93477A}"/>
+                <a16:creationId xmlns="" xmlns:a16="http://schemas.microsoft.com/office/drawing/2014/main" id="{A828098A-D6AF-47D7-9E8B-AC289B93477A}"/>
               </a:ext>
             </a:extLst>
           </p:cNvPr>
@@ -3091,7 +3095,7 @@
           <p:cNvPr id="9" name="Retângulo 8">
             <a:extLst>
               <a:ext uri="{FF2B5EF4-FFF2-40B4-BE49-F238E27FC236}">
-                <a16:creationId xmlns:a16="http://schemas.microsoft.com/office/drawing/2014/main" id="{86DC847E-2163-4663-8A43-44176F3FA653}"/>
+                <a16:creationId xmlns="" xmlns:a16="http://schemas.microsoft.com/office/drawing/2014/main" id="{86DC847E-2163-4663-8A43-44176F3FA653}"/>
               </a:ext>
             </a:extLst>
           </p:cNvPr>
@@ -3163,7 +3167,7 @@
           <p:cNvPr id="10" name="Retângulo 9">
             <a:extLst>
               <a:ext uri="{FF2B5EF4-FFF2-40B4-BE49-F238E27FC236}">
-                <a16:creationId xmlns:a16="http://schemas.microsoft.com/office/drawing/2014/main" id="{3DDD2990-640C-48C0-9A30-F34F09FDB932}"/>
+                <a16:creationId xmlns="" xmlns:a16="http://schemas.microsoft.com/office/drawing/2014/main" id="{3DDD2990-640C-48C0-9A30-F34F09FDB932}"/>
               </a:ext>
             </a:extLst>
           </p:cNvPr>
@@ -3235,7 +3239,7 @@
           <p:cNvPr id="11" name="Retângulo 10">
             <a:extLst>
               <a:ext uri="{FF2B5EF4-FFF2-40B4-BE49-F238E27FC236}">
-                <a16:creationId xmlns:a16="http://schemas.microsoft.com/office/drawing/2014/main" id="{7E10A596-828F-4E16-B1BA-A98D5F25D8A2}"/>
+                <a16:creationId xmlns="" xmlns:a16="http://schemas.microsoft.com/office/drawing/2014/main" id="{7E10A596-828F-4E16-B1BA-A98D5F25D8A2}"/>
               </a:ext>
             </a:extLst>
           </p:cNvPr>
@@ -3323,7 +3327,7 @@
           <p:cNvPr id="12" name="Retângulo 11">
             <a:extLst>
               <a:ext uri="{FF2B5EF4-FFF2-40B4-BE49-F238E27FC236}">
-                <a16:creationId xmlns:a16="http://schemas.microsoft.com/office/drawing/2014/main" id="{12B7208E-31A2-41A8-A5AB-47F269367C24}"/>
+                <a16:creationId xmlns="" xmlns:a16="http://schemas.microsoft.com/office/drawing/2014/main" id="{12B7208E-31A2-41A8-A5AB-47F269367C24}"/>
               </a:ext>
             </a:extLst>
           </p:cNvPr>
@@ -3395,7 +3399,7 @@
           <p:cNvPr id="13" name="Retângulo 12">
             <a:extLst>
               <a:ext uri="{FF2B5EF4-FFF2-40B4-BE49-F238E27FC236}">
-                <a16:creationId xmlns:a16="http://schemas.microsoft.com/office/drawing/2014/main" id="{6B0C24F7-7F69-4B70-9F40-4AEE70149CD1}"/>
+                <a16:creationId xmlns="" xmlns:a16="http://schemas.microsoft.com/office/drawing/2014/main" id="{6B0C24F7-7F69-4B70-9F40-4AEE70149CD1}"/>
               </a:ext>
             </a:extLst>
           </p:cNvPr>
@@ -3483,7 +3487,7 @@
           <p:cNvPr id="14" name="Retângulo 1">
             <a:extLst>
               <a:ext uri="{FF2B5EF4-FFF2-40B4-BE49-F238E27FC236}">
-                <a16:creationId xmlns:a16="http://schemas.microsoft.com/office/drawing/2014/main" id="{57F11C7B-FB85-4F49-A153-80D627D395DD}"/>
+                <a16:creationId xmlns="" xmlns:a16="http://schemas.microsoft.com/office/drawing/2014/main" id="{57F11C7B-FB85-4F49-A153-80D627D395DD}"/>
               </a:ext>
             </a:extLst>
           </p:cNvPr>
@@ -3533,7 +3537,7 @@
     </p:spTree>
     <p:extLst>
       <p:ext uri="{BB962C8B-B14F-4D97-AF65-F5344CB8AC3E}">
-        <p14:creationId xmlns:p14="http://schemas.microsoft.com/office/powerpoint/2010/main" val="1143214059"/>
+        <p14:creationId xmlns="" xmlns:p14="http://schemas.microsoft.com/office/powerpoint/2010/main" val="1143214059"/>
       </p:ext>
     </p:extLst>
   </p:cSld>
@@ -3846,7 +3850,7 @@
           <p:cNvPr id="2" name="Retângulo 1">
             <a:extLst>
               <a:ext uri="{FF2B5EF4-FFF2-40B4-BE49-F238E27FC236}">
-                <a16:creationId xmlns:a16="http://schemas.microsoft.com/office/drawing/2014/main" id="{70F687BA-32A2-41BC-B72A-F28209A7F473}"/>
+                <a16:creationId xmlns="" xmlns:a16="http://schemas.microsoft.com/office/drawing/2014/main" id="{70F687BA-32A2-41BC-B72A-F28209A7F473}"/>
               </a:ext>
             </a:extLst>
           </p:cNvPr>
@@ -3911,7 +3915,7 @@
           <p:cNvPr id="3" name="Retângulo 2">
             <a:extLst>
               <a:ext uri="{FF2B5EF4-FFF2-40B4-BE49-F238E27FC236}">
-                <a16:creationId xmlns:a16="http://schemas.microsoft.com/office/drawing/2014/main" id="{94B768D7-96B0-41DF-9630-0D308384D261}"/>
+                <a16:creationId xmlns="" xmlns:a16="http://schemas.microsoft.com/office/drawing/2014/main" id="{94B768D7-96B0-41DF-9630-0D308384D261}"/>
               </a:ext>
             </a:extLst>
           </p:cNvPr>
@@ -4000,7 +4004,7 @@
                 <a:hlinkClick r:id="rId2">
                   <a:extLst>
                     <a:ext uri="{A12FA001-AC4F-418D-AE19-62706E023703}">
-                      <ahyp:hlinkClr xmlns:ahyp="http://schemas.microsoft.com/office/drawing/2018/hyperlinkcolor" val="tx"/>
+                      <ahyp:hlinkClr xmlns="" xmlns:ahyp="http://schemas.microsoft.com/office/drawing/2018/hyperlinkcolor" val="tx"/>
                     </a:ext>
                   </a:extLst>
                 </a:hlinkClick>
@@ -4070,7 +4074,7 @@
                 <a:hlinkClick r:id="rId3">
                   <a:extLst>
                     <a:ext uri="{A12FA001-AC4F-418D-AE19-62706E023703}">
-                      <ahyp:hlinkClr xmlns:ahyp="http://schemas.microsoft.com/office/drawing/2018/hyperlinkcolor" val="tx"/>
+                      <ahyp:hlinkClr xmlns="" xmlns:ahyp="http://schemas.microsoft.com/office/drawing/2018/hyperlinkcolor" val="tx"/>
                     </a:ext>
                   </a:extLst>
                 </a:hlinkClick>
@@ -4122,7 +4126,7 @@
                 <a:hlinkClick r:id="rId4">
                   <a:extLst>
                     <a:ext uri="{A12FA001-AC4F-418D-AE19-62706E023703}">
-                      <ahyp:hlinkClr xmlns:ahyp="http://schemas.microsoft.com/office/drawing/2018/hyperlinkcolor" val="tx"/>
+                      <ahyp:hlinkClr xmlns="" xmlns:ahyp="http://schemas.microsoft.com/office/drawing/2018/hyperlinkcolor" val="tx"/>
                     </a:ext>
                   </a:extLst>
                 </a:hlinkClick>
@@ -4183,7 +4187,7 @@
                 <a:hlinkClick r:id="rId5">
                   <a:extLst>
                     <a:ext uri="{A12FA001-AC4F-418D-AE19-62706E023703}">
-                      <ahyp:hlinkClr xmlns:ahyp="http://schemas.microsoft.com/office/drawing/2018/hyperlinkcolor" val="tx"/>
+                      <ahyp:hlinkClr xmlns="" xmlns:ahyp="http://schemas.microsoft.com/office/drawing/2018/hyperlinkcolor" val="tx"/>
                     </a:ext>
                   </a:extLst>
                 </a:hlinkClick>
@@ -4254,7 +4258,7 @@
                 <a:hlinkClick r:id="rId6">
                   <a:extLst>
                     <a:ext uri="{A12FA001-AC4F-418D-AE19-62706E023703}">
-                      <ahyp:hlinkClr xmlns:ahyp="http://schemas.microsoft.com/office/drawing/2018/hyperlinkcolor" val="tx"/>
+                      <ahyp:hlinkClr xmlns="" xmlns:ahyp="http://schemas.microsoft.com/office/drawing/2018/hyperlinkcolor" val="tx"/>
                     </a:ext>
                   </a:extLst>
                 </a:hlinkClick>
@@ -4269,6 +4273,19 @@
                 <a:latin typeface="Calibri (Body)"/>
               </a:rPr>
               <a:t>)</a:t>
+            </a:r>
+            <a:r>
+              <a:rPr lang="pt-BR" sz="2200" dirty="0">
+                <a:solidFill>
+                  <a:schemeClr val="bg1"/>
+                </a:solidFill>
+                <a:highlight>
+                  <a:srgbClr val="FFFF00"/>
+                </a:highlight>
+                <a:latin typeface="Calibri (Body)"/>
+                <a:ea typeface="Times New Roman" panose="02020603050405020304" pitchFamily="18" charset="0"/>
+              </a:rPr>
+              <a:t/>
             </a:r>
             <a:br>
               <a:rPr lang="pt-BR" sz="2200" dirty="0">
@@ -4303,7 +4320,7 @@
     </p:spTree>
     <p:extLst>
       <p:ext uri="{BB962C8B-B14F-4D97-AF65-F5344CB8AC3E}">
-        <p14:creationId xmlns:p14="http://schemas.microsoft.com/office/powerpoint/2010/main" val="679871842"/>
+        <p14:creationId xmlns="" xmlns:p14="http://schemas.microsoft.com/office/powerpoint/2010/main" val="679871842"/>
       </p:ext>
     </p:extLst>
   </p:cSld>
@@ -4335,7 +4352,7 @@
           <p:cNvPr id="2" name="CaixaDeTexto 1">
             <a:extLst>
               <a:ext uri="{FF2B5EF4-FFF2-40B4-BE49-F238E27FC236}">
-                <a16:creationId xmlns:a16="http://schemas.microsoft.com/office/drawing/2014/main" id="{E2289C40-6B36-4906-BF6F-3D1B594D6D57}"/>
+                <a16:creationId xmlns="" xmlns:a16="http://schemas.microsoft.com/office/drawing/2014/main" id="{E2289C40-6B36-4906-BF6F-3D1B594D6D57}"/>
               </a:ext>
             </a:extLst>
           </p:cNvPr>
@@ -4398,7 +4415,7 @@
           <p:cNvPr id="3" name="Retângulo 2">
             <a:extLst>
               <a:ext uri="{FF2B5EF4-FFF2-40B4-BE49-F238E27FC236}">
-                <a16:creationId xmlns:a16="http://schemas.microsoft.com/office/drawing/2014/main" id="{174208DE-0C00-40F4-A31A-3BC0AEE1B5CE}"/>
+                <a16:creationId xmlns="" xmlns:a16="http://schemas.microsoft.com/office/drawing/2014/main" id="{174208DE-0C00-40F4-A31A-3BC0AEE1B5CE}"/>
               </a:ext>
             </a:extLst>
           </p:cNvPr>
@@ -4456,7 +4473,7 @@
           <p:cNvPr id="4" name="CaixaDeTexto 3">
             <a:extLst>
               <a:ext uri="{FF2B5EF4-FFF2-40B4-BE49-F238E27FC236}">
-                <a16:creationId xmlns:a16="http://schemas.microsoft.com/office/drawing/2014/main" id="{C7463C38-0C64-417D-97DB-85F9C1B86AF4}"/>
+                <a16:creationId xmlns="" xmlns:a16="http://schemas.microsoft.com/office/drawing/2014/main" id="{C7463C38-0C64-417D-97DB-85F9C1B86AF4}"/>
               </a:ext>
             </a:extLst>
           </p:cNvPr>
@@ -4492,7 +4509,7 @@
     </p:spTree>
     <p:extLst>
       <p:ext uri="{BB962C8B-B14F-4D97-AF65-F5344CB8AC3E}">
-        <p14:creationId xmlns:p14="http://schemas.microsoft.com/office/powerpoint/2010/main" val="1588210080"/>
+        <p14:creationId xmlns="" xmlns:p14="http://schemas.microsoft.com/office/powerpoint/2010/main" val="1588210080"/>
       </p:ext>
     </p:extLst>
   </p:cSld>
@@ -4524,7 +4541,7 @@
           <p:cNvPr id="2" name="CaixaDeTexto 1">
             <a:extLst>
               <a:ext uri="{FF2B5EF4-FFF2-40B4-BE49-F238E27FC236}">
-                <a16:creationId xmlns:a16="http://schemas.microsoft.com/office/drawing/2014/main" id="{E2289C40-6B36-4906-BF6F-3D1B594D6D57}"/>
+                <a16:creationId xmlns="" xmlns:a16="http://schemas.microsoft.com/office/drawing/2014/main" id="{E2289C40-6B36-4906-BF6F-3D1B594D6D57}"/>
               </a:ext>
             </a:extLst>
           </p:cNvPr>
@@ -4587,7 +4604,7 @@
           <p:cNvPr id="3" name="Retângulo 2">
             <a:extLst>
               <a:ext uri="{FF2B5EF4-FFF2-40B4-BE49-F238E27FC236}">
-                <a16:creationId xmlns:a16="http://schemas.microsoft.com/office/drawing/2014/main" id="{174208DE-0C00-40F4-A31A-3BC0AEE1B5CE}"/>
+                <a16:creationId xmlns="" xmlns:a16="http://schemas.microsoft.com/office/drawing/2014/main" id="{174208DE-0C00-40F4-A31A-3BC0AEE1B5CE}"/>
               </a:ext>
             </a:extLst>
           </p:cNvPr>
@@ -4645,7 +4662,7 @@
           <p:cNvPr id="4" name="CaixaDeTexto 3">
             <a:extLst>
               <a:ext uri="{FF2B5EF4-FFF2-40B4-BE49-F238E27FC236}">
-                <a16:creationId xmlns:a16="http://schemas.microsoft.com/office/drawing/2014/main" id="{2CEABB78-1981-4542-9477-F6F9986CDBB1}"/>
+                <a16:creationId xmlns="" xmlns:a16="http://schemas.microsoft.com/office/drawing/2014/main" id="{2CEABB78-1981-4542-9477-F6F9986CDBB1}"/>
               </a:ext>
             </a:extLst>
           </p:cNvPr>
@@ -4681,7 +4698,7 @@
     </p:spTree>
     <p:extLst>
       <p:ext uri="{BB962C8B-B14F-4D97-AF65-F5344CB8AC3E}">
-        <p14:creationId xmlns:p14="http://schemas.microsoft.com/office/powerpoint/2010/main" val="303897569"/>
+        <p14:creationId xmlns="" xmlns:p14="http://schemas.microsoft.com/office/powerpoint/2010/main" val="303897569"/>
       </p:ext>
     </p:extLst>
   </p:cSld>
@@ -4713,7 +4730,7 @@
           <p:cNvPr id="2" name="CaixaDeTexto 1">
             <a:extLst>
               <a:ext uri="{FF2B5EF4-FFF2-40B4-BE49-F238E27FC236}">
-                <a16:creationId xmlns:a16="http://schemas.microsoft.com/office/drawing/2014/main" id="{E2289C40-6B36-4906-BF6F-3D1B594D6D57}"/>
+                <a16:creationId xmlns="" xmlns:a16="http://schemas.microsoft.com/office/drawing/2014/main" id="{E2289C40-6B36-4906-BF6F-3D1B594D6D57}"/>
               </a:ext>
             </a:extLst>
           </p:cNvPr>
@@ -4752,7 +4769,7 @@
           <p:cNvPr id="3" name="Retângulo 2">
             <a:extLst>
               <a:ext uri="{FF2B5EF4-FFF2-40B4-BE49-F238E27FC236}">
-                <a16:creationId xmlns:a16="http://schemas.microsoft.com/office/drawing/2014/main" id="{0464F21F-CB9C-45F7-B671-AA1301672C7C}"/>
+                <a16:creationId xmlns="" xmlns:a16="http://schemas.microsoft.com/office/drawing/2014/main" id="{0464F21F-CB9C-45F7-B671-AA1301672C7C}"/>
               </a:ext>
             </a:extLst>
           </p:cNvPr>
@@ -4838,7 +4855,7 @@
           <p:cNvPr id="4" name="CaixaDeTexto 3">
             <a:extLst>
               <a:ext uri="{FF2B5EF4-FFF2-40B4-BE49-F238E27FC236}">
-                <a16:creationId xmlns:a16="http://schemas.microsoft.com/office/drawing/2014/main" id="{2986ED32-27EE-4608-ACDA-A45D763B90F1}"/>
+                <a16:creationId xmlns="" xmlns:a16="http://schemas.microsoft.com/office/drawing/2014/main" id="{2986ED32-27EE-4608-ACDA-A45D763B90F1}"/>
               </a:ext>
             </a:extLst>
           </p:cNvPr>
@@ -4874,7 +4891,7 @@
     </p:spTree>
     <p:extLst>
       <p:ext uri="{BB962C8B-B14F-4D97-AF65-F5344CB8AC3E}">
-        <p14:creationId xmlns:p14="http://schemas.microsoft.com/office/powerpoint/2010/main" val="2538997075"/>
+        <p14:creationId xmlns="" xmlns:p14="http://schemas.microsoft.com/office/powerpoint/2010/main" val="2538997075"/>
       </p:ext>
     </p:extLst>
   </p:cSld>
@@ -4906,7 +4923,7 @@
           <p:cNvPr id="2" name="CaixaDeTexto 1">
             <a:extLst>
               <a:ext uri="{FF2B5EF4-FFF2-40B4-BE49-F238E27FC236}">
-                <a16:creationId xmlns:a16="http://schemas.microsoft.com/office/drawing/2014/main" id="{E2289C40-6B36-4906-BF6F-3D1B594D6D57}"/>
+                <a16:creationId xmlns="" xmlns:a16="http://schemas.microsoft.com/office/drawing/2014/main" id="{E2289C40-6B36-4906-BF6F-3D1B594D6D57}"/>
               </a:ext>
             </a:extLst>
           </p:cNvPr>
@@ -4945,7 +4962,7 @@
           <p:cNvPr id="3" name="Retângulo 2">
             <a:extLst>
               <a:ext uri="{FF2B5EF4-FFF2-40B4-BE49-F238E27FC236}">
-                <a16:creationId xmlns:a16="http://schemas.microsoft.com/office/drawing/2014/main" id="{0464F21F-CB9C-45F7-B671-AA1301672C7C}"/>
+                <a16:creationId xmlns="" xmlns:a16="http://schemas.microsoft.com/office/drawing/2014/main" id="{0464F21F-CB9C-45F7-B671-AA1301672C7C}"/>
               </a:ext>
             </a:extLst>
           </p:cNvPr>
@@ -5008,7 +5025,7 @@
           <p:cNvPr id="4" name="CaixaDeTexto 3">
             <a:extLst>
               <a:ext uri="{FF2B5EF4-FFF2-40B4-BE49-F238E27FC236}">
-                <a16:creationId xmlns:a16="http://schemas.microsoft.com/office/drawing/2014/main" id="{ACB5372C-5619-4615-BA99-8963D2DAED07}"/>
+                <a16:creationId xmlns="" xmlns:a16="http://schemas.microsoft.com/office/drawing/2014/main" id="{ACB5372C-5619-4615-BA99-8963D2DAED07}"/>
               </a:ext>
             </a:extLst>
           </p:cNvPr>
@@ -5044,7 +5061,7 @@
     </p:spTree>
     <p:extLst>
       <p:ext uri="{BB962C8B-B14F-4D97-AF65-F5344CB8AC3E}">
-        <p14:creationId xmlns:p14="http://schemas.microsoft.com/office/powerpoint/2010/main" val="1046586723"/>
+        <p14:creationId xmlns="" xmlns:p14="http://schemas.microsoft.com/office/powerpoint/2010/main" val="1046586723"/>
       </p:ext>
     </p:extLst>
   </p:cSld>
@@ -5076,7 +5093,7 @@
           <p:cNvPr id="2" name="CaixaDeTexto 1">
             <a:extLst>
               <a:ext uri="{FF2B5EF4-FFF2-40B4-BE49-F238E27FC236}">
-                <a16:creationId xmlns:a16="http://schemas.microsoft.com/office/drawing/2014/main" id="{E2289C40-6B36-4906-BF6F-3D1B594D6D57}"/>
+                <a16:creationId xmlns="" xmlns:a16="http://schemas.microsoft.com/office/drawing/2014/main" id="{E2289C40-6B36-4906-BF6F-3D1B594D6D57}"/>
               </a:ext>
             </a:extLst>
           </p:cNvPr>
@@ -5115,7 +5132,7 @@
           <p:cNvPr id="3" name="Retângulo 2">
             <a:extLst>
               <a:ext uri="{FF2B5EF4-FFF2-40B4-BE49-F238E27FC236}">
-                <a16:creationId xmlns:a16="http://schemas.microsoft.com/office/drawing/2014/main" id="{6E4F48DF-7BE3-4E81-BCEE-F95E301A11C3}"/>
+                <a16:creationId xmlns="" xmlns:a16="http://schemas.microsoft.com/office/drawing/2014/main" id="{6E4F48DF-7BE3-4E81-BCEE-F95E301A11C3}"/>
               </a:ext>
             </a:extLst>
           </p:cNvPr>
@@ -5185,7 +5202,7 @@
           <p:cNvPr id="4" name="CaixaDeTexto 3">
             <a:extLst>
               <a:ext uri="{FF2B5EF4-FFF2-40B4-BE49-F238E27FC236}">
-                <a16:creationId xmlns:a16="http://schemas.microsoft.com/office/drawing/2014/main" id="{5F96A4B5-BCBF-4128-AA58-68E853C4C0C1}"/>
+                <a16:creationId xmlns="" xmlns:a16="http://schemas.microsoft.com/office/drawing/2014/main" id="{5F96A4B5-BCBF-4128-AA58-68E853C4C0C1}"/>
               </a:ext>
             </a:extLst>
           </p:cNvPr>
@@ -5221,7 +5238,7 @@
     </p:spTree>
     <p:extLst>
       <p:ext uri="{BB962C8B-B14F-4D97-AF65-F5344CB8AC3E}">
-        <p14:creationId xmlns:p14="http://schemas.microsoft.com/office/powerpoint/2010/main" val="3932015321"/>
+        <p14:creationId xmlns="" xmlns:p14="http://schemas.microsoft.com/office/powerpoint/2010/main" val="3932015321"/>
       </p:ext>
     </p:extLst>
   </p:cSld>
@@ -5253,7 +5270,7 @@
           <p:cNvPr id="2" name="CaixaDeTexto 1">
             <a:extLst>
               <a:ext uri="{FF2B5EF4-FFF2-40B4-BE49-F238E27FC236}">
-                <a16:creationId xmlns:a16="http://schemas.microsoft.com/office/drawing/2014/main" id="{E2289C40-6B36-4906-BF6F-3D1B594D6D57}"/>
+                <a16:creationId xmlns="" xmlns:a16="http://schemas.microsoft.com/office/drawing/2014/main" id="{E2289C40-6B36-4906-BF6F-3D1B594D6D57}"/>
               </a:ext>
             </a:extLst>
           </p:cNvPr>
@@ -5292,7 +5309,7 @@
           <p:cNvPr id="3" name="Retângulo 2">
             <a:extLst>
               <a:ext uri="{FF2B5EF4-FFF2-40B4-BE49-F238E27FC236}">
-                <a16:creationId xmlns:a16="http://schemas.microsoft.com/office/drawing/2014/main" id="{6E4F48DF-7BE3-4E81-BCEE-F95E301A11C3}"/>
+                <a16:creationId xmlns="" xmlns:a16="http://schemas.microsoft.com/office/drawing/2014/main" id="{6E4F48DF-7BE3-4E81-BCEE-F95E301A11C3}"/>
               </a:ext>
             </a:extLst>
           </p:cNvPr>
@@ -5354,7 +5371,7 @@
           <p:cNvPr id="4" name="CaixaDeTexto 3">
             <a:extLst>
               <a:ext uri="{FF2B5EF4-FFF2-40B4-BE49-F238E27FC236}">
-                <a16:creationId xmlns:a16="http://schemas.microsoft.com/office/drawing/2014/main" id="{6BFF6B08-BA12-4A27-A6FB-E5AD25D2188C}"/>
+                <a16:creationId xmlns="" xmlns:a16="http://schemas.microsoft.com/office/drawing/2014/main" id="{6BFF6B08-BA12-4A27-A6FB-E5AD25D2188C}"/>
               </a:ext>
             </a:extLst>
           </p:cNvPr>
@@ -5390,7 +5407,7 @@
     </p:spTree>
     <p:extLst>
       <p:ext uri="{BB962C8B-B14F-4D97-AF65-F5344CB8AC3E}">
-        <p14:creationId xmlns:p14="http://schemas.microsoft.com/office/powerpoint/2010/main" val="3981785778"/>
+        <p14:creationId xmlns="" xmlns:p14="http://schemas.microsoft.com/office/powerpoint/2010/main" val="3981785778"/>
       </p:ext>
     </p:extLst>
   </p:cSld>
@@ -5422,7 +5439,7 @@
           <p:cNvPr id="2" name="CaixaDeTexto 1">
             <a:extLst>
               <a:ext uri="{FF2B5EF4-FFF2-40B4-BE49-F238E27FC236}">
-                <a16:creationId xmlns:a16="http://schemas.microsoft.com/office/drawing/2014/main" id="{E2289C40-6B36-4906-BF6F-3D1B594D6D57}"/>
+                <a16:creationId xmlns="" xmlns:a16="http://schemas.microsoft.com/office/drawing/2014/main" id="{E2289C40-6B36-4906-BF6F-3D1B594D6D57}"/>
               </a:ext>
             </a:extLst>
           </p:cNvPr>
@@ -5461,7 +5478,7 @@
           <p:cNvPr id="3" name="Retângulo 2">
             <a:extLst>
               <a:ext uri="{FF2B5EF4-FFF2-40B4-BE49-F238E27FC236}">
-                <a16:creationId xmlns:a16="http://schemas.microsoft.com/office/drawing/2014/main" id="{6E4F48DF-7BE3-4E81-BCEE-F95E301A11C3}"/>
+                <a16:creationId xmlns="" xmlns:a16="http://schemas.microsoft.com/office/drawing/2014/main" id="{6E4F48DF-7BE3-4E81-BCEE-F95E301A11C3}"/>
               </a:ext>
             </a:extLst>
           </p:cNvPr>
@@ -5523,7 +5540,7 @@
           <p:cNvPr id="4" name="CaixaDeTexto 3">
             <a:extLst>
               <a:ext uri="{FF2B5EF4-FFF2-40B4-BE49-F238E27FC236}">
-                <a16:creationId xmlns:a16="http://schemas.microsoft.com/office/drawing/2014/main" id="{D2E0FDAC-7CB4-4675-900E-00A8FF1FFE1A}"/>
+                <a16:creationId xmlns="" xmlns:a16="http://schemas.microsoft.com/office/drawing/2014/main" id="{D2E0FDAC-7CB4-4675-900E-00A8FF1FFE1A}"/>
               </a:ext>
             </a:extLst>
           </p:cNvPr>
@@ -5559,7 +5576,7 @@
     </p:spTree>
     <p:extLst>
       <p:ext uri="{BB962C8B-B14F-4D97-AF65-F5344CB8AC3E}">
-        <p14:creationId xmlns:p14="http://schemas.microsoft.com/office/powerpoint/2010/main" val="1782597892"/>
+        <p14:creationId xmlns="" xmlns:p14="http://schemas.microsoft.com/office/powerpoint/2010/main" val="1782597892"/>
       </p:ext>
     </p:extLst>
   </p:cSld>
@@ -5591,7 +5608,7 @@
           <p:cNvPr id="2" name="CaixaDeTexto 1">
             <a:extLst>
               <a:ext uri="{FF2B5EF4-FFF2-40B4-BE49-F238E27FC236}">
-                <a16:creationId xmlns:a16="http://schemas.microsoft.com/office/drawing/2014/main" id="{E2289C40-6B36-4906-BF6F-3D1B594D6D57}"/>
+                <a16:creationId xmlns="" xmlns:a16="http://schemas.microsoft.com/office/drawing/2014/main" id="{E2289C40-6B36-4906-BF6F-3D1B594D6D57}"/>
               </a:ext>
             </a:extLst>
           </p:cNvPr>
@@ -5630,7 +5647,7 @@
           <p:cNvPr id="3" name="Retângulo 2">
             <a:extLst>
               <a:ext uri="{FF2B5EF4-FFF2-40B4-BE49-F238E27FC236}">
-                <a16:creationId xmlns:a16="http://schemas.microsoft.com/office/drawing/2014/main" id="{6E4F48DF-7BE3-4E81-BCEE-F95E301A11C3}"/>
+                <a16:creationId xmlns="" xmlns:a16="http://schemas.microsoft.com/office/drawing/2014/main" id="{6E4F48DF-7BE3-4E81-BCEE-F95E301A11C3}"/>
               </a:ext>
             </a:extLst>
           </p:cNvPr>
@@ -5708,7 +5725,7 @@
           <p:cNvPr id="4" name="CaixaDeTexto 3">
             <a:extLst>
               <a:ext uri="{FF2B5EF4-FFF2-40B4-BE49-F238E27FC236}">
-                <a16:creationId xmlns:a16="http://schemas.microsoft.com/office/drawing/2014/main" id="{A669B354-350D-4C90-B1CF-E0DF5E164E9D}"/>
+                <a16:creationId xmlns="" xmlns:a16="http://schemas.microsoft.com/office/drawing/2014/main" id="{A669B354-350D-4C90-B1CF-E0DF5E164E9D}"/>
               </a:ext>
             </a:extLst>
           </p:cNvPr>
@@ -5744,7 +5761,7 @@
     </p:spTree>
     <p:extLst>
       <p:ext uri="{BB962C8B-B14F-4D97-AF65-F5344CB8AC3E}">
-        <p14:creationId xmlns:p14="http://schemas.microsoft.com/office/powerpoint/2010/main" val="282548394"/>
+        <p14:creationId xmlns="" xmlns:p14="http://schemas.microsoft.com/office/powerpoint/2010/main" val="282548394"/>
       </p:ext>
     </p:extLst>
   </p:cSld>
@@ -5776,7 +5793,7 @@
           <p:cNvPr id="2" name="CaixaDeTexto 1">
             <a:extLst>
               <a:ext uri="{FF2B5EF4-FFF2-40B4-BE49-F238E27FC236}">
-                <a16:creationId xmlns:a16="http://schemas.microsoft.com/office/drawing/2014/main" id="{E2289C40-6B36-4906-BF6F-3D1B594D6D57}"/>
+                <a16:creationId xmlns="" xmlns:a16="http://schemas.microsoft.com/office/drawing/2014/main" id="{E2289C40-6B36-4906-BF6F-3D1B594D6D57}"/>
               </a:ext>
             </a:extLst>
           </p:cNvPr>
@@ -5815,7 +5832,7 @@
           <p:cNvPr id="3" name="Retângulo 2">
             <a:extLst>
               <a:ext uri="{FF2B5EF4-FFF2-40B4-BE49-F238E27FC236}">
-                <a16:creationId xmlns:a16="http://schemas.microsoft.com/office/drawing/2014/main" id="{6E4F48DF-7BE3-4E81-BCEE-F95E301A11C3}"/>
+                <a16:creationId xmlns="" xmlns:a16="http://schemas.microsoft.com/office/drawing/2014/main" id="{6E4F48DF-7BE3-4E81-BCEE-F95E301A11C3}"/>
               </a:ext>
             </a:extLst>
           </p:cNvPr>
@@ -5877,7 +5894,7 @@
           <p:cNvPr id="4" name="CaixaDeTexto 3">
             <a:extLst>
               <a:ext uri="{FF2B5EF4-FFF2-40B4-BE49-F238E27FC236}">
-                <a16:creationId xmlns:a16="http://schemas.microsoft.com/office/drawing/2014/main" id="{C36FC670-86D1-44ED-81A6-560366F90D65}"/>
+                <a16:creationId xmlns="" xmlns:a16="http://schemas.microsoft.com/office/drawing/2014/main" id="{C36FC670-86D1-44ED-81A6-560366F90D65}"/>
               </a:ext>
             </a:extLst>
           </p:cNvPr>
@@ -5913,7 +5930,7 @@
     </p:spTree>
     <p:extLst>
       <p:ext uri="{BB962C8B-B14F-4D97-AF65-F5344CB8AC3E}">
-        <p14:creationId xmlns:p14="http://schemas.microsoft.com/office/powerpoint/2010/main" val="1923219699"/>
+        <p14:creationId xmlns="" xmlns:p14="http://schemas.microsoft.com/office/powerpoint/2010/main" val="1923219699"/>
       </p:ext>
     </p:extLst>
   </p:cSld>
@@ -5945,7 +5962,7 @@
           <p:cNvPr id="2" name="CaixaDeTexto 1">
             <a:extLst>
               <a:ext uri="{FF2B5EF4-FFF2-40B4-BE49-F238E27FC236}">
-                <a16:creationId xmlns:a16="http://schemas.microsoft.com/office/drawing/2014/main" id="{E2289C40-6B36-4906-BF6F-3D1B594D6D57}"/>
+                <a16:creationId xmlns="" xmlns:a16="http://schemas.microsoft.com/office/drawing/2014/main" id="{E2289C40-6B36-4906-BF6F-3D1B594D6D57}"/>
               </a:ext>
             </a:extLst>
           </p:cNvPr>
@@ -5984,7 +6001,7 @@
           <p:cNvPr id="5" name="Retângulo 4">
             <a:extLst>
               <a:ext uri="{FF2B5EF4-FFF2-40B4-BE49-F238E27FC236}">
-                <a16:creationId xmlns:a16="http://schemas.microsoft.com/office/drawing/2014/main" id="{C4351BF4-6949-465B-A55A-C8561462CF2E}"/>
+                <a16:creationId xmlns="" xmlns:a16="http://schemas.microsoft.com/office/drawing/2014/main" id="{C4351BF4-6949-465B-A55A-C8561462CF2E}"/>
               </a:ext>
             </a:extLst>
           </p:cNvPr>
@@ -6026,7 +6043,7 @@
           <p:cNvPr id="6" name="CaixaDeTexto 5">
             <a:extLst>
               <a:ext uri="{FF2B5EF4-FFF2-40B4-BE49-F238E27FC236}">
-                <a16:creationId xmlns:a16="http://schemas.microsoft.com/office/drawing/2014/main" id="{D5F67441-A755-4247-851C-41974715F282}"/>
+                <a16:creationId xmlns="" xmlns:a16="http://schemas.microsoft.com/office/drawing/2014/main" id="{D5F67441-A755-4247-851C-41974715F282}"/>
               </a:ext>
             </a:extLst>
           </p:cNvPr>
@@ -6110,7 +6127,7 @@
           <p:cNvPr id="7" name="Retângulo 4">
             <a:extLst>
               <a:ext uri="{FF2B5EF4-FFF2-40B4-BE49-F238E27FC236}">
-                <a16:creationId xmlns:a16="http://schemas.microsoft.com/office/drawing/2014/main" id="{F98E677B-3EA7-49FD-AAB2-91F960419DAB}"/>
+                <a16:creationId xmlns="" xmlns:a16="http://schemas.microsoft.com/office/drawing/2014/main" id="{F98E677B-3EA7-49FD-AAB2-91F960419DAB}"/>
               </a:ext>
             </a:extLst>
           </p:cNvPr>
@@ -6150,7 +6167,7 @@
     </p:spTree>
     <p:extLst>
       <p:ext uri="{BB962C8B-B14F-4D97-AF65-F5344CB8AC3E}">
-        <p14:creationId xmlns:p14="http://schemas.microsoft.com/office/powerpoint/2010/main" val="351260889"/>
+        <p14:creationId xmlns="" xmlns:p14="http://schemas.microsoft.com/office/powerpoint/2010/main" val="351260889"/>
       </p:ext>
     </p:extLst>
   </p:cSld>
@@ -6182,7 +6199,7 @@
           <p:cNvPr id="2" name="CaixaDeTexto 1">
             <a:extLst>
               <a:ext uri="{FF2B5EF4-FFF2-40B4-BE49-F238E27FC236}">
-                <a16:creationId xmlns:a16="http://schemas.microsoft.com/office/drawing/2014/main" id="{E2289C40-6B36-4906-BF6F-3D1B594D6D57}"/>
+                <a16:creationId xmlns="" xmlns:a16="http://schemas.microsoft.com/office/drawing/2014/main" id="{E2289C40-6B36-4906-BF6F-3D1B594D6D57}"/>
               </a:ext>
             </a:extLst>
           </p:cNvPr>
@@ -6221,7 +6238,7 @@
           <p:cNvPr id="5" name="Retângulo 4">
             <a:extLst>
               <a:ext uri="{FF2B5EF4-FFF2-40B4-BE49-F238E27FC236}">
-                <a16:creationId xmlns:a16="http://schemas.microsoft.com/office/drawing/2014/main" id="{C4351BF4-6949-465B-A55A-C8561462CF2E}"/>
+                <a16:creationId xmlns="" xmlns:a16="http://schemas.microsoft.com/office/drawing/2014/main" id="{C4351BF4-6949-465B-A55A-C8561462CF2E}"/>
               </a:ext>
             </a:extLst>
           </p:cNvPr>
@@ -6263,7 +6280,7 @@
           <p:cNvPr id="7" name="Retângulo 4">
             <a:extLst>
               <a:ext uri="{FF2B5EF4-FFF2-40B4-BE49-F238E27FC236}">
-                <a16:creationId xmlns:a16="http://schemas.microsoft.com/office/drawing/2014/main" id="{6F061871-FDA0-491B-B84B-B5AB0970885B}"/>
+                <a16:creationId xmlns="" xmlns:a16="http://schemas.microsoft.com/office/drawing/2014/main" id="{6F061871-FDA0-491B-B84B-B5AB0970885B}"/>
               </a:ext>
             </a:extLst>
           </p:cNvPr>
@@ -6305,7 +6322,7 @@
           <p:cNvPr id="14" name="CaixaDeTexto 5">
             <a:extLst>
               <a:ext uri="{FF2B5EF4-FFF2-40B4-BE49-F238E27FC236}">
-                <a16:creationId xmlns:a16="http://schemas.microsoft.com/office/drawing/2014/main" id="{07CA8BF6-9A49-441F-836D-9072850A59D4}"/>
+                <a16:creationId xmlns="" xmlns:a16="http://schemas.microsoft.com/office/drawing/2014/main" id="{07CA8BF6-9A49-441F-836D-9072850A59D4}"/>
               </a:ext>
             </a:extLst>
           </p:cNvPr>
@@ -6349,7 +6366,7 @@
           <p:cNvPr id="15" name="Picture 14" descr="A screenshot of a cell phone&#10;&#10;Description automatically generated">
             <a:extLst>
               <a:ext uri="{FF2B5EF4-FFF2-40B4-BE49-F238E27FC236}">
-                <a16:creationId xmlns:a16="http://schemas.microsoft.com/office/drawing/2014/main" id="{2F22A74C-3364-4DD1-BBA7-38E977DAC637}"/>
+                <a16:creationId xmlns="" xmlns:a16="http://schemas.microsoft.com/office/drawing/2014/main" id="{2F22A74C-3364-4DD1-BBA7-38E977DAC637}"/>
               </a:ext>
             </a:extLst>
           </p:cNvPr>
@@ -6359,10 +6376,10 @@
           <p:nvPr/>
         </p:nvPicPr>
         <p:blipFill>
-          <a:blip r:embed="rId2">
+          <a:blip r:embed="rId2" cstate="print">
             <a:extLst>
               <a:ext uri="{28A0092B-C50C-407E-A947-70E740481C1C}">
-                <a14:useLocalDpi xmlns:a14="http://schemas.microsoft.com/office/drawing/2010/main" val="0"/>
+                <a14:useLocalDpi xmlns="" xmlns:a14="http://schemas.microsoft.com/office/drawing/2010/main" val="0"/>
               </a:ext>
             </a:extLst>
           </a:blip>
@@ -6385,7 +6402,7 @@
           <p:cNvPr id="16" name="Picture 15">
             <a:extLst>
               <a:ext uri="{FF2B5EF4-FFF2-40B4-BE49-F238E27FC236}">
-                <a16:creationId xmlns:a16="http://schemas.microsoft.com/office/drawing/2014/main" id="{B1A27C00-ABA4-4EE5-95D2-97D339292616}"/>
+                <a16:creationId xmlns="" xmlns:a16="http://schemas.microsoft.com/office/drawing/2014/main" id="{B1A27C00-ABA4-4EE5-95D2-97D339292616}"/>
               </a:ext>
             </a:extLst>
           </p:cNvPr>
@@ -6395,7 +6412,7 @@
           <p:nvPr/>
         </p:nvPicPr>
         <p:blipFill>
-          <a:blip r:embed="rId3"/>
+          <a:blip r:embed="rId3" cstate="print"/>
           <a:stretch>
             <a:fillRect/>
           </a:stretch>
@@ -6415,7 +6432,7 @@
           <p:cNvPr id="17" name="Picture 16">
             <a:extLst>
               <a:ext uri="{FF2B5EF4-FFF2-40B4-BE49-F238E27FC236}">
-                <a16:creationId xmlns:a16="http://schemas.microsoft.com/office/drawing/2014/main" id="{D6CEEE49-8720-460A-9FA7-E01A051D6D3D}"/>
+                <a16:creationId xmlns="" xmlns:a16="http://schemas.microsoft.com/office/drawing/2014/main" id="{D6CEEE49-8720-460A-9FA7-E01A051D6D3D}"/>
               </a:ext>
             </a:extLst>
           </p:cNvPr>
@@ -6425,7 +6442,7 @@
           <p:nvPr/>
         </p:nvPicPr>
         <p:blipFill>
-          <a:blip r:embed="rId4"/>
+          <a:blip r:embed="rId4" cstate="print"/>
           <a:stretch>
             <a:fillRect/>
           </a:stretch>
@@ -6445,7 +6462,7 @@
           <p:cNvPr id="18" name="CaixaDeTexto 5">
             <a:extLst>
               <a:ext uri="{FF2B5EF4-FFF2-40B4-BE49-F238E27FC236}">
-                <a16:creationId xmlns:a16="http://schemas.microsoft.com/office/drawing/2014/main" id="{E05EE9CB-CEAD-49FB-B917-F3911C866716}"/>
+                <a16:creationId xmlns="" xmlns:a16="http://schemas.microsoft.com/office/drawing/2014/main" id="{E05EE9CB-CEAD-49FB-B917-F3911C866716}"/>
               </a:ext>
             </a:extLst>
           </p:cNvPr>
@@ -6502,7 +6519,7 @@
           <p:cNvPr id="19" name="Straight Connector 18">
             <a:extLst>
               <a:ext uri="{FF2B5EF4-FFF2-40B4-BE49-F238E27FC236}">
-                <a16:creationId xmlns:a16="http://schemas.microsoft.com/office/drawing/2014/main" id="{5E198959-BDE7-4419-BDC5-99C20E0B5EC8}"/>
+                <a16:creationId xmlns="" xmlns:a16="http://schemas.microsoft.com/office/drawing/2014/main" id="{5E198959-BDE7-4419-BDC5-99C20E0B5EC8}"/>
               </a:ext>
             </a:extLst>
           </p:cNvPr>
@@ -6543,7 +6560,7 @@
           <p:cNvPr id="3" name="Picture 2">
             <a:extLst>
               <a:ext uri="{FF2B5EF4-FFF2-40B4-BE49-F238E27FC236}">
-                <a16:creationId xmlns:a16="http://schemas.microsoft.com/office/drawing/2014/main" id="{36078AE8-5334-447D-AD43-BB3AF83E359B}"/>
+                <a16:creationId xmlns="" xmlns:a16="http://schemas.microsoft.com/office/drawing/2014/main" id="{36078AE8-5334-447D-AD43-BB3AF83E359B}"/>
               </a:ext>
             </a:extLst>
           </p:cNvPr>
@@ -6553,7 +6570,7 @@
           <p:nvPr/>
         </p:nvPicPr>
         <p:blipFill>
-          <a:blip r:embed="rId6"/>
+          <a:blip r:embed="rId6" cstate="print"/>
           <a:stretch>
             <a:fillRect/>
           </a:stretch>
@@ -6571,7 +6588,7 @@
     </p:spTree>
     <p:extLst>
       <p:ext uri="{BB962C8B-B14F-4D97-AF65-F5344CB8AC3E}">
-        <p14:creationId xmlns:p14="http://schemas.microsoft.com/office/powerpoint/2010/main" val="3921174963"/>
+        <p14:creationId xmlns="" xmlns:p14="http://schemas.microsoft.com/office/powerpoint/2010/main" val="3921174963"/>
       </p:ext>
     </p:extLst>
   </p:cSld>
@@ -6603,7 +6620,7 @@
           <p:cNvPr id="2" name="CaixaDeTexto 1">
             <a:extLst>
               <a:ext uri="{FF2B5EF4-FFF2-40B4-BE49-F238E27FC236}">
-                <a16:creationId xmlns:a16="http://schemas.microsoft.com/office/drawing/2014/main" id="{E2289C40-6B36-4906-BF6F-3D1B594D6D57}"/>
+                <a16:creationId xmlns="" xmlns:a16="http://schemas.microsoft.com/office/drawing/2014/main" id="{E2289C40-6B36-4906-BF6F-3D1B594D6D57}"/>
               </a:ext>
             </a:extLst>
           </p:cNvPr>
@@ -6642,7 +6659,7 @@
           <p:cNvPr id="5" name="Retângulo 4">
             <a:extLst>
               <a:ext uri="{FF2B5EF4-FFF2-40B4-BE49-F238E27FC236}">
-                <a16:creationId xmlns:a16="http://schemas.microsoft.com/office/drawing/2014/main" id="{C4351BF4-6949-465B-A55A-C8561462CF2E}"/>
+                <a16:creationId xmlns="" xmlns:a16="http://schemas.microsoft.com/office/drawing/2014/main" id="{C4351BF4-6949-465B-A55A-C8561462CF2E}"/>
               </a:ext>
             </a:extLst>
           </p:cNvPr>
@@ -6684,7 +6701,7 @@
           <p:cNvPr id="7" name="Retângulo 4">
             <a:extLst>
               <a:ext uri="{FF2B5EF4-FFF2-40B4-BE49-F238E27FC236}">
-                <a16:creationId xmlns:a16="http://schemas.microsoft.com/office/drawing/2014/main" id="{6F061871-FDA0-491B-B84B-B5AB0970885B}"/>
+                <a16:creationId xmlns="" xmlns:a16="http://schemas.microsoft.com/office/drawing/2014/main" id="{6F061871-FDA0-491B-B84B-B5AB0970885B}"/>
               </a:ext>
             </a:extLst>
           </p:cNvPr>
@@ -6726,7 +6743,7 @@
           <p:cNvPr id="17" name="CaixaDeTexto 5">
             <a:extLst>
               <a:ext uri="{FF2B5EF4-FFF2-40B4-BE49-F238E27FC236}">
-                <a16:creationId xmlns:a16="http://schemas.microsoft.com/office/drawing/2014/main" id="{0EACA767-5D74-4C51-98B7-763F041F495E}"/>
+                <a16:creationId xmlns="" xmlns:a16="http://schemas.microsoft.com/office/drawing/2014/main" id="{0EACA767-5D74-4C51-98B7-763F041F495E}"/>
               </a:ext>
             </a:extLst>
           </p:cNvPr>
@@ -6797,7 +6814,7 @@
           <p:cNvPr id="8" name="Group 7">
             <a:extLst>
               <a:ext uri="{FF2B5EF4-FFF2-40B4-BE49-F238E27FC236}">
-                <a16:creationId xmlns:a16="http://schemas.microsoft.com/office/drawing/2014/main" id="{1E163097-A71F-4360-857F-CDF7256C8A07}"/>
+                <a16:creationId xmlns="" xmlns:a16="http://schemas.microsoft.com/office/drawing/2014/main" id="{1E163097-A71F-4360-857F-CDF7256C8A07}"/>
               </a:ext>
             </a:extLst>
           </p:cNvPr>
@@ -6817,7 +6834,7 @@
             <p:cNvPr id="4" name="Graphic 3" descr="Person with idea">
               <a:extLst>
                 <a:ext uri="{FF2B5EF4-FFF2-40B4-BE49-F238E27FC236}">
-                  <a16:creationId xmlns:a16="http://schemas.microsoft.com/office/drawing/2014/main" id="{2AFB5B40-0E71-438C-A693-F6960B64154E}"/>
+                  <a16:creationId xmlns="" xmlns:a16="http://schemas.microsoft.com/office/drawing/2014/main" id="{2AFB5B40-0E71-438C-A693-F6960B64154E}"/>
                 </a:ext>
               </a:extLst>
             </p:cNvPr>
@@ -6827,13 +6844,13 @@
             <p:nvPr/>
           </p:nvPicPr>
           <p:blipFill>
-            <a:blip r:embed="rId2">
+            <a:blip r:embed="rId2" cstate="print">
               <a:extLst>
                 <a:ext uri="{28A0092B-C50C-407E-A947-70E740481C1C}">
-                  <a14:useLocalDpi xmlns:a14="http://schemas.microsoft.com/office/drawing/2010/main" val="0"/>
+                  <a14:useLocalDpi xmlns="" xmlns:a14="http://schemas.microsoft.com/office/drawing/2010/main" val="0"/>
                 </a:ext>
                 <a:ext uri="{96DAC541-7B7A-43D3-8B79-37D633B846F1}">
-                  <asvg:svgBlip xmlns:asvg="http://schemas.microsoft.com/office/drawing/2016/SVG/main" r:embed="rId3"/>
+                  <asvg:svgBlip xmlns="" xmlns:asvg="http://schemas.microsoft.com/office/drawing/2016/SVG/main" r:embed="rId3"/>
                 </a:ext>
               </a:extLst>
             </a:blip>
@@ -6856,7 +6873,7 @@
             <p:cNvPr id="6" name="Rectangle 5">
               <a:extLst>
                 <a:ext uri="{FF2B5EF4-FFF2-40B4-BE49-F238E27FC236}">
-                  <a16:creationId xmlns:a16="http://schemas.microsoft.com/office/drawing/2014/main" id="{AD1205DC-63D6-44A4-B20E-BC9057891E98}"/>
+                  <a16:creationId xmlns="" xmlns:a16="http://schemas.microsoft.com/office/drawing/2014/main" id="{AD1205DC-63D6-44A4-B20E-BC9057891E98}"/>
                 </a:ext>
               </a:extLst>
             </p:cNvPr>
@@ -6970,6 +6987,10 @@
                 <a:rPr lang="pt-BR" sz="1400" i="1" dirty="0"/>
                 <a:t>." </a:t>
               </a:r>
+              <a:r>
+                <a:rPr lang="pt-BR" sz="1400" dirty="0"/>
+                <a:t/>
+              </a:r>
               <a:br>
                 <a:rPr lang="pt-BR" sz="1400" dirty="0"/>
               </a:br>
@@ -7008,7 +7029,7 @@
     </p:spTree>
     <p:extLst>
       <p:ext uri="{BB962C8B-B14F-4D97-AF65-F5344CB8AC3E}">
-        <p14:creationId xmlns:p14="http://schemas.microsoft.com/office/powerpoint/2010/main" val="1275928961"/>
+        <p14:creationId xmlns="" xmlns:p14="http://schemas.microsoft.com/office/powerpoint/2010/main" val="1275928961"/>
       </p:ext>
     </p:extLst>
   </p:cSld>
@@ -7040,7 +7061,7 @@
           <p:cNvPr id="2" name="CaixaDeTexto 1">
             <a:extLst>
               <a:ext uri="{FF2B5EF4-FFF2-40B4-BE49-F238E27FC236}">
-                <a16:creationId xmlns:a16="http://schemas.microsoft.com/office/drawing/2014/main" id="{E2289C40-6B36-4906-BF6F-3D1B594D6D57}"/>
+                <a16:creationId xmlns="" xmlns:a16="http://schemas.microsoft.com/office/drawing/2014/main" id="{E2289C40-6B36-4906-BF6F-3D1B594D6D57}"/>
               </a:ext>
             </a:extLst>
           </p:cNvPr>
@@ -7079,7 +7100,7 @@
           <p:cNvPr id="5" name="Retângulo 4">
             <a:extLst>
               <a:ext uri="{FF2B5EF4-FFF2-40B4-BE49-F238E27FC236}">
-                <a16:creationId xmlns:a16="http://schemas.microsoft.com/office/drawing/2014/main" id="{C4351BF4-6949-465B-A55A-C8561462CF2E}"/>
+                <a16:creationId xmlns="" xmlns:a16="http://schemas.microsoft.com/office/drawing/2014/main" id="{C4351BF4-6949-465B-A55A-C8561462CF2E}"/>
               </a:ext>
             </a:extLst>
           </p:cNvPr>
@@ -7137,7 +7158,7 @@
           <p:cNvPr id="4" name="CaixaDeTexto 3">
             <a:extLst>
               <a:ext uri="{FF2B5EF4-FFF2-40B4-BE49-F238E27FC236}">
-                <a16:creationId xmlns:a16="http://schemas.microsoft.com/office/drawing/2014/main" id="{6C14915E-E529-4FEB-989B-94707A646704}"/>
+                <a16:creationId xmlns="" xmlns:a16="http://schemas.microsoft.com/office/drawing/2014/main" id="{6C14915E-E529-4FEB-989B-94707A646704}"/>
               </a:ext>
             </a:extLst>
           </p:cNvPr>
@@ -7147,7 +7168,7 @@
         <p:spPr>
           <a:xfrm>
             <a:off x="176644" y="2016087"/>
-            <a:ext cx="11919876" cy="430887"/>
+            <a:ext cx="11919876" cy="1785104"/>
           </a:xfrm>
           <a:prstGeom prst="rect">
             <a:avLst/>
@@ -7164,16 +7185,54 @@
           <a:lstStyle/>
           <a:p>
             <a:r>
-              <a:rPr lang="pt-BR" sz="2200" i="1" dirty="0"/>
-              <a:t>Escrever aqui</a:t>
-            </a:r>
+              <a:rPr lang="pt-BR" sz="2200" i="1" dirty="0" smtClean="0"/>
+              <a:t>Diante do contexto descrito, apresentam-se os questionamentos à serem abordados nessa pesquisa:</a:t>
+            </a:r>
+          </a:p>
+          <a:p>
+            <a:endParaRPr lang="pt-BR" sz="2200" i="1" dirty="0" smtClean="0"/>
+          </a:p>
+          <a:p>
+            <a:pPr marL="457200" indent="-457200">
+              <a:buFont typeface="+mj-lt"/>
+              <a:buAutoNum type="arabicPeriod"/>
+            </a:pPr>
+            <a:r>
+              <a:rPr lang="pt-BR" sz="2200" b="1" i="1" dirty="0" smtClean="0"/>
+              <a:t>Como identificar </a:t>
+            </a:r>
+            <a:r>
+              <a:rPr lang="pt-BR" sz="2200" b="1" i="1" dirty="0" smtClean="0"/>
+              <a:t>de forma </a:t>
+            </a:r>
+            <a:r>
+              <a:rPr lang="pt-BR" sz="2200" b="1" i="1" dirty="0" smtClean="0"/>
+              <a:t>automatizada, </a:t>
+            </a:r>
+            <a:r>
+              <a:rPr lang="pt-BR" sz="2200" b="1" i="1" dirty="0" smtClean="0"/>
+              <a:t>se as </a:t>
+            </a:r>
+            <a:r>
+              <a:rPr lang="pt-BR" sz="2200" b="1" i="1" dirty="0" smtClean="0"/>
+              <a:t>pessoas (ex: consumidores em supermercados, passageiros no transporte público, pessoas nos aeroportos) </a:t>
+            </a:r>
+            <a:r>
+              <a:rPr lang="pt-BR" sz="2200" b="1" i="1" dirty="0" smtClean="0"/>
+              <a:t>estão utilizando </a:t>
+            </a:r>
+            <a:r>
+              <a:rPr lang="pt-BR" sz="2200" b="1" i="1" dirty="0" smtClean="0"/>
+              <a:t>máscaras de proteção facial ?</a:t>
+            </a:r>
+            <a:endParaRPr lang="pt-BR" sz="2200" b="1" i="1" dirty="0"/>
           </a:p>
         </p:txBody>
       </p:sp>
     </p:spTree>
     <p:extLst>
       <p:ext uri="{BB962C8B-B14F-4D97-AF65-F5344CB8AC3E}">
-        <p14:creationId xmlns:p14="http://schemas.microsoft.com/office/powerpoint/2010/main" val="3817115773"/>
+        <p14:creationId xmlns="" xmlns:p14="http://schemas.microsoft.com/office/powerpoint/2010/main" val="3817115773"/>
       </p:ext>
     </p:extLst>
   </p:cSld>
@@ -7205,7 +7264,7 @@
           <p:cNvPr id="2" name="CaixaDeTexto 1">
             <a:extLst>
               <a:ext uri="{FF2B5EF4-FFF2-40B4-BE49-F238E27FC236}">
-                <a16:creationId xmlns:a16="http://schemas.microsoft.com/office/drawing/2014/main" id="{E2289C40-6B36-4906-BF6F-3D1B594D6D57}"/>
+                <a16:creationId xmlns="" xmlns:a16="http://schemas.microsoft.com/office/drawing/2014/main" id="{E2289C40-6B36-4906-BF6F-3D1B594D6D57}"/>
               </a:ext>
             </a:extLst>
           </p:cNvPr>
@@ -7244,7 +7303,7 @@
           <p:cNvPr id="5" name="Retângulo 4">
             <a:extLst>
               <a:ext uri="{FF2B5EF4-FFF2-40B4-BE49-F238E27FC236}">
-                <a16:creationId xmlns:a16="http://schemas.microsoft.com/office/drawing/2014/main" id="{C4351BF4-6949-465B-A55A-C8561462CF2E}"/>
+                <a16:creationId xmlns="" xmlns:a16="http://schemas.microsoft.com/office/drawing/2014/main" id="{C4351BF4-6949-465B-A55A-C8561462CF2E}"/>
               </a:ext>
             </a:extLst>
           </p:cNvPr>
@@ -7302,7 +7361,7 @@
           <p:cNvPr id="4" name="CaixaDeTexto 3">
             <a:extLst>
               <a:ext uri="{FF2B5EF4-FFF2-40B4-BE49-F238E27FC236}">
-                <a16:creationId xmlns:a16="http://schemas.microsoft.com/office/drawing/2014/main" id="{84CA2768-938F-4EEA-B0DD-BAF05149B6F5}"/>
+                <a16:creationId xmlns="" xmlns:a16="http://schemas.microsoft.com/office/drawing/2014/main" id="{84CA2768-938F-4EEA-B0DD-BAF05149B6F5}"/>
               </a:ext>
             </a:extLst>
           </p:cNvPr>
@@ -7312,7 +7371,7 @@
         <p:spPr>
           <a:xfrm>
             <a:off x="176644" y="2016087"/>
-            <a:ext cx="11919876" cy="430887"/>
+            <a:ext cx="11919876" cy="4493538"/>
           </a:xfrm>
           <a:prstGeom prst="rect">
             <a:avLst/>
@@ -7329,16 +7388,138 @@
           <a:lstStyle/>
           <a:p>
             <a:r>
-              <a:rPr lang="pt-BR" sz="2200" i="1" dirty="0"/>
-              <a:t>Escrever aqui</a:t>
-            </a:r>
+              <a:rPr lang="pt-BR" sz="2200" i="1" dirty="0" smtClean="0"/>
+              <a:t>Objetivo geral: </a:t>
+            </a:r>
+            <a:r>
+              <a:rPr lang="pt-BR" sz="2200" b="1" i="1" dirty="0" smtClean="0"/>
+              <a:t>Identificar de forma </a:t>
+            </a:r>
+            <a:r>
+              <a:rPr lang="pt-BR" sz="2200" b="1" i="1" dirty="0" smtClean="0"/>
+              <a:t>automatizada, se as pessoas </a:t>
+            </a:r>
+            <a:r>
+              <a:rPr lang="pt-BR" sz="2200" b="1" i="1" dirty="0" smtClean="0"/>
+              <a:t>estão </a:t>
+            </a:r>
+            <a:r>
+              <a:rPr lang="pt-BR" sz="2200" b="1" i="1" dirty="0" smtClean="0"/>
+              <a:t>utilizando máscaras de proteção </a:t>
+            </a:r>
+            <a:r>
+              <a:rPr lang="pt-BR" sz="2200" b="1" i="1" dirty="0" smtClean="0"/>
+              <a:t>facial.</a:t>
+            </a:r>
+          </a:p>
+          <a:p>
+            <a:endParaRPr lang="pt-BR" sz="2200" b="1" i="1" dirty="0" smtClean="0"/>
+          </a:p>
+          <a:p>
+            <a:r>
+              <a:rPr lang="pt-BR" sz="2200" i="1" dirty="0" smtClean="0"/>
+              <a:t>Objetivos específicos:</a:t>
+            </a:r>
+          </a:p>
+          <a:p>
+            <a:endParaRPr lang="pt-BR" sz="2200" i="1" dirty="0" smtClean="0"/>
+          </a:p>
+          <a:p>
+            <a:pPr marL="457200" indent="-457200">
+              <a:buFont typeface="+mj-lt"/>
+              <a:buAutoNum type="arabicPeriod"/>
+            </a:pPr>
+            <a:r>
+              <a:rPr lang="pt-BR" sz="2200" i="1" dirty="0" smtClean="0"/>
+              <a:t>Definir, e eventualmente construir, a base de imagens que será utilizada;</a:t>
+            </a:r>
+          </a:p>
+          <a:p>
+            <a:pPr marL="457200" indent="-457200">
+              <a:buFont typeface="+mj-lt"/>
+              <a:buAutoNum type="arabicPeriod"/>
+            </a:pPr>
+            <a:r>
+              <a:rPr lang="pt-BR" sz="2200" i="1" dirty="0" smtClean="0"/>
+              <a:t>Realizar revisão </a:t>
+            </a:r>
+            <a:r>
+              <a:rPr lang="pt-BR" sz="2200" i="1" dirty="0" smtClean="0"/>
+              <a:t>bibliográfica de técnicas aplicadas ao tema de pesquisa;</a:t>
+            </a:r>
+          </a:p>
+          <a:p>
+            <a:pPr marL="457200" indent="-457200">
+              <a:buFont typeface="+mj-lt"/>
+              <a:buAutoNum type="arabicPeriod"/>
+            </a:pPr>
+            <a:r>
+              <a:rPr lang="pt-BR" sz="2200" i="1" dirty="0" smtClean="0"/>
+              <a:t>Definir os algoritmos que serão utilizados; </a:t>
+            </a:r>
+          </a:p>
+          <a:p>
+            <a:pPr marL="457200" indent="-457200">
+              <a:buFont typeface="+mj-lt"/>
+              <a:buAutoNum type="arabicPeriod"/>
+            </a:pPr>
+            <a:r>
+              <a:rPr lang="pt-BR" sz="2200" i="1" dirty="0" smtClean="0"/>
+              <a:t>Definir a arquitetura inicial dos algoritmos; </a:t>
+            </a:r>
+            <a:endParaRPr lang="pt-BR" sz="2200" i="1" dirty="0" smtClean="0"/>
+          </a:p>
+          <a:p>
+            <a:pPr marL="457200" indent="-457200">
+              <a:buFont typeface="+mj-lt"/>
+              <a:buAutoNum type="arabicPeriod"/>
+            </a:pPr>
+            <a:r>
+              <a:rPr lang="pt-BR" sz="2200" i="1" dirty="0" smtClean="0"/>
+              <a:t>Construir os modelos;</a:t>
+            </a:r>
+          </a:p>
+          <a:p>
+            <a:pPr marL="457200" indent="-457200">
+              <a:buFont typeface="+mj-lt"/>
+              <a:buAutoNum type="arabicPeriod"/>
+            </a:pPr>
+            <a:r>
+              <a:rPr lang="pt-BR" sz="2200" i="1" dirty="0" smtClean="0"/>
+              <a:t>Realizar o </a:t>
+            </a:r>
+            <a:r>
+              <a:rPr lang="pt-BR" sz="2200" i="1" dirty="0" err="1" smtClean="0"/>
+              <a:t>tunning</a:t>
+            </a:r>
+            <a:r>
+              <a:rPr lang="pt-BR" sz="2200" i="1" dirty="0" smtClean="0"/>
+              <a:t> de hiperparâmetros;</a:t>
+            </a:r>
+          </a:p>
+          <a:p>
+            <a:pPr marL="457200" indent="-457200">
+              <a:buFont typeface="+mj-lt"/>
+              <a:buAutoNum type="arabicPeriod"/>
+            </a:pPr>
+            <a:r>
+              <a:rPr lang="pt-BR" sz="2200" i="1" dirty="0" smtClean="0"/>
+              <a:t>Analisar a performance da solução;</a:t>
+            </a:r>
+          </a:p>
+          <a:p>
+            <a:pPr marL="457200" indent="-457200">
+              <a:buFont typeface="+mj-lt"/>
+              <a:buAutoNum type="arabicPeriod"/>
+            </a:pPr>
+            <a:endParaRPr lang="pt-BR" sz="2200" i="1" dirty="0"/>
           </a:p>
         </p:txBody>
       </p:sp>
     </p:spTree>
     <p:extLst>
       <p:ext uri="{BB962C8B-B14F-4D97-AF65-F5344CB8AC3E}">
-        <p14:creationId xmlns:p14="http://schemas.microsoft.com/office/powerpoint/2010/main" val="3953857876"/>
+        <p14:creationId xmlns="" xmlns:p14="http://schemas.microsoft.com/office/powerpoint/2010/main" val="3953857876"/>
       </p:ext>
     </p:extLst>
   </p:cSld>
@@ -7370,7 +7551,7 @@
           <p:cNvPr id="2" name="CaixaDeTexto 1">
             <a:extLst>
               <a:ext uri="{FF2B5EF4-FFF2-40B4-BE49-F238E27FC236}">
-                <a16:creationId xmlns:a16="http://schemas.microsoft.com/office/drawing/2014/main" id="{E2289C40-6B36-4906-BF6F-3D1B594D6D57}"/>
+                <a16:creationId xmlns="" xmlns:a16="http://schemas.microsoft.com/office/drawing/2014/main" id="{E2289C40-6B36-4906-BF6F-3D1B594D6D57}"/>
               </a:ext>
             </a:extLst>
           </p:cNvPr>
@@ -7409,7 +7590,7 @@
           <p:cNvPr id="5" name="Retângulo 4">
             <a:extLst>
               <a:ext uri="{FF2B5EF4-FFF2-40B4-BE49-F238E27FC236}">
-                <a16:creationId xmlns:a16="http://schemas.microsoft.com/office/drawing/2014/main" id="{C4351BF4-6949-465B-A55A-C8561462CF2E}"/>
+                <a16:creationId xmlns="" xmlns:a16="http://schemas.microsoft.com/office/drawing/2014/main" id="{C4351BF4-6949-465B-A55A-C8561462CF2E}"/>
               </a:ext>
             </a:extLst>
           </p:cNvPr>
@@ -7459,7 +7640,7 @@
           <p:cNvPr id="4" name="CaixaDeTexto 3">
             <a:extLst>
               <a:ext uri="{FF2B5EF4-FFF2-40B4-BE49-F238E27FC236}">
-                <a16:creationId xmlns:a16="http://schemas.microsoft.com/office/drawing/2014/main" id="{201C3BF0-3DB6-45FE-ABB3-0E8206DE61D9}"/>
+                <a16:creationId xmlns="" xmlns:a16="http://schemas.microsoft.com/office/drawing/2014/main" id="{201C3BF0-3DB6-45FE-ABB3-0E8206DE61D9}"/>
               </a:ext>
             </a:extLst>
           </p:cNvPr>
@@ -7495,7 +7676,7 @@
     </p:spTree>
     <p:extLst>
       <p:ext uri="{BB962C8B-B14F-4D97-AF65-F5344CB8AC3E}">
-        <p14:creationId xmlns:p14="http://schemas.microsoft.com/office/powerpoint/2010/main" val="1702763331"/>
+        <p14:creationId xmlns="" xmlns:p14="http://schemas.microsoft.com/office/powerpoint/2010/main" val="1702763331"/>
       </p:ext>
     </p:extLst>
   </p:cSld>
@@ -7527,7 +7708,7 @@
           <p:cNvPr id="2" name="CaixaDeTexto 1">
             <a:extLst>
               <a:ext uri="{FF2B5EF4-FFF2-40B4-BE49-F238E27FC236}">
-                <a16:creationId xmlns:a16="http://schemas.microsoft.com/office/drawing/2014/main" id="{E2289C40-6B36-4906-BF6F-3D1B594D6D57}"/>
+                <a16:creationId xmlns="" xmlns:a16="http://schemas.microsoft.com/office/drawing/2014/main" id="{E2289C40-6B36-4906-BF6F-3D1B594D6D57}"/>
               </a:ext>
             </a:extLst>
           </p:cNvPr>
@@ -7566,7 +7747,7 @@
           <p:cNvPr id="5" name="Retângulo 4">
             <a:extLst>
               <a:ext uri="{FF2B5EF4-FFF2-40B4-BE49-F238E27FC236}">
-                <a16:creationId xmlns:a16="http://schemas.microsoft.com/office/drawing/2014/main" id="{C4351BF4-6949-465B-A55A-C8561462CF2E}"/>
+                <a16:creationId xmlns="" xmlns:a16="http://schemas.microsoft.com/office/drawing/2014/main" id="{C4351BF4-6949-465B-A55A-C8561462CF2E}"/>
               </a:ext>
             </a:extLst>
           </p:cNvPr>
@@ -7632,7 +7813,7 @@
           <p:cNvPr id="4" name="CaixaDeTexto 3">
             <a:extLst>
               <a:ext uri="{FF2B5EF4-FFF2-40B4-BE49-F238E27FC236}">
-                <a16:creationId xmlns:a16="http://schemas.microsoft.com/office/drawing/2014/main" id="{E4CC8CAB-3F4C-409C-8745-BB5BD7AF0FCB}"/>
+                <a16:creationId xmlns="" xmlns:a16="http://schemas.microsoft.com/office/drawing/2014/main" id="{E4CC8CAB-3F4C-409C-8745-BB5BD7AF0FCB}"/>
               </a:ext>
             </a:extLst>
           </p:cNvPr>
@@ -7668,7 +7849,7 @@
     </p:spTree>
     <p:extLst>
       <p:ext uri="{BB962C8B-B14F-4D97-AF65-F5344CB8AC3E}">
-        <p14:creationId xmlns:p14="http://schemas.microsoft.com/office/powerpoint/2010/main" val="1752641579"/>
+        <p14:creationId xmlns="" xmlns:p14="http://schemas.microsoft.com/office/powerpoint/2010/main" val="1752641579"/>
       </p:ext>
     </p:extLst>
   </p:cSld>
@@ -7700,7 +7881,7 @@
           <p:cNvPr id="2" name="CaixaDeTexto 1">
             <a:extLst>
               <a:ext uri="{FF2B5EF4-FFF2-40B4-BE49-F238E27FC236}">
-                <a16:creationId xmlns:a16="http://schemas.microsoft.com/office/drawing/2014/main" id="{E2289C40-6B36-4906-BF6F-3D1B594D6D57}"/>
+                <a16:creationId xmlns="" xmlns:a16="http://schemas.microsoft.com/office/drawing/2014/main" id="{E2289C40-6B36-4906-BF6F-3D1B594D6D57}"/>
               </a:ext>
             </a:extLst>
           </p:cNvPr>
@@ -7763,7 +7944,7 @@
           <p:cNvPr id="3" name="Retângulo 2">
             <a:extLst>
               <a:ext uri="{FF2B5EF4-FFF2-40B4-BE49-F238E27FC236}">
-                <a16:creationId xmlns:a16="http://schemas.microsoft.com/office/drawing/2014/main" id="{174208DE-0C00-40F4-A31A-3BC0AEE1B5CE}"/>
+                <a16:creationId xmlns="" xmlns:a16="http://schemas.microsoft.com/office/drawing/2014/main" id="{174208DE-0C00-40F4-A31A-3BC0AEE1B5CE}"/>
               </a:ext>
             </a:extLst>
           </p:cNvPr>
@@ -7821,7 +8002,7 @@
           <p:cNvPr id="4" name="CaixaDeTexto 3">
             <a:extLst>
               <a:ext uri="{FF2B5EF4-FFF2-40B4-BE49-F238E27FC236}">
-                <a16:creationId xmlns:a16="http://schemas.microsoft.com/office/drawing/2014/main" id="{F523F8A5-43AB-4AB2-BB4F-7F4A30E4A077}"/>
+                <a16:creationId xmlns="" xmlns:a16="http://schemas.microsoft.com/office/drawing/2014/main" id="{F523F8A5-43AB-4AB2-BB4F-7F4A30E4A077}"/>
               </a:ext>
             </a:extLst>
           </p:cNvPr>
@@ -7857,7 +8038,7 @@
     </p:spTree>
     <p:extLst>
       <p:ext uri="{BB962C8B-B14F-4D97-AF65-F5344CB8AC3E}">
-        <p14:creationId xmlns:p14="http://schemas.microsoft.com/office/powerpoint/2010/main" val="599003997"/>
+        <p14:creationId xmlns="" xmlns:p14="http://schemas.microsoft.com/office/powerpoint/2010/main" val="599003997"/>
       </p:ext>
     </p:extLst>
   </p:cSld>
@@ -7910,7 +8091,7 @@
     </a:clrScheme>
     <a:fontScheme name="Office">
       <a:majorFont>
-        <a:latin typeface="Calibri Light" panose="020F0302020204030204"/>
+        <a:latin typeface="Calibri Light"/>
         <a:ea typeface=""/>
         <a:cs typeface=""/>
         <a:font script="Jpan" typeface="游ゴシック Light"/>
@@ -7962,7 +8143,7 @@
         <a:font script="Tfng" typeface="Ebrima"/>
       </a:majorFont>
       <a:minorFont>
-        <a:latin typeface="Calibri" panose="020F0502020204030204"/>
+        <a:latin typeface="Calibri"/>
         <a:ea typeface=""/>
         <a:cs typeface=""/>
         <a:font script="Jpan" typeface="游ゴシック"/>
@@ -8156,7 +8337,7 @@
   <a:extraClrSchemeLst/>
   <a:extLst>
     <a:ext uri="{05A4C25C-085E-4340-85A3-A5531E510DB2}">
-      <thm15:themeFamily xmlns:thm15="http://schemas.microsoft.com/office/thememl/2012/main" name="Office Theme" id="{62F939B6-93AF-4DB8-9C6B-D6C7DFDC589F}" vid="{4A3C46E8-61CC-4603-A589-7422A47A8E4A}"/>
+      <thm15:themeFamily xmlns="" xmlns:thm15="http://schemas.microsoft.com/office/thememl/2012/main" name="Office Theme" id="{62F939B6-93AF-4DB8-9C6B-D6C7DFDC589F}" vid="{4A3C46E8-61CC-4603-A589-7422A47A8E4A}"/>
     </a:ext>
   </a:extLst>
 </a:theme>
@@ -8205,7 +8386,7 @@
     </a:clrScheme>
     <a:fontScheme name="Office">
       <a:majorFont>
-        <a:latin typeface="Calibri Light" panose="020F0302020204030204"/>
+        <a:latin typeface="Calibri Light"/>
         <a:ea typeface=""/>
         <a:cs typeface=""/>
         <a:font script="Jpan" typeface="游ゴシック Light"/>
@@ -8257,7 +8438,7 @@
         <a:font script="Tfng" typeface="Ebrima"/>
       </a:majorFont>
       <a:minorFont>
-        <a:latin typeface="Calibri" panose="020F0502020204030204"/>
+        <a:latin typeface="Calibri"/>
         <a:ea typeface=""/>
         <a:cs typeface=""/>
         <a:font script="Jpan" typeface="游ゴシック"/>
@@ -8451,7 +8632,7 @@
   <a:extraClrSchemeLst/>
   <a:extLst>
     <a:ext uri="{05A4C25C-085E-4340-85A3-A5531E510DB2}">
-      <thm15:themeFamily xmlns:thm15="http://schemas.microsoft.com/office/thememl/2012/main" name="Office Theme" id="{62F939B6-93AF-4DB8-9C6B-D6C7DFDC589F}" vid="{4A3C46E8-61CC-4603-A589-7422A47A8E4A}"/>
+      <thm15:themeFamily xmlns="" xmlns:thm15="http://schemas.microsoft.com/office/thememl/2012/main" name="Office Theme" id="{62F939B6-93AF-4DB8-9C6B-D6C7DFDC589F}" vid="{4A3C46E8-61CC-4603-A589-7422A47A8E4A}"/>
     </a:ext>
   </a:extLst>
 </a:theme>
@@ -8500,7 +8681,7 @@
     </a:clrScheme>
     <a:fontScheme name="Office">
       <a:majorFont>
-        <a:latin typeface="Calibri Light" panose="020F0302020204030204"/>
+        <a:latin typeface="Calibri Light"/>
         <a:ea typeface=""/>
         <a:cs typeface=""/>
         <a:font script="Jpan" typeface="游ゴシック Light"/>
@@ -8552,7 +8733,7 @@
         <a:font script="Tfng" typeface="Ebrima"/>
       </a:majorFont>
       <a:minorFont>
-        <a:latin typeface="Calibri" panose="020F0502020204030204"/>
+        <a:latin typeface="Calibri"/>
         <a:ea typeface=""/>
         <a:cs typeface=""/>
         <a:font script="Jpan" typeface="游ゴシック"/>
@@ -8746,7 +8927,7 @@
   <a:extraClrSchemeLst/>
   <a:extLst>
     <a:ext uri="{05A4C25C-085E-4340-85A3-A5531E510DB2}">
-      <thm15:themeFamily xmlns:thm15="http://schemas.microsoft.com/office/thememl/2012/main" name="Office Theme" id="{62F939B6-93AF-4DB8-9C6B-D6C7DFDC589F}" vid="{4A3C46E8-61CC-4603-A589-7422A47A8E4A}"/>
+      <thm15:themeFamily xmlns="" xmlns:thm15="http://schemas.microsoft.com/office/thememl/2012/main" name="Office Theme" id="{62F939B6-93AF-4DB8-9C6B-D6C7DFDC589F}" vid="{4A3C46E8-61CC-4603-A589-7422A47A8E4A}"/>
     </a:ext>
   </a:extLst>
 </a:theme>
@@ -8795,7 +8976,7 @@
     </a:clrScheme>
     <a:fontScheme name="Escritório">
       <a:majorFont>
-        <a:latin typeface="Calibri Light" panose="020F0302020204030204"/>
+        <a:latin typeface="Calibri Light"/>
         <a:ea typeface=""/>
         <a:cs typeface=""/>
         <a:font script="Jpan" typeface="ＭＳ Ｐゴシック"/>
@@ -8830,7 +9011,7 @@
         <a:font script="Geor" typeface="Sylfaen"/>
       </a:majorFont>
       <a:minorFont>
-        <a:latin typeface="Calibri" panose="020F0502020204030204"/>
+        <a:latin typeface="Calibri"/>
         <a:ea typeface=""/>
         <a:cs typeface=""/>
         <a:font script="Jpan" typeface="ＭＳ Ｐゴシック"/>
@@ -9007,7 +9188,7 @@
   <a:extraClrSchemeLst/>
   <a:extLst>
     <a:ext uri="{05A4C25C-085E-4340-85A3-A5531E510DB2}">
-      <thm15:themeFamily xmlns:thm15="http://schemas.microsoft.com/office/thememl/2012/main" name="Office Theme" id="{62F939B6-93AF-4DB8-9C6B-D6C7DFDC589F}" vid="{4A3C46E8-61CC-4603-A589-7422A47A8E4A}"/>
+      <thm15:themeFamily xmlns="" xmlns:thm15="http://schemas.microsoft.com/office/thememl/2012/main" name="Office Theme" id="{62F939B6-93AF-4DB8-9C6B-D6C7DFDC589F}" vid="{4A3C46E8-61CC-4603-A589-7422A47A8E4A}"/>
     </a:ext>
   </a:extLst>
 </a:theme>
@@ -9056,7 +9237,7 @@
     </a:clrScheme>
     <a:fontScheme name="Office">
       <a:majorFont>
-        <a:latin typeface="Calibri Light" panose="020F0302020204030204"/>
+        <a:latin typeface="Calibri Light"/>
         <a:ea typeface=""/>
         <a:cs typeface=""/>
         <a:font script="Jpan" typeface="游ゴシック Light"/>
@@ -9108,7 +9289,7 @@
         <a:font script="Tfng" typeface="Ebrima"/>
       </a:majorFont>
       <a:minorFont>
-        <a:latin typeface="Calibri" panose="020F0502020204030204"/>
+        <a:latin typeface="Calibri"/>
         <a:ea typeface=""/>
         <a:cs typeface=""/>
         <a:font script="Jpan" typeface="游ゴシック"/>
@@ -9302,7 +9483,7 @@
   <a:extraClrSchemeLst/>
   <a:extLst>
     <a:ext uri="{05A4C25C-085E-4340-85A3-A5531E510DB2}">
-      <thm15:themeFamily xmlns:thm15="http://schemas.microsoft.com/office/thememl/2012/main" name="Office Theme" id="{62F939B6-93AF-4DB8-9C6B-D6C7DFDC589F}" vid="{4A3C46E8-61CC-4603-A589-7422A47A8E4A}"/>
+      <thm15:themeFamily xmlns="" xmlns:thm15="http://schemas.microsoft.com/office/thememl/2012/main" name="Office Theme" id="{62F939B6-93AF-4DB8-9C6B-D6C7DFDC589F}" vid="{4A3C46E8-61CC-4603-A589-7422A47A8E4A}"/>
     </a:ext>
   </a:extLst>
 </a:theme>

--- a/presentation/FGV-MBA - Monografia - Detecção de Máscara Facial.pptx
+++ b/presentation/FGV-MBA - Monografia - Detecção de Máscara Facial.pptx
@@ -7,30 +7,35 @@
     <p:sldMasterId id="2147483654" r:id="rId3"/>
   </p:sldMasterIdLst>
   <p:notesMasterIdLst>
-    <p:notesMasterId r:id="rId22"/>
+    <p:notesMasterId r:id="rId27"/>
   </p:notesMasterIdLst>
   <p:handoutMasterIdLst>
-    <p:handoutMasterId r:id="rId23"/>
+    <p:handoutMasterId r:id="rId28"/>
   </p:handoutMasterIdLst>
   <p:sldIdLst>
     <p:sldId id="351" r:id="rId4"/>
     <p:sldId id="346" r:id="rId5"/>
     <p:sldId id="371" r:id="rId6"/>
     <p:sldId id="372" r:id="rId7"/>
-    <p:sldId id="360" r:id="rId8"/>
-    <p:sldId id="361" r:id="rId9"/>
-    <p:sldId id="362" r:id="rId10"/>
-    <p:sldId id="363" r:id="rId11"/>
-    <p:sldId id="357" r:id="rId12"/>
-    <p:sldId id="364" r:id="rId13"/>
-    <p:sldId id="365" r:id="rId14"/>
-    <p:sldId id="358" r:id="rId15"/>
-    <p:sldId id="366" r:id="rId16"/>
-    <p:sldId id="359" r:id="rId17"/>
-    <p:sldId id="367" r:id="rId18"/>
-    <p:sldId id="368" r:id="rId19"/>
-    <p:sldId id="369" r:id="rId20"/>
-    <p:sldId id="370" r:id="rId21"/>
+    <p:sldId id="375" r:id="rId8"/>
+    <p:sldId id="373" r:id="rId9"/>
+    <p:sldId id="360" r:id="rId10"/>
+    <p:sldId id="361" r:id="rId11"/>
+    <p:sldId id="362" r:id="rId12"/>
+    <p:sldId id="363" r:id="rId13"/>
+    <p:sldId id="374" r:id="rId14"/>
+    <p:sldId id="376" r:id="rId15"/>
+    <p:sldId id="377" r:id="rId16"/>
+    <p:sldId id="357" r:id="rId17"/>
+    <p:sldId id="364" r:id="rId18"/>
+    <p:sldId id="365" r:id="rId19"/>
+    <p:sldId id="358" r:id="rId20"/>
+    <p:sldId id="366" r:id="rId21"/>
+    <p:sldId id="359" r:id="rId22"/>
+    <p:sldId id="367" r:id="rId23"/>
+    <p:sldId id="368" r:id="rId24"/>
+    <p:sldId id="369" r:id="rId25"/>
+    <p:sldId id="370" r:id="rId26"/>
   </p:sldIdLst>
   <p:sldSz cx="12192000" cy="6858000"/>
   <p:notesSz cx="6858000" cy="9144000"/>
@@ -130,11 +135,73 @@
     </a:lvl9pPr>
   </p:defaultTextStyle>
   <p:extLst>
+    <p:ext uri="{521415D9-36F7-43E2-AB2F-B90AF26B5E84}">
+      <p14:sectionLst xmlns:p14="http://schemas.microsoft.com/office/powerpoint/2010/main">
+        <p14:section name="Default Section" id="{11D7E50A-B830-4EC8-9635-C051D130105A}">
+          <p14:sldIdLst>
+            <p14:sldId id="351"/>
+          </p14:sldIdLst>
+        </p14:section>
+        <p14:section name="Parte 1 - 01-Jun-20" id="{0CBF6F0D-DF58-42D8-9492-55A72281B5CC}">
+          <p14:sldIdLst>
+            <p14:sldId id="346"/>
+            <p14:sldId id="371"/>
+            <p14:sldId id="372"/>
+            <p14:sldId id="375"/>
+            <p14:sldId id="373"/>
+            <p14:sldId id="360"/>
+            <p14:sldId id="361"/>
+            <p14:sldId id="362"/>
+            <p14:sldId id="363"/>
+            <p14:sldId id="374"/>
+            <p14:sldId id="376"/>
+            <p14:sldId id="377"/>
+          </p14:sldIdLst>
+        </p14:section>
+        <p14:section name="Parte 2 - 16-Jun-20" id="{8C1D773A-C060-4EBC-B3CC-10194E2DEEDF}">
+          <p14:sldIdLst>
+            <p14:sldId id="357"/>
+            <p14:sldId id="364"/>
+            <p14:sldId id="365"/>
+          </p14:sldIdLst>
+        </p14:section>
+        <p14:section name="Parte 3 - 29 -Jun-20" id="{E6C08DD8-CDAA-4937-B141-07B74F9FE625}">
+          <p14:sldIdLst>
+            <p14:sldId id="358"/>
+            <p14:sldId id="366"/>
+          </p14:sldIdLst>
+        </p14:section>
+        <p14:section name="Parte 4 - 30-Jun-20" id="{9CFC4475-D0C9-4CF6-8DBD-4CD66B354206}">
+          <p14:sldIdLst>
+            <p14:sldId id="359"/>
+          </p14:sldIdLst>
+        </p14:section>
+        <p14:section name="Parte 5 - 06-Jul-20" id="{BF71090E-30FA-4A37-8A5C-C396721E244B}">
+          <p14:sldIdLst>
+            <p14:sldId id="367"/>
+            <p14:sldId id="368"/>
+            <p14:sldId id="369"/>
+            <p14:sldId id="370"/>
+          </p14:sldIdLst>
+        </p14:section>
+      </p14:sectionLst>
+    </p:ext>
     <p:ext uri="{EFAFB233-063F-42B5-8137-9DF3F51BA10A}">
-      <p15:sldGuideLst xmlns="" xmlns:p15="http://schemas.microsoft.com/office/powerpoint/2012/main"/>
+      <p15:sldGuideLst xmlns:p15="http://schemas.microsoft.com/office/powerpoint/2012/main">
+        <p15:guide id="1" orient="horz" pos="2160">
+          <p15:clr>
+            <a:srgbClr val="A4A3A4"/>
+          </p15:clr>
+        </p15:guide>
+        <p15:guide id="2" pos="3840">
+          <p15:clr>
+            <a:srgbClr val="A4A3A4"/>
+          </p15:clr>
+        </p15:guide>
+      </p15:sldGuideLst>
     </p:ext>
     <p:ext uri="{2D200454-40CA-4A62-9FC3-DE9A4176ACB9}">
-      <p15:notesGuideLst xmlns="" xmlns:p15="http://schemas.microsoft.com/office/powerpoint/2012/main"/>
+      <p15:notesGuideLst xmlns:p15="http://schemas.microsoft.com/office/powerpoint/2012/main"/>
     </p:ext>
   </p:extLst>
 </p:presentation>
@@ -143,14 +210,147 @@
 <file path=ppt/revisionInfo.xml><?xml version="1.0" encoding="utf-8"?>
 <p1510:revInfo xmlns:a="http://schemas.openxmlformats.org/drawingml/2006/main" xmlns:r="http://schemas.openxmlformats.org/officeDocument/2006/relationships" xmlns:p1510="http://schemas.microsoft.com/office/powerpoint/2015/10/main">
   <p1510:revLst>
-    <p1510:client id="{0C927506-5143-4A7D-B285-178AAC9CF657}" v="35" dt="2020-05-24T21:23:26.745"/>
-    <p1510:client id="{7BA9A1FE-DBFD-4F2E-9BE2-09098A8CCE86}" v="56" dt="2020-05-24T17:53:39.811"/>
+    <p1510:client id="{8FF9442C-03F1-4696-95FD-F425B156F4E3}" v="908" dt="2020-05-28T20:04:59.059"/>
+    <p1510:client id="{A05B594F-FEC1-4006-B716-BDAA0DDC61B5}" v="122" dt="2020-05-28T23:08:47.779"/>
   </p1510:revLst>
 </p1510:revInfo>
 </file>
 
 <file path=ppt/changesInfos/changesInfo1.xml><?xml version="1.0" encoding="utf-8"?>
 <pc:chgInfo xmlns:a="http://schemas.openxmlformats.org/drawingml/2006/main" xmlns:r="http://schemas.openxmlformats.org/officeDocument/2006/relationships" xmlns:ac="http://schemas.microsoft.com/office/drawing/2013/main/command" xmlns:pc="http://schemas.microsoft.com/office/powerpoint/2013/main/command">
+  <pc:docChgLst>
+    <pc:chgData name="Ricardo Lucio Braga Reis" userId="S::a57590919@fgv.edu.br::789c906b-d924-4b68-a4ad-fed37e68814f" providerId="AD" clId="Web-{16EAE22F-EB20-8B31-C2E7-E2D9869D9D38}"/>
+    <pc:docChg chg="addSld modSld modSection">
+      <pc:chgData name="Ricardo Lucio Braga Reis" userId="S::a57590919@fgv.edu.br::789c906b-d924-4b68-a4ad-fed37e68814f" providerId="AD" clId="Web-{16EAE22F-EB20-8B31-C2E7-E2D9869D9D38}" dt="2020-05-27T15:37:46.309" v="451" actId="20577"/>
+      <pc:docMkLst>
+        <pc:docMk/>
+      </pc:docMkLst>
+      <pc:sldChg chg="modSp">
+        <pc:chgData name="Ricardo Lucio Braga Reis" userId="S::a57590919@fgv.edu.br::789c906b-d924-4b68-a4ad-fed37e68814f" providerId="AD" clId="Web-{16EAE22F-EB20-8B31-C2E7-E2D9869D9D38}" dt="2020-05-27T15:37:12.121" v="446" actId="20577"/>
+        <pc:sldMkLst>
+          <pc:docMk/>
+          <pc:sldMk cId="351260889" sldId="346"/>
+        </pc:sldMkLst>
+        <pc:spChg chg="mod">
+          <ac:chgData name="Ricardo Lucio Braga Reis" userId="S::a57590919@fgv.edu.br::789c906b-d924-4b68-a4ad-fed37e68814f" providerId="AD" clId="Web-{16EAE22F-EB20-8B31-C2E7-E2D9869D9D38}" dt="2020-05-27T15:37:12.121" v="446" actId="20577"/>
+          <ac:spMkLst>
+            <pc:docMk/>
+            <pc:sldMk cId="351260889" sldId="346"/>
+            <ac:spMk id="7" creationId="{F98E677B-3EA7-49FD-AAB2-91F960419DAB}"/>
+          </ac:spMkLst>
+        </pc:spChg>
+      </pc:sldChg>
+      <pc:sldChg chg="modSp">
+        <pc:chgData name="Ricardo Lucio Braga Reis" userId="S::a57590919@fgv.edu.br::789c906b-d924-4b68-a4ad-fed37e68814f" providerId="AD" clId="Web-{16EAE22F-EB20-8B31-C2E7-E2D9869D9D38}" dt="2020-05-27T15:37:28.621" v="447" actId="20577"/>
+        <pc:sldMkLst>
+          <pc:docMk/>
+          <pc:sldMk cId="3921174963" sldId="371"/>
+        </pc:sldMkLst>
+        <pc:spChg chg="mod">
+          <ac:chgData name="Ricardo Lucio Braga Reis" userId="S::a57590919@fgv.edu.br::789c906b-d924-4b68-a4ad-fed37e68814f" providerId="AD" clId="Web-{16EAE22F-EB20-8B31-C2E7-E2D9869D9D38}" dt="2020-05-27T15:37:28.621" v="447" actId="20577"/>
+          <ac:spMkLst>
+            <pc:docMk/>
+            <pc:sldMk cId="3921174963" sldId="371"/>
+            <ac:spMk id="7" creationId="{6F061871-FDA0-491B-B84B-B5AB0970885B}"/>
+          </ac:spMkLst>
+        </pc:spChg>
+      </pc:sldChg>
+      <pc:sldChg chg="addSp delSp modSp">
+        <pc:chgData name="Ricardo Lucio Braga Reis" userId="S::a57590919@fgv.edu.br::789c906b-d924-4b68-a4ad-fed37e68814f" providerId="AD" clId="Web-{16EAE22F-EB20-8B31-C2E7-E2D9869D9D38}" dt="2020-05-27T15:37:34.309" v="449" actId="20577"/>
+        <pc:sldMkLst>
+          <pc:docMk/>
+          <pc:sldMk cId="1275928961" sldId="372"/>
+        </pc:sldMkLst>
+        <pc:spChg chg="add mod">
+          <ac:chgData name="Ricardo Lucio Braga Reis" userId="S::a57590919@fgv.edu.br::789c906b-d924-4b68-a4ad-fed37e68814f" providerId="AD" clId="Web-{16EAE22F-EB20-8B31-C2E7-E2D9869D9D38}" dt="2020-05-27T15:33:13.911" v="444" actId="20577"/>
+          <ac:spMkLst>
+            <pc:docMk/>
+            <pc:sldMk cId="1275928961" sldId="372"/>
+            <ac:spMk id="3" creationId="{14023F59-116C-43F1-AC35-B7027668E690}"/>
+          </ac:spMkLst>
+        </pc:spChg>
+        <pc:spChg chg="mod">
+          <ac:chgData name="Ricardo Lucio Braga Reis" userId="S::a57590919@fgv.edu.br::789c906b-d924-4b68-a4ad-fed37e68814f" providerId="AD" clId="Web-{16EAE22F-EB20-8B31-C2E7-E2D9869D9D38}" dt="2020-05-27T15:37:34.309" v="449" actId="20577"/>
+          <ac:spMkLst>
+            <pc:docMk/>
+            <pc:sldMk cId="1275928961" sldId="372"/>
+            <ac:spMk id="7" creationId="{6F061871-FDA0-491B-B84B-B5AB0970885B}"/>
+          </ac:spMkLst>
+        </pc:spChg>
+        <pc:spChg chg="add mod">
+          <ac:chgData name="Ricardo Lucio Braga Reis" userId="S::a57590919@fgv.edu.br::789c906b-d924-4b68-a4ad-fed37e68814f" providerId="AD" clId="Web-{16EAE22F-EB20-8B31-C2E7-E2D9869D9D38}" dt="2020-05-27T15:33:00.864" v="430" actId="20577"/>
+          <ac:spMkLst>
+            <pc:docMk/>
+            <pc:sldMk cId="1275928961" sldId="372"/>
+            <ac:spMk id="9" creationId="{F9E7B998-4796-4D55-9B18-DDC86A145C52}"/>
+          </ac:spMkLst>
+        </pc:spChg>
+        <pc:spChg chg="add del mod">
+          <ac:chgData name="Ricardo Lucio Braga Reis" userId="S::a57590919@fgv.edu.br::789c906b-d924-4b68-a4ad-fed37e68814f" providerId="AD" clId="Web-{16EAE22F-EB20-8B31-C2E7-E2D9869D9D38}" dt="2020-05-27T15:28:05.325" v="400"/>
+          <ac:spMkLst>
+            <pc:docMk/>
+            <pc:sldMk cId="1275928961" sldId="372"/>
+            <ac:spMk id="10" creationId="{BAC44B42-0E27-4D42-A033-763CB3BB9EC4}"/>
+          </ac:spMkLst>
+        </pc:spChg>
+        <pc:spChg chg="add mod">
+          <ac:chgData name="Ricardo Lucio Braga Reis" userId="S::a57590919@fgv.edu.br::789c906b-d924-4b68-a4ad-fed37e68814f" providerId="AD" clId="Web-{16EAE22F-EB20-8B31-C2E7-E2D9869D9D38}" dt="2020-05-27T15:32:06.503" v="421" actId="1076"/>
+          <ac:spMkLst>
+            <pc:docMk/>
+            <pc:sldMk cId="1275928961" sldId="372"/>
+            <ac:spMk id="11" creationId="{CD626A95-8091-4F1D-A30E-C06E87498B5B}"/>
+          </ac:spMkLst>
+        </pc:spChg>
+        <pc:spChg chg="add mod">
+          <ac:chgData name="Ricardo Lucio Braga Reis" userId="S::a57590919@fgv.edu.br::789c906b-d924-4b68-a4ad-fed37e68814f" providerId="AD" clId="Web-{16EAE22F-EB20-8B31-C2E7-E2D9869D9D38}" dt="2020-05-27T15:30:05.032" v="412" actId="20577"/>
+          <ac:spMkLst>
+            <pc:docMk/>
+            <pc:sldMk cId="1275928961" sldId="372"/>
+            <ac:spMk id="15" creationId="{EE9AE69C-DA3A-4B1F-A561-C474F96FA82E}"/>
+          </ac:spMkLst>
+        </pc:spChg>
+        <pc:spChg chg="mod">
+          <ac:chgData name="Ricardo Lucio Braga Reis" userId="S::a57590919@fgv.edu.br::789c906b-d924-4b68-a4ad-fed37e68814f" providerId="AD" clId="Web-{16EAE22F-EB20-8B31-C2E7-E2D9869D9D38}" dt="2020-05-27T15:31:53.159" v="420" actId="1076"/>
+          <ac:spMkLst>
+            <pc:docMk/>
+            <pc:sldMk cId="1275928961" sldId="372"/>
+            <ac:spMk id="17" creationId="{0EACA767-5D74-4C51-98B7-763F041F495E}"/>
+          </ac:spMkLst>
+        </pc:spChg>
+        <pc:grpChg chg="del">
+          <ac:chgData name="Ricardo Lucio Braga Reis" userId="S::a57590919@fgv.edu.br::789c906b-d924-4b68-a4ad-fed37e68814f" providerId="AD" clId="Web-{16EAE22F-EB20-8B31-C2E7-E2D9869D9D38}" dt="2020-05-27T15:16:36.400" v="110"/>
+          <ac:grpSpMkLst>
+            <pc:docMk/>
+            <pc:sldMk cId="1275928961" sldId="372"/>
+            <ac:grpSpMk id="8" creationId="{1E163097-A71F-4360-857F-CDF7256C8A07}"/>
+          </ac:grpSpMkLst>
+        </pc:grpChg>
+        <pc:cxnChg chg="add">
+          <ac:chgData name="Ricardo Lucio Braga Reis" userId="S::a57590919@fgv.edu.br::789c906b-d924-4b68-a4ad-fed37e68814f" providerId="AD" clId="Web-{16EAE22F-EB20-8B31-C2E7-E2D9869D9D38}" dt="2020-05-27T15:28:19.606" v="401"/>
+          <ac:cxnSpMkLst>
+            <pc:docMk/>
+            <pc:sldMk cId="1275928961" sldId="372"/>
+            <ac:cxnSpMk id="13" creationId="{48D98D49-C026-4684-B519-FFB569F22EC7}"/>
+          </ac:cxnSpMkLst>
+        </pc:cxnChg>
+      </pc:sldChg>
+      <pc:sldChg chg="modSp add replId">
+        <pc:chgData name="Ricardo Lucio Braga Reis" userId="S::a57590919@fgv.edu.br::789c906b-d924-4b68-a4ad-fed37e68814f" providerId="AD" clId="Web-{16EAE22F-EB20-8B31-C2E7-E2D9869D9D38}" dt="2020-05-27T15:37:46.309" v="451" actId="20577"/>
+        <pc:sldMkLst>
+          <pc:docMk/>
+          <pc:sldMk cId="2557986528" sldId="373"/>
+        </pc:sldMkLst>
+        <pc:spChg chg="mod">
+          <ac:chgData name="Ricardo Lucio Braga Reis" userId="S::a57590919@fgv.edu.br::789c906b-d924-4b68-a4ad-fed37e68814f" providerId="AD" clId="Web-{16EAE22F-EB20-8B31-C2E7-E2D9869D9D38}" dt="2020-05-27T15:37:46.309" v="451" actId="20577"/>
+          <ac:spMkLst>
+            <pc:docMk/>
+            <pc:sldMk cId="2557986528" sldId="373"/>
+            <ac:spMk id="7" creationId="{6F061871-FDA0-491B-B84B-B5AB0970885B}"/>
+          </ac:spMkLst>
+        </pc:spChg>
+      </pc:sldChg>
+    </pc:docChg>
+  </pc:docChgLst>
   <pc:docChgLst>
     <pc:chgData name="Leandro Daniel" userId="682bb4abc622d264" providerId="LiveId" clId="{7BA9A1FE-DBFD-4F2E-9BE2-09098A8CCE86}"/>
     <pc:docChg chg="undo custSel modSld modMainMaster">
@@ -306,6 +506,45 @@
           </ac:picMkLst>
         </pc:picChg>
       </pc:sldMasterChg>
+    </pc:docChg>
+  </pc:docChgLst>
+  <pc:docChgLst>
+    <pc:chgData name="Ricardo Lucio Braga Reis" userId="S::a57590919@fgv.edu.br::789c906b-d924-4b68-a4ad-fed37e68814f" providerId="AD" clId="Web-{8FF9442C-03F1-4696-95FD-F425B156F4E3}"/>
+    <pc:docChg chg="addSld modSld modSection">
+      <pc:chgData name="Ricardo Lucio Braga Reis" userId="S::a57590919@fgv.edu.br::789c906b-d924-4b68-a4ad-fed37e68814f" providerId="AD" clId="Web-{8FF9442C-03F1-4696-95FD-F425B156F4E3}" dt="2020-05-28T20:04:57.372" v="906" actId="20577"/>
+      <pc:docMkLst>
+        <pc:docMk/>
+      </pc:docMkLst>
+      <pc:sldChg chg="modSp">
+        <pc:chgData name="Ricardo Lucio Braga Reis" userId="S::a57590919@fgv.edu.br::789c906b-d924-4b68-a4ad-fed37e68814f" providerId="AD" clId="Web-{8FF9442C-03F1-4696-95FD-F425B156F4E3}" dt="2020-05-28T19:31:11.314" v="528" actId="20577"/>
+        <pc:sldMkLst>
+          <pc:docMk/>
+          <pc:sldMk cId="1752641579" sldId="363"/>
+        </pc:sldMkLst>
+        <pc:spChg chg="mod">
+          <ac:chgData name="Ricardo Lucio Braga Reis" userId="S::a57590919@fgv.edu.br::789c906b-d924-4b68-a4ad-fed37e68814f" providerId="AD" clId="Web-{8FF9442C-03F1-4696-95FD-F425B156F4E3}" dt="2020-05-28T19:31:11.314" v="528" actId="20577"/>
+          <ac:spMkLst>
+            <pc:docMk/>
+            <pc:sldMk cId="1752641579" sldId="363"/>
+            <ac:spMk id="4" creationId="{E4CC8CAB-3F4C-409C-8745-BB5BD7AF0FCB}"/>
+          </ac:spMkLst>
+        </pc:spChg>
+      </pc:sldChg>
+      <pc:sldChg chg="modSp add replId">
+        <pc:chgData name="Ricardo Lucio Braga Reis" userId="S::a57590919@fgv.edu.br::789c906b-d924-4b68-a4ad-fed37e68814f" providerId="AD" clId="Web-{8FF9442C-03F1-4696-95FD-F425B156F4E3}" dt="2020-05-28T20:04:57.372" v="905" actId="20577"/>
+        <pc:sldMkLst>
+          <pc:docMk/>
+          <pc:sldMk cId="1219197679" sldId="374"/>
+        </pc:sldMkLst>
+        <pc:spChg chg="mod">
+          <ac:chgData name="Ricardo Lucio Braga Reis" userId="S::a57590919@fgv.edu.br::789c906b-d924-4b68-a4ad-fed37e68814f" providerId="AD" clId="Web-{8FF9442C-03F1-4696-95FD-F425B156F4E3}" dt="2020-05-28T20:04:57.372" v="905" actId="20577"/>
+          <ac:spMkLst>
+            <pc:docMk/>
+            <pc:sldMk cId="1219197679" sldId="374"/>
+            <ac:spMk id="4" creationId="{E4CC8CAB-3F4C-409C-8745-BB5BD7AF0FCB}"/>
+          </ac:spMkLst>
+        </pc:spChg>
+      </pc:sldChg>
     </pc:docChg>
   </pc:docChgLst>
   <pc:docChgLst>
@@ -625,6 +864,449 @@
       </pc:sldChg>
     </pc:docChg>
   </pc:docChgLst>
+  <pc:docChgLst>
+    <pc:chgData name="Leandro de Oliveira Daniel" userId="S::a57622988@fgv.edu.br::ff7f7cd4-1074-435c-a956-4a1fef029c30" providerId="AD" clId="Web-{1E36F6F0-6EE1-4B32-A79A-91B9EDD8AA61}"/>
+    <pc:docChg chg="modSld">
+      <pc:chgData name="Leandro de Oliveira Daniel" userId="S::a57622988@fgv.edu.br::ff7f7cd4-1074-435c-a956-4a1fef029c30" providerId="AD" clId="Web-{1E36F6F0-6EE1-4B32-A79A-91B9EDD8AA61}" dt="2020-05-25T21:43:26.234" v="5" actId="20577"/>
+      <pc:docMkLst>
+        <pc:docMk/>
+      </pc:docMkLst>
+      <pc:sldChg chg="modSp">
+        <pc:chgData name="Leandro de Oliveira Daniel" userId="S::a57622988@fgv.edu.br::ff7f7cd4-1074-435c-a956-4a1fef029c30" providerId="AD" clId="Web-{1E36F6F0-6EE1-4B32-A79A-91B9EDD8AA61}" dt="2020-05-25T21:43:26.234" v="4" actId="20577"/>
+        <pc:sldMkLst>
+          <pc:docMk/>
+          <pc:sldMk cId="3953857876" sldId="361"/>
+        </pc:sldMkLst>
+        <pc:spChg chg="mod">
+          <ac:chgData name="Leandro de Oliveira Daniel" userId="S::a57622988@fgv.edu.br::ff7f7cd4-1074-435c-a956-4a1fef029c30" providerId="AD" clId="Web-{1E36F6F0-6EE1-4B32-A79A-91B9EDD8AA61}" dt="2020-05-25T21:43:26.234" v="4" actId="20577"/>
+          <ac:spMkLst>
+            <pc:docMk/>
+            <pc:sldMk cId="3953857876" sldId="361"/>
+            <ac:spMk id="4" creationId="{84CA2768-938F-4EEA-B0DD-BAF05149B6F5}"/>
+          </ac:spMkLst>
+        </pc:spChg>
+      </pc:sldChg>
+    </pc:docChg>
+  </pc:docChgLst>
+  <pc:docChgLst>
+    <pc:chgData name=" " userId="ff7f7cd4-1074-435c-a956-4a1fef029c30" providerId="ADAL" clId="{A05B594F-FEC1-4006-B716-BDAA0DDC61B5}"/>
+    <pc:docChg chg="undo custSel addSld delSld modSld sldOrd modSection">
+      <pc:chgData name=" " userId="ff7f7cd4-1074-435c-a956-4a1fef029c30" providerId="ADAL" clId="{A05B594F-FEC1-4006-B716-BDAA0DDC61B5}" dt="2020-05-28T23:09:02.633" v="1108" actId="11"/>
+      <pc:docMkLst>
+        <pc:docMk/>
+      </pc:docMkLst>
+      <pc:sldChg chg="modSp mod">
+        <pc:chgData name=" " userId="ff7f7cd4-1074-435c-a956-4a1fef029c30" providerId="ADAL" clId="{A05B594F-FEC1-4006-B716-BDAA0DDC61B5}" dt="2020-05-28T22:33:06.136" v="276" actId="20577"/>
+        <pc:sldMkLst>
+          <pc:docMk/>
+          <pc:sldMk cId="351260889" sldId="346"/>
+        </pc:sldMkLst>
+        <pc:spChg chg="mod">
+          <ac:chgData name=" " userId="ff7f7cd4-1074-435c-a956-4a1fef029c30" providerId="ADAL" clId="{A05B594F-FEC1-4006-B716-BDAA0DDC61B5}" dt="2020-05-28T22:29:25.589" v="272" actId="6549"/>
+          <ac:spMkLst>
+            <pc:docMk/>
+            <pc:sldMk cId="351260889" sldId="346"/>
+            <ac:spMk id="6" creationId="{D5F67441-A755-4247-851C-41974715F282}"/>
+          </ac:spMkLst>
+        </pc:spChg>
+        <pc:spChg chg="mod">
+          <ac:chgData name=" " userId="ff7f7cd4-1074-435c-a956-4a1fef029c30" providerId="ADAL" clId="{A05B594F-FEC1-4006-B716-BDAA0DDC61B5}" dt="2020-05-28T22:33:06.136" v="276" actId="20577"/>
+          <ac:spMkLst>
+            <pc:docMk/>
+            <pc:sldMk cId="351260889" sldId="346"/>
+            <ac:spMk id="7" creationId="{F98E677B-3EA7-49FD-AAB2-91F960419DAB}"/>
+          </ac:spMkLst>
+        </pc:spChg>
+      </pc:sldChg>
+      <pc:sldChg chg="modSp mod">
+        <pc:chgData name=" " userId="ff7f7cd4-1074-435c-a956-4a1fef029c30" providerId="ADAL" clId="{A05B594F-FEC1-4006-B716-BDAA0DDC61B5}" dt="2020-05-28T22:18:37.258" v="179" actId="20577"/>
+        <pc:sldMkLst>
+          <pc:docMk/>
+          <pc:sldMk cId="679871842" sldId="351"/>
+        </pc:sldMkLst>
+        <pc:spChg chg="mod">
+          <ac:chgData name=" " userId="ff7f7cd4-1074-435c-a956-4a1fef029c30" providerId="ADAL" clId="{A05B594F-FEC1-4006-B716-BDAA0DDC61B5}" dt="2020-05-28T22:18:37.258" v="179" actId="20577"/>
+          <ac:spMkLst>
+            <pc:docMk/>
+            <pc:sldMk cId="679871842" sldId="351"/>
+            <ac:spMk id="2" creationId="{70F687BA-32A2-41BC-B72A-F28209A7F473}"/>
+          </ac:spMkLst>
+        </pc:spChg>
+        <pc:spChg chg="mod">
+          <ac:chgData name=" " userId="ff7f7cd4-1074-435c-a956-4a1fef029c30" providerId="ADAL" clId="{A05B594F-FEC1-4006-B716-BDAA0DDC61B5}" dt="2020-05-28T22:18:18.927" v="178" actId="1036"/>
+          <ac:spMkLst>
+            <pc:docMk/>
+            <pc:sldMk cId="679871842" sldId="351"/>
+            <ac:spMk id="3" creationId="{94B768D7-96B0-41DF-9630-0D308384D261}"/>
+          </ac:spMkLst>
+        </pc:spChg>
+      </pc:sldChg>
+      <pc:sldChg chg="addSp delSp modSp mod">
+        <pc:chgData name=" " userId="ff7f7cd4-1074-435c-a956-4a1fef029c30" providerId="ADAL" clId="{A05B594F-FEC1-4006-B716-BDAA0DDC61B5}" dt="2020-05-28T22:55:43.719" v="894" actId="478"/>
+        <pc:sldMkLst>
+          <pc:docMk/>
+          <pc:sldMk cId="3817115773" sldId="360"/>
+        </pc:sldMkLst>
+        <pc:spChg chg="mod">
+          <ac:chgData name=" " userId="ff7f7cd4-1074-435c-a956-4a1fef029c30" providerId="ADAL" clId="{A05B594F-FEC1-4006-B716-BDAA0DDC61B5}" dt="2020-05-28T22:54:17.940" v="878" actId="6549"/>
+          <ac:spMkLst>
+            <pc:docMk/>
+            <pc:sldMk cId="3817115773" sldId="360"/>
+            <ac:spMk id="4" creationId="{6C14915E-E529-4FEB-989B-94707A646704}"/>
+          </ac:spMkLst>
+        </pc:spChg>
+        <pc:picChg chg="add del mod">
+          <ac:chgData name=" " userId="ff7f7cd4-1074-435c-a956-4a1fef029c30" providerId="ADAL" clId="{A05B594F-FEC1-4006-B716-BDAA0DDC61B5}" dt="2020-05-28T22:53:37.383" v="848" actId="478"/>
+          <ac:picMkLst>
+            <pc:docMk/>
+            <pc:sldMk cId="3817115773" sldId="360"/>
+            <ac:picMk id="3" creationId="{058DACDE-AB34-48CF-98CF-F1D9F9A62964}"/>
+          </ac:picMkLst>
+        </pc:picChg>
+        <pc:picChg chg="add del mod">
+          <ac:chgData name=" " userId="ff7f7cd4-1074-435c-a956-4a1fef029c30" providerId="ADAL" clId="{A05B594F-FEC1-4006-B716-BDAA0DDC61B5}" dt="2020-05-28T22:53:36.700" v="846" actId="478"/>
+          <ac:picMkLst>
+            <pc:docMk/>
+            <pc:sldMk cId="3817115773" sldId="360"/>
+            <ac:picMk id="6" creationId="{33755775-99B4-4F80-9EDB-2D9371E66699}"/>
+          </ac:picMkLst>
+        </pc:picChg>
+        <pc:picChg chg="add del mod">
+          <ac:chgData name=" " userId="ff7f7cd4-1074-435c-a956-4a1fef029c30" providerId="ADAL" clId="{A05B594F-FEC1-4006-B716-BDAA0DDC61B5}" dt="2020-05-28T22:54:08.422" v="877" actId="478"/>
+          <ac:picMkLst>
+            <pc:docMk/>
+            <pc:sldMk cId="3817115773" sldId="360"/>
+            <ac:picMk id="7" creationId="{03902EFC-E5F4-4B4C-935C-08E00E560C25}"/>
+          </ac:picMkLst>
+        </pc:picChg>
+        <pc:picChg chg="add del mod">
+          <ac:chgData name=" " userId="ff7f7cd4-1074-435c-a956-4a1fef029c30" providerId="ADAL" clId="{A05B594F-FEC1-4006-B716-BDAA0DDC61B5}" dt="2020-05-28T22:55:43.719" v="894" actId="478"/>
+          <ac:picMkLst>
+            <pc:docMk/>
+            <pc:sldMk cId="3817115773" sldId="360"/>
+            <ac:picMk id="8" creationId="{7A11782E-CA16-4486-BCF9-1814436888E7}"/>
+          </ac:picMkLst>
+        </pc:picChg>
+        <pc:picChg chg="add del mod">
+          <ac:chgData name=" " userId="ff7f7cd4-1074-435c-a956-4a1fef029c30" providerId="ADAL" clId="{A05B594F-FEC1-4006-B716-BDAA0DDC61B5}" dt="2020-05-28T22:55:43.719" v="894" actId="478"/>
+          <ac:picMkLst>
+            <pc:docMk/>
+            <pc:sldMk cId="3817115773" sldId="360"/>
+            <ac:picMk id="9" creationId="{A96C5148-7D1D-4C3F-9C96-E88FE324F19B}"/>
+          </ac:picMkLst>
+        </pc:picChg>
+        <pc:picChg chg="add del mod modCrop">
+          <ac:chgData name=" " userId="ff7f7cd4-1074-435c-a956-4a1fef029c30" providerId="ADAL" clId="{A05B594F-FEC1-4006-B716-BDAA0DDC61B5}" dt="2020-05-28T22:55:43.719" v="894" actId="478"/>
+          <ac:picMkLst>
+            <pc:docMk/>
+            <pc:sldMk cId="3817115773" sldId="360"/>
+            <ac:picMk id="10" creationId="{07792C7A-3F1E-44B9-B0E3-D903340A5729}"/>
+          </ac:picMkLst>
+        </pc:picChg>
+      </pc:sldChg>
+      <pc:sldChg chg="modSp mod">
+        <pc:chgData name=" " userId="ff7f7cd4-1074-435c-a956-4a1fef029c30" providerId="ADAL" clId="{A05B594F-FEC1-4006-B716-BDAA0DDC61B5}" dt="2020-05-28T23:00:51.495" v="922" actId="20577"/>
+        <pc:sldMkLst>
+          <pc:docMk/>
+          <pc:sldMk cId="3953857876" sldId="361"/>
+        </pc:sldMkLst>
+        <pc:spChg chg="mod">
+          <ac:chgData name=" " userId="ff7f7cd4-1074-435c-a956-4a1fef029c30" providerId="ADAL" clId="{A05B594F-FEC1-4006-B716-BDAA0DDC61B5}" dt="2020-05-28T23:00:51.495" v="922" actId="20577"/>
+          <ac:spMkLst>
+            <pc:docMk/>
+            <pc:sldMk cId="3953857876" sldId="361"/>
+            <ac:spMk id="4" creationId="{84CA2768-938F-4EEA-B0DD-BAF05149B6F5}"/>
+          </ac:spMkLst>
+        </pc:spChg>
+      </pc:sldChg>
+      <pc:sldChg chg="modSp mod">
+        <pc:chgData name=" " userId="ff7f7cd4-1074-435c-a956-4a1fef029c30" providerId="ADAL" clId="{A05B594F-FEC1-4006-B716-BDAA0DDC61B5}" dt="2020-05-28T23:06:30.257" v="1081" actId="6549"/>
+        <pc:sldMkLst>
+          <pc:docMk/>
+          <pc:sldMk cId="1702763331" sldId="362"/>
+        </pc:sldMkLst>
+        <pc:spChg chg="mod">
+          <ac:chgData name=" " userId="ff7f7cd4-1074-435c-a956-4a1fef029c30" providerId="ADAL" clId="{A05B594F-FEC1-4006-B716-BDAA0DDC61B5}" dt="2020-05-28T23:06:30.257" v="1081" actId="6549"/>
+          <ac:spMkLst>
+            <pc:docMk/>
+            <pc:sldMk cId="1702763331" sldId="362"/>
+            <ac:spMk id="4" creationId="{201C3BF0-3DB6-45FE-ABB3-0E8206DE61D9}"/>
+          </ac:spMkLst>
+        </pc:spChg>
+      </pc:sldChg>
+      <pc:sldChg chg="addSp modSp mod">
+        <pc:chgData name=" " userId="ff7f7cd4-1074-435c-a956-4a1fef029c30" providerId="ADAL" clId="{A05B594F-FEC1-4006-B716-BDAA0DDC61B5}" dt="2020-05-28T23:07:28.033" v="1086" actId="20577"/>
+        <pc:sldMkLst>
+          <pc:docMk/>
+          <pc:sldMk cId="1752641579" sldId="363"/>
+        </pc:sldMkLst>
+        <pc:spChg chg="add mod">
+          <ac:chgData name=" " userId="ff7f7cd4-1074-435c-a956-4a1fef029c30" providerId="ADAL" clId="{A05B594F-FEC1-4006-B716-BDAA0DDC61B5}" dt="2020-05-28T23:07:28.033" v="1086" actId="20577"/>
+          <ac:spMkLst>
+            <pc:docMk/>
+            <pc:sldMk cId="1752641579" sldId="363"/>
+            <ac:spMk id="6" creationId="{3440248A-7B86-45A3-97D8-1D374D8F82BE}"/>
+          </ac:spMkLst>
+        </pc:spChg>
+      </pc:sldChg>
+      <pc:sldChg chg="modSp mod">
+        <pc:chgData name=" " userId="ff7f7cd4-1074-435c-a956-4a1fef029c30" providerId="ADAL" clId="{A05B594F-FEC1-4006-B716-BDAA0DDC61B5}" dt="2020-05-28T22:48:52.660" v="751" actId="20577"/>
+        <pc:sldMkLst>
+          <pc:docMk/>
+          <pc:sldMk cId="282548394" sldId="369"/>
+        </pc:sldMkLst>
+        <pc:spChg chg="mod">
+          <ac:chgData name=" " userId="ff7f7cd4-1074-435c-a956-4a1fef029c30" providerId="ADAL" clId="{A05B594F-FEC1-4006-B716-BDAA0DDC61B5}" dt="2020-05-28T22:48:52.660" v="751" actId="20577"/>
+          <ac:spMkLst>
+            <pc:docMk/>
+            <pc:sldMk cId="282548394" sldId="369"/>
+            <ac:spMk id="4" creationId="{A669B354-350D-4C90-B1CF-E0DF5E164E9D}"/>
+          </ac:spMkLst>
+        </pc:spChg>
+      </pc:sldChg>
+      <pc:sldChg chg="modSp mod">
+        <pc:chgData name=" " userId="ff7f7cd4-1074-435c-a956-4a1fef029c30" providerId="ADAL" clId="{A05B594F-FEC1-4006-B716-BDAA0DDC61B5}" dt="2020-05-28T22:33:12.251" v="277" actId="20577"/>
+        <pc:sldMkLst>
+          <pc:docMk/>
+          <pc:sldMk cId="3921174963" sldId="371"/>
+        </pc:sldMkLst>
+        <pc:spChg chg="mod">
+          <ac:chgData name=" " userId="ff7f7cd4-1074-435c-a956-4a1fef029c30" providerId="ADAL" clId="{A05B594F-FEC1-4006-B716-BDAA0DDC61B5}" dt="2020-05-28T22:33:12.251" v="277" actId="20577"/>
+          <ac:spMkLst>
+            <pc:docMk/>
+            <pc:sldMk cId="3921174963" sldId="371"/>
+            <ac:spMk id="7" creationId="{6F061871-FDA0-491B-B84B-B5AB0970885B}"/>
+          </ac:spMkLst>
+        </pc:spChg>
+      </pc:sldChg>
+      <pc:sldChg chg="addSp delSp modSp mod ord">
+        <pc:chgData name=" " userId="ff7f7cd4-1074-435c-a956-4a1fef029c30" providerId="ADAL" clId="{A05B594F-FEC1-4006-B716-BDAA0DDC61B5}" dt="2020-05-28T22:37:06.256" v="327" actId="113"/>
+        <pc:sldMkLst>
+          <pc:docMk/>
+          <pc:sldMk cId="1275928961" sldId="372"/>
+        </pc:sldMkLst>
+        <pc:spChg chg="del mod">
+          <ac:chgData name=" " userId="ff7f7cd4-1074-435c-a956-4a1fef029c30" providerId="ADAL" clId="{A05B594F-FEC1-4006-B716-BDAA0DDC61B5}" dt="2020-05-28T22:33:51.468" v="284" actId="478"/>
+          <ac:spMkLst>
+            <pc:docMk/>
+            <pc:sldMk cId="1275928961" sldId="372"/>
+            <ac:spMk id="3" creationId="{14023F59-116C-43F1-AC35-B7027668E690}"/>
+          </ac:spMkLst>
+        </pc:spChg>
+        <pc:spChg chg="mod">
+          <ac:chgData name=" " userId="ff7f7cd4-1074-435c-a956-4a1fef029c30" providerId="ADAL" clId="{A05B594F-FEC1-4006-B716-BDAA0DDC61B5}" dt="2020-05-28T22:34:04.708" v="305" actId="20577"/>
+          <ac:spMkLst>
+            <pc:docMk/>
+            <pc:sldMk cId="1275928961" sldId="372"/>
+            <ac:spMk id="7" creationId="{6F061871-FDA0-491B-B84B-B5AB0970885B}"/>
+          </ac:spMkLst>
+        </pc:spChg>
+        <pc:spChg chg="del mod">
+          <ac:chgData name=" " userId="ff7f7cd4-1074-435c-a956-4a1fef029c30" providerId="ADAL" clId="{A05B594F-FEC1-4006-B716-BDAA0DDC61B5}" dt="2020-05-28T22:33:49.779" v="283" actId="478"/>
+          <ac:spMkLst>
+            <pc:docMk/>
+            <pc:sldMk cId="1275928961" sldId="372"/>
+            <ac:spMk id="9" creationId="{F9E7B998-4796-4D55-9B18-DDC86A145C52}"/>
+          </ac:spMkLst>
+        </pc:spChg>
+        <pc:spChg chg="del mod">
+          <ac:chgData name=" " userId="ff7f7cd4-1074-435c-a956-4a1fef029c30" providerId="ADAL" clId="{A05B594F-FEC1-4006-B716-BDAA0DDC61B5}" dt="2020-05-28T22:36:58.818" v="319" actId="478"/>
+          <ac:spMkLst>
+            <pc:docMk/>
+            <pc:sldMk cId="1275928961" sldId="372"/>
+            <ac:spMk id="11" creationId="{CD626A95-8091-4F1D-A30E-C06E87498B5B}"/>
+          </ac:spMkLst>
+        </pc:spChg>
+        <pc:spChg chg="mod">
+          <ac:chgData name=" " userId="ff7f7cd4-1074-435c-a956-4a1fef029c30" providerId="ADAL" clId="{A05B594F-FEC1-4006-B716-BDAA0DDC61B5}" dt="2020-05-28T22:37:06.256" v="327" actId="113"/>
+          <ac:spMkLst>
+            <pc:docMk/>
+            <pc:sldMk cId="1275928961" sldId="372"/>
+            <ac:spMk id="15" creationId="{EE9AE69C-DA3A-4B1F-A561-C474F96FA82E}"/>
+          </ac:spMkLst>
+        </pc:spChg>
+        <pc:spChg chg="mod">
+          <ac:chgData name=" " userId="ff7f7cd4-1074-435c-a956-4a1fef029c30" providerId="ADAL" clId="{A05B594F-FEC1-4006-B716-BDAA0DDC61B5}" dt="2020-05-28T22:33:57.294" v="302" actId="20577"/>
+          <ac:spMkLst>
+            <pc:docMk/>
+            <pc:sldMk cId="1275928961" sldId="372"/>
+            <ac:spMk id="17" creationId="{0EACA767-5D74-4C51-98B7-763F041F495E}"/>
+          </ac:spMkLst>
+        </pc:spChg>
+        <pc:graphicFrameChg chg="add del mod">
+          <ac:chgData name=" " userId="ff7f7cd4-1074-435c-a956-4a1fef029c30" providerId="ADAL" clId="{A05B594F-FEC1-4006-B716-BDAA0DDC61B5}" dt="2020-05-28T21:55:15.413" v="127" actId="478"/>
+          <ac:graphicFrameMkLst>
+            <pc:docMk/>
+            <pc:sldMk cId="1275928961" sldId="372"/>
+            <ac:graphicFrameMk id="4" creationId="{BA495344-2495-4FC5-8DB3-C8AAE81298E0}"/>
+          </ac:graphicFrameMkLst>
+        </pc:graphicFrameChg>
+      </pc:sldChg>
+      <pc:sldChg chg="modSp mod">
+        <pc:chgData name=" " userId="ff7f7cd4-1074-435c-a956-4a1fef029c30" providerId="ADAL" clId="{A05B594F-FEC1-4006-B716-BDAA0DDC61B5}" dt="2020-05-28T22:44:26.798" v="594" actId="20577"/>
+        <pc:sldMkLst>
+          <pc:docMk/>
+          <pc:sldMk cId="2557986528" sldId="373"/>
+        </pc:sldMkLst>
+        <pc:spChg chg="mod">
+          <ac:chgData name=" " userId="ff7f7cd4-1074-435c-a956-4a1fef029c30" providerId="ADAL" clId="{A05B594F-FEC1-4006-B716-BDAA0DDC61B5}" dt="2020-05-28T22:34:16.444" v="308" actId="20577"/>
+          <ac:spMkLst>
+            <pc:docMk/>
+            <pc:sldMk cId="2557986528" sldId="373"/>
+            <ac:spMk id="7" creationId="{6F061871-FDA0-491B-B84B-B5AB0970885B}"/>
+          </ac:spMkLst>
+        </pc:spChg>
+        <pc:spChg chg="mod">
+          <ac:chgData name=" " userId="ff7f7cd4-1074-435c-a956-4a1fef029c30" providerId="ADAL" clId="{A05B594F-FEC1-4006-B716-BDAA0DDC61B5}" dt="2020-05-28T22:44:26.798" v="594" actId="20577"/>
+          <ac:spMkLst>
+            <pc:docMk/>
+            <pc:sldMk cId="2557986528" sldId="373"/>
+            <ac:spMk id="17" creationId="{0EACA767-5D74-4C51-98B7-763F041F495E}"/>
+          </ac:spMkLst>
+        </pc:spChg>
+      </pc:sldChg>
+      <pc:sldChg chg="addSp modSp mod">
+        <pc:chgData name=" " userId="ff7f7cd4-1074-435c-a956-4a1fef029c30" providerId="ADAL" clId="{A05B594F-FEC1-4006-B716-BDAA0DDC61B5}" dt="2020-05-28T23:07:37.905" v="1088" actId="20577"/>
+        <pc:sldMkLst>
+          <pc:docMk/>
+          <pc:sldMk cId="1219197679" sldId="374"/>
+        </pc:sldMkLst>
+        <pc:spChg chg="mod">
+          <ac:chgData name=" " userId="ff7f7cd4-1074-435c-a956-4a1fef029c30" providerId="ADAL" clId="{A05B594F-FEC1-4006-B716-BDAA0DDC61B5}" dt="2020-05-28T23:07:02.119" v="1082" actId="11"/>
+          <ac:spMkLst>
+            <pc:docMk/>
+            <pc:sldMk cId="1219197679" sldId="374"/>
+            <ac:spMk id="4" creationId="{E4CC8CAB-3F4C-409C-8745-BB5BD7AF0FCB}"/>
+          </ac:spMkLst>
+        </pc:spChg>
+        <pc:spChg chg="add mod">
+          <ac:chgData name=" " userId="ff7f7cd4-1074-435c-a956-4a1fef029c30" providerId="ADAL" clId="{A05B594F-FEC1-4006-B716-BDAA0DDC61B5}" dt="2020-05-28T23:07:37.905" v="1088" actId="20577"/>
+          <ac:spMkLst>
+            <pc:docMk/>
+            <pc:sldMk cId="1219197679" sldId="374"/>
+            <ac:spMk id="6" creationId="{9D368356-A0FD-4638-A627-69AB05A6E61A}"/>
+          </ac:spMkLst>
+        </pc:spChg>
+      </pc:sldChg>
+      <pc:sldChg chg="modSp add mod ord">
+        <pc:chgData name=" " userId="ff7f7cd4-1074-435c-a956-4a1fef029c30" providerId="ADAL" clId="{A05B594F-FEC1-4006-B716-BDAA0DDC61B5}" dt="2020-05-28T22:36:00.427" v="318" actId="114"/>
+        <pc:sldMkLst>
+          <pc:docMk/>
+          <pc:sldMk cId="2687276991" sldId="375"/>
+        </pc:sldMkLst>
+        <pc:spChg chg="mod">
+          <ac:chgData name=" " userId="ff7f7cd4-1074-435c-a956-4a1fef029c30" providerId="ADAL" clId="{A05B594F-FEC1-4006-B716-BDAA0DDC61B5}" dt="2020-05-28T22:36:00.427" v="318" actId="114"/>
+          <ac:spMkLst>
+            <pc:docMk/>
+            <pc:sldMk cId="2687276991" sldId="375"/>
+            <ac:spMk id="3" creationId="{14023F59-116C-43F1-AC35-B7027668E690}"/>
+          </ac:spMkLst>
+        </pc:spChg>
+        <pc:spChg chg="mod">
+          <ac:chgData name=" " userId="ff7f7cd4-1074-435c-a956-4a1fef029c30" providerId="ADAL" clId="{A05B594F-FEC1-4006-B716-BDAA0DDC61B5}" dt="2020-05-28T22:34:09.685" v="306" actId="20577"/>
+          <ac:spMkLst>
+            <pc:docMk/>
+            <pc:sldMk cId="2687276991" sldId="375"/>
+            <ac:spMk id="7" creationId="{6F061871-FDA0-491B-B84B-B5AB0970885B}"/>
+          </ac:spMkLst>
+        </pc:spChg>
+        <pc:spChg chg="mod">
+          <ac:chgData name=" " userId="ff7f7cd4-1074-435c-a956-4a1fef029c30" providerId="ADAL" clId="{A05B594F-FEC1-4006-B716-BDAA0DDC61B5}" dt="2020-05-28T22:35:43.615" v="316" actId="1036"/>
+          <ac:spMkLst>
+            <pc:docMk/>
+            <pc:sldMk cId="2687276991" sldId="375"/>
+            <ac:spMk id="9" creationId="{F9E7B998-4796-4D55-9B18-DDC86A145C52}"/>
+          </ac:spMkLst>
+        </pc:spChg>
+        <pc:spChg chg="mod">
+          <ac:chgData name=" " userId="ff7f7cd4-1074-435c-a956-4a1fef029c30" providerId="ADAL" clId="{A05B594F-FEC1-4006-B716-BDAA0DDC61B5}" dt="2020-05-28T22:34:30.483" v="309" actId="114"/>
+          <ac:spMkLst>
+            <pc:docMk/>
+            <pc:sldMk cId="2687276991" sldId="375"/>
+            <ac:spMk id="15" creationId="{EE9AE69C-DA3A-4B1F-A561-C474F96FA82E}"/>
+          </ac:spMkLst>
+        </pc:spChg>
+        <pc:spChg chg="mod">
+          <ac:chgData name=" " userId="ff7f7cd4-1074-435c-a956-4a1fef029c30" providerId="ADAL" clId="{A05B594F-FEC1-4006-B716-BDAA0DDC61B5}" dt="2020-05-28T22:35:38.343" v="314" actId="20577"/>
+          <ac:spMkLst>
+            <pc:docMk/>
+            <pc:sldMk cId="2687276991" sldId="375"/>
+            <ac:spMk id="17" creationId="{0EACA767-5D74-4C51-98B7-763F041F495E}"/>
+          </ac:spMkLst>
+        </pc:spChg>
+      </pc:sldChg>
+      <pc:sldChg chg="new del">
+        <pc:chgData name=" " userId="ff7f7cd4-1074-435c-a956-4a1fef029c30" providerId="ADAL" clId="{A05B594F-FEC1-4006-B716-BDAA0DDC61B5}" dt="2020-05-28T22:32:55.024" v="274" actId="47"/>
+        <pc:sldMkLst>
+          <pc:docMk/>
+          <pc:sldMk cId="3868800301" sldId="375"/>
+        </pc:sldMkLst>
+      </pc:sldChg>
+      <pc:sldChg chg="modSp add mod">
+        <pc:chgData name=" " userId="ff7f7cd4-1074-435c-a956-4a1fef029c30" providerId="ADAL" clId="{A05B594F-FEC1-4006-B716-BDAA0DDC61B5}" dt="2020-05-28T23:08:41.565" v="1105" actId="11"/>
+        <pc:sldMkLst>
+          <pc:docMk/>
+          <pc:sldMk cId="2108741987" sldId="376"/>
+        </pc:sldMkLst>
+        <pc:spChg chg="mod">
+          <ac:chgData name=" " userId="ff7f7cd4-1074-435c-a956-4a1fef029c30" providerId="ADAL" clId="{A05B594F-FEC1-4006-B716-BDAA0DDC61B5}" dt="2020-05-28T23:08:41.565" v="1105" actId="11"/>
+          <ac:spMkLst>
+            <pc:docMk/>
+            <pc:sldMk cId="2108741987" sldId="376"/>
+            <ac:spMk id="4" creationId="{E4CC8CAB-3F4C-409C-8745-BB5BD7AF0FCB}"/>
+          </ac:spMkLst>
+        </pc:spChg>
+        <pc:spChg chg="mod">
+          <ac:chgData name=" " userId="ff7f7cd4-1074-435c-a956-4a1fef029c30" providerId="ADAL" clId="{A05B594F-FEC1-4006-B716-BDAA0DDC61B5}" dt="2020-05-28T23:07:44.049" v="1090" actId="20577"/>
+          <ac:spMkLst>
+            <pc:docMk/>
+            <pc:sldMk cId="2108741987" sldId="376"/>
+            <ac:spMk id="6" creationId="{9D368356-A0FD-4638-A627-69AB05A6E61A}"/>
+          </ac:spMkLst>
+        </pc:spChg>
+      </pc:sldChg>
+      <pc:sldChg chg="addSp delSp modSp add mod">
+        <pc:chgData name=" " userId="ff7f7cd4-1074-435c-a956-4a1fef029c30" providerId="ADAL" clId="{A05B594F-FEC1-4006-B716-BDAA0DDC61B5}" dt="2020-05-28T23:09:02.633" v="1108" actId="11"/>
+        <pc:sldMkLst>
+          <pc:docMk/>
+          <pc:sldMk cId="2356196915" sldId="377"/>
+        </pc:sldMkLst>
+        <pc:spChg chg="del">
+          <ac:chgData name=" " userId="ff7f7cd4-1074-435c-a956-4a1fef029c30" providerId="ADAL" clId="{A05B594F-FEC1-4006-B716-BDAA0DDC61B5}" dt="2020-05-28T23:08:47.545" v="1106" actId="478"/>
+          <ac:spMkLst>
+            <pc:docMk/>
+            <pc:sldMk cId="2356196915" sldId="377"/>
+            <ac:spMk id="4" creationId="{E4CC8CAB-3F4C-409C-8745-BB5BD7AF0FCB}"/>
+          </ac:spMkLst>
+        </pc:spChg>
+        <pc:spChg chg="mod">
+          <ac:chgData name=" " userId="ff7f7cd4-1074-435c-a956-4a1fef029c30" providerId="ADAL" clId="{A05B594F-FEC1-4006-B716-BDAA0DDC61B5}" dt="2020-05-28T23:07:57.986" v="1092" actId="20577"/>
+          <ac:spMkLst>
+            <pc:docMk/>
+            <pc:sldMk cId="2356196915" sldId="377"/>
+            <ac:spMk id="6" creationId="{9D368356-A0FD-4638-A627-69AB05A6E61A}"/>
+          </ac:spMkLst>
+        </pc:spChg>
+        <pc:spChg chg="add mod">
+          <ac:chgData name=" " userId="ff7f7cd4-1074-435c-a956-4a1fef029c30" providerId="ADAL" clId="{A05B594F-FEC1-4006-B716-BDAA0DDC61B5}" dt="2020-05-28T23:09:02.633" v="1108" actId="11"/>
+          <ac:spMkLst>
+            <pc:docMk/>
+            <pc:sldMk cId="2356196915" sldId="377"/>
+            <ac:spMk id="7" creationId="{CE3762FA-4222-4801-A067-946EE71C9A52}"/>
+          </ac:spMkLst>
+        </pc:spChg>
+      </pc:sldChg>
+    </pc:docChg>
+  </pc:docChgLst>
+  <pc:docChgLst>
+    <pc:chgData name="A57566093@fgv.edu.br" userId="1bb9ad80-ff55-479f-acd6-204a7fcb2663" providerId="ADAL" clId="{6EAA8C06-7F8D-43F2-902E-F978E52A88FA}"/>
+    <pc:docChg chg="addSection modSection">
+      <pc:chgData name="A57566093@fgv.edu.br" userId="1bb9ad80-ff55-479f-acd6-204a7fcb2663" providerId="ADAL" clId="{6EAA8C06-7F8D-43F2-902E-F978E52A88FA}" dt="2020-05-26T16:52:34.039" v="15" actId="17846"/>
+      <pc:docMkLst>
+        <pc:docMk/>
+      </pc:docMkLst>
+    </pc:docChg>
+  </pc:docChgLst>
 </pc:chgInfo>
 </file>
 
@@ -655,7 +1337,7 @@
           <p:cNvPr id="2" name="Espaço Reservado para Cabeçalho 1">
             <a:extLst>
               <a:ext uri="{FF2B5EF4-FFF2-40B4-BE49-F238E27FC236}">
-                <a16:creationId xmlns="" xmlns:a16="http://schemas.microsoft.com/office/drawing/2014/main" id="{E162C314-7D57-441B-B744-E28993A863F5}"/>
+                <a16:creationId xmlns:a16="http://schemas.microsoft.com/office/drawing/2014/main" id="{E162C314-7D57-441B-B744-E28993A863F5}"/>
               </a:ext>
             </a:extLst>
           </p:cNvPr>
@@ -692,7 +1374,7 @@
           <p:cNvPr id="3" name="Espaço Reservado para Data 2">
             <a:extLst>
               <a:ext uri="{FF2B5EF4-FFF2-40B4-BE49-F238E27FC236}">
-                <a16:creationId xmlns="" xmlns:a16="http://schemas.microsoft.com/office/drawing/2014/main" id="{C2801EC7-4137-4F0C-9FE9-6CCD8E42D476}"/>
+                <a16:creationId xmlns:a16="http://schemas.microsoft.com/office/drawing/2014/main" id="{C2801EC7-4137-4F0C-9FE9-6CCD8E42D476}"/>
               </a:ext>
             </a:extLst>
           </p:cNvPr>
@@ -723,7 +1405,7 @@
             <a:fld id="{B26FF4F9-2FBB-4F7A-9697-05FA74F11F3B}" type="datetimeFigureOut">
               <a:rPr lang="pt-BR" smtClean="0"/>
               <a:pPr/>
-              <a:t>25/05/2020</a:t>
+              <a:t>28/05/2020</a:t>
             </a:fld>
             <a:endParaRPr lang="pt-BR"/>
           </a:p>
@@ -734,7 +1416,7 @@
           <p:cNvPr id="4" name="Espaço Reservado para Rodapé 3">
             <a:extLst>
               <a:ext uri="{FF2B5EF4-FFF2-40B4-BE49-F238E27FC236}">
-                <a16:creationId xmlns="" xmlns:a16="http://schemas.microsoft.com/office/drawing/2014/main" id="{08AC7BC5-A4B9-4BAF-8599-3FBF718ACEDF}"/>
+                <a16:creationId xmlns:a16="http://schemas.microsoft.com/office/drawing/2014/main" id="{08AC7BC5-A4B9-4BAF-8599-3FBF718ACEDF}"/>
               </a:ext>
             </a:extLst>
           </p:cNvPr>
@@ -771,7 +1453,7 @@
           <p:cNvPr id="5" name="Espaço Reservado para Número de Slide 4">
             <a:extLst>
               <a:ext uri="{FF2B5EF4-FFF2-40B4-BE49-F238E27FC236}">
-                <a16:creationId xmlns="" xmlns:a16="http://schemas.microsoft.com/office/drawing/2014/main" id="{1B9FE065-BF0E-4247-835C-E4DA37C97E0F}"/>
+                <a16:creationId xmlns:a16="http://schemas.microsoft.com/office/drawing/2014/main" id="{1B9FE065-BF0E-4247-835C-E4DA37C97E0F}"/>
               </a:ext>
             </a:extLst>
           </p:cNvPr>
@@ -802,7 +1484,7 @@
             <a:fld id="{966B0CA9-991F-48D6-8F14-8287C17CA522}" type="slidenum">
               <a:rPr lang="pt-BR" smtClean="0"/>
               <a:pPr/>
-              <a:t>‹nº›</a:t>
+              <a:t>‹#›</a:t>
             </a:fld>
             <a:endParaRPr lang="pt-BR"/>
           </a:p>
@@ -811,7 +1493,7 @@
     </p:spTree>
     <p:extLst>
       <p:ext uri="{BB962C8B-B14F-4D97-AF65-F5344CB8AC3E}">
-        <p14:creationId xmlns="" xmlns:p14="http://schemas.microsoft.com/office/powerpoint/2010/main" val="3668408037"/>
+        <p14:creationId xmlns:p14="http://schemas.microsoft.com/office/powerpoint/2010/main" val="3668408037"/>
       </p:ext>
     </p:extLst>
   </p:cSld>
@@ -902,7 +1584,7 @@
             <a:fld id="{1820D135-1270-41BD-8A14-B5B3DA62A4B5}" type="datetimeFigureOut">
               <a:rPr lang="pt-BR" smtClean="0"/>
               <a:pPr/>
-              <a:t>25/05/2020</a:t>
+              <a:t>28/05/2020</a:t>
             </a:fld>
             <a:endParaRPr lang="pt-BR"/>
           </a:p>
@@ -1061,7 +1743,7 @@
             <a:fld id="{A9C31BF8-0EC7-40CB-89AF-7A4EB90D2C8E}" type="slidenum">
               <a:rPr lang="pt-BR" smtClean="0"/>
               <a:pPr/>
-              <a:t>‹nº›</a:t>
+              <a:t>‹#›</a:t>
             </a:fld>
             <a:endParaRPr lang="pt-BR"/>
           </a:p>
@@ -1070,7 +1752,7 @@
     </p:spTree>
     <p:extLst>
       <p:ext uri="{BB962C8B-B14F-4D97-AF65-F5344CB8AC3E}">
-        <p14:creationId xmlns="" xmlns:p14="http://schemas.microsoft.com/office/powerpoint/2010/main" val="138149862"/>
+        <p14:creationId xmlns:p14="http://schemas.microsoft.com/office/powerpoint/2010/main" val="138149862"/>
       </p:ext>
     </p:extLst>
   </p:cSld>
@@ -1190,7 +1872,7 @@
     </p:spTree>
     <p:extLst>
       <p:ext uri="{BB962C8B-B14F-4D97-AF65-F5344CB8AC3E}">
-        <p14:creationId xmlns="" xmlns:p14="http://schemas.microsoft.com/office/powerpoint/2010/main" val="670603413"/>
+        <p14:creationId xmlns:p14="http://schemas.microsoft.com/office/powerpoint/2010/main" val="670603413"/>
       </p:ext>
     </p:extLst>
   </p:cSld>
@@ -1220,7 +1902,7 @@
     </p:spTree>
     <p:extLst>
       <p:ext uri="{BB962C8B-B14F-4D97-AF65-F5344CB8AC3E}">
-        <p14:creationId xmlns="" xmlns:p14="http://schemas.microsoft.com/office/powerpoint/2010/main" val="3704000944"/>
+        <p14:creationId xmlns:p14="http://schemas.microsoft.com/office/powerpoint/2010/main" val="3704000944"/>
       </p:ext>
     </p:extLst>
   </p:cSld>
@@ -1250,7 +1932,7 @@
     </p:spTree>
     <p:extLst>
       <p:ext uri="{BB962C8B-B14F-4D97-AF65-F5344CB8AC3E}">
-        <p14:creationId xmlns="" xmlns:p14="http://schemas.microsoft.com/office/powerpoint/2010/main" val="1254645961"/>
+        <p14:creationId xmlns:p14="http://schemas.microsoft.com/office/powerpoint/2010/main" val="1254645961"/>
       </p:ext>
     </p:extLst>
   </p:cSld>
@@ -1287,7 +1969,7 @@
           <p:cNvPr id="2" name="Rectangle 1">
             <a:extLst>
               <a:ext uri="{FF2B5EF4-FFF2-40B4-BE49-F238E27FC236}">
-                <a16:creationId xmlns="" xmlns:a16="http://schemas.microsoft.com/office/drawing/2014/main" id="{64EB0046-E308-4E16-A675-E3D297191010}"/>
+                <a16:creationId xmlns:a16="http://schemas.microsoft.com/office/drawing/2014/main" id="{64EB0046-E308-4E16-A675-E3D297191010}"/>
               </a:ext>
             </a:extLst>
           </p:cNvPr>
@@ -1339,7 +2021,7 @@
           <p:cNvPr id="8" name="Retângulo 7">
             <a:extLst>
               <a:ext uri="{FF2B5EF4-FFF2-40B4-BE49-F238E27FC236}">
-                <a16:creationId xmlns="" xmlns:a16="http://schemas.microsoft.com/office/drawing/2014/main" id="{A828098A-D6AF-47D7-9E8B-AC289B93477A}"/>
+                <a16:creationId xmlns:a16="http://schemas.microsoft.com/office/drawing/2014/main" id="{A828098A-D6AF-47D7-9E8B-AC289B93477A}"/>
               </a:ext>
             </a:extLst>
           </p:cNvPr>
@@ -1411,7 +2093,7 @@
           <p:cNvPr id="9" name="Retângulo 8">
             <a:extLst>
               <a:ext uri="{FF2B5EF4-FFF2-40B4-BE49-F238E27FC236}">
-                <a16:creationId xmlns="" xmlns:a16="http://schemas.microsoft.com/office/drawing/2014/main" id="{86DC847E-2163-4663-8A43-44176F3FA653}"/>
+                <a16:creationId xmlns:a16="http://schemas.microsoft.com/office/drawing/2014/main" id="{86DC847E-2163-4663-8A43-44176F3FA653}"/>
               </a:ext>
             </a:extLst>
           </p:cNvPr>
@@ -1483,7 +2165,7 @@
           <p:cNvPr id="10" name="Retângulo 9">
             <a:extLst>
               <a:ext uri="{FF2B5EF4-FFF2-40B4-BE49-F238E27FC236}">
-                <a16:creationId xmlns="" xmlns:a16="http://schemas.microsoft.com/office/drawing/2014/main" id="{3DDD2990-640C-48C0-9A30-F34F09FDB932}"/>
+                <a16:creationId xmlns:a16="http://schemas.microsoft.com/office/drawing/2014/main" id="{3DDD2990-640C-48C0-9A30-F34F09FDB932}"/>
               </a:ext>
             </a:extLst>
           </p:cNvPr>
@@ -1555,7 +2237,7 @@
           <p:cNvPr id="11" name="Retângulo 10">
             <a:extLst>
               <a:ext uri="{FF2B5EF4-FFF2-40B4-BE49-F238E27FC236}">
-                <a16:creationId xmlns="" xmlns:a16="http://schemas.microsoft.com/office/drawing/2014/main" id="{7E10A596-828F-4E16-B1BA-A98D5F25D8A2}"/>
+                <a16:creationId xmlns:a16="http://schemas.microsoft.com/office/drawing/2014/main" id="{7E10A596-828F-4E16-B1BA-A98D5F25D8A2}"/>
               </a:ext>
             </a:extLst>
           </p:cNvPr>
@@ -1643,7 +2325,7 @@
           <p:cNvPr id="12" name="Retângulo 11">
             <a:extLst>
               <a:ext uri="{FF2B5EF4-FFF2-40B4-BE49-F238E27FC236}">
-                <a16:creationId xmlns="" xmlns:a16="http://schemas.microsoft.com/office/drawing/2014/main" id="{12B7208E-31A2-41A8-A5AB-47F269367C24}"/>
+                <a16:creationId xmlns:a16="http://schemas.microsoft.com/office/drawing/2014/main" id="{12B7208E-31A2-41A8-A5AB-47F269367C24}"/>
               </a:ext>
             </a:extLst>
           </p:cNvPr>
@@ -1715,7 +2397,7 @@
           <p:cNvPr id="13" name="Retângulo 12">
             <a:extLst>
               <a:ext uri="{FF2B5EF4-FFF2-40B4-BE49-F238E27FC236}">
-                <a16:creationId xmlns="" xmlns:a16="http://schemas.microsoft.com/office/drawing/2014/main" id="{6B0C24F7-7F69-4B70-9F40-4AEE70149CD1}"/>
+                <a16:creationId xmlns:a16="http://schemas.microsoft.com/office/drawing/2014/main" id="{6B0C24F7-7F69-4B70-9F40-4AEE70149CD1}"/>
               </a:ext>
             </a:extLst>
           </p:cNvPr>
@@ -1803,7 +2485,7 @@
           <p:cNvPr id="4" name="Picture 3" descr="A close up of a sign&#10;&#10;Description automatically generated">
             <a:extLst>
               <a:ext uri="{FF2B5EF4-FFF2-40B4-BE49-F238E27FC236}">
-                <a16:creationId xmlns="" xmlns:a16="http://schemas.microsoft.com/office/drawing/2014/main" id="{D73F671B-4A3D-42B4-9CAA-AB16E1C8C881}"/>
+                <a16:creationId xmlns:a16="http://schemas.microsoft.com/office/drawing/2014/main" id="{D73F671B-4A3D-42B4-9CAA-AB16E1C8C881}"/>
               </a:ext>
             </a:extLst>
           </p:cNvPr>
@@ -1816,7 +2498,7 @@
           <a:blip r:embed="rId3" cstate="print">
             <a:extLst>
               <a:ext uri="{28A0092B-C50C-407E-A947-70E740481C1C}">
-                <a14:useLocalDpi xmlns="" xmlns:a14="http://schemas.microsoft.com/office/drawing/2010/main" val="0"/>
+                <a14:useLocalDpi xmlns:a14="http://schemas.microsoft.com/office/drawing/2010/main" val="0"/>
               </a:ext>
             </a:extLst>
           </a:blip>
@@ -1837,7 +2519,7 @@
     </p:spTree>
     <p:extLst>
       <p:ext uri="{BB962C8B-B14F-4D97-AF65-F5344CB8AC3E}">
-        <p14:creationId xmlns="" xmlns:p14="http://schemas.microsoft.com/office/powerpoint/2010/main" val="2748047865"/>
+        <p14:creationId xmlns:p14="http://schemas.microsoft.com/office/powerpoint/2010/main" val="2748047865"/>
       </p:ext>
     </p:extLst>
   </p:cSld>
@@ -2155,7 +2837,7 @@
           <p:cNvPr id="8" name="Retângulo 7">
             <a:extLst>
               <a:ext uri="{FF2B5EF4-FFF2-40B4-BE49-F238E27FC236}">
-                <a16:creationId xmlns="" xmlns:a16="http://schemas.microsoft.com/office/drawing/2014/main" id="{A828098A-D6AF-47D7-9E8B-AC289B93477A}"/>
+                <a16:creationId xmlns:a16="http://schemas.microsoft.com/office/drawing/2014/main" id="{A828098A-D6AF-47D7-9E8B-AC289B93477A}"/>
               </a:ext>
             </a:extLst>
           </p:cNvPr>
@@ -2227,7 +2909,7 @@
           <p:cNvPr id="9" name="Retângulo 8">
             <a:extLst>
               <a:ext uri="{FF2B5EF4-FFF2-40B4-BE49-F238E27FC236}">
-                <a16:creationId xmlns="" xmlns:a16="http://schemas.microsoft.com/office/drawing/2014/main" id="{86DC847E-2163-4663-8A43-44176F3FA653}"/>
+                <a16:creationId xmlns:a16="http://schemas.microsoft.com/office/drawing/2014/main" id="{86DC847E-2163-4663-8A43-44176F3FA653}"/>
               </a:ext>
             </a:extLst>
           </p:cNvPr>
@@ -2299,7 +2981,7 @@
           <p:cNvPr id="10" name="Retângulo 9">
             <a:extLst>
               <a:ext uri="{FF2B5EF4-FFF2-40B4-BE49-F238E27FC236}">
-                <a16:creationId xmlns="" xmlns:a16="http://schemas.microsoft.com/office/drawing/2014/main" id="{3DDD2990-640C-48C0-9A30-F34F09FDB932}"/>
+                <a16:creationId xmlns:a16="http://schemas.microsoft.com/office/drawing/2014/main" id="{3DDD2990-640C-48C0-9A30-F34F09FDB932}"/>
               </a:ext>
             </a:extLst>
           </p:cNvPr>
@@ -2371,7 +3053,7 @@
           <p:cNvPr id="11" name="Retângulo 10">
             <a:extLst>
               <a:ext uri="{FF2B5EF4-FFF2-40B4-BE49-F238E27FC236}">
-                <a16:creationId xmlns="" xmlns:a16="http://schemas.microsoft.com/office/drawing/2014/main" id="{7E10A596-828F-4E16-B1BA-A98D5F25D8A2}"/>
+                <a16:creationId xmlns:a16="http://schemas.microsoft.com/office/drawing/2014/main" id="{7E10A596-828F-4E16-B1BA-A98D5F25D8A2}"/>
               </a:ext>
             </a:extLst>
           </p:cNvPr>
@@ -2459,7 +3141,7 @@
           <p:cNvPr id="12" name="Retângulo 11">
             <a:extLst>
               <a:ext uri="{FF2B5EF4-FFF2-40B4-BE49-F238E27FC236}">
-                <a16:creationId xmlns="" xmlns:a16="http://schemas.microsoft.com/office/drawing/2014/main" id="{12B7208E-31A2-41A8-A5AB-47F269367C24}"/>
+                <a16:creationId xmlns:a16="http://schemas.microsoft.com/office/drawing/2014/main" id="{12B7208E-31A2-41A8-A5AB-47F269367C24}"/>
               </a:ext>
             </a:extLst>
           </p:cNvPr>
@@ -2531,7 +3213,7 @@
           <p:cNvPr id="13" name="Retângulo 12">
             <a:extLst>
               <a:ext uri="{FF2B5EF4-FFF2-40B4-BE49-F238E27FC236}">
-                <a16:creationId xmlns="" xmlns:a16="http://schemas.microsoft.com/office/drawing/2014/main" id="{6B0C24F7-7F69-4B70-9F40-4AEE70149CD1}"/>
+                <a16:creationId xmlns:a16="http://schemas.microsoft.com/office/drawing/2014/main" id="{6B0C24F7-7F69-4B70-9F40-4AEE70149CD1}"/>
               </a:ext>
             </a:extLst>
           </p:cNvPr>
@@ -2619,7 +3301,7 @@
           <p:cNvPr id="2" name="Retângulo 1">
             <a:extLst>
               <a:ext uri="{FF2B5EF4-FFF2-40B4-BE49-F238E27FC236}">
-                <a16:creationId xmlns="" xmlns:a16="http://schemas.microsoft.com/office/drawing/2014/main" id="{5334EC60-A39B-4E05-8C93-2BCD38586D66}"/>
+                <a16:creationId xmlns:a16="http://schemas.microsoft.com/office/drawing/2014/main" id="{5334EC60-A39B-4E05-8C93-2BCD38586D66}"/>
               </a:ext>
             </a:extLst>
           </p:cNvPr>
@@ -2671,7 +3353,7 @@
           <p:cNvPr id="17" name="Picture 16" descr="A close up of a sign&#10;&#10;Description automatically generated">
             <a:extLst>
               <a:ext uri="{FF2B5EF4-FFF2-40B4-BE49-F238E27FC236}">
-                <a16:creationId xmlns="" xmlns:a16="http://schemas.microsoft.com/office/drawing/2014/main" id="{26D5B9F7-D9B8-4552-A8E2-279C065ACFE9}"/>
+                <a16:creationId xmlns:a16="http://schemas.microsoft.com/office/drawing/2014/main" id="{26D5B9F7-D9B8-4552-A8E2-279C065ACFE9}"/>
               </a:ext>
             </a:extLst>
           </p:cNvPr>
@@ -2684,7 +3366,7 @@
           <a:blip r:embed="rId3" cstate="print">
             <a:extLst>
               <a:ext uri="{28A0092B-C50C-407E-A947-70E740481C1C}">
-                <a14:useLocalDpi xmlns="" xmlns:a14="http://schemas.microsoft.com/office/drawing/2010/main" val="0"/>
+                <a14:useLocalDpi xmlns:a14="http://schemas.microsoft.com/office/drawing/2010/main" val="0"/>
               </a:ext>
             </a:extLst>
           </a:blip>
@@ -2705,7 +3387,7 @@
     </p:spTree>
     <p:extLst>
       <p:ext uri="{BB962C8B-B14F-4D97-AF65-F5344CB8AC3E}">
-        <p14:creationId xmlns="" xmlns:p14="http://schemas.microsoft.com/office/powerpoint/2010/main" val="1038931235"/>
+        <p14:creationId xmlns:p14="http://schemas.microsoft.com/office/powerpoint/2010/main" val="1038931235"/>
       </p:ext>
     </p:extLst>
   </p:cSld>
@@ -3023,7 +3705,7 @@
           <p:cNvPr id="8" name="Retângulo 7">
             <a:extLst>
               <a:ext uri="{FF2B5EF4-FFF2-40B4-BE49-F238E27FC236}">
-                <a16:creationId xmlns="" xmlns:a16="http://schemas.microsoft.com/office/drawing/2014/main" id="{A828098A-D6AF-47D7-9E8B-AC289B93477A}"/>
+                <a16:creationId xmlns:a16="http://schemas.microsoft.com/office/drawing/2014/main" id="{A828098A-D6AF-47D7-9E8B-AC289B93477A}"/>
               </a:ext>
             </a:extLst>
           </p:cNvPr>
@@ -3095,7 +3777,7 @@
           <p:cNvPr id="9" name="Retângulo 8">
             <a:extLst>
               <a:ext uri="{FF2B5EF4-FFF2-40B4-BE49-F238E27FC236}">
-                <a16:creationId xmlns="" xmlns:a16="http://schemas.microsoft.com/office/drawing/2014/main" id="{86DC847E-2163-4663-8A43-44176F3FA653}"/>
+                <a16:creationId xmlns:a16="http://schemas.microsoft.com/office/drawing/2014/main" id="{86DC847E-2163-4663-8A43-44176F3FA653}"/>
               </a:ext>
             </a:extLst>
           </p:cNvPr>
@@ -3167,7 +3849,7 @@
           <p:cNvPr id="10" name="Retângulo 9">
             <a:extLst>
               <a:ext uri="{FF2B5EF4-FFF2-40B4-BE49-F238E27FC236}">
-                <a16:creationId xmlns="" xmlns:a16="http://schemas.microsoft.com/office/drawing/2014/main" id="{3DDD2990-640C-48C0-9A30-F34F09FDB932}"/>
+                <a16:creationId xmlns:a16="http://schemas.microsoft.com/office/drawing/2014/main" id="{3DDD2990-640C-48C0-9A30-F34F09FDB932}"/>
               </a:ext>
             </a:extLst>
           </p:cNvPr>
@@ -3239,7 +3921,7 @@
           <p:cNvPr id="11" name="Retângulo 10">
             <a:extLst>
               <a:ext uri="{FF2B5EF4-FFF2-40B4-BE49-F238E27FC236}">
-                <a16:creationId xmlns="" xmlns:a16="http://schemas.microsoft.com/office/drawing/2014/main" id="{7E10A596-828F-4E16-B1BA-A98D5F25D8A2}"/>
+                <a16:creationId xmlns:a16="http://schemas.microsoft.com/office/drawing/2014/main" id="{7E10A596-828F-4E16-B1BA-A98D5F25D8A2}"/>
               </a:ext>
             </a:extLst>
           </p:cNvPr>
@@ -3327,7 +4009,7 @@
           <p:cNvPr id="12" name="Retângulo 11">
             <a:extLst>
               <a:ext uri="{FF2B5EF4-FFF2-40B4-BE49-F238E27FC236}">
-                <a16:creationId xmlns="" xmlns:a16="http://schemas.microsoft.com/office/drawing/2014/main" id="{12B7208E-31A2-41A8-A5AB-47F269367C24}"/>
+                <a16:creationId xmlns:a16="http://schemas.microsoft.com/office/drawing/2014/main" id="{12B7208E-31A2-41A8-A5AB-47F269367C24}"/>
               </a:ext>
             </a:extLst>
           </p:cNvPr>
@@ -3399,7 +4081,7 @@
           <p:cNvPr id="13" name="Retângulo 12">
             <a:extLst>
               <a:ext uri="{FF2B5EF4-FFF2-40B4-BE49-F238E27FC236}">
-                <a16:creationId xmlns="" xmlns:a16="http://schemas.microsoft.com/office/drawing/2014/main" id="{6B0C24F7-7F69-4B70-9F40-4AEE70149CD1}"/>
+                <a16:creationId xmlns:a16="http://schemas.microsoft.com/office/drawing/2014/main" id="{6B0C24F7-7F69-4B70-9F40-4AEE70149CD1}"/>
               </a:ext>
             </a:extLst>
           </p:cNvPr>
@@ -3487,7 +4169,7 @@
           <p:cNvPr id="14" name="Retângulo 1">
             <a:extLst>
               <a:ext uri="{FF2B5EF4-FFF2-40B4-BE49-F238E27FC236}">
-                <a16:creationId xmlns="" xmlns:a16="http://schemas.microsoft.com/office/drawing/2014/main" id="{57F11C7B-FB85-4F49-A153-80D627D395DD}"/>
+                <a16:creationId xmlns:a16="http://schemas.microsoft.com/office/drawing/2014/main" id="{57F11C7B-FB85-4F49-A153-80D627D395DD}"/>
               </a:ext>
             </a:extLst>
           </p:cNvPr>
@@ -3537,7 +4219,7 @@
     </p:spTree>
     <p:extLst>
       <p:ext uri="{BB962C8B-B14F-4D97-AF65-F5344CB8AC3E}">
-        <p14:creationId xmlns="" xmlns:p14="http://schemas.microsoft.com/office/powerpoint/2010/main" val="1143214059"/>
+        <p14:creationId xmlns:p14="http://schemas.microsoft.com/office/powerpoint/2010/main" val="1143214059"/>
       </p:ext>
     </p:extLst>
   </p:cSld>
@@ -3850,7 +4532,7 @@
           <p:cNvPr id="2" name="Retângulo 1">
             <a:extLst>
               <a:ext uri="{FF2B5EF4-FFF2-40B4-BE49-F238E27FC236}">
-                <a16:creationId xmlns="" xmlns:a16="http://schemas.microsoft.com/office/drawing/2014/main" id="{70F687BA-32A2-41BC-B72A-F28209A7F473}"/>
+                <a16:creationId xmlns:a16="http://schemas.microsoft.com/office/drawing/2014/main" id="{70F687BA-32A2-41BC-B72A-F28209A7F473}"/>
               </a:ext>
             </a:extLst>
           </p:cNvPr>
@@ -3859,8 +4541,8 @@
         </p:nvSpPr>
         <p:spPr>
           <a:xfrm>
-            <a:off x="0" y="1107035"/>
-            <a:ext cx="12192000" cy="2492990"/>
+            <a:off x="0" y="892289"/>
+            <a:ext cx="12192000" cy="3046988"/>
           </a:xfrm>
           <a:prstGeom prst="rect">
             <a:avLst/>
@@ -3899,13 +4581,27 @@
               </a:rPr>
               <a:t>Título da Monografia: </a:t>
             </a:r>
+          </a:p>
+          <a:p>
+            <a:pPr algn="ctr"/>
             <a:r>
               <a:rPr lang="pt-BR" sz="3600" dirty="0">
                 <a:solidFill>
                   <a:schemeClr val="bg1"/>
                 </a:solidFill>
               </a:rPr>
-              <a:t>Técnicas de Deep Learning na detecção de uso de máscaras faciais em sistemas de monitoramento.</a:t>
+              <a:t>Detecção de uso de máscaras faciais em </a:t>
+            </a:r>
+          </a:p>
+          <a:p>
+            <a:pPr algn="ctr"/>
+            <a:r>
+              <a:rPr lang="pt-BR" sz="3600" dirty="0">
+                <a:solidFill>
+                  <a:schemeClr val="bg1"/>
+                </a:solidFill>
+              </a:rPr>
+              <a:t>sistemas de monitoramento.</a:t>
             </a:r>
           </a:p>
         </p:txBody>
@@ -3915,7 +4611,7 @@
           <p:cNvPr id="3" name="Retângulo 2">
             <a:extLst>
               <a:ext uri="{FF2B5EF4-FFF2-40B4-BE49-F238E27FC236}">
-                <a16:creationId xmlns="" xmlns:a16="http://schemas.microsoft.com/office/drawing/2014/main" id="{94B768D7-96B0-41DF-9630-0D308384D261}"/>
+                <a16:creationId xmlns:a16="http://schemas.microsoft.com/office/drawing/2014/main" id="{94B768D7-96B0-41DF-9630-0D308384D261}"/>
               </a:ext>
             </a:extLst>
           </p:cNvPr>
@@ -3924,7 +4620,7 @@
         </p:nvSpPr>
         <p:spPr>
           <a:xfrm>
-            <a:off x="296005" y="3919128"/>
+            <a:off x="296005" y="4251638"/>
             <a:ext cx="11597457" cy="2281256"/>
           </a:xfrm>
           <a:prstGeom prst="rect">
@@ -4004,7 +4700,7 @@
                 <a:hlinkClick r:id="rId2">
                   <a:extLst>
                     <a:ext uri="{A12FA001-AC4F-418D-AE19-62706E023703}">
-                      <ahyp:hlinkClr xmlns="" xmlns:ahyp="http://schemas.microsoft.com/office/drawing/2018/hyperlinkcolor" val="tx"/>
+                      <ahyp:hlinkClr xmlns:ahyp="http://schemas.microsoft.com/office/drawing/2018/hyperlinkcolor" val="tx"/>
                     </a:ext>
                   </a:extLst>
                 </a:hlinkClick>
@@ -4074,7 +4770,7 @@
                 <a:hlinkClick r:id="rId3">
                   <a:extLst>
                     <a:ext uri="{A12FA001-AC4F-418D-AE19-62706E023703}">
-                      <ahyp:hlinkClr xmlns="" xmlns:ahyp="http://schemas.microsoft.com/office/drawing/2018/hyperlinkcolor" val="tx"/>
+                      <ahyp:hlinkClr xmlns:ahyp="http://schemas.microsoft.com/office/drawing/2018/hyperlinkcolor" val="tx"/>
                     </a:ext>
                   </a:extLst>
                 </a:hlinkClick>
@@ -4126,7 +4822,7 @@
                 <a:hlinkClick r:id="rId4">
                   <a:extLst>
                     <a:ext uri="{A12FA001-AC4F-418D-AE19-62706E023703}">
-                      <ahyp:hlinkClr xmlns="" xmlns:ahyp="http://schemas.microsoft.com/office/drawing/2018/hyperlinkcolor" val="tx"/>
+                      <ahyp:hlinkClr xmlns:ahyp="http://schemas.microsoft.com/office/drawing/2018/hyperlinkcolor" val="tx"/>
                     </a:ext>
                   </a:extLst>
                 </a:hlinkClick>
@@ -4187,7 +4883,7 @@
                 <a:hlinkClick r:id="rId5">
                   <a:extLst>
                     <a:ext uri="{A12FA001-AC4F-418D-AE19-62706E023703}">
-                      <ahyp:hlinkClr xmlns="" xmlns:ahyp="http://schemas.microsoft.com/office/drawing/2018/hyperlinkcolor" val="tx"/>
+                      <ahyp:hlinkClr xmlns:ahyp="http://schemas.microsoft.com/office/drawing/2018/hyperlinkcolor" val="tx"/>
                     </a:ext>
                   </a:extLst>
                 </a:hlinkClick>
@@ -4258,7 +4954,7 @@
                 <a:hlinkClick r:id="rId6">
                   <a:extLst>
                     <a:ext uri="{A12FA001-AC4F-418D-AE19-62706E023703}">
-                      <ahyp:hlinkClr xmlns="" xmlns:ahyp="http://schemas.microsoft.com/office/drawing/2018/hyperlinkcolor" val="tx"/>
+                      <ahyp:hlinkClr xmlns:ahyp="http://schemas.microsoft.com/office/drawing/2018/hyperlinkcolor" val="tx"/>
                     </a:ext>
                   </a:extLst>
                 </a:hlinkClick>
@@ -4273,19 +4969,6 @@
                 <a:latin typeface="Calibri (Body)"/>
               </a:rPr>
               <a:t>)</a:t>
-            </a:r>
-            <a:r>
-              <a:rPr lang="pt-BR" sz="2200" dirty="0">
-                <a:solidFill>
-                  <a:schemeClr val="bg1"/>
-                </a:solidFill>
-                <a:highlight>
-                  <a:srgbClr val="FFFF00"/>
-                </a:highlight>
-                <a:latin typeface="Calibri (Body)"/>
-                <a:ea typeface="Times New Roman" panose="02020603050405020304" pitchFamily="18" charset="0"/>
-              </a:rPr>
-              <a:t/>
             </a:r>
             <a:br>
               <a:rPr lang="pt-BR" sz="2200" dirty="0">
@@ -4320,7 +5003,7 @@
     </p:spTree>
     <p:extLst>
       <p:ext uri="{BB962C8B-B14F-4D97-AF65-F5344CB8AC3E}">
-        <p14:creationId xmlns="" xmlns:p14="http://schemas.microsoft.com/office/powerpoint/2010/main" val="679871842"/>
+        <p14:creationId xmlns:p14="http://schemas.microsoft.com/office/powerpoint/2010/main" val="679871842"/>
       </p:ext>
     </p:extLst>
   </p:cSld>
@@ -4352,7 +5035,7 @@
           <p:cNvPr id="2" name="CaixaDeTexto 1">
             <a:extLst>
               <a:ext uri="{FF2B5EF4-FFF2-40B4-BE49-F238E27FC236}">
-                <a16:creationId xmlns="" xmlns:a16="http://schemas.microsoft.com/office/drawing/2014/main" id="{E2289C40-6B36-4906-BF6F-3D1B594D6D57}"/>
+                <a16:creationId xmlns:a16="http://schemas.microsoft.com/office/drawing/2014/main" id="{E2289C40-6B36-4906-BF6F-3D1B594D6D57}"/>
               </a:ext>
             </a:extLst>
           </p:cNvPr>
@@ -4362,7 +5045,7 @@
         <p:spPr>
           <a:xfrm>
             <a:off x="176644" y="207818"/>
-            <a:ext cx="10058026" cy="954107"/>
+            <a:ext cx="10619886" cy="954107"/>
           </a:xfrm>
           <a:prstGeom prst="rect">
             <a:avLst/>
@@ -4381,41 +5064,17 @@
                   <a:schemeClr val="bg1"/>
                 </a:solidFill>
               </a:rPr>
-              <a:t>2) Base de Dados e Técnicas Estatísticas e/ou de </a:t>
-            </a:r>
-            <a:r>
-              <a:rPr lang="pt-BR" sz="2800" b="1" i="1" dirty="0" err="1">
-                <a:solidFill>
-                  <a:schemeClr val="bg1"/>
-                </a:solidFill>
-              </a:rPr>
-              <a:t>Machine</a:t>
-            </a:r>
-            <a:r>
-              <a:rPr lang="pt-BR" sz="2800" b="1" i="1" dirty="0">
-                <a:solidFill>
-                  <a:schemeClr val="bg1"/>
-                </a:solidFill>
-              </a:rPr>
-              <a:t> Learning</a:t>
-            </a:r>
-            <a:r>
-              <a:rPr lang="pt-BR" sz="2800" b="1" dirty="0">
-                <a:solidFill>
-                  <a:schemeClr val="bg1"/>
-                </a:solidFill>
-              </a:rPr>
-              <a:t> do Projeto Analítico</a:t>
+              <a:t>1) Contexto da Pesquisa, Busca de Artigos Científicos, Problema, Hipóteses e Objetivos do Projeto Analítico</a:t>
             </a:r>
           </a:p>
         </p:txBody>
       </p:sp>
       <p:sp>
         <p:nvSpPr>
-          <p:cNvPr id="3" name="Retângulo 2">
+          <p:cNvPr id="5" name="Retângulo 4">
             <a:extLst>
               <a:ext uri="{FF2B5EF4-FFF2-40B4-BE49-F238E27FC236}">
-                <a16:creationId xmlns="" xmlns:a16="http://schemas.microsoft.com/office/drawing/2014/main" id="{174208DE-0C00-40F4-A31A-3BC0AEE1B5CE}"/>
+                <a16:creationId xmlns:a16="http://schemas.microsoft.com/office/drawing/2014/main" id="{C4351BF4-6949-465B-A55A-C8561462CF2E}"/>
               </a:ext>
             </a:extLst>
           </p:cNvPr>
@@ -4425,7 +5084,7 @@
         <p:spPr>
           <a:xfrm>
             <a:off x="176644" y="1355075"/>
-            <a:ext cx="11919876" cy="462114"/>
+            <a:ext cx="11919876" cy="1231556"/>
           </a:xfrm>
           <a:prstGeom prst="rect">
             <a:avLst/>
@@ -4447,11 +5106,11 @@
             </a:pPr>
             <a:r>
               <a:rPr lang="pt-BR" sz="2400" dirty="0"/>
-              <a:t>- Quais variáveis foram concebidas após aplicação de </a:t>
+              <a:t>- Quais artigos científicos já trataram do mesmo contexto e/ou utilizaram as mesmas técnicas estatísticas e/ou de </a:t>
             </a:r>
             <a:r>
               <a:rPr lang="pt-BR" sz="2400" i="1" dirty="0" err="1"/>
-              <a:t>feature</a:t>
+              <a:t>machine</a:t>
             </a:r>
             <a:r>
               <a:rPr lang="pt-BR" sz="2400" i="1" dirty="0"/>
@@ -4459,11 +5118,19 @@
             </a:r>
             <a:r>
               <a:rPr lang="pt-BR" sz="2400" i="1" dirty="0" err="1"/>
-              <a:t>engineering</a:t>
+              <a:t>learning</a:t>
             </a:r>
             <a:r>
               <a:rPr lang="pt-BR" sz="2400" dirty="0"/>
-              <a:t>?</a:t>
+              <a:t> que serão utilizadas (</a:t>
+            </a:r>
+            <a:r>
+              <a:rPr lang="pt-BR" sz="2400" b="1" dirty="0"/>
+              <a:t>apresentar resumidamente 20 artigos no mínimo</a:t>
+            </a:r>
+            <a:r>
+              <a:rPr lang="pt-BR" sz="2400" dirty="0"/>
+              <a:t>)?</a:t>
             </a:r>
           </a:p>
         </p:txBody>
@@ -4473,7 +5140,7 @@
           <p:cNvPr id="4" name="CaixaDeTexto 3">
             <a:extLst>
               <a:ext uri="{FF2B5EF4-FFF2-40B4-BE49-F238E27FC236}">
-                <a16:creationId xmlns="" xmlns:a16="http://schemas.microsoft.com/office/drawing/2014/main" id="{C7463C38-0C64-417D-97DB-85F9C1B86AF4}"/>
+                <a16:creationId xmlns:a16="http://schemas.microsoft.com/office/drawing/2014/main" id="{E4CC8CAB-3F4C-409C-8745-BB5BD7AF0FCB}"/>
               </a:ext>
             </a:extLst>
           </p:cNvPr>
@@ -4482,8 +5149,8 @@
         </p:nvSpPr>
         <p:spPr>
           <a:xfrm>
-            <a:off x="176644" y="2016087"/>
-            <a:ext cx="11919876" cy="430887"/>
+            <a:off x="176644" y="2699134"/>
+            <a:ext cx="11919876" cy="4154984"/>
           </a:xfrm>
           <a:prstGeom prst="rect">
             <a:avLst/>
@@ -4494,14 +5161,812 @@
           </a:ln>
         </p:spPr>
         <p:txBody>
-          <a:bodyPr wrap="square" rtlCol="0">
+          <a:bodyPr wrap="square" rtlCol="0" anchor="t">
             <a:spAutoFit/>
           </a:bodyPr>
           <a:lstStyle/>
           <a:p>
-            <a:r>
-              <a:rPr lang="pt-BR" sz="2200" i="1" dirty="0"/>
-              <a:t>Escrever aqui</a:t>
+            <a:pPr marL="457200" indent="-457200">
+              <a:buAutoNum type="arabicPeriod"/>
+            </a:pPr>
+            <a:r>
+              <a:rPr lang="pt-BR" sz="2200" dirty="0">
+                <a:ea typeface="+mn-lt"/>
+                <a:cs typeface="+mn-lt"/>
+              </a:rPr>
+              <a:t>Li, H.; Lin, Z.; </a:t>
+            </a:r>
+            <a:r>
+              <a:rPr lang="pt-BR" sz="2200" dirty="0" err="1">
+                <a:ea typeface="+mn-lt"/>
+                <a:cs typeface="+mn-lt"/>
+              </a:rPr>
+              <a:t>Shen</a:t>
+            </a:r>
+            <a:r>
+              <a:rPr lang="pt-BR" sz="2200" dirty="0">
+                <a:ea typeface="+mn-lt"/>
+                <a:cs typeface="+mn-lt"/>
+              </a:rPr>
+              <a:t>, X.; Brandt, J.; </a:t>
+            </a:r>
+            <a:r>
+              <a:rPr lang="pt-BR" sz="2200" dirty="0" err="1">
+                <a:ea typeface="+mn-lt"/>
+                <a:cs typeface="+mn-lt"/>
+              </a:rPr>
+              <a:t>Hua</a:t>
+            </a:r>
+            <a:r>
+              <a:rPr lang="pt-BR" sz="2200" dirty="0">
+                <a:ea typeface="+mn-lt"/>
+                <a:cs typeface="+mn-lt"/>
+              </a:rPr>
+              <a:t>, G. </a:t>
+            </a:r>
+            <a:r>
+              <a:rPr lang="pt-BR" sz="2200" b="1" dirty="0">
+                <a:ea typeface="+mn-lt"/>
+                <a:cs typeface="+mn-lt"/>
+              </a:rPr>
+              <a:t>A </a:t>
+            </a:r>
+            <a:r>
+              <a:rPr lang="pt-BR" sz="2200" b="1" dirty="0" err="1">
+                <a:ea typeface="+mn-lt"/>
+                <a:cs typeface="+mn-lt"/>
+              </a:rPr>
+              <a:t>Convolutional</a:t>
+            </a:r>
+            <a:r>
+              <a:rPr lang="pt-BR" sz="2200" b="1" dirty="0">
+                <a:ea typeface="+mn-lt"/>
+                <a:cs typeface="+mn-lt"/>
+              </a:rPr>
+              <a:t> Neural Network </a:t>
+            </a:r>
+            <a:r>
+              <a:rPr lang="pt-BR" sz="2200" b="1" dirty="0" err="1">
+                <a:ea typeface="+mn-lt"/>
+                <a:cs typeface="+mn-lt"/>
+              </a:rPr>
+              <a:t>Cascade</a:t>
+            </a:r>
+            <a:r>
+              <a:rPr lang="pt-BR" sz="2200" b="1" dirty="0">
+                <a:ea typeface="+mn-lt"/>
+                <a:cs typeface="+mn-lt"/>
+              </a:rPr>
+              <a:t> for Face </a:t>
+            </a:r>
+            <a:r>
+              <a:rPr lang="pt-BR" sz="2200" b="1" dirty="0" err="1">
+                <a:ea typeface="+mn-lt"/>
+                <a:cs typeface="+mn-lt"/>
+              </a:rPr>
+              <a:t>Detection</a:t>
+            </a:r>
+            <a:r>
+              <a:rPr lang="pt-BR" sz="2200" dirty="0">
+                <a:ea typeface="+mn-lt"/>
+                <a:cs typeface="+mn-lt"/>
+              </a:rPr>
+              <a:t>. </a:t>
+            </a:r>
+            <a:r>
+              <a:rPr lang="pt-BR" sz="2200" dirty="0"/>
+              <a:t>28th IEEE </a:t>
+            </a:r>
+            <a:r>
+              <a:rPr lang="pt-BR" sz="2200" dirty="0" err="1"/>
+              <a:t>Conference</a:t>
+            </a:r>
+            <a:r>
+              <a:rPr lang="pt-BR" sz="2200" dirty="0"/>
+              <a:t> </a:t>
+            </a:r>
+            <a:r>
+              <a:rPr lang="pt-BR" sz="2200" dirty="0" err="1"/>
+              <a:t>on</a:t>
+            </a:r>
+            <a:r>
+              <a:rPr lang="pt-BR" sz="2200" dirty="0"/>
+              <a:t> Computer Vision </a:t>
+            </a:r>
+            <a:r>
+              <a:rPr lang="pt-BR" sz="2200" dirty="0" err="1"/>
+              <a:t>and</a:t>
+            </a:r>
+            <a:r>
+              <a:rPr lang="pt-BR" sz="2200" dirty="0"/>
+              <a:t> </a:t>
+            </a:r>
+            <a:r>
+              <a:rPr lang="pt-BR" sz="2200" dirty="0" err="1"/>
+              <a:t>Pattern</a:t>
+            </a:r>
+            <a:r>
+              <a:rPr lang="pt-BR" sz="2200" dirty="0"/>
+              <a:t> </a:t>
+            </a:r>
+            <a:r>
+              <a:rPr lang="pt-BR" sz="2200" dirty="0" err="1"/>
+              <a:t>Recognition</a:t>
+            </a:r>
+            <a:r>
+              <a:rPr lang="pt-BR" sz="2200" dirty="0"/>
+              <a:t>. Boston, MA. 2015.</a:t>
+            </a:r>
+          </a:p>
+          <a:p>
+            <a:pPr marL="457200" indent="-457200">
+              <a:buAutoNum type="arabicPeriod"/>
+            </a:pPr>
+            <a:r>
+              <a:rPr lang="pt-BR" sz="2200" dirty="0" err="1">
+                <a:ea typeface="+mn-lt"/>
+                <a:cs typeface="+mn-lt"/>
+              </a:rPr>
+              <a:t>Ranjan</a:t>
+            </a:r>
+            <a:r>
+              <a:rPr lang="pt-BR" sz="2200" dirty="0">
+                <a:ea typeface="+mn-lt"/>
+                <a:cs typeface="+mn-lt"/>
+              </a:rPr>
+              <a:t>, R.; </a:t>
+            </a:r>
+            <a:r>
+              <a:rPr lang="pt-BR" sz="2200" dirty="0" err="1">
+                <a:ea typeface="+mn-lt"/>
+                <a:cs typeface="+mn-lt"/>
+              </a:rPr>
+              <a:t>Sankaranarayanan</a:t>
+            </a:r>
+            <a:r>
+              <a:rPr lang="pt-BR" sz="2200" dirty="0">
+                <a:ea typeface="+mn-lt"/>
+                <a:cs typeface="+mn-lt"/>
+              </a:rPr>
+              <a:t>, S.; </a:t>
+            </a:r>
+            <a:r>
+              <a:rPr lang="pt-BR" sz="2200" dirty="0" err="1">
+                <a:ea typeface="+mn-lt"/>
+                <a:cs typeface="+mn-lt"/>
+              </a:rPr>
+              <a:t>Castillo</a:t>
+            </a:r>
+            <a:r>
+              <a:rPr lang="pt-BR" sz="2200" dirty="0">
+                <a:ea typeface="+mn-lt"/>
+                <a:cs typeface="+mn-lt"/>
+              </a:rPr>
+              <a:t>, C. D.; </a:t>
+            </a:r>
+            <a:r>
+              <a:rPr lang="pt-BR" sz="2200" dirty="0" err="1">
+                <a:ea typeface="+mn-lt"/>
+                <a:cs typeface="+mn-lt"/>
+              </a:rPr>
+              <a:t>Chellappa</a:t>
+            </a:r>
+            <a:r>
+              <a:rPr lang="pt-BR" sz="2200" dirty="0">
+                <a:ea typeface="+mn-lt"/>
+                <a:cs typeface="+mn-lt"/>
+              </a:rPr>
+              <a:t>, R. </a:t>
+            </a:r>
+            <a:r>
+              <a:rPr lang="pt-BR" sz="2200" b="1" dirty="0" err="1">
+                <a:ea typeface="+mn-lt"/>
+                <a:cs typeface="+mn-lt"/>
+              </a:rPr>
+              <a:t>An</a:t>
+            </a:r>
+            <a:r>
+              <a:rPr lang="pt-BR" sz="2200" b="1" dirty="0">
+                <a:ea typeface="+mn-lt"/>
+                <a:cs typeface="+mn-lt"/>
+              </a:rPr>
+              <a:t> </a:t>
+            </a:r>
+            <a:r>
+              <a:rPr lang="pt-BR" sz="2200" b="1" dirty="0" err="1">
+                <a:ea typeface="+mn-lt"/>
+                <a:cs typeface="+mn-lt"/>
+              </a:rPr>
+              <a:t>All</a:t>
+            </a:r>
+            <a:r>
+              <a:rPr lang="pt-BR" sz="2200" b="1" dirty="0">
+                <a:ea typeface="+mn-lt"/>
+                <a:cs typeface="+mn-lt"/>
+              </a:rPr>
+              <a:t>-</a:t>
+            </a:r>
+            <a:r>
+              <a:rPr lang="pt-BR" sz="2200" b="1" dirty="0" err="1">
+                <a:ea typeface="+mn-lt"/>
+                <a:cs typeface="+mn-lt"/>
+              </a:rPr>
+              <a:t>In-One</a:t>
+            </a:r>
+            <a:r>
+              <a:rPr lang="pt-BR" sz="2200" b="1" dirty="0">
+                <a:ea typeface="+mn-lt"/>
+                <a:cs typeface="+mn-lt"/>
+              </a:rPr>
+              <a:t> </a:t>
+            </a:r>
+            <a:r>
+              <a:rPr lang="pt-BR" sz="2200" b="1" dirty="0" err="1">
+                <a:ea typeface="+mn-lt"/>
+                <a:cs typeface="+mn-lt"/>
+              </a:rPr>
+              <a:t>Convolutional</a:t>
+            </a:r>
+            <a:r>
+              <a:rPr lang="pt-BR" sz="2200" b="1" dirty="0">
+                <a:ea typeface="+mn-lt"/>
+                <a:cs typeface="+mn-lt"/>
+              </a:rPr>
+              <a:t> Neural Network for Face </a:t>
+            </a:r>
+            <a:r>
+              <a:rPr lang="pt-BR" sz="2200" b="1" dirty="0" err="1">
+                <a:ea typeface="+mn-lt"/>
+                <a:cs typeface="+mn-lt"/>
+              </a:rPr>
+              <a:t>Analysis</a:t>
+            </a:r>
+            <a:r>
+              <a:rPr lang="pt-BR" sz="2200" dirty="0">
+                <a:ea typeface="+mn-lt"/>
+                <a:cs typeface="+mn-lt"/>
+              </a:rPr>
+              <a:t>. IEEE 12th </a:t>
+            </a:r>
+            <a:r>
+              <a:rPr lang="pt-BR" sz="2200" dirty="0" err="1">
+                <a:ea typeface="+mn-lt"/>
+                <a:cs typeface="+mn-lt"/>
+              </a:rPr>
+              <a:t>International</a:t>
+            </a:r>
+            <a:r>
+              <a:rPr lang="pt-BR" sz="2200" dirty="0">
+                <a:ea typeface="+mn-lt"/>
+                <a:cs typeface="+mn-lt"/>
+              </a:rPr>
+              <a:t> </a:t>
+            </a:r>
+            <a:r>
+              <a:rPr lang="pt-BR" sz="2200" dirty="0" err="1">
+                <a:ea typeface="+mn-lt"/>
+                <a:cs typeface="+mn-lt"/>
+              </a:rPr>
+              <a:t>Conference</a:t>
+            </a:r>
+            <a:r>
+              <a:rPr lang="pt-BR" sz="2200" dirty="0">
+                <a:ea typeface="+mn-lt"/>
+                <a:cs typeface="+mn-lt"/>
+              </a:rPr>
+              <a:t> </a:t>
+            </a:r>
+            <a:r>
+              <a:rPr lang="pt-BR" sz="2200" dirty="0" err="1">
+                <a:ea typeface="+mn-lt"/>
+                <a:cs typeface="+mn-lt"/>
+              </a:rPr>
+              <a:t>on</a:t>
+            </a:r>
+            <a:r>
+              <a:rPr lang="pt-BR" sz="2200" dirty="0">
+                <a:ea typeface="+mn-lt"/>
+                <a:cs typeface="+mn-lt"/>
+              </a:rPr>
+              <a:t> </a:t>
+            </a:r>
+            <a:r>
+              <a:rPr lang="pt-BR" sz="2200" dirty="0" err="1">
+                <a:ea typeface="+mn-lt"/>
+                <a:cs typeface="+mn-lt"/>
+              </a:rPr>
+              <a:t>Automatic</a:t>
+            </a:r>
+            <a:r>
+              <a:rPr lang="pt-BR" sz="2200" dirty="0">
+                <a:ea typeface="+mn-lt"/>
+                <a:cs typeface="+mn-lt"/>
+              </a:rPr>
+              <a:t> Face &amp; </a:t>
+            </a:r>
+            <a:r>
+              <a:rPr lang="pt-BR" sz="2200" dirty="0" err="1">
+                <a:ea typeface="+mn-lt"/>
+                <a:cs typeface="+mn-lt"/>
+              </a:rPr>
+              <a:t>Gesture</a:t>
+            </a:r>
+            <a:r>
+              <a:rPr lang="pt-BR" sz="2200" dirty="0">
+                <a:ea typeface="+mn-lt"/>
+                <a:cs typeface="+mn-lt"/>
+              </a:rPr>
+              <a:t> </a:t>
+            </a:r>
+            <a:r>
+              <a:rPr lang="pt-BR" sz="2200" dirty="0" err="1">
+                <a:ea typeface="+mn-lt"/>
+                <a:cs typeface="+mn-lt"/>
+              </a:rPr>
+              <a:t>Recognition</a:t>
+            </a:r>
+            <a:r>
+              <a:rPr lang="pt-BR" sz="2200" dirty="0">
+                <a:ea typeface="+mn-lt"/>
+                <a:cs typeface="+mn-lt"/>
+              </a:rPr>
+              <a:t>. Washington, USA. 2017.</a:t>
+            </a:r>
+          </a:p>
+          <a:p>
+            <a:pPr marL="457200" indent="-457200">
+              <a:buAutoNum type="arabicPeriod"/>
+            </a:pPr>
+            <a:r>
+              <a:rPr lang="pt-BR" sz="2200" dirty="0" err="1">
+                <a:ea typeface="+mn-lt"/>
+                <a:cs typeface="+mn-lt"/>
+              </a:rPr>
+              <a:t>Naudé</a:t>
+            </a:r>
+            <a:r>
+              <a:rPr lang="pt-BR" sz="2200" dirty="0">
+                <a:ea typeface="+mn-lt"/>
+                <a:cs typeface="+mn-lt"/>
+              </a:rPr>
+              <a:t>, W. </a:t>
+            </a:r>
+            <a:r>
+              <a:rPr lang="pt-BR" sz="2200" b="1" dirty="0">
+                <a:ea typeface="+mn-lt"/>
+                <a:cs typeface="+mn-lt"/>
+              </a:rPr>
+              <a:t>Artificial </a:t>
+            </a:r>
+            <a:r>
+              <a:rPr lang="pt-BR" sz="2200" b="1" dirty="0" err="1">
+                <a:ea typeface="+mn-lt"/>
+                <a:cs typeface="+mn-lt"/>
+              </a:rPr>
+              <a:t>Intelligence</a:t>
+            </a:r>
+            <a:r>
+              <a:rPr lang="pt-BR" sz="2200" b="1" dirty="0">
+                <a:ea typeface="+mn-lt"/>
+                <a:cs typeface="+mn-lt"/>
+              </a:rPr>
+              <a:t> </a:t>
+            </a:r>
+            <a:r>
+              <a:rPr lang="pt-BR" sz="2200" b="1" dirty="0" err="1">
+                <a:ea typeface="+mn-lt"/>
+                <a:cs typeface="+mn-lt"/>
+              </a:rPr>
+              <a:t>against</a:t>
+            </a:r>
+            <a:r>
+              <a:rPr lang="pt-BR" sz="2200" b="1" dirty="0">
+                <a:ea typeface="+mn-lt"/>
+                <a:cs typeface="+mn-lt"/>
+              </a:rPr>
+              <a:t> COVID-19: </a:t>
+            </a:r>
+            <a:r>
+              <a:rPr lang="pt-BR" sz="2200" b="1" dirty="0" err="1">
+                <a:ea typeface="+mn-lt"/>
+                <a:cs typeface="+mn-lt"/>
+              </a:rPr>
+              <a:t>An</a:t>
+            </a:r>
+            <a:r>
+              <a:rPr lang="pt-BR" sz="2200" b="1" dirty="0">
+                <a:ea typeface="+mn-lt"/>
+                <a:cs typeface="+mn-lt"/>
+              </a:rPr>
+              <a:t> </a:t>
+            </a:r>
+            <a:r>
+              <a:rPr lang="pt-BR" sz="2200" b="1" dirty="0" err="1">
+                <a:ea typeface="+mn-lt"/>
+                <a:cs typeface="+mn-lt"/>
+              </a:rPr>
+              <a:t>Early</a:t>
+            </a:r>
+            <a:r>
+              <a:rPr lang="pt-BR" sz="2200" b="1" dirty="0">
+                <a:ea typeface="+mn-lt"/>
+                <a:cs typeface="+mn-lt"/>
+              </a:rPr>
+              <a:t> Review</a:t>
+            </a:r>
+            <a:r>
+              <a:rPr lang="pt-BR" sz="2200" dirty="0">
+                <a:ea typeface="+mn-lt"/>
+                <a:cs typeface="+mn-lt"/>
+              </a:rPr>
+              <a:t>. IZA – </a:t>
+            </a:r>
+            <a:r>
+              <a:rPr lang="pt-BR" sz="2200" dirty="0" err="1">
+                <a:ea typeface="+mn-lt"/>
+                <a:cs typeface="+mn-lt"/>
+              </a:rPr>
+              <a:t>Institute</a:t>
+            </a:r>
+            <a:r>
+              <a:rPr lang="pt-BR" sz="2200" dirty="0">
+                <a:ea typeface="+mn-lt"/>
+                <a:cs typeface="+mn-lt"/>
+              </a:rPr>
+              <a:t> </a:t>
+            </a:r>
+            <a:r>
+              <a:rPr lang="pt-BR" sz="2200" dirty="0" err="1">
+                <a:ea typeface="+mn-lt"/>
+                <a:cs typeface="+mn-lt"/>
+              </a:rPr>
+              <a:t>of</a:t>
+            </a:r>
+            <a:r>
+              <a:rPr lang="pt-BR" sz="2200" dirty="0">
+                <a:ea typeface="+mn-lt"/>
+                <a:cs typeface="+mn-lt"/>
+              </a:rPr>
+              <a:t> Labor </a:t>
+            </a:r>
+            <a:r>
+              <a:rPr lang="pt-BR" sz="2200" dirty="0" err="1">
+                <a:ea typeface="+mn-lt"/>
+                <a:cs typeface="+mn-lt"/>
+              </a:rPr>
+              <a:t>Economics</a:t>
+            </a:r>
+            <a:r>
+              <a:rPr lang="pt-BR" sz="2200" dirty="0">
+                <a:ea typeface="+mn-lt"/>
+                <a:cs typeface="+mn-lt"/>
+              </a:rPr>
+              <a:t>. Bonn, Alemanha. 2020.</a:t>
+            </a:r>
+          </a:p>
+          <a:p>
+            <a:pPr marL="457200" indent="-457200">
+              <a:buAutoNum type="arabicPeriod"/>
+            </a:pPr>
+            <a:r>
+              <a:rPr lang="pt-BR" sz="2200" dirty="0" err="1">
+                <a:ea typeface="+mn-lt"/>
+                <a:cs typeface="+mn-lt"/>
+              </a:rPr>
+              <a:t>Guo</a:t>
+            </a:r>
+            <a:r>
+              <a:rPr lang="pt-BR" sz="2200" dirty="0">
+                <a:ea typeface="+mn-lt"/>
+                <a:cs typeface="+mn-lt"/>
+              </a:rPr>
+              <a:t>, J.; Lin, C.; Wu, M.; Chang, C.; Lee, H. </a:t>
+            </a:r>
+            <a:r>
+              <a:rPr lang="pt-BR" sz="2200" b="1" dirty="0" err="1">
+                <a:ea typeface="+mn-lt"/>
+                <a:cs typeface="+mn-lt"/>
+              </a:rPr>
+              <a:t>Complexity</a:t>
+            </a:r>
+            <a:r>
+              <a:rPr lang="pt-BR" sz="2200" b="1" dirty="0">
+                <a:ea typeface="+mn-lt"/>
+                <a:cs typeface="+mn-lt"/>
+              </a:rPr>
+              <a:t> </a:t>
+            </a:r>
+            <a:r>
+              <a:rPr lang="pt-BR" sz="2200" b="1" dirty="0" err="1">
+                <a:ea typeface="+mn-lt"/>
+                <a:cs typeface="+mn-lt"/>
+              </a:rPr>
+              <a:t>Reduced</a:t>
+            </a:r>
+            <a:r>
+              <a:rPr lang="pt-BR" sz="2200" b="1" dirty="0">
+                <a:ea typeface="+mn-lt"/>
+                <a:cs typeface="+mn-lt"/>
+              </a:rPr>
+              <a:t> Face </a:t>
+            </a:r>
+            <a:r>
+              <a:rPr lang="pt-BR" sz="2200" b="1" dirty="0" err="1">
+                <a:ea typeface="+mn-lt"/>
+                <a:cs typeface="+mn-lt"/>
+              </a:rPr>
+              <a:t>Detection</a:t>
+            </a:r>
+            <a:r>
+              <a:rPr lang="pt-BR" sz="2200" b="1" dirty="0">
+                <a:ea typeface="+mn-lt"/>
+                <a:cs typeface="+mn-lt"/>
+              </a:rPr>
+              <a:t> </a:t>
+            </a:r>
+            <a:r>
+              <a:rPr lang="pt-BR" sz="2200" b="1" dirty="0" err="1">
+                <a:ea typeface="+mn-lt"/>
+                <a:cs typeface="+mn-lt"/>
+              </a:rPr>
+              <a:t>Using</a:t>
+            </a:r>
+            <a:r>
+              <a:rPr lang="pt-BR" sz="2200" b="1" dirty="0">
+                <a:ea typeface="+mn-lt"/>
+                <a:cs typeface="+mn-lt"/>
+              </a:rPr>
+              <a:t> </a:t>
+            </a:r>
+            <a:r>
+              <a:rPr lang="pt-BR" sz="2200" b="1" dirty="0" err="1">
+                <a:ea typeface="+mn-lt"/>
+                <a:cs typeface="+mn-lt"/>
+              </a:rPr>
+              <a:t>Probability-Based</a:t>
+            </a:r>
+            <a:r>
+              <a:rPr lang="pt-BR" sz="2200" b="1" dirty="0">
+                <a:ea typeface="+mn-lt"/>
+                <a:cs typeface="+mn-lt"/>
+              </a:rPr>
+              <a:t> Face </a:t>
+            </a:r>
+            <a:r>
+              <a:rPr lang="pt-BR" sz="2200" b="1" dirty="0" err="1">
+                <a:ea typeface="+mn-lt"/>
+                <a:cs typeface="+mn-lt"/>
+              </a:rPr>
+              <a:t>Mask</a:t>
+            </a:r>
+            <a:r>
+              <a:rPr lang="pt-BR" sz="2200" b="1" dirty="0">
+                <a:ea typeface="+mn-lt"/>
+                <a:cs typeface="+mn-lt"/>
+              </a:rPr>
+              <a:t> </a:t>
+            </a:r>
+            <a:r>
+              <a:rPr lang="pt-BR" sz="2200" b="1" dirty="0" err="1">
+                <a:ea typeface="+mn-lt"/>
+                <a:cs typeface="+mn-lt"/>
+              </a:rPr>
+              <a:t>Prefiltering</a:t>
+            </a:r>
+            <a:r>
+              <a:rPr lang="pt-BR" sz="2200" b="1" dirty="0">
+                <a:ea typeface="+mn-lt"/>
+                <a:cs typeface="+mn-lt"/>
+              </a:rPr>
+              <a:t> </a:t>
+            </a:r>
+            <a:r>
+              <a:rPr lang="pt-BR" sz="2200" b="1" dirty="0" err="1">
+                <a:ea typeface="+mn-lt"/>
+                <a:cs typeface="+mn-lt"/>
+              </a:rPr>
+              <a:t>and</a:t>
+            </a:r>
+            <a:r>
+              <a:rPr lang="pt-BR" sz="2200" b="1" dirty="0">
+                <a:ea typeface="+mn-lt"/>
+                <a:cs typeface="+mn-lt"/>
+              </a:rPr>
+              <a:t> Pixel-</a:t>
+            </a:r>
+            <a:r>
+              <a:rPr lang="pt-BR" sz="2200" b="1" dirty="0" err="1">
+                <a:ea typeface="+mn-lt"/>
+                <a:cs typeface="+mn-lt"/>
+              </a:rPr>
+              <a:t>Based</a:t>
+            </a:r>
+            <a:r>
+              <a:rPr lang="pt-BR" sz="2200" b="1" dirty="0">
+                <a:ea typeface="+mn-lt"/>
+                <a:cs typeface="+mn-lt"/>
+              </a:rPr>
+              <a:t> </a:t>
+            </a:r>
+            <a:r>
+              <a:rPr lang="pt-BR" sz="2200" b="1" dirty="0" err="1">
+                <a:ea typeface="+mn-lt"/>
+                <a:cs typeface="+mn-lt"/>
+              </a:rPr>
+              <a:t>Hierarchical-Feature</a:t>
+            </a:r>
+            <a:r>
+              <a:rPr lang="pt-BR" sz="2200" b="1" dirty="0">
+                <a:ea typeface="+mn-lt"/>
+                <a:cs typeface="+mn-lt"/>
+              </a:rPr>
+              <a:t> </a:t>
+            </a:r>
+            <a:r>
+              <a:rPr lang="pt-BR" sz="2200" b="1" dirty="0" err="1">
+                <a:ea typeface="+mn-lt"/>
+                <a:cs typeface="+mn-lt"/>
+              </a:rPr>
+              <a:t>Adaboosting</a:t>
+            </a:r>
+            <a:r>
+              <a:rPr lang="pt-BR" sz="2200" dirty="0">
+                <a:ea typeface="+mn-lt"/>
+                <a:cs typeface="+mn-lt"/>
+              </a:rPr>
+              <a:t>. IEEE SIGNAL PROCESSING LETTERS. 2011.</a:t>
+            </a:r>
+          </a:p>
+          <a:p>
+            <a:pPr marL="457200" indent="-457200">
+              <a:buAutoNum type="arabicPeriod"/>
+            </a:pPr>
+            <a:r>
+              <a:rPr lang="pt-BR" sz="2200" dirty="0">
+                <a:ea typeface="+mn-lt"/>
+                <a:cs typeface="+mn-lt"/>
+              </a:rPr>
+              <a:t>Lawrence, S.; </a:t>
+            </a:r>
+            <a:r>
+              <a:rPr lang="pt-BR" sz="2200" dirty="0" err="1">
+                <a:ea typeface="+mn-lt"/>
+                <a:cs typeface="+mn-lt"/>
+              </a:rPr>
+              <a:t>Giles</a:t>
+            </a:r>
+            <a:r>
+              <a:rPr lang="pt-BR" sz="2200" dirty="0">
+                <a:ea typeface="+mn-lt"/>
+                <a:cs typeface="+mn-lt"/>
+              </a:rPr>
+              <a:t>, C. L.; </a:t>
+            </a:r>
+            <a:r>
+              <a:rPr lang="pt-BR" sz="2200" dirty="0" err="1">
+                <a:ea typeface="+mn-lt"/>
+                <a:cs typeface="+mn-lt"/>
+              </a:rPr>
+              <a:t>Tsoi</a:t>
+            </a:r>
+            <a:r>
+              <a:rPr lang="pt-BR" sz="2200" dirty="0">
+                <a:ea typeface="+mn-lt"/>
+                <a:cs typeface="+mn-lt"/>
+              </a:rPr>
+              <a:t>, A. C.; Back, A. D. </a:t>
+            </a:r>
+            <a:r>
+              <a:rPr lang="pt-BR" sz="2200" b="1" dirty="0">
+                <a:ea typeface="+mn-lt"/>
+                <a:cs typeface="+mn-lt"/>
+              </a:rPr>
+              <a:t>Face </a:t>
+            </a:r>
+            <a:r>
+              <a:rPr lang="pt-BR" sz="2200" b="1" dirty="0" err="1">
+                <a:ea typeface="+mn-lt"/>
+                <a:cs typeface="+mn-lt"/>
+              </a:rPr>
+              <a:t>Recognition</a:t>
+            </a:r>
+            <a:r>
+              <a:rPr lang="pt-BR" sz="2200" b="1" dirty="0">
+                <a:ea typeface="+mn-lt"/>
+                <a:cs typeface="+mn-lt"/>
+              </a:rPr>
+              <a:t>: A </a:t>
+            </a:r>
+            <a:r>
+              <a:rPr lang="pt-BR" sz="2200" b="1" dirty="0" err="1">
+                <a:ea typeface="+mn-lt"/>
+                <a:cs typeface="+mn-lt"/>
+              </a:rPr>
+              <a:t>Convolutional</a:t>
+            </a:r>
+            <a:r>
+              <a:rPr lang="pt-BR" sz="2200" b="1" dirty="0">
+                <a:ea typeface="+mn-lt"/>
+                <a:cs typeface="+mn-lt"/>
+              </a:rPr>
+              <a:t> Neural-Network Approach</a:t>
+            </a:r>
+            <a:r>
+              <a:rPr lang="pt-BR" sz="2200" dirty="0">
+                <a:ea typeface="+mn-lt"/>
+                <a:cs typeface="+mn-lt"/>
+              </a:rPr>
+              <a:t>. IEEE </a:t>
+            </a:r>
+            <a:r>
+              <a:rPr lang="pt-BR" sz="2200" dirty="0" err="1">
+                <a:ea typeface="+mn-lt"/>
+                <a:cs typeface="+mn-lt"/>
+              </a:rPr>
+              <a:t>Transactions</a:t>
+            </a:r>
+            <a:r>
+              <a:rPr lang="pt-BR" sz="2200" dirty="0">
+                <a:ea typeface="+mn-lt"/>
+                <a:cs typeface="+mn-lt"/>
+              </a:rPr>
+              <a:t> </a:t>
+            </a:r>
+            <a:r>
+              <a:rPr lang="pt-BR" sz="2200" dirty="0" err="1">
+                <a:ea typeface="+mn-lt"/>
+                <a:cs typeface="+mn-lt"/>
+              </a:rPr>
+              <a:t>on</a:t>
+            </a:r>
+            <a:r>
+              <a:rPr lang="pt-BR" sz="2200" dirty="0">
+                <a:ea typeface="+mn-lt"/>
+                <a:cs typeface="+mn-lt"/>
+              </a:rPr>
+              <a:t> Neural Networks, Vol. 8, No. 1. 1997.</a:t>
+            </a:r>
+          </a:p>
+        </p:txBody>
+      </p:sp>
+      <p:sp>
+        <p:nvSpPr>
+          <p:cNvPr id="6" name="Retângulo 4">
+            <a:extLst>
+              <a:ext uri="{FF2B5EF4-FFF2-40B4-BE49-F238E27FC236}">
+                <a16:creationId xmlns:a16="http://schemas.microsoft.com/office/drawing/2014/main" id="{3440248A-7B86-45A3-97D8-1D374D8F82BE}"/>
+              </a:ext>
+            </a:extLst>
+          </p:cNvPr>
+          <p:cNvSpPr/>
+          <p:nvPr/>
+        </p:nvSpPr>
+        <p:spPr>
+          <a:xfrm>
+            <a:off x="11229839" y="2124518"/>
+            <a:ext cx="785517" cy="462113"/>
+          </a:xfrm>
+          <a:prstGeom prst="rect">
+            <a:avLst/>
+          </a:prstGeom>
+          <a:solidFill>
+            <a:srgbClr val="CDCDCD"/>
+          </a:solidFill>
+        </p:spPr>
+        <p:txBody>
+          <a:bodyPr wrap="none" lIns="0" tIns="0" rIns="0" bIns="91440" anchor="ctr" anchorCtr="1">
+            <a:noAutofit/>
+          </a:bodyPr>
+          <a:lstStyle/>
+          <a:p>
+            <a:pPr marL="15875" indent="-15875" algn="ctr">
+              <a:lnSpc>
+                <a:spcPts val="3000"/>
+              </a:lnSpc>
+            </a:pPr>
+            <a:r>
+              <a:rPr lang="pt-BR" dirty="0"/>
+              <a:t>[1 de 4]</a:t>
             </a:r>
           </a:p>
         </p:txBody>
@@ -4509,7 +5974,7 @@
     </p:spTree>
     <p:extLst>
       <p:ext uri="{BB962C8B-B14F-4D97-AF65-F5344CB8AC3E}">
-        <p14:creationId xmlns="" xmlns:p14="http://schemas.microsoft.com/office/powerpoint/2010/main" val="1588210080"/>
+        <p14:creationId xmlns:p14="http://schemas.microsoft.com/office/powerpoint/2010/main" val="1752641579"/>
       </p:ext>
     </p:extLst>
   </p:cSld>
@@ -4541,7 +6006,7 @@
           <p:cNvPr id="2" name="CaixaDeTexto 1">
             <a:extLst>
               <a:ext uri="{FF2B5EF4-FFF2-40B4-BE49-F238E27FC236}">
-                <a16:creationId xmlns="" xmlns:a16="http://schemas.microsoft.com/office/drawing/2014/main" id="{E2289C40-6B36-4906-BF6F-3D1B594D6D57}"/>
+                <a16:creationId xmlns:a16="http://schemas.microsoft.com/office/drawing/2014/main" id="{E2289C40-6B36-4906-BF6F-3D1B594D6D57}"/>
               </a:ext>
             </a:extLst>
           </p:cNvPr>
@@ -4551,7 +6016,7 @@
         <p:spPr>
           <a:xfrm>
             <a:off x="176644" y="207818"/>
-            <a:ext cx="10058026" cy="954107"/>
+            <a:ext cx="10619886" cy="954107"/>
           </a:xfrm>
           <a:prstGeom prst="rect">
             <a:avLst/>
@@ -4570,41 +6035,17 @@
                   <a:schemeClr val="bg1"/>
                 </a:solidFill>
               </a:rPr>
-              <a:t>2) Base de Dados e Técnicas Estatísticas e/ou de </a:t>
-            </a:r>
-            <a:r>
-              <a:rPr lang="pt-BR" sz="2800" b="1" i="1" dirty="0" err="1">
-                <a:solidFill>
-                  <a:schemeClr val="bg1"/>
-                </a:solidFill>
-              </a:rPr>
-              <a:t>Machine</a:t>
-            </a:r>
-            <a:r>
-              <a:rPr lang="pt-BR" sz="2800" b="1" i="1" dirty="0">
-                <a:solidFill>
-                  <a:schemeClr val="bg1"/>
-                </a:solidFill>
-              </a:rPr>
-              <a:t> Learning</a:t>
-            </a:r>
-            <a:r>
-              <a:rPr lang="pt-BR" sz="2800" b="1" dirty="0">
-                <a:solidFill>
-                  <a:schemeClr val="bg1"/>
-                </a:solidFill>
-              </a:rPr>
-              <a:t> do Projeto Analítico</a:t>
+              <a:t>1) Contexto da Pesquisa, Busca de Artigos Científicos, Problema, Hipóteses e Objetivos do Projeto Analítico</a:t>
             </a:r>
           </a:p>
         </p:txBody>
       </p:sp>
       <p:sp>
         <p:nvSpPr>
-          <p:cNvPr id="3" name="Retângulo 2">
+          <p:cNvPr id="5" name="Retângulo 4">
             <a:extLst>
               <a:ext uri="{FF2B5EF4-FFF2-40B4-BE49-F238E27FC236}">
-                <a16:creationId xmlns="" xmlns:a16="http://schemas.microsoft.com/office/drawing/2014/main" id="{174208DE-0C00-40F4-A31A-3BC0AEE1B5CE}"/>
+                <a16:creationId xmlns:a16="http://schemas.microsoft.com/office/drawing/2014/main" id="{C4351BF4-6949-465B-A55A-C8561462CF2E}"/>
               </a:ext>
             </a:extLst>
           </p:cNvPr>
@@ -4614,7 +6055,7 @@
         <p:spPr>
           <a:xfrm>
             <a:off x="176644" y="1355075"/>
-            <a:ext cx="11919876" cy="846835"/>
+            <a:ext cx="11919876" cy="1231556"/>
           </a:xfrm>
           <a:prstGeom prst="rect">
             <a:avLst/>
@@ -4636,7 +6077,7 @@
             </a:pPr>
             <a:r>
               <a:rPr lang="pt-BR" sz="2400" dirty="0"/>
-              <a:t>- Quais técnicas estatísticas e/ou de </a:t>
+              <a:t>- Quais artigos científicos já trataram do mesmo contexto e/ou utilizaram as mesmas técnicas estatísticas e/ou de </a:t>
             </a:r>
             <a:r>
               <a:rPr lang="pt-BR" sz="2400" i="1" dirty="0" err="1"/>
@@ -4652,7 +6093,15 @@
             </a:r>
             <a:r>
               <a:rPr lang="pt-BR" sz="2400" dirty="0"/>
-              <a:t> serão utilizadas (dentre as aprendidas no curso)?</a:t>
+              <a:t> que serão utilizadas (</a:t>
+            </a:r>
+            <a:r>
+              <a:rPr lang="pt-BR" sz="2400" b="1" dirty="0"/>
+              <a:t>apresentar resumidamente 20 artigos no mínimo</a:t>
+            </a:r>
+            <a:r>
+              <a:rPr lang="pt-BR" sz="2400" dirty="0"/>
+              <a:t>)?</a:t>
             </a:r>
           </a:p>
         </p:txBody>
@@ -4662,7 +6111,7 @@
           <p:cNvPr id="4" name="CaixaDeTexto 3">
             <a:extLst>
               <a:ext uri="{FF2B5EF4-FFF2-40B4-BE49-F238E27FC236}">
-                <a16:creationId xmlns="" xmlns:a16="http://schemas.microsoft.com/office/drawing/2014/main" id="{2CEABB78-1981-4542-9477-F6F9986CDBB1}"/>
+                <a16:creationId xmlns:a16="http://schemas.microsoft.com/office/drawing/2014/main" id="{E4CC8CAB-3F4C-409C-8745-BB5BD7AF0FCB}"/>
               </a:ext>
             </a:extLst>
           </p:cNvPr>
@@ -4671,8 +6120,8 @@
         </p:nvSpPr>
         <p:spPr>
           <a:xfrm>
-            <a:off x="176644" y="2291511"/>
-            <a:ext cx="11919876" cy="430887"/>
+            <a:off x="176644" y="2699134"/>
+            <a:ext cx="11919876" cy="3139321"/>
           </a:xfrm>
           <a:prstGeom prst="rect">
             <a:avLst/>
@@ -4683,14 +6132,693 @@
           </a:ln>
         </p:spPr>
         <p:txBody>
-          <a:bodyPr wrap="square" rtlCol="0">
+          <a:bodyPr wrap="square" rtlCol="0" anchor="t">
             <a:spAutoFit/>
           </a:bodyPr>
           <a:lstStyle/>
           <a:p>
-            <a:r>
-              <a:rPr lang="pt-BR" sz="2200" i="1" dirty="0"/>
-              <a:t>Escrever aqui</a:t>
+            <a:pPr marL="457200" indent="-457200">
+              <a:buFont typeface="+mj-lt"/>
+              <a:buAutoNum type="arabicPeriod" startAt="6"/>
+            </a:pPr>
+            <a:r>
+              <a:rPr lang="pt-BR" sz="2200" dirty="0" err="1">
+                <a:ea typeface="+mn-lt"/>
+                <a:cs typeface="+mn-lt"/>
+              </a:rPr>
+              <a:t>Qin</a:t>
+            </a:r>
+            <a:r>
+              <a:rPr lang="pt-BR" sz="2200" dirty="0">
+                <a:ea typeface="+mn-lt"/>
+                <a:cs typeface="+mn-lt"/>
+              </a:rPr>
+              <a:t>, B.; Li, D. </a:t>
+            </a:r>
+            <a:r>
+              <a:rPr lang="pt-BR" sz="2200" b="1" dirty="0" err="1">
+                <a:ea typeface="+mn-lt"/>
+                <a:cs typeface="+mn-lt"/>
+              </a:rPr>
+              <a:t>Identifying</a:t>
+            </a:r>
+            <a:r>
+              <a:rPr lang="pt-BR" sz="2200" b="1" dirty="0">
+                <a:ea typeface="+mn-lt"/>
+                <a:cs typeface="+mn-lt"/>
+              </a:rPr>
+              <a:t> </a:t>
+            </a:r>
+            <a:r>
+              <a:rPr lang="pt-BR" sz="2200" b="1" dirty="0" err="1">
+                <a:ea typeface="+mn-lt"/>
+                <a:cs typeface="+mn-lt"/>
+              </a:rPr>
+              <a:t>Facemask-wearing</a:t>
+            </a:r>
+            <a:r>
+              <a:rPr lang="pt-BR" sz="2200" b="1" dirty="0">
+                <a:ea typeface="+mn-lt"/>
+                <a:cs typeface="+mn-lt"/>
+              </a:rPr>
+              <a:t> </a:t>
+            </a:r>
+            <a:r>
+              <a:rPr lang="pt-BR" sz="2200" b="1" dirty="0" err="1">
+                <a:ea typeface="+mn-lt"/>
+                <a:cs typeface="+mn-lt"/>
+              </a:rPr>
+              <a:t>Condition</a:t>
+            </a:r>
+            <a:r>
+              <a:rPr lang="pt-BR" sz="2200" b="1" dirty="0">
+                <a:ea typeface="+mn-lt"/>
+                <a:cs typeface="+mn-lt"/>
+              </a:rPr>
+              <a:t> </a:t>
+            </a:r>
+            <a:r>
+              <a:rPr lang="pt-BR" sz="2200" b="1" dirty="0" err="1">
+                <a:ea typeface="+mn-lt"/>
+                <a:cs typeface="+mn-lt"/>
+              </a:rPr>
+              <a:t>Using</a:t>
+            </a:r>
+            <a:r>
+              <a:rPr lang="pt-BR" sz="2200" b="1" dirty="0">
+                <a:ea typeface="+mn-lt"/>
+                <a:cs typeface="+mn-lt"/>
+              </a:rPr>
+              <a:t> </a:t>
+            </a:r>
+            <a:r>
+              <a:rPr lang="pt-BR" sz="2200" b="1" dirty="0" err="1">
+                <a:ea typeface="+mn-lt"/>
+                <a:cs typeface="+mn-lt"/>
+              </a:rPr>
+              <a:t>Image</a:t>
+            </a:r>
+            <a:r>
+              <a:rPr lang="pt-BR" sz="2200" b="1" dirty="0">
+                <a:ea typeface="+mn-lt"/>
+                <a:cs typeface="+mn-lt"/>
+              </a:rPr>
+              <a:t> </a:t>
+            </a:r>
+            <a:r>
+              <a:rPr lang="pt-BR" sz="2200" b="1" dirty="0" err="1">
+                <a:ea typeface="+mn-lt"/>
+                <a:cs typeface="+mn-lt"/>
+              </a:rPr>
+              <a:t>SuperResolution</a:t>
+            </a:r>
+            <a:r>
+              <a:rPr lang="pt-BR" sz="2200" b="1" dirty="0">
+                <a:ea typeface="+mn-lt"/>
+                <a:cs typeface="+mn-lt"/>
+              </a:rPr>
+              <a:t> </a:t>
+            </a:r>
+            <a:r>
+              <a:rPr lang="pt-BR" sz="2200" b="1" dirty="0" err="1">
+                <a:ea typeface="+mn-lt"/>
+                <a:cs typeface="+mn-lt"/>
+              </a:rPr>
+              <a:t>with</a:t>
+            </a:r>
+            <a:r>
+              <a:rPr lang="pt-BR" sz="2200" b="1" dirty="0">
+                <a:ea typeface="+mn-lt"/>
+                <a:cs typeface="+mn-lt"/>
+              </a:rPr>
+              <a:t> </a:t>
+            </a:r>
+            <a:r>
+              <a:rPr lang="pt-BR" sz="2200" b="1" dirty="0" err="1">
+                <a:ea typeface="+mn-lt"/>
+                <a:cs typeface="+mn-lt"/>
+              </a:rPr>
+              <a:t>Classification</a:t>
+            </a:r>
+            <a:r>
+              <a:rPr lang="pt-BR" sz="2200" b="1" dirty="0">
+                <a:ea typeface="+mn-lt"/>
+                <a:cs typeface="+mn-lt"/>
+              </a:rPr>
+              <a:t> Network </a:t>
+            </a:r>
+            <a:r>
+              <a:rPr lang="pt-BR" sz="2200" b="1" dirty="0" err="1">
+                <a:ea typeface="+mn-lt"/>
+                <a:cs typeface="+mn-lt"/>
+              </a:rPr>
+              <a:t>to</a:t>
+            </a:r>
+            <a:r>
+              <a:rPr lang="pt-BR" sz="2200" b="1" dirty="0">
+                <a:ea typeface="+mn-lt"/>
+                <a:cs typeface="+mn-lt"/>
+              </a:rPr>
+              <a:t> </a:t>
+            </a:r>
+            <a:r>
+              <a:rPr lang="pt-BR" sz="2200" b="1" dirty="0" err="1">
+                <a:ea typeface="+mn-lt"/>
+                <a:cs typeface="+mn-lt"/>
+              </a:rPr>
+              <a:t>Prevent</a:t>
+            </a:r>
+            <a:r>
+              <a:rPr lang="pt-BR" sz="2200" b="1" dirty="0">
+                <a:ea typeface="+mn-lt"/>
+                <a:cs typeface="+mn-lt"/>
+              </a:rPr>
+              <a:t> COVID-19. </a:t>
+            </a:r>
+            <a:r>
+              <a:rPr lang="pt-BR" sz="2200" dirty="0">
+                <a:ea typeface="+mn-lt"/>
+                <a:cs typeface="+mn-lt"/>
+              </a:rPr>
+              <a:t>2020.</a:t>
+            </a:r>
+          </a:p>
+          <a:p>
+            <a:pPr marL="457200" indent="-457200">
+              <a:buAutoNum type="arabicPeriod" startAt="6"/>
+            </a:pPr>
+            <a:r>
+              <a:rPr lang="pt-BR" sz="2200" dirty="0">
+                <a:ea typeface="+mn-lt"/>
+                <a:cs typeface="+mn-lt"/>
+              </a:rPr>
+              <a:t>Wang, et al. </a:t>
+            </a:r>
+            <a:r>
+              <a:rPr lang="pt-BR" sz="2200" b="1" dirty="0" err="1">
+                <a:ea typeface="+mn-lt"/>
+                <a:cs typeface="+mn-lt"/>
+              </a:rPr>
+              <a:t>Masked</a:t>
+            </a:r>
+            <a:r>
+              <a:rPr lang="pt-BR" sz="2200" b="1" dirty="0">
+                <a:ea typeface="+mn-lt"/>
+                <a:cs typeface="+mn-lt"/>
+              </a:rPr>
+              <a:t> Face </a:t>
+            </a:r>
+            <a:r>
+              <a:rPr lang="pt-BR" sz="2200" b="1" dirty="0" err="1">
+                <a:ea typeface="+mn-lt"/>
+                <a:cs typeface="+mn-lt"/>
+              </a:rPr>
+              <a:t>Recognition</a:t>
+            </a:r>
+            <a:r>
+              <a:rPr lang="pt-BR" sz="2200" b="1" dirty="0">
+                <a:ea typeface="+mn-lt"/>
+                <a:cs typeface="+mn-lt"/>
+              </a:rPr>
+              <a:t> </a:t>
+            </a:r>
+            <a:r>
+              <a:rPr lang="pt-BR" sz="2200" b="1" dirty="0" err="1">
+                <a:ea typeface="+mn-lt"/>
+                <a:cs typeface="+mn-lt"/>
+              </a:rPr>
+              <a:t>Dataset</a:t>
+            </a:r>
+            <a:r>
+              <a:rPr lang="pt-BR" sz="2200" b="1" dirty="0">
+                <a:ea typeface="+mn-lt"/>
+                <a:cs typeface="+mn-lt"/>
+              </a:rPr>
+              <a:t> </a:t>
+            </a:r>
+            <a:r>
+              <a:rPr lang="pt-BR" sz="2200" b="1" dirty="0" err="1">
+                <a:ea typeface="+mn-lt"/>
+                <a:cs typeface="+mn-lt"/>
+              </a:rPr>
+              <a:t>and</a:t>
+            </a:r>
+            <a:r>
+              <a:rPr lang="pt-BR" sz="2200" b="1" dirty="0">
+                <a:ea typeface="+mn-lt"/>
+                <a:cs typeface="+mn-lt"/>
+              </a:rPr>
+              <a:t> </a:t>
+            </a:r>
+            <a:r>
+              <a:rPr lang="pt-BR" sz="2200" b="1" dirty="0" err="1">
+                <a:ea typeface="+mn-lt"/>
+                <a:cs typeface="+mn-lt"/>
+              </a:rPr>
+              <a:t>Application</a:t>
+            </a:r>
+            <a:r>
+              <a:rPr lang="pt-BR" sz="2200" dirty="0">
+                <a:ea typeface="+mn-lt"/>
+                <a:cs typeface="+mn-lt"/>
+              </a:rPr>
+              <a:t>. Arxiv.org. 2020.</a:t>
+            </a:r>
+          </a:p>
+          <a:p>
+            <a:pPr marL="457200" indent="-457200">
+              <a:buAutoNum type="arabicPeriod" startAt="6"/>
+            </a:pPr>
+            <a:r>
+              <a:rPr lang="pt-BR" sz="2200" dirty="0">
+                <a:ea typeface="+mn-lt"/>
+                <a:cs typeface="+mn-lt"/>
+              </a:rPr>
+              <a:t>Yin, X.; Liu, X. </a:t>
+            </a:r>
+            <a:r>
+              <a:rPr lang="pt-BR" sz="2200" b="1" dirty="0" err="1">
+                <a:ea typeface="+mn-lt"/>
+                <a:cs typeface="+mn-lt"/>
+              </a:rPr>
+              <a:t>Multi-Task</a:t>
+            </a:r>
+            <a:r>
+              <a:rPr lang="pt-BR" sz="2200" b="1" dirty="0">
+                <a:ea typeface="+mn-lt"/>
+                <a:cs typeface="+mn-lt"/>
+              </a:rPr>
+              <a:t> </a:t>
+            </a:r>
+            <a:r>
+              <a:rPr lang="pt-BR" sz="2200" b="1" dirty="0" err="1">
+                <a:ea typeface="+mn-lt"/>
+                <a:cs typeface="+mn-lt"/>
+              </a:rPr>
+              <a:t>Convolutional</a:t>
+            </a:r>
+            <a:r>
+              <a:rPr lang="pt-BR" sz="2200" b="1" dirty="0">
+                <a:ea typeface="+mn-lt"/>
+                <a:cs typeface="+mn-lt"/>
+              </a:rPr>
+              <a:t> Neural Network for Pose-</a:t>
+            </a:r>
+            <a:r>
+              <a:rPr lang="pt-BR" sz="2200" b="1" dirty="0" err="1">
+                <a:ea typeface="+mn-lt"/>
+                <a:cs typeface="+mn-lt"/>
+              </a:rPr>
+              <a:t>Invariant</a:t>
+            </a:r>
+            <a:r>
+              <a:rPr lang="pt-BR" sz="2200" b="1" dirty="0">
+                <a:ea typeface="+mn-lt"/>
+                <a:cs typeface="+mn-lt"/>
+              </a:rPr>
+              <a:t> Face </a:t>
+            </a:r>
+            <a:r>
+              <a:rPr lang="pt-BR" sz="2200" b="1" dirty="0" err="1">
+                <a:ea typeface="+mn-lt"/>
+                <a:cs typeface="+mn-lt"/>
+              </a:rPr>
+              <a:t>Recognition</a:t>
+            </a:r>
+            <a:r>
+              <a:rPr lang="pt-BR" sz="2200" dirty="0">
+                <a:ea typeface="+mn-lt"/>
+                <a:cs typeface="+mn-lt"/>
+              </a:rPr>
+              <a:t>. IEEE </a:t>
+            </a:r>
+            <a:r>
+              <a:rPr lang="pt-BR" sz="2200" dirty="0" err="1">
+                <a:ea typeface="+mn-lt"/>
+                <a:cs typeface="+mn-lt"/>
+              </a:rPr>
+              <a:t>Transactions</a:t>
+            </a:r>
+            <a:r>
+              <a:rPr lang="pt-BR" sz="2200" dirty="0">
+                <a:ea typeface="+mn-lt"/>
+                <a:cs typeface="+mn-lt"/>
+              </a:rPr>
+              <a:t> </a:t>
+            </a:r>
+            <a:r>
+              <a:rPr lang="pt-BR" sz="2200" dirty="0" err="1">
+                <a:ea typeface="+mn-lt"/>
+                <a:cs typeface="+mn-lt"/>
+              </a:rPr>
+              <a:t>on</a:t>
+            </a:r>
+            <a:r>
+              <a:rPr lang="pt-BR" sz="2200" dirty="0">
+                <a:ea typeface="+mn-lt"/>
+                <a:cs typeface="+mn-lt"/>
+              </a:rPr>
+              <a:t> </a:t>
+            </a:r>
+            <a:r>
+              <a:rPr lang="pt-BR" sz="2200" dirty="0" err="1">
+                <a:ea typeface="+mn-lt"/>
+                <a:cs typeface="+mn-lt"/>
+              </a:rPr>
+              <a:t>Image</a:t>
+            </a:r>
+            <a:r>
+              <a:rPr lang="pt-BR" sz="2200" dirty="0">
+                <a:ea typeface="+mn-lt"/>
+                <a:cs typeface="+mn-lt"/>
+              </a:rPr>
+              <a:t> </a:t>
+            </a:r>
+            <a:r>
+              <a:rPr lang="pt-BR" sz="2200" dirty="0" err="1">
+                <a:ea typeface="+mn-lt"/>
+                <a:cs typeface="+mn-lt"/>
+              </a:rPr>
+              <a:t>Processing</a:t>
+            </a:r>
+            <a:r>
+              <a:rPr lang="pt-BR" sz="2200" dirty="0">
+                <a:ea typeface="+mn-lt"/>
+                <a:cs typeface="+mn-lt"/>
+              </a:rPr>
+              <a:t>. 2018.</a:t>
+            </a:r>
+          </a:p>
+          <a:p>
+            <a:pPr marL="457200" indent="-457200">
+              <a:buAutoNum type="arabicPeriod" startAt="6"/>
+            </a:pPr>
+            <a:r>
+              <a:rPr lang="pt-BR" sz="2200" dirty="0">
+                <a:ea typeface="+mn-lt"/>
+                <a:cs typeface="+mn-lt"/>
+              </a:rPr>
+              <a:t>Jiang, M.; </a:t>
+            </a:r>
+            <a:r>
+              <a:rPr lang="pt-BR" sz="2200" dirty="0" err="1">
+                <a:ea typeface="+mn-lt"/>
+                <a:cs typeface="+mn-lt"/>
+              </a:rPr>
+              <a:t>Fan</a:t>
+            </a:r>
+            <a:r>
+              <a:rPr lang="pt-BR" sz="2200" dirty="0">
+                <a:ea typeface="+mn-lt"/>
+                <a:cs typeface="+mn-lt"/>
+              </a:rPr>
+              <a:t>, X. </a:t>
+            </a:r>
+            <a:r>
+              <a:rPr lang="pt-BR" sz="2200" b="1" dirty="0" err="1">
+                <a:ea typeface="+mn-lt"/>
+                <a:cs typeface="+mn-lt"/>
+              </a:rPr>
+              <a:t>RetinaMask</a:t>
+            </a:r>
+            <a:r>
+              <a:rPr lang="pt-BR" sz="2200" b="1" dirty="0">
+                <a:ea typeface="+mn-lt"/>
+                <a:cs typeface="+mn-lt"/>
+              </a:rPr>
+              <a:t>: A Face </a:t>
+            </a:r>
+            <a:r>
+              <a:rPr lang="pt-BR" sz="2200" b="1" dirty="0" err="1">
+                <a:ea typeface="+mn-lt"/>
+                <a:cs typeface="+mn-lt"/>
+              </a:rPr>
+              <a:t>Mask</a:t>
+            </a:r>
+            <a:r>
+              <a:rPr lang="pt-BR" sz="2200" b="1" dirty="0">
+                <a:ea typeface="+mn-lt"/>
+                <a:cs typeface="+mn-lt"/>
+              </a:rPr>
+              <a:t> Detector</a:t>
+            </a:r>
+            <a:r>
+              <a:rPr lang="pt-BR" sz="2200" dirty="0">
+                <a:ea typeface="+mn-lt"/>
+                <a:cs typeface="+mn-lt"/>
+              </a:rPr>
+              <a:t>. Arxiv.org. 2020.</a:t>
+            </a:r>
+          </a:p>
+          <a:p>
+            <a:pPr marL="457200" indent="-457200">
+              <a:buAutoNum type="arabicPeriod" startAt="6"/>
+            </a:pPr>
+            <a:r>
+              <a:rPr lang="pt-BR" sz="2200" dirty="0" err="1">
+                <a:ea typeface="+mn-lt"/>
+                <a:cs typeface="+mn-lt"/>
+              </a:rPr>
+              <a:t>Matsugu</a:t>
+            </a:r>
+            <a:r>
+              <a:rPr lang="pt-BR" sz="2200" dirty="0">
+                <a:ea typeface="+mn-lt"/>
+                <a:cs typeface="+mn-lt"/>
+              </a:rPr>
+              <a:t>, M.; Mori, K.; </a:t>
+            </a:r>
+            <a:r>
+              <a:rPr lang="pt-BR" sz="2200" dirty="0" err="1">
+                <a:ea typeface="+mn-lt"/>
+                <a:cs typeface="+mn-lt"/>
+              </a:rPr>
+              <a:t>Mitari</a:t>
+            </a:r>
+            <a:r>
+              <a:rPr lang="pt-BR" sz="2200" dirty="0">
+                <a:ea typeface="+mn-lt"/>
+                <a:cs typeface="+mn-lt"/>
+              </a:rPr>
+              <a:t>, Y.; </a:t>
+            </a:r>
+            <a:r>
+              <a:rPr lang="pt-BR" sz="2200" dirty="0" err="1">
+                <a:ea typeface="+mn-lt"/>
+                <a:cs typeface="+mn-lt"/>
+              </a:rPr>
+              <a:t>Kaneda</a:t>
+            </a:r>
+            <a:r>
+              <a:rPr lang="pt-BR" sz="2200" dirty="0">
+                <a:ea typeface="+mn-lt"/>
+                <a:cs typeface="+mn-lt"/>
+              </a:rPr>
+              <a:t>, Y. </a:t>
+            </a:r>
+            <a:r>
+              <a:rPr lang="pt-BR" sz="2200" b="1" dirty="0" err="1">
+                <a:ea typeface="+mn-lt"/>
+                <a:cs typeface="+mn-lt"/>
+              </a:rPr>
+              <a:t>Subject</a:t>
+            </a:r>
+            <a:r>
+              <a:rPr lang="pt-BR" sz="2200" b="1" dirty="0">
+                <a:ea typeface="+mn-lt"/>
+                <a:cs typeface="+mn-lt"/>
+              </a:rPr>
+              <a:t> </a:t>
+            </a:r>
+            <a:r>
+              <a:rPr lang="pt-BR" sz="2200" b="1" dirty="0" err="1">
+                <a:ea typeface="+mn-lt"/>
+                <a:cs typeface="+mn-lt"/>
+              </a:rPr>
+              <a:t>independent</a:t>
+            </a:r>
+            <a:r>
+              <a:rPr lang="pt-BR" sz="2200" b="1" dirty="0">
+                <a:ea typeface="+mn-lt"/>
+                <a:cs typeface="+mn-lt"/>
+              </a:rPr>
+              <a:t> facial </a:t>
+            </a:r>
+            <a:r>
+              <a:rPr lang="pt-BR" sz="2200" b="1" dirty="0" err="1">
+                <a:ea typeface="+mn-lt"/>
+                <a:cs typeface="+mn-lt"/>
+              </a:rPr>
+              <a:t>expression</a:t>
+            </a:r>
+            <a:r>
+              <a:rPr lang="pt-BR" sz="2200" b="1" dirty="0">
+                <a:ea typeface="+mn-lt"/>
+                <a:cs typeface="+mn-lt"/>
+              </a:rPr>
+              <a:t> </a:t>
+            </a:r>
+            <a:r>
+              <a:rPr lang="pt-BR" sz="2200" b="1" dirty="0" err="1">
+                <a:ea typeface="+mn-lt"/>
+                <a:cs typeface="+mn-lt"/>
+              </a:rPr>
+              <a:t>recognition</a:t>
+            </a:r>
+            <a:r>
+              <a:rPr lang="pt-BR" sz="2200" b="1" dirty="0">
+                <a:ea typeface="+mn-lt"/>
+                <a:cs typeface="+mn-lt"/>
+              </a:rPr>
+              <a:t> </a:t>
+            </a:r>
+            <a:r>
+              <a:rPr lang="pt-BR" sz="2200" b="1" dirty="0" err="1">
+                <a:ea typeface="+mn-lt"/>
+                <a:cs typeface="+mn-lt"/>
+              </a:rPr>
+              <a:t>with</a:t>
+            </a:r>
+            <a:r>
+              <a:rPr lang="pt-BR" sz="2200" b="1" dirty="0">
+                <a:ea typeface="+mn-lt"/>
+                <a:cs typeface="+mn-lt"/>
+              </a:rPr>
+              <a:t> </a:t>
+            </a:r>
+            <a:r>
+              <a:rPr lang="pt-BR" sz="2200" b="1" dirty="0" err="1">
+                <a:ea typeface="+mn-lt"/>
+                <a:cs typeface="+mn-lt"/>
+              </a:rPr>
+              <a:t>robust</a:t>
+            </a:r>
+            <a:r>
+              <a:rPr lang="pt-BR" sz="2200" b="1" dirty="0">
+                <a:ea typeface="+mn-lt"/>
+                <a:cs typeface="+mn-lt"/>
+              </a:rPr>
+              <a:t> face </a:t>
+            </a:r>
+            <a:r>
+              <a:rPr lang="pt-BR" sz="2200" b="1" dirty="0" err="1">
+                <a:ea typeface="+mn-lt"/>
+                <a:cs typeface="+mn-lt"/>
+              </a:rPr>
+              <a:t>detection</a:t>
+            </a:r>
+            <a:r>
+              <a:rPr lang="pt-BR" sz="2200" b="1" dirty="0">
+                <a:ea typeface="+mn-lt"/>
+                <a:cs typeface="+mn-lt"/>
+              </a:rPr>
+              <a:t> </a:t>
+            </a:r>
+            <a:r>
+              <a:rPr lang="pt-BR" sz="2200" b="1" dirty="0" err="1">
+                <a:ea typeface="+mn-lt"/>
+                <a:cs typeface="+mn-lt"/>
+              </a:rPr>
+              <a:t>using</a:t>
+            </a:r>
+            <a:r>
+              <a:rPr lang="pt-BR" sz="2200" b="1" dirty="0">
+                <a:ea typeface="+mn-lt"/>
+                <a:cs typeface="+mn-lt"/>
+              </a:rPr>
+              <a:t> a </a:t>
+            </a:r>
+            <a:r>
+              <a:rPr lang="pt-BR" sz="2200" b="1" dirty="0" err="1">
+                <a:ea typeface="+mn-lt"/>
+                <a:cs typeface="+mn-lt"/>
+              </a:rPr>
+              <a:t>convolutional</a:t>
+            </a:r>
+            <a:r>
+              <a:rPr lang="pt-BR" sz="2200" b="1" dirty="0">
+                <a:ea typeface="+mn-lt"/>
+                <a:cs typeface="+mn-lt"/>
+              </a:rPr>
+              <a:t> neural network</a:t>
+            </a:r>
+            <a:r>
+              <a:rPr lang="pt-BR" sz="2200" dirty="0">
+                <a:ea typeface="+mn-lt"/>
+                <a:cs typeface="+mn-lt"/>
+              </a:rPr>
+              <a:t>. Neural Networks, Volume 16, </a:t>
+            </a:r>
+            <a:r>
+              <a:rPr lang="pt-BR" sz="2200" dirty="0" err="1">
+                <a:ea typeface="+mn-lt"/>
+                <a:cs typeface="+mn-lt"/>
+              </a:rPr>
+              <a:t>Issues</a:t>
+            </a:r>
+            <a:r>
+              <a:rPr lang="pt-BR" sz="2200" dirty="0">
+                <a:ea typeface="+mn-lt"/>
+                <a:cs typeface="+mn-lt"/>
+              </a:rPr>
+              <a:t> 5-6, </a:t>
+            </a:r>
+            <a:r>
+              <a:rPr lang="pt-BR" sz="2200" dirty="0" err="1">
+                <a:ea typeface="+mn-lt"/>
+                <a:cs typeface="+mn-lt"/>
+              </a:rPr>
+              <a:t>Pages</a:t>
+            </a:r>
+            <a:r>
+              <a:rPr lang="pt-BR" sz="2200" dirty="0">
+                <a:ea typeface="+mn-lt"/>
+                <a:cs typeface="+mn-lt"/>
+              </a:rPr>
+              <a:t> 555-559. 2003.</a:t>
+            </a:r>
+            <a:endParaRPr lang="pt-BR" dirty="0"/>
+          </a:p>
+        </p:txBody>
+      </p:sp>
+      <p:sp>
+        <p:nvSpPr>
+          <p:cNvPr id="6" name="Retângulo 4">
+            <a:extLst>
+              <a:ext uri="{FF2B5EF4-FFF2-40B4-BE49-F238E27FC236}">
+                <a16:creationId xmlns:a16="http://schemas.microsoft.com/office/drawing/2014/main" id="{9D368356-A0FD-4638-A627-69AB05A6E61A}"/>
+              </a:ext>
+            </a:extLst>
+          </p:cNvPr>
+          <p:cNvSpPr/>
+          <p:nvPr/>
+        </p:nvSpPr>
+        <p:spPr>
+          <a:xfrm>
+            <a:off x="11229839" y="2124518"/>
+            <a:ext cx="785517" cy="462113"/>
+          </a:xfrm>
+          <a:prstGeom prst="rect">
+            <a:avLst/>
+          </a:prstGeom>
+          <a:solidFill>
+            <a:srgbClr val="CDCDCD"/>
+          </a:solidFill>
+        </p:spPr>
+        <p:txBody>
+          <a:bodyPr wrap="none" lIns="0" tIns="0" rIns="0" bIns="91440" anchor="ctr" anchorCtr="1">
+            <a:noAutofit/>
+          </a:bodyPr>
+          <a:lstStyle/>
+          <a:p>
+            <a:pPr marL="15875" indent="-15875" algn="ctr">
+              <a:lnSpc>
+                <a:spcPts val="3000"/>
+              </a:lnSpc>
+            </a:pPr>
+            <a:r>
+              <a:rPr lang="pt-BR" dirty="0"/>
+              <a:t>[2 de 4]</a:t>
             </a:r>
           </a:p>
         </p:txBody>
@@ -4698,7 +6826,7 @@
     </p:spTree>
     <p:extLst>
       <p:ext uri="{BB962C8B-B14F-4D97-AF65-F5344CB8AC3E}">
-        <p14:creationId xmlns="" xmlns:p14="http://schemas.microsoft.com/office/powerpoint/2010/main" val="303897569"/>
+        <p14:creationId xmlns:p14="http://schemas.microsoft.com/office/powerpoint/2010/main" val="1219197679"/>
       </p:ext>
     </p:extLst>
   </p:cSld>
@@ -4730,7 +6858,7 @@
           <p:cNvPr id="2" name="CaixaDeTexto 1">
             <a:extLst>
               <a:ext uri="{FF2B5EF4-FFF2-40B4-BE49-F238E27FC236}">
-                <a16:creationId xmlns="" xmlns:a16="http://schemas.microsoft.com/office/drawing/2014/main" id="{E2289C40-6B36-4906-BF6F-3D1B594D6D57}"/>
+                <a16:creationId xmlns:a16="http://schemas.microsoft.com/office/drawing/2014/main" id="{E2289C40-6B36-4906-BF6F-3D1B594D6D57}"/>
               </a:ext>
             </a:extLst>
           </p:cNvPr>
@@ -4740,7 +6868,7 @@
         <p:spPr>
           <a:xfrm>
             <a:off x="176644" y="207818"/>
-            <a:ext cx="10619886" cy="523220"/>
+            <a:ext cx="10619886" cy="954107"/>
           </a:xfrm>
           <a:prstGeom prst="rect">
             <a:avLst/>
@@ -4759,17 +6887,17 @@
                   <a:schemeClr val="bg1"/>
                 </a:solidFill>
               </a:rPr>
-              <a:t>3) Referencial Teórico e Metodologia do Projeto Analítico</a:t>
+              <a:t>1) Contexto da Pesquisa, Busca de Artigos Científicos, Problema, Hipóteses e Objetivos do Projeto Analítico</a:t>
             </a:r>
           </a:p>
         </p:txBody>
       </p:sp>
       <p:sp>
         <p:nvSpPr>
-          <p:cNvPr id="3" name="Retângulo 2">
+          <p:cNvPr id="5" name="Retângulo 4">
             <a:extLst>
               <a:ext uri="{FF2B5EF4-FFF2-40B4-BE49-F238E27FC236}">
-                <a16:creationId xmlns="" xmlns:a16="http://schemas.microsoft.com/office/drawing/2014/main" id="{0464F21F-CB9C-45F7-B671-AA1301672C7C}"/>
+                <a16:creationId xmlns:a16="http://schemas.microsoft.com/office/drawing/2014/main" id="{C4351BF4-6949-465B-A55A-C8561462CF2E}"/>
               </a:ext>
             </a:extLst>
           </p:cNvPr>
@@ -4779,7 +6907,7 @@
         <p:spPr>
           <a:xfrm>
             <a:off x="176644" y="1355075"/>
-            <a:ext cx="11919876" cy="462114"/>
+            <a:ext cx="11919876" cy="1231556"/>
           </a:xfrm>
           <a:prstGeom prst="rect">
             <a:avLst/>
@@ -4794,58 +6922,38 @@
           </a:bodyPr>
           <a:lstStyle/>
           <a:p>
-            <a:pPr marL="15875" indent="-15875" algn="just">
+            <a:pPr marL="15875" indent="-15875">
               <a:lnSpc>
                 <a:spcPts val="3000"/>
               </a:lnSpc>
             </a:pPr>
             <a:r>
               <a:rPr lang="pt-BR" sz="2400" dirty="0"/>
-              <a:t>- </a:t>
-            </a:r>
-            <a:r>
-              <a:rPr lang="pt-BR" sz="2400" dirty="0">
-                <a:solidFill>
-                  <a:prstClr val="black"/>
-                </a:solidFill>
-              </a:rPr>
-              <a:t>Qual foi o </a:t>
-            </a:r>
-            <a:r>
-              <a:rPr lang="pt-BR" sz="2400" b="1" dirty="0">
-                <a:solidFill>
-                  <a:prstClr val="black"/>
-                </a:solidFill>
-              </a:rPr>
-              <a:t>REFERENCIAL TEÓRICO</a:t>
-            </a:r>
-            <a:r>
-              <a:rPr lang="pt-BR" sz="2400" dirty="0">
-                <a:solidFill>
-                  <a:prstClr val="black"/>
-                </a:solidFill>
-              </a:rPr>
-              <a:t> concebido (</a:t>
-            </a:r>
-            <a:r>
-              <a:rPr lang="pt-BR" sz="2400" b="1" dirty="0">
-                <a:solidFill>
-                  <a:prstClr val="black"/>
-                </a:solidFill>
-              </a:rPr>
-              <a:t>ler para a turma</a:t>
-            </a:r>
-            <a:r>
-              <a:rPr lang="pt-BR" sz="2400" dirty="0">
-                <a:solidFill>
-                  <a:prstClr val="black"/>
-                </a:solidFill>
-              </a:rPr>
-              <a:t>)</a:t>
+              <a:t>- Quais artigos científicos já trataram do mesmo contexto e/ou utilizaram as mesmas técnicas estatísticas e/ou de </a:t>
+            </a:r>
+            <a:r>
+              <a:rPr lang="pt-BR" sz="2400" i="1" dirty="0" err="1"/>
+              <a:t>machine</a:t>
+            </a:r>
+            <a:r>
+              <a:rPr lang="pt-BR" sz="2400" i="1" dirty="0"/>
+              <a:t> </a:t>
+            </a:r>
+            <a:r>
+              <a:rPr lang="pt-BR" sz="2400" i="1" dirty="0" err="1"/>
+              <a:t>learning</a:t>
             </a:r>
             <a:r>
               <a:rPr lang="pt-BR" sz="2400" dirty="0"/>
-              <a:t>?</a:t>
+              <a:t> que serão utilizadas (</a:t>
+            </a:r>
+            <a:r>
+              <a:rPr lang="pt-BR" sz="2400" b="1" dirty="0"/>
+              <a:t>apresentar resumidamente 20 artigos no mínimo</a:t>
+            </a:r>
+            <a:r>
+              <a:rPr lang="pt-BR" sz="2400" dirty="0"/>
+              <a:t>)?</a:t>
             </a:r>
           </a:p>
         </p:txBody>
@@ -4855,7 +6963,7 @@
           <p:cNvPr id="4" name="CaixaDeTexto 3">
             <a:extLst>
               <a:ext uri="{FF2B5EF4-FFF2-40B4-BE49-F238E27FC236}">
-                <a16:creationId xmlns="" xmlns:a16="http://schemas.microsoft.com/office/drawing/2014/main" id="{2986ED32-27EE-4608-ACDA-A45D763B90F1}"/>
+                <a16:creationId xmlns:a16="http://schemas.microsoft.com/office/drawing/2014/main" id="{E4CC8CAB-3F4C-409C-8745-BB5BD7AF0FCB}"/>
               </a:ext>
             </a:extLst>
           </p:cNvPr>
@@ -4864,8 +6972,8 @@
         </p:nvSpPr>
         <p:spPr>
           <a:xfrm>
-            <a:off x="176644" y="2016087"/>
-            <a:ext cx="11919876" cy="430887"/>
+            <a:off x="176644" y="2699134"/>
+            <a:ext cx="11919876" cy="1785104"/>
           </a:xfrm>
           <a:prstGeom prst="rect">
             <a:avLst/>
@@ -4876,14 +6984,135 @@
           </a:ln>
         </p:spPr>
         <p:txBody>
-          <a:bodyPr wrap="square" rtlCol="0">
+          <a:bodyPr wrap="square" rtlCol="0" anchor="t">
             <a:spAutoFit/>
           </a:bodyPr>
           <a:lstStyle/>
           <a:p>
-            <a:r>
-              <a:rPr lang="pt-BR" sz="2200" i="1" dirty="0"/>
-              <a:t>Escrever aqui</a:t>
+            <a:pPr marL="457200" indent="-457200">
+              <a:buFont typeface="+mj-lt"/>
+              <a:buAutoNum type="arabicPeriod" startAt="11"/>
+            </a:pPr>
+            <a:r>
+              <a:rPr lang="pt-BR" sz="2200" dirty="0" err="1">
+                <a:ea typeface="+mn-lt"/>
+                <a:cs typeface="+mn-lt"/>
+              </a:rPr>
+              <a:t>To-do</a:t>
+            </a:r>
+            <a:endParaRPr lang="pt-BR" sz="2200" dirty="0">
+              <a:ea typeface="+mn-lt"/>
+              <a:cs typeface="+mn-lt"/>
+            </a:endParaRPr>
+          </a:p>
+          <a:p>
+            <a:pPr marL="457200" indent="-457200">
+              <a:buFont typeface="+mj-lt"/>
+              <a:buAutoNum type="arabicPeriod" startAt="11"/>
+            </a:pPr>
+            <a:r>
+              <a:rPr lang="pt-BR" sz="2200" dirty="0" err="1">
+                <a:ea typeface="+mn-lt"/>
+                <a:cs typeface="+mn-lt"/>
+              </a:rPr>
+              <a:t>To-do</a:t>
+            </a:r>
+            <a:endParaRPr lang="pt-BR" sz="2200" dirty="0">
+              <a:ea typeface="+mn-lt"/>
+              <a:cs typeface="+mn-lt"/>
+            </a:endParaRPr>
+          </a:p>
+          <a:p>
+            <a:pPr marL="457200" indent="-457200">
+              <a:buFont typeface="+mj-lt"/>
+              <a:buAutoNum type="arabicPeriod" startAt="11"/>
+            </a:pPr>
+            <a:r>
+              <a:rPr lang="pt-BR" sz="2200" dirty="0" err="1">
+                <a:ea typeface="+mn-lt"/>
+                <a:cs typeface="+mn-lt"/>
+              </a:rPr>
+              <a:t>To-do</a:t>
+            </a:r>
+            <a:endParaRPr lang="pt-BR" sz="2200" dirty="0">
+              <a:ea typeface="+mn-lt"/>
+              <a:cs typeface="+mn-lt"/>
+            </a:endParaRPr>
+          </a:p>
+          <a:p>
+            <a:pPr marL="457200" indent="-457200">
+              <a:buFont typeface="+mj-lt"/>
+              <a:buAutoNum type="arabicPeriod" startAt="11"/>
+            </a:pPr>
+            <a:r>
+              <a:rPr lang="pt-BR" sz="2200" dirty="0" err="1">
+                <a:ea typeface="+mn-lt"/>
+                <a:cs typeface="+mn-lt"/>
+              </a:rPr>
+              <a:t>To-do</a:t>
+            </a:r>
+            <a:endParaRPr lang="pt-BR" sz="2200" dirty="0">
+              <a:ea typeface="+mn-lt"/>
+              <a:cs typeface="+mn-lt"/>
+            </a:endParaRPr>
+          </a:p>
+          <a:p>
+            <a:pPr marL="457200" indent="-457200">
+              <a:buFont typeface="+mj-lt"/>
+              <a:buAutoNum type="arabicPeriod" startAt="11"/>
+            </a:pPr>
+            <a:r>
+              <a:rPr lang="pt-BR" sz="2200" dirty="0" err="1">
+                <a:ea typeface="+mn-lt"/>
+                <a:cs typeface="+mn-lt"/>
+              </a:rPr>
+              <a:t>To-do</a:t>
+            </a:r>
+            <a:endParaRPr lang="pt-BR" sz="2200" dirty="0">
+              <a:ea typeface="+mn-lt"/>
+              <a:cs typeface="+mn-lt"/>
+            </a:endParaRPr>
+          </a:p>
+        </p:txBody>
+      </p:sp>
+      <p:sp>
+        <p:nvSpPr>
+          <p:cNvPr id="6" name="Retângulo 4">
+            <a:extLst>
+              <a:ext uri="{FF2B5EF4-FFF2-40B4-BE49-F238E27FC236}">
+                <a16:creationId xmlns:a16="http://schemas.microsoft.com/office/drawing/2014/main" id="{9D368356-A0FD-4638-A627-69AB05A6E61A}"/>
+              </a:ext>
+            </a:extLst>
+          </p:cNvPr>
+          <p:cNvSpPr/>
+          <p:nvPr/>
+        </p:nvSpPr>
+        <p:spPr>
+          <a:xfrm>
+            <a:off x="11229839" y="2124518"/>
+            <a:ext cx="785517" cy="462113"/>
+          </a:xfrm>
+          <a:prstGeom prst="rect">
+            <a:avLst/>
+          </a:prstGeom>
+          <a:solidFill>
+            <a:srgbClr val="CDCDCD"/>
+          </a:solidFill>
+        </p:spPr>
+        <p:txBody>
+          <a:bodyPr wrap="none" lIns="0" tIns="0" rIns="0" bIns="91440" anchor="ctr" anchorCtr="1">
+            <a:noAutofit/>
+          </a:bodyPr>
+          <a:lstStyle/>
+          <a:p>
+            <a:pPr marL="15875" indent="-15875" algn="ctr">
+              <a:lnSpc>
+                <a:spcPts val="3000"/>
+              </a:lnSpc>
+            </a:pPr>
+            <a:r>
+              <a:rPr lang="pt-BR" dirty="0"/>
+              <a:t>[3 de 4]</a:t>
             </a:r>
           </a:p>
         </p:txBody>
@@ -4891,7 +7120,7 @@
     </p:spTree>
     <p:extLst>
       <p:ext uri="{BB962C8B-B14F-4D97-AF65-F5344CB8AC3E}">
-        <p14:creationId xmlns="" xmlns:p14="http://schemas.microsoft.com/office/powerpoint/2010/main" val="2538997075"/>
+        <p14:creationId xmlns:p14="http://schemas.microsoft.com/office/powerpoint/2010/main" val="2108741987"/>
       </p:ext>
     </p:extLst>
   </p:cSld>
@@ -4923,7 +7152,7 @@
           <p:cNvPr id="2" name="CaixaDeTexto 1">
             <a:extLst>
               <a:ext uri="{FF2B5EF4-FFF2-40B4-BE49-F238E27FC236}">
-                <a16:creationId xmlns="" xmlns:a16="http://schemas.microsoft.com/office/drawing/2014/main" id="{E2289C40-6B36-4906-BF6F-3D1B594D6D57}"/>
+                <a16:creationId xmlns:a16="http://schemas.microsoft.com/office/drawing/2014/main" id="{E2289C40-6B36-4906-BF6F-3D1B594D6D57}"/>
               </a:ext>
             </a:extLst>
           </p:cNvPr>
@@ -4933,7 +7162,7 @@
         <p:spPr>
           <a:xfrm>
             <a:off x="176644" y="207818"/>
-            <a:ext cx="10619886" cy="523220"/>
+            <a:ext cx="10619886" cy="954107"/>
           </a:xfrm>
           <a:prstGeom prst="rect">
             <a:avLst/>
@@ -4952,17 +7181,17 @@
                   <a:schemeClr val="bg1"/>
                 </a:solidFill>
               </a:rPr>
-              <a:t>3) Referencial Teórico e Metodologia do Projeto Analítico</a:t>
+              <a:t>1) Contexto da Pesquisa, Busca de Artigos Científicos, Problema, Hipóteses e Objetivos do Projeto Analítico</a:t>
             </a:r>
           </a:p>
         </p:txBody>
       </p:sp>
       <p:sp>
         <p:nvSpPr>
-          <p:cNvPr id="3" name="Retângulo 2">
+          <p:cNvPr id="5" name="Retângulo 4">
             <a:extLst>
               <a:ext uri="{FF2B5EF4-FFF2-40B4-BE49-F238E27FC236}">
-                <a16:creationId xmlns="" xmlns:a16="http://schemas.microsoft.com/office/drawing/2014/main" id="{0464F21F-CB9C-45F7-B671-AA1301672C7C}"/>
+                <a16:creationId xmlns:a16="http://schemas.microsoft.com/office/drawing/2014/main" id="{C4351BF4-6949-465B-A55A-C8561462CF2E}"/>
               </a:ext>
             </a:extLst>
           </p:cNvPr>
@@ -4972,7 +7201,7 @@
         <p:spPr>
           <a:xfrm>
             <a:off x="176644" y="1355075"/>
-            <a:ext cx="11919876" cy="462114"/>
+            <a:ext cx="11919876" cy="1231556"/>
           </a:xfrm>
           <a:prstGeom prst="rect">
             <a:avLst/>
@@ -4987,45 +7216,90 @@
           </a:bodyPr>
           <a:lstStyle/>
           <a:p>
-            <a:pPr marL="15875" lvl="0" indent="-15875" algn="just">
+            <a:pPr marL="15875" indent="-15875">
               <a:lnSpc>
                 <a:spcPts val="3000"/>
               </a:lnSpc>
             </a:pPr>
             <a:r>
-              <a:rPr lang="pt-BR" sz="2400" dirty="0">
-                <a:solidFill>
-                  <a:prstClr val="black"/>
-                </a:solidFill>
-              </a:rPr>
-              <a:t>- Qual é a </a:t>
-            </a:r>
-            <a:r>
-              <a:rPr lang="pt-BR" sz="2400" b="1" dirty="0">
-                <a:solidFill>
-                  <a:prstClr val="black"/>
-                </a:solidFill>
-              </a:rPr>
-              <a:t>METODOLOGIA</a:t>
-            </a:r>
-            <a:r>
-              <a:rPr lang="pt-BR" sz="2400" dirty="0">
-                <a:solidFill>
-                  <a:prstClr val="black"/>
-                </a:solidFill>
-              </a:rPr>
-              <a:t> (procedimento passo a passo) da pesquisa?</a:t>
-            </a:r>
-            <a:endParaRPr lang="pt-BR" sz="2400" dirty="0"/>
+              <a:rPr lang="pt-BR" sz="2400" dirty="0"/>
+              <a:t>- Quais artigos científicos já trataram do mesmo contexto e/ou utilizaram as mesmas técnicas estatísticas e/ou de </a:t>
+            </a:r>
+            <a:r>
+              <a:rPr lang="pt-BR" sz="2400" i="1" dirty="0" err="1"/>
+              <a:t>machine</a:t>
+            </a:r>
+            <a:r>
+              <a:rPr lang="pt-BR" sz="2400" i="1" dirty="0"/>
+              <a:t> </a:t>
+            </a:r>
+            <a:r>
+              <a:rPr lang="pt-BR" sz="2400" i="1" dirty="0" err="1"/>
+              <a:t>learning</a:t>
+            </a:r>
+            <a:r>
+              <a:rPr lang="pt-BR" sz="2400" dirty="0"/>
+              <a:t> que serão utilizadas (</a:t>
+            </a:r>
+            <a:r>
+              <a:rPr lang="pt-BR" sz="2400" b="1" dirty="0"/>
+              <a:t>apresentar resumidamente 20 artigos no mínimo</a:t>
+            </a:r>
+            <a:r>
+              <a:rPr lang="pt-BR" sz="2400" dirty="0"/>
+              <a:t>)?</a:t>
+            </a:r>
           </a:p>
         </p:txBody>
       </p:sp>
       <p:sp>
         <p:nvSpPr>
-          <p:cNvPr id="4" name="CaixaDeTexto 3">
+          <p:cNvPr id="6" name="Retângulo 4">
             <a:extLst>
               <a:ext uri="{FF2B5EF4-FFF2-40B4-BE49-F238E27FC236}">
-                <a16:creationId xmlns="" xmlns:a16="http://schemas.microsoft.com/office/drawing/2014/main" id="{ACB5372C-5619-4615-BA99-8963D2DAED07}"/>
+                <a16:creationId xmlns:a16="http://schemas.microsoft.com/office/drawing/2014/main" id="{9D368356-A0FD-4638-A627-69AB05A6E61A}"/>
+              </a:ext>
+            </a:extLst>
+          </p:cNvPr>
+          <p:cNvSpPr/>
+          <p:nvPr/>
+        </p:nvSpPr>
+        <p:spPr>
+          <a:xfrm>
+            <a:off x="11229839" y="2124518"/>
+            <a:ext cx="785517" cy="462113"/>
+          </a:xfrm>
+          <a:prstGeom prst="rect">
+            <a:avLst/>
+          </a:prstGeom>
+          <a:solidFill>
+            <a:srgbClr val="CDCDCD"/>
+          </a:solidFill>
+        </p:spPr>
+        <p:txBody>
+          <a:bodyPr wrap="none" lIns="0" tIns="0" rIns="0" bIns="91440" anchor="ctr" anchorCtr="1">
+            <a:noAutofit/>
+          </a:bodyPr>
+          <a:lstStyle/>
+          <a:p>
+            <a:pPr marL="15875" indent="-15875" algn="ctr">
+              <a:lnSpc>
+                <a:spcPts val="3000"/>
+              </a:lnSpc>
+            </a:pPr>
+            <a:r>
+              <a:rPr lang="pt-BR" dirty="0"/>
+              <a:t>[4 de 4]</a:t>
+            </a:r>
+          </a:p>
+        </p:txBody>
+      </p:sp>
+      <p:sp>
+        <p:nvSpPr>
+          <p:cNvPr id="7" name="CaixaDeTexto 3">
+            <a:extLst>
+              <a:ext uri="{FF2B5EF4-FFF2-40B4-BE49-F238E27FC236}">
+                <a16:creationId xmlns:a16="http://schemas.microsoft.com/office/drawing/2014/main" id="{CE3762FA-4222-4801-A067-946EE71C9A52}"/>
               </a:ext>
             </a:extLst>
           </p:cNvPr>
@@ -5034,8 +7308,8 @@
         </p:nvSpPr>
         <p:spPr>
           <a:xfrm>
-            <a:off x="176644" y="2016087"/>
-            <a:ext cx="11919876" cy="430887"/>
+            <a:off x="176644" y="2699134"/>
+            <a:ext cx="11919876" cy="1785104"/>
           </a:xfrm>
           <a:prstGeom prst="rect">
             <a:avLst/>
@@ -5046,22 +7320,101 @@
           </a:ln>
         </p:spPr>
         <p:txBody>
-          <a:bodyPr wrap="square" rtlCol="0">
+          <a:bodyPr wrap="square" rtlCol="0" anchor="t">
             <a:spAutoFit/>
           </a:bodyPr>
           <a:lstStyle/>
           <a:p>
-            <a:r>
-              <a:rPr lang="pt-BR" sz="2200" i="1" dirty="0"/>
-              <a:t>Escrever aqui</a:t>
-            </a:r>
+            <a:pPr marL="457200" indent="-457200">
+              <a:buFont typeface="+mj-lt"/>
+              <a:buAutoNum type="arabicPeriod" startAt="16"/>
+            </a:pPr>
+            <a:r>
+              <a:rPr lang="pt-BR" sz="2200" dirty="0" err="1">
+                <a:ea typeface="+mn-lt"/>
+                <a:cs typeface="+mn-lt"/>
+              </a:rPr>
+              <a:t>To-do</a:t>
+            </a:r>
+            <a:endParaRPr lang="pt-BR" sz="2200" dirty="0">
+              <a:ea typeface="+mn-lt"/>
+              <a:cs typeface="+mn-lt"/>
+            </a:endParaRPr>
+          </a:p>
+          <a:p>
+            <a:pPr marL="457200" indent="-457200">
+              <a:buFont typeface="+mj-lt"/>
+              <a:buAutoNum type="arabicPeriod" startAt="16"/>
+            </a:pPr>
+            <a:r>
+              <a:rPr lang="pt-BR" sz="2200" dirty="0" err="1">
+                <a:ea typeface="+mn-lt"/>
+                <a:cs typeface="+mn-lt"/>
+              </a:rPr>
+              <a:t>To-do</a:t>
+            </a:r>
+            <a:endParaRPr lang="pt-BR" sz="2200" dirty="0">
+              <a:ea typeface="+mn-lt"/>
+              <a:cs typeface="+mn-lt"/>
+            </a:endParaRPr>
+          </a:p>
+          <a:p>
+            <a:pPr marL="457200" indent="-457200">
+              <a:buFont typeface="+mj-lt"/>
+              <a:buAutoNum type="arabicPeriod" startAt="16"/>
+            </a:pPr>
+            <a:r>
+              <a:rPr lang="pt-BR" sz="2200" dirty="0" err="1">
+                <a:ea typeface="+mn-lt"/>
+                <a:cs typeface="+mn-lt"/>
+              </a:rPr>
+              <a:t>To-do</a:t>
+            </a:r>
+            <a:endParaRPr lang="pt-BR" sz="2200" dirty="0">
+              <a:ea typeface="+mn-lt"/>
+              <a:cs typeface="+mn-lt"/>
+            </a:endParaRPr>
+          </a:p>
+          <a:p>
+            <a:pPr marL="457200" indent="-457200">
+              <a:buFont typeface="+mj-lt"/>
+              <a:buAutoNum type="arabicPeriod" startAt="16"/>
+            </a:pPr>
+            <a:r>
+              <a:rPr lang="pt-BR" sz="2200" dirty="0" err="1">
+                <a:ea typeface="+mn-lt"/>
+                <a:cs typeface="+mn-lt"/>
+              </a:rPr>
+              <a:t>To-do</a:t>
+            </a:r>
+            <a:endParaRPr lang="pt-BR" sz="2200" dirty="0">
+              <a:ea typeface="+mn-lt"/>
+              <a:cs typeface="+mn-lt"/>
+            </a:endParaRPr>
+          </a:p>
+          <a:p>
+            <a:pPr marL="457200" indent="-457200">
+              <a:buFont typeface="+mj-lt"/>
+              <a:buAutoNum type="arabicPeriod" startAt="16"/>
+            </a:pPr>
+            <a:r>
+              <a:rPr lang="pt-BR" sz="2200" dirty="0" err="1">
+                <a:ea typeface="+mn-lt"/>
+                <a:cs typeface="+mn-lt"/>
+              </a:rPr>
+              <a:t>To-do</a:t>
+            </a:r>
+            <a:endParaRPr lang="pt-BR" sz="2200" dirty="0">
+              <a:ea typeface="+mn-lt"/>
+              <a:cs typeface="+mn-lt"/>
+            </a:endParaRPr>
           </a:p>
         </p:txBody>
       </p:sp>
     </p:spTree>
     <p:extLst>
       <p:ext uri="{BB962C8B-B14F-4D97-AF65-F5344CB8AC3E}">
-        <p14:creationId xmlns="" xmlns:p14="http://schemas.microsoft.com/office/powerpoint/2010/main" val="1046586723"/>
+        <p14:creationId xmlns:p14="http://schemas.microsoft.com/office/powerpoint/2010/main" val="2356196915"/>
       </p:ext>
     </p:extLst>
   </p:cSld>
@@ -5093,7 +7446,7 @@
           <p:cNvPr id="2" name="CaixaDeTexto 1">
             <a:extLst>
               <a:ext uri="{FF2B5EF4-FFF2-40B4-BE49-F238E27FC236}">
-                <a16:creationId xmlns="" xmlns:a16="http://schemas.microsoft.com/office/drawing/2014/main" id="{E2289C40-6B36-4906-BF6F-3D1B594D6D57}"/>
+                <a16:creationId xmlns:a16="http://schemas.microsoft.com/office/drawing/2014/main" id="{E2289C40-6B36-4906-BF6F-3D1B594D6D57}"/>
               </a:ext>
             </a:extLst>
           </p:cNvPr>
@@ -5103,7 +7456,7 @@
         <p:spPr>
           <a:xfrm>
             <a:off x="176644" y="207818"/>
-            <a:ext cx="10619886" cy="523220"/>
+            <a:ext cx="10058026" cy="954107"/>
           </a:xfrm>
           <a:prstGeom prst="rect">
             <a:avLst/>
@@ -5122,7 +7475,31 @@
                   <a:schemeClr val="bg1"/>
                 </a:solidFill>
               </a:rPr>
-              <a:t>4) Análise dos Dados e Resultados Encontrados</a:t>
+              <a:t>2) Base de Dados e Técnicas Estatísticas e/ou de </a:t>
+            </a:r>
+            <a:r>
+              <a:rPr lang="pt-BR" sz="2800" b="1" i="1" dirty="0" err="1">
+                <a:solidFill>
+                  <a:schemeClr val="bg1"/>
+                </a:solidFill>
+              </a:rPr>
+              <a:t>Machine</a:t>
+            </a:r>
+            <a:r>
+              <a:rPr lang="pt-BR" sz="2800" b="1" i="1" dirty="0">
+                <a:solidFill>
+                  <a:schemeClr val="bg1"/>
+                </a:solidFill>
+              </a:rPr>
+              <a:t> Learning</a:t>
+            </a:r>
+            <a:r>
+              <a:rPr lang="pt-BR" sz="2800" b="1" dirty="0">
+                <a:solidFill>
+                  <a:schemeClr val="bg1"/>
+                </a:solidFill>
+              </a:rPr>
+              <a:t> do Projeto Analítico</a:t>
             </a:r>
           </a:p>
         </p:txBody>
@@ -5132,7 +7509,7 @@
           <p:cNvPr id="3" name="Retângulo 2">
             <a:extLst>
               <a:ext uri="{FF2B5EF4-FFF2-40B4-BE49-F238E27FC236}">
-                <a16:creationId xmlns="" xmlns:a16="http://schemas.microsoft.com/office/drawing/2014/main" id="{6E4F48DF-7BE3-4E81-BCEE-F95E301A11C3}"/>
+                <a16:creationId xmlns:a16="http://schemas.microsoft.com/office/drawing/2014/main" id="{174208DE-0C00-40F4-A31A-3BC0AEE1B5CE}"/>
               </a:ext>
             </a:extLst>
           </p:cNvPr>
@@ -5157,42 +7534,30 @@
           </a:bodyPr>
           <a:lstStyle/>
           <a:p>
-            <a:pPr marL="15875" indent="-15875" algn="just">
+            <a:pPr marL="15875" indent="-15875">
               <a:lnSpc>
                 <a:spcPts val="3000"/>
               </a:lnSpc>
             </a:pPr>
             <a:r>
               <a:rPr lang="pt-BR" sz="2400" dirty="0"/>
-              <a:t>- </a:t>
-            </a:r>
-            <a:r>
-              <a:rPr lang="pt-BR" sz="2400" dirty="0">
-                <a:solidFill>
-                  <a:prstClr val="black"/>
-                </a:solidFill>
-              </a:rPr>
-              <a:t>Quais </a:t>
-            </a:r>
-            <a:r>
-              <a:rPr lang="pt-BR" sz="2400" b="1" dirty="0">
-                <a:solidFill>
-                  <a:prstClr val="black"/>
-                </a:solidFill>
-              </a:rPr>
-              <a:t>RESULTADOS</a:t>
-            </a:r>
-            <a:r>
-              <a:rPr lang="pt-BR" sz="2400" dirty="0">
-                <a:solidFill>
-                  <a:prstClr val="black"/>
-                </a:solidFill>
-              </a:rPr>
-              <a:t> foram encontrados na análise nos dados</a:t>
+              <a:t>- Quais variáveis formam a </a:t>
+            </a:r>
+            <a:r>
+              <a:rPr lang="pt-BR" sz="2400" b="1" dirty="0"/>
+              <a:t>BASE DE DADOS</a:t>
             </a:r>
             <a:r>
               <a:rPr lang="pt-BR" sz="2400" dirty="0"/>
-              <a:t>?</a:t>
+              <a:t> (</a:t>
+            </a:r>
+            <a:r>
+              <a:rPr lang="pt-BR" sz="2400" b="1" dirty="0"/>
+              <a:t>mostrar a base de dados completa</a:t>
+            </a:r>
+            <a:r>
+              <a:rPr lang="pt-BR" sz="2400" dirty="0"/>
+              <a:t>)?</a:t>
             </a:r>
           </a:p>
         </p:txBody>
@@ -5202,7 +7567,7 @@
           <p:cNvPr id="4" name="CaixaDeTexto 3">
             <a:extLst>
               <a:ext uri="{FF2B5EF4-FFF2-40B4-BE49-F238E27FC236}">
-                <a16:creationId xmlns="" xmlns:a16="http://schemas.microsoft.com/office/drawing/2014/main" id="{5F96A4B5-BCBF-4128-AA58-68E853C4C0C1}"/>
+                <a16:creationId xmlns:a16="http://schemas.microsoft.com/office/drawing/2014/main" id="{F523F8A5-43AB-4AB2-BB4F-7F4A30E4A077}"/>
               </a:ext>
             </a:extLst>
           </p:cNvPr>
@@ -5238,7 +7603,7 @@
     </p:spTree>
     <p:extLst>
       <p:ext uri="{BB962C8B-B14F-4D97-AF65-F5344CB8AC3E}">
-        <p14:creationId xmlns="" xmlns:p14="http://schemas.microsoft.com/office/powerpoint/2010/main" val="3932015321"/>
+        <p14:creationId xmlns:p14="http://schemas.microsoft.com/office/powerpoint/2010/main" val="599003997"/>
       </p:ext>
     </p:extLst>
   </p:cSld>
@@ -5270,7 +7635,7 @@
           <p:cNvPr id="2" name="CaixaDeTexto 1">
             <a:extLst>
               <a:ext uri="{FF2B5EF4-FFF2-40B4-BE49-F238E27FC236}">
-                <a16:creationId xmlns="" xmlns:a16="http://schemas.microsoft.com/office/drawing/2014/main" id="{E2289C40-6B36-4906-BF6F-3D1B594D6D57}"/>
+                <a16:creationId xmlns:a16="http://schemas.microsoft.com/office/drawing/2014/main" id="{E2289C40-6B36-4906-BF6F-3D1B594D6D57}"/>
               </a:ext>
             </a:extLst>
           </p:cNvPr>
@@ -5280,7 +7645,7 @@
         <p:spPr>
           <a:xfrm>
             <a:off x="176644" y="207818"/>
-            <a:ext cx="10619886" cy="523220"/>
+            <a:ext cx="10058026" cy="954107"/>
           </a:xfrm>
           <a:prstGeom prst="rect">
             <a:avLst/>
@@ -5299,7 +7664,31 @@
                   <a:schemeClr val="bg1"/>
                 </a:solidFill>
               </a:rPr>
-              <a:t>5) Implicações Gerenciais e Conclusão do Projeto Analítico</a:t>
+              <a:t>2) Base de Dados e Técnicas Estatísticas e/ou de </a:t>
+            </a:r>
+            <a:r>
+              <a:rPr lang="pt-BR" sz="2800" b="1" i="1" dirty="0" err="1">
+                <a:solidFill>
+                  <a:schemeClr val="bg1"/>
+                </a:solidFill>
+              </a:rPr>
+              <a:t>Machine</a:t>
+            </a:r>
+            <a:r>
+              <a:rPr lang="pt-BR" sz="2800" b="1" i="1" dirty="0">
+                <a:solidFill>
+                  <a:schemeClr val="bg1"/>
+                </a:solidFill>
+              </a:rPr>
+              <a:t> Learning</a:t>
+            </a:r>
+            <a:r>
+              <a:rPr lang="pt-BR" sz="2800" b="1" dirty="0">
+                <a:solidFill>
+                  <a:schemeClr val="bg1"/>
+                </a:solidFill>
+              </a:rPr>
+              <a:t> do Projeto Analítico</a:t>
             </a:r>
           </a:p>
         </p:txBody>
@@ -5309,7 +7698,7 @@
           <p:cNvPr id="3" name="Retângulo 2">
             <a:extLst>
               <a:ext uri="{FF2B5EF4-FFF2-40B4-BE49-F238E27FC236}">
-                <a16:creationId xmlns="" xmlns:a16="http://schemas.microsoft.com/office/drawing/2014/main" id="{6E4F48DF-7BE3-4E81-BCEE-F95E301A11C3}"/>
+                <a16:creationId xmlns:a16="http://schemas.microsoft.com/office/drawing/2014/main" id="{174208DE-0C00-40F4-A31A-3BC0AEE1B5CE}"/>
               </a:ext>
             </a:extLst>
           </p:cNvPr>
@@ -5334,34 +7723,30 @@
           </a:bodyPr>
           <a:lstStyle/>
           <a:p>
-            <a:pPr marL="15875" lvl="0" indent="-15875" algn="just">
+            <a:pPr marL="15875" indent="-15875">
               <a:lnSpc>
                 <a:spcPts val="3000"/>
               </a:lnSpc>
             </a:pPr>
             <a:r>
-              <a:rPr lang="pt-BR" sz="2400" dirty="0">
-                <a:solidFill>
-                  <a:prstClr val="black"/>
-                </a:solidFill>
-              </a:rPr>
-              <a:t>- Quais são as </a:t>
-            </a:r>
-            <a:r>
-              <a:rPr lang="pt-BR" sz="2400" b="1" dirty="0">
-                <a:solidFill>
-                  <a:prstClr val="black"/>
-                </a:solidFill>
-              </a:rPr>
-              <a:t>IMPLICAÇÕES GERENCIAIS</a:t>
-            </a:r>
-            <a:r>
-              <a:rPr lang="pt-BR" sz="2400" dirty="0">
-                <a:solidFill>
-                  <a:prstClr val="black"/>
-                </a:solidFill>
-              </a:rPr>
-              <a:t> da pesquisa?</a:t>
+              <a:rPr lang="pt-BR" sz="2400" dirty="0"/>
+              <a:t>- Quais variáveis foram concebidas após aplicação de </a:t>
+            </a:r>
+            <a:r>
+              <a:rPr lang="pt-BR" sz="2400" i="1" dirty="0" err="1"/>
+              <a:t>feature</a:t>
+            </a:r>
+            <a:r>
+              <a:rPr lang="pt-BR" sz="2400" i="1" dirty="0"/>
+              <a:t> </a:t>
+            </a:r>
+            <a:r>
+              <a:rPr lang="pt-BR" sz="2400" i="1" dirty="0" err="1"/>
+              <a:t>engineering</a:t>
+            </a:r>
+            <a:r>
+              <a:rPr lang="pt-BR" sz="2400" dirty="0"/>
+              <a:t>?</a:t>
             </a:r>
           </a:p>
         </p:txBody>
@@ -5371,7 +7756,7 @@
           <p:cNvPr id="4" name="CaixaDeTexto 3">
             <a:extLst>
               <a:ext uri="{FF2B5EF4-FFF2-40B4-BE49-F238E27FC236}">
-                <a16:creationId xmlns="" xmlns:a16="http://schemas.microsoft.com/office/drawing/2014/main" id="{6BFF6B08-BA12-4A27-A6FB-E5AD25D2188C}"/>
+                <a16:creationId xmlns:a16="http://schemas.microsoft.com/office/drawing/2014/main" id="{C7463C38-0C64-417D-97DB-85F9C1B86AF4}"/>
               </a:ext>
             </a:extLst>
           </p:cNvPr>
@@ -5407,7 +7792,7 @@
     </p:spTree>
     <p:extLst>
       <p:ext uri="{BB962C8B-B14F-4D97-AF65-F5344CB8AC3E}">
-        <p14:creationId xmlns="" xmlns:p14="http://schemas.microsoft.com/office/powerpoint/2010/main" val="3981785778"/>
+        <p14:creationId xmlns:p14="http://schemas.microsoft.com/office/powerpoint/2010/main" val="1588210080"/>
       </p:ext>
     </p:extLst>
   </p:cSld>
@@ -5439,7 +7824,7 @@
           <p:cNvPr id="2" name="CaixaDeTexto 1">
             <a:extLst>
               <a:ext uri="{FF2B5EF4-FFF2-40B4-BE49-F238E27FC236}">
-                <a16:creationId xmlns="" xmlns:a16="http://schemas.microsoft.com/office/drawing/2014/main" id="{E2289C40-6B36-4906-BF6F-3D1B594D6D57}"/>
+                <a16:creationId xmlns:a16="http://schemas.microsoft.com/office/drawing/2014/main" id="{E2289C40-6B36-4906-BF6F-3D1B594D6D57}"/>
               </a:ext>
             </a:extLst>
           </p:cNvPr>
@@ -5449,7 +7834,7 @@
         <p:spPr>
           <a:xfrm>
             <a:off x="176644" y="207818"/>
-            <a:ext cx="10619886" cy="523220"/>
+            <a:ext cx="10058026" cy="954107"/>
           </a:xfrm>
           <a:prstGeom prst="rect">
             <a:avLst/>
@@ -5468,7 +7853,31 @@
                   <a:schemeClr val="bg1"/>
                 </a:solidFill>
               </a:rPr>
-              <a:t>5) Implicações Gerenciais e Conclusão do Projeto Analítico</a:t>
+              <a:t>2) Base de Dados e Técnicas Estatísticas e/ou de </a:t>
+            </a:r>
+            <a:r>
+              <a:rPr lang="pt-BR" sz="2800" b="1" i="1" dirty="0" err="1">
+                <a:solidFill>
+                  <a:schemeClr val="bg1"/>
+                </a:solidFill>
+              </a:rPr>
+              <a:t>Machine</a:t>
+            </a:r>
+            <a:r>
+              <a:rPr lang="pt-BR" sz="2800" b="1" i="1" dirty="0">
+                <a:solidFill>
+                  <a:schemeClr val="bg1"/>
+                </a:solidFill>
+              </a:rPr>
+              <a:t> Learning</a:t>
+            </a:r>
+            <a:r>
+              <a:rPr lang="pt-BR" sz="2800" b="1" dirty="0">
+                <a:solidFill>
+                  <a:schemeClr val="bg1"/>
+                </a:solidFill>
+              </a:rPr>
+              <a:t> do Projeto Analítico</a:t>
             </a:r>
           </a:p>
         </p:txBody>
@@ -5478,7 +7887,7 @@
           <p:cNvPr id="3" name="Retângulo 2">
             <a:extLst>
               <a:ext uri="{FF2B5EF4-FFF2-40B4-BE49-F238E27FC236}">
-                <a16:creationId xmlns="" xmlns:a16="http://schemas.microsoft.com/office/drawing/2014/main" id="{6E4F48DF-7BE3-4E81-BCEE-F95E301A11C3}"/>
+                <a16:creationId xmlns:a16="http://schemas.microsoft.com/office/drawing/2014/main" id="{174208DE-0C00-40F4-A31A-3BC0AEE1B5CE}"/>
               </a:ext>
             </a:extLst>
           </p:cNvPr>
@@ -5488,7 +7897,7 @@
         <p:spPr>
           <a:xfrm>
             <a:off x="176644" y="1355075"/>
-            <a:ext cx="11919876" cy="462114"/>
+            <a:ext cx="11919876" cy="846835"/>
           </a:xfrm>
           <a:prstGeom prst="rect">
             <a:avLst/>
@@ -5503,34 +7912,30 @@
           </a:bodyPr>
           <a:lstStyle/>
           <a:p>
-            <a:pPr marL="15875" indent="-15875" algn="just">
+            <a:pPr marL="15875" indent="-15875">
               <a:lnSpc>
                 <a:spcPts val="3000"/>
               </a:lnSpc>
             </a:pPr>
             <a:r>
-              <a:rPr lang="pt-BR" sz="2400" dirty="0">
-                <a:solidFill>
-                  <a:prstClr val="black"/>
-                </a:solidFill>
-              </a:rPr>
-              <a:t>- Quais foram as </a:t>
-            </a:r>
-            <a:r>
-              <a:rPr lang="pt-BR" sz="2400" b="1" dirty="0">
-                <a:solidFill>
-                  <a:prstClr val="black"/>
-                </a:solidFill>
-              </a:rPr>
-              <a:t>LIMITAÇÕES</a:t>
-            </a:r>
-            <a:r>
-              <a:rPr lang="pt-BR" sz="2400" dirty="0">
-                <a:solidFill>
-                  <a:prstClr val="black"/>
-                </a:solidFill>
-              </a:rPr>
-              <a:t> da pesquisa?</a:t>
+              <a:rPr lang="pt-BR" sz="2400" dirty="0"/>
+              <a:t>- Quais técnicas estatísticas e/ou de </a:t>
+            </a:r>
+            <a:r>
+              <a:rPr lang="pt-BR" sz="2400" i="1" dirty="0" err="1"/>
+              <a:t>machine</a:t>
+            </a:r>
+            <a:r>
+              <a:rPr lang="pt-BR" sz="2400" i="1" dirty="0"/>
+              <a:t> </a:t>
+            </a:r>
+            <a:r>
+              <a:rPr lang="pt-BR" sz="2400" i="1" dirty="0" err="1"/>
+              <a:t>learning</a:t>
+            </a:r>
+            <a:r>
+              <a:rPr lang="pt-BR" sz="2400" dirty="0"/>
+              <a:t> serão utilizadas (dentre as aprendidas no curso)?</a:t>
             </a:r>
           </a:p>
         </p:txBody>
@@ -5540,7 +7945,7 @@
           <p:cNvPr id="4" name="CaixaDeTexto 3">
             <a:extLst>
               <a:ext uri="{FF2B5EF4-FFF2-40B4-BE49-F238E27FC236}">
-                <a16:creationId xmlns="" xmlns:a16="http://schemas.microsoft.com/office/drawing/2014/main" id="{D2E0FDAC-7CB4-4675-900E-00A8FF1FFE1A}"/>
+                <a16:creationId xmlns:a16="http://schemas.microsoft.com/office/drawing/2014/main" id="{2CEABB78-1981-4542-9477-F6F9986CDBB1}"/>
               </a:ext>
             </a:extLst>
           </p:cNvPr>
@@ -5549,7 +7954,7 @@
         </p:nvSpPr>
         <p:spPr>
           <a:xfrm>
-            <a:off x="176644" y="2016087"/>
+            <a:off x="176644" y="2291511"/>
             <a:ext cx="11919876" cy="430887"/>
           </a:xfrm>
           <a:prstGeom prst="rect">
@@ -5576,7 +7981,7 @@
     </p:spTree>
     <p:extLst>
       <p:ext uri="{BB962C8B-B14F-4D97-AF65-F5344CB8AC3E}">
-        <p14:creationId xmlns="" xmlns:p14="http://schemas.microsoft.com/office/powerpoint/2010/main" val="1782597892"/>
+        <p14:creationId xmlns:p14="http://schemas.microsoft.com/office/powerpoint/2010/main" val="303897569"/>
       </p:ext>
     </p:extLst>
   </p:cSld>
@@ -5608,7 +8013,7 @@
           <p:cNvPr id="2" name="CaixaDeTexto 1">
             <a:extLst>
               <a:ext uri="{FF2B5EF4-FFF2-40B4-BE49-F238E27FC236}">
-                <a16:creationId xmlns="" xmlns:a16="http://schemas.microsoft.com/office/drawing/2014/main" id="{E2289C40-6B36-4906-BF6F-3D1B594D6D57}"/>
+                <a16:creationId xmlns:a16="http://schemas.microsoft.com/office/drawing/2014/main" id="{E2289C40-6B36-4906-BF6F-3D1B594D6D57}"/>
               </a:ext>
             </a:extLst>
           </p:cNvPr>
@@ -5637,7 +8042,7 @@
                   <a:schemeClr val="bg1"/>
                 </a:solidFill>
               </a:rPr>
-              <a:t>5) Implicações Gerenciais e Conclusão do Projeto Analítico</a:t>
+              <a:t>3) Referencial Teórico e Metodologia do Projeto Analítico</a:t>
             </a:r>
           </a:p>
         </p:txBody>
@@ -5647,7 +8052,7 @@
           <p:cNvPr id="3" name="Retângulo 2">
             <a:extLst>
               <a:ext uri="{FF2B5EF4-FFF2-40B4-BE49-F238E27FC236}">
-                <a16:creationId xmlns="" xmlns:a16="http://schemas.microsoft.com/office/drawing/2014/main" id="{6E4F48DF-7BE3-4E81-BCEE-F95E301A11C3}"/>
+                <a16:creationId xmlns:a16="http://schemas.microsoft.com/office/drawing/2014/main" id="{0464F21F-CB9C-45F7-B671-AA1301672C7C}"/>
               </a:ext>
             </a:extLst>
           </p:cNvPr>
@@ -5678,12 +8083,16 @@
               </a:lnSpc>
             </a:pPr>
             <a:r>
+              <a:rPr lang="pt-BR" sz="2400" dirty="0"/>
+              <a:t>- </a:t>
+            </a:r>
+            <a:r>
               <a:rPr lang="pt-BR" sz="2400" dirty="0">
                 <a:solidFill>
                   <a:prstClr val="black"/>
                 </a:solidFill>
               </a:rPr>
-              <a:t>- Quais são as </a:t>
+              <a:t>Qual foi o </a:t>
             </a:r>
             <a:r>
               <a:rPr lang="pt-BR" sz="2400" b="1" dirty="0">
@@ -5691,7 +8100,7 @@
                   <a:prstClr val="black"/>
                 </a:solidFill>
               </a:rPr>
-              <a:t>RECOMENDAÇÕES</a:t>
+              <a:t>REFERENCIAL TEÓRICO</a:t>
             </a:r>
             <a:r>
               <a:rPr lang="pt-BR" sz="2400" dirty="0">
@@ -5699,7 +8108,7 @@
                   <a:prstClr val="black"/>
                 </a:solidFill>
               </a:rPr>
-              <a:t> para </a:t>
+              <a:t> concebido (</a:t>
             </a:r>
             <a:r>
               <a:rPr lang="pt-BR" sz="2400" b="1" dirty="0">
@@ -5707,7 +8116,7 @@
                   <a:prstClr val="black"/>
                 </a:solidFill>
               </a:rPr>
-              <a:t>PESQUISAS FUTURAS</a:t>
+              <a:t>ler para a turma</a:t>
             </a:r>
             <a:r>
               <a:rPr lang="pt-BR" sz="2400" dirty="0">
@@ -5715,6 +8124,10 @@
                   <a:prstClr val="black"/>
                 </a:solidFill>
               </a:rPr>
+              <a:t>)</a:t>
+            </a:r>
+            <a:r>
+              <a:rPr lang="pt-BR" sz="2400" dirty="0"/>
               <a:t>?</a:t>
             </a:r>
           </a:p>
@@ -5725,7 +8138,7 @@
           <p:cNvPr id="4" name="CaixaDeTexto 3">
             <a:extLst>
               <a:ext uri="{FF2B5EF4-FFF2-40B4-BE49-F238E27FC236}">
-                <a16:creationId xmlns="" xmlns:a16="http://schemas.microsoft.com/office/drawing/2014/main" id="{A669B354-350D-4C90-B1CF-E0DF5E164E9D}"/>
+                <a16:creationId xmlns:a16="http://schemas.microsoft.com/office/drawing/2014/main" id="{2986ED32-27EE-4608-ACDA-A45D763B90F1}"/>
               </a:ext>
             </a:extLst>
           </p:cNvPr>
@@ -5761,7 +8174,7 @@
     </p:spTree>
     <p:extLst>
       <p:ext uri="{BB962C8B-B14F-4D97-AF65-F5344CB8AC3E}">
-        <p14:creationId xmlns="" xmlns:p14="http://schemas.microsoft.com/office/powerpoint/2010/main" val="282548394"/>
+        <p14:creationId xmlns:p14="http://schemas.microsoft.com/office/powerpoint/2010/main" val="2538997075"/>
       </p:ext>
     </p:extLst>
   </p:cSld>
@@ -5793,7 +8206,7 @@
           <p:cNvPr id="2" name="CaixaDeTexto 1">
             <a:extLst>
               <a:ext uri="{FF2B5EF4-FFF2-40B4-BE49-F238E27FC236}">
-                <a16:creationId xmlns="" xmlns:a16="http://schemas.microsoft.com/office/drawing/2014/main" id="{E2289C40-6B36-4906-BF6F-3D1B594D6D57}"/>
+                <a16:creationId xmlns:a16="http://schemas.microsoft.com/office/drawing/2014/main" id="{E2289C40-6B36-4906-BF6F-3D1B594D6D57}"/>
               </a:ext>
             </a:extLst>
           </p:cNvPr>
@@ -5822,7 +8235,7 @@
                   <a:schemeClr val="bg1"/>
                 </a:solidFill>
               </a:rPr>
-              <a:t>5) Implicações Gerenciais e Conclusão do Projeto Analítico</a:t>
+              <a:t>3) Referencial Teórico e Metodologia do Projeto Analítico</a:t>
             </a:r>
           </a:p>
         </p:txBody>
@@ -5832,7 +8245,7 @@
           <p:cNvPr id="3" name="Retângulo 2">
             <a:extLst>
               <a:ext uri="{FF2B5EF4-FFF2-40B4-BE49-F238E27FC236}">
-                <a16:creationId xmlns="" xmlns:a16="http://schemas.microsoft.com/office/drawing/2014/main" id="{6E4F48DF-7BE3-4E81-BCEE-F95E301A11C3}"/>
+                <a16:creationId xmlns:a16="http://schemas.microsoft.com/office/drawing/2014/main" id="{0464F21F-CB9C-45F7-B671-AA1301672C7C}"/>
               </a:ext>
             </a:extLst>
           </p:cNvPr>
@@ -5857,7 +8270,7 @@
           </a:bodyPr>
           <a:lstStyle/>
           <a:p>
-            <a:pPr marL="15875" indent="-15875" algn="just">
+            <a:pPr marL="15875" lvl="0" indent="-15875" algn="just">
               <a:lnSpc>
                 <a:spcPts val="3000"/>
               </a:lnSpc>
@@ -5868,7 +8281,7 @@
                   <a:prstClr val="black"/>
                 </a:solidFill>
               </a:rPr>
-              <a:t>- Quais são as </a:t>
+              <a:t>- Qual é a </a:t>
             </a:r>
             <a:r>
               <a:rPr lang="pt-BR" sz="2400" b="1" dirty="0">
@@ -5876,7 +8289,7 @@
                   <a:prstClr val="black"/>
                 </a:solidFill>
               </a:rPr>
-              <a:t>CONCLUSÕES</a:t>
+              <a:t>METODOLOGIA</a:t>
             </a:r>
             <a:r>
               <a:rPr lang="pt-BR" sz="2400" dirty="0">
@@ -5884,8 +8297,9 @@
                   <a:prstClr val="black"/>
                 </a:solidFill>
               </a:rPr>
-              <a:t> da pesquisa?</a:t>
-            </a:r>
+              <a:t> (procedimento passo a passo) da pesquisa?</a:t>
+            </a:r>
+            <a:endParaRPr lang="pt-BR" sz="2400" dirty="0"/>
           </a:p>
         </p:txBody>
       </p:sp>
@@ -5894,7 +8308,7 @@
           <p:cNvPr id="4" name="CaixaDeTexto 3">
             <a:extLst>
               <a:ext uri="{FF2B5EF4-FFF2-40B4-BE49-F238E27FC236}">
-                <a16:creationId xmlns="" xmlns:a16="http://schemas.microsoft.com/office/drawing/2014/main" id="{C36FC670-86D1-44ED-81A6-560366F90D65}"/>
+                <a16:creationId xmlns:a16="http://schemas.microsoft.com/office/drawing/2014/main" id="{ACB5372C-5619-4615-BA99-8963D2DAED07}"/>
               </a:ext>
             </a:extLst>
           </p:cNvPr>
@@ -5930,7 +8344,184 @@
     </p:spTree>
     <p:extLst>
       <p:ext uri="{BB962C8B-B14F-4D97-AF65-F5344CB8AC3E}">
-        <p14:creationId xmlns="" xmlns:p14="http://schemas.microsoft.com/office/powerpoint/2010/main" val="1923219699"/>
+        <p14:creationId xmlns:p14="http://schemas.microsoft.com/office/powerpoint/2010/main" val="1046586723"/>
+      </p:ext>
+    </p:extLst>
+  </p:cSld>
+  <p:clrMapOvr>
+    <a:masterClrMapping/>
+  </p:clrMapOvr>
+</p:sld>
+</file>
+
+<file path=ppt/slides/slide19.xml><?xml version="1.0" encoding="utf-8"?>
+<p:sld xmlns:a="http://schemas.openxmlformats.org/drawingml/2006/main" xmlns:r="http://schemas.openxmlformats.org/officeDocument/2006/relationships" xmlns:p="http://schemas.openxmlformats.org/presentationml/2006/main">
+  <p:cSld>
+    <p:spTree>
+      <p:nvGrpSpPr>
+        <p:cNvPr id="1" name=""/>
+        <p:cNvGrpSpPr/>
+        <p:nvPr/>
+      </p:nvGrpSpPr>
+      <p:grpSpPr>
+        <a:xfrm>
+          <a:off x="0" y="0"/>
+          <a:ext cx="0" cy="0"/>
+          <a:chOff x="0" y="0"/>
+          <a:chExt cx="0" cy="0"/>
+        </a:xfrm>
+      </p:grpSpPr>
+      <p:sp>
+        <p:nvSpPr>
+          <p:cNvPr id="2" name="CaixaDeTexto 1">
+            <a:extLst>
+              <a:ext uri="{FF2B5EF4-FFF2-40B4-BE49-F238E27FC236}">
+                <a16:creationId xmlns:a16="http://schemas.microsoft.com/office/drawing/2014/main" id="{E2289C40-6B36-4906-BF6F-3D1B594D6D57}"/>
+              </a:ext>
+            </a:extLst>
+          </p:cNvPr>
+          <p:cNvSpPr txBox="1"/>
+          <p:nvPr/>
+        </p:nvSpPr>
+        <p:spPr>
+          <a:xfrm>
+            <a:off x="176644" y="207818"/>
+            <a:ext cx="10619886" cy="523220"/>
+          </a:xfrm>
+          <a:prstGeom prst="rect">
+            <a:avLst/>
+          </a:prstGeom>
+          <a:noFill/>
+        </p:spPr>
+        <p:txBody>
+          <a:bodyPr wrap="square" rtlCol="0">
+            <a:spAutoFit/>
+          </a:bodyPr>
+          <a:lstStyle/>
+          <a:p>
+            <a:r>
+              <a:rPr lang="pt-BR" sz="2800" b="1" dirty="0">
+                <a:solidFill>
+                  <a:schemeClr val="bg1"/>
+                </a:solidFill>
+              </a:rPr>
+              <a:t>4) Análise dos Dados e Resultados Encontrados</a:t>
+            </a:r>
+          </a:p>
+        </p:txBody>
+      </p:sp>
+      <p:sp>
+        <p:nvSpPr>
+          <p:cNvPr id="3" name="Retângulo 2">
+            <a:extLst>
+              <a:ext uri="{FF2B5EF4-FFF2-40B4-BE49-F238E27FC236}">
+                <a16:creationId xmlns:a16="http://schemas.microsoft.com/office/drawing/2014/main" id="{6E4F48DF-7BE3-4E81-BCEE-F95E301A11C3}"/>
+              </a:ext>
+            </a:extLst>
+          </p:cNvPr>
+          <p:cNvSpPr/>
+          <p:nvPr/>
+        </p:nvSpPr>
+        <p:spPr>
+          <a:xfrm>
+            <a:off x="176644" y="1355075"/>
+            <a:ext cx="11919876" cy="462114"/>
+          </a:xfrm>
+          <a:prstGeom prst="rect">
+            <a:avLst/>
+          </a:prstGeom>
+          <a:solidFill>
+            <a:srgbClr val="CDCDCD"/>
+          </a:solidFill>
+        </p:spPr>
+        <p:txBody>
+          <a:bodyPr wrap="square">
+            <a:spAutoFit/>
+          </a:bodyPr>
+          <a:lstStyle/>
+          <a:p>
+            <a:pPr marL="15875" indent="-15875" algn="just">
+              <a:lnSpc>
+                <a:spcPts val="3000"/>
+              </a:lnSpc>
+            </a:pPr>
+            <a:r>
+              <a:rPr lang="pt-BR" sz="2400" dirty="0"/>
+              <a:t>- </a:t>
+            </a:r>
+            <a:r>
+              <a:rPr lang="pt-BR" sz="2400" dirty="0">
+                <a:solidFill>
+                  <a:prstClr val="black"/>
+                </a:solidFill>
+              </a:rPr>
+              <a:t>Quais </a:t>
+            </a:r>
+            <a:r>
+              <a:rPr lang="pt-BR" sz="2400" b="1" dirty="0">
+                <a:solidFill>
+                  <a:prstClr val="black"/>
+                </a:solidFill>
+              </a:rPr>
+              <a:t>RESULTADOS</a:t>
+            </a:r>
+            <a:r>
+              <a:rPr lang="pt-BR" sz="2400" dirty="0">
+                <a:solidFill>
+                  <a:prstClr val="black"/>
+                </a:solidFill>
+              </a:rPr>
+              <a:t> foram encontrados na análise nos dados</a:t>
+            </a:r>
+            <a:r>
+              <a:rPr lang="pt-BR" sz="2400" dirty="0"/>
+              <a:t>?</a:t>
+            </a:r>
+          </a:p>
+        </p:txBody>
+      </p:sp>
+      <p:sp>
+        <p:nvSpPr>
+          <p:cNvPr id="4" name="CaixaDeTexto 3">
+            <a:extLst>
+              <a:ext uri="{FF2B5EF4-FFF2-40B4-BE49-F238E27FC236}">
+                <a16:creationId xmlns:a16="http://schemas.microsoft.com/office/drawing/2014/main" id="{5F96A4B5-BCBF-4128-AA58-68E853C4C0C1}"/>
+              </a:ext>
+            </a:extLst>
+          </p:cNvPr>
+          <p:cNvSpPr txBox="1"/>
+          <p:nvPr/>
+        </p:nvSpPr>
+        <p:spPr>
+          <a:xfrm>
+            <a:off x="176644" y="2016087"/>
+            <a:ext cx="11919876" cy="430887"/>
+          </a:xfrm>
+          <a:prstGeom prst="rect">
+            <a:avLst/>
+          </a:prstGeom>
+          <a:noFill/>
+          <a:ln>
+            <a:noFill/>
+          </a:ln>
+        </p:spPr>
+        <p:txBody>
+          <a:bodyPr wrap="square" rtlCol="0">
+            <a:spAutoFit/>
+          </a:bodyPr>
+          <a:lstStyle/>
+          <a:p>
+            <a:r>
+              <a:rPr lang="pt-BR" sz="2200" i="1" dirty="0"/>
+              <a:t>Escrever aqui</a:t>
+            </a:r>
+          </a:p>
+        </p:txBody>
+      </p:sp>
+    </p:spTree>
+    <p:extLst>
+      <p:ext uri="{BB962C8B-B14F-4D97-AF65-F5344CB8AC3E}">
+        <p14:creationId xmlns:p14="http://schemas.microsoft.com/office/powerpoint/2010/main" val="3932015321"/>
       </p:ext>
     </p:extLst>
   </p:cSld>
@@ -5962,7 +8553,7 @@
           <p:cNvPr id="2" name="CaixaDeTexto 1">
             <a:extLst>
               <a:ext uri="{FF2B5EF4-FFF2-40B4-BE49-F238E27FC236}">
-                <a16:creationId xmlns="" xmlns:a16="http://schemas.microsoft.com/office/drawing/2014/main" id="{E2289C40-6B36-4906-BF6F-3D1B594D6D57}"/>
+                <a16:creationId xmlns:a16="http://schemas.microsoft.com/office/drawing/2014/main" id="{E2289C40-6B36-4906-BF6F-3D1B594D6D57}"/>
               </a:ext>
             </a:extLst>
           </p:cNvPr>
@@ -6001,7 +8592,7 @@
           <p:cNvPr id="5" name="Retângulo 4">
             <a:extLst>
               <a:ext uri="{FF2B5EF4-FFF2-40B4-BE49-F238E27FC236}">
-                <a16:creationId xmlns="" xmlns:a16="http://schemas.microsoft.com/office/drawing/2014/main" id="{C4351BF4-6949-465B-A55A-C8561462CF2E}"/>
+                <a16:creationId xmlns:a16="http://schemas.microsoft.com/office/drawing/2014/main" id="{C4351BF4-6949-465B-A55A-C8561462CF2E}"/>
               </a:ext>
             </a:extLst>
           </p:cNvPr>
@@ -6043,7 +8634,7 @@
           <p:cNvPr id="6" name="CaixaDeTexto 5">
             <a:extLst>
               <a:ext uri="{FF2B5EF4-FFF2-40B4-BE49-F238E27FC236}">
-                <a16:creationId xmlns="" xmlns:a16="http://schemas.microsoft.com/office/drawing/2014/main" id="{D5F67441-A755-4247-851C-41974715F282}"/>
+                <a16:creationId xmlns:a16="http://schemas.microsoft.com/office/drawing/2014/main" id="{D5F67441-A755-4247-851C-41974715F282}"/>
               </a:ext>
             </a:extLst>
           </p:cNvPr>
@@ -6117,7 +8708,7 @@
             </a:r>
             <a:r>
               <a:rPr lang="pt-BR" sz="2200" i="1" dirty="0"/>
-              <a:t>).</a:t>
+              <a:t>), dentre outras orientações e recomendações.</a:t>
             </a:r>
           </a:p>
         </p:txBody>
@@ -6127,7 +8718,7 @@
           <p:cNvPr id="7" name="Retângulo 4">
             <a:extLst>
               <a:ext uri="{FF2B5EF4-FFF2-40B4-BE49-F238E27FC236}">
-                <a16:creationId xmlns="" xmlns:a16="http://schemas.microsoft.com/office/drawing/2014/main" id="{F98E677B-3EA7-49FD-AAB2-91F960419DAB}"/>
+                <a16:creationId xmlns:a16="http://schemas.microsoft.com/office/drawing/2014/main" id="{F98E677B-3EA7-49FD-AAB2-91F960419DAB}"/>
               </a:ext>
             </a:extLst>
           </p:cNvPr>
@@ -6159,7 +8750,7 @@
             </a:pPr>
             <a:r>
               <a:rPr lang="pt-BR" dirty="0"/>
-              <a:t>[1 de 3]</a:t>
+              <a:t>[1 de 5]</a:t>
             </a:r>
           </a:p>
         </p:txBody>
@@ -6167,7 +8758,743 @@
     </p:spTree>
     <p:extLst>
       <p:ext uri="{BB962C8B-B14F-4D97-AF65-F5344CB8AC3E}">
-        <p14:creationId xmlns="" xmlns:p14="http://schemas.microsoft.com/office/powerpoint/2010/main" val="351260889"/>
+        <p14:creationId xmlns:p14="http://schemas.microsoft.com/office/powerpoint/2010/main" val="351260889"/>
+      </p:ext>
+    </p:extLst>
+  </p:cSld>
+  <p:clrMapOvr>
+    <a:masterClrMapping/>
+  </p:clrMapOvr>
+</p:sld>
+</file>
+
+<file path=ppt/slides/slide20.xml><?xml version="1.0" encoding="utf-8"?>
+<p:sld xmlns:a="http://schemas.openxmlformats.org/drawingml/2006/main" xmlns:r="http://schemas.openxmlformats.org/officeDocument/2006/relationships" xmlns:p="http://schemas.openxmlformats.org/presentationml/2006/main">
+  <p:cSld>
+    <p:spTree>
+      <p:nvGrpSpPr>
+        <p:cNvPr id="1" name=""/>
+        <p:cNvGrpSpPr/>
+        <p:nvPr/>
+      </p:nvGrpSpPr>
+      <p:grpSpPr>
+        <a:xfrm>
+          <a:off x="0" y="0"/>
+          <a:ext cx="0" cy="0"/>
+          <a:chOff x="0" y="0"/>
+          <a:chExt cx="0" cy="0"/>
+        </a:xfrm>
+      </p:grpSpPr>
+      <p:sp>
+        <p:nvSpPr>
+          <p:cNvPr id="2" name="CaixaDeTexto 1">
+            <a:extLst>
+              <a:ext uri="{FF2B5EF4-FFF2-40B4-BE49-F238E27FC236}">
+                <a16:creationId xmlns:a16="http://schemas.microsoft.com/office/drawing/2014/main" id="{E2289C40-6B36-4906-BF6F-3D1B594D6D57}"/>
+              </a:ext>
+            </a:extLst>
+          </p:cNvPr>
+          <p:cNvSpPr txBox="1"/>
+          <p:nvPr/>
+        </p:nvSpPr>
+        <p:spPr>
+          <a:xfrm>
+            <a:off x="176644" y="207818"/>
+            <a:ext cx="10619886" cy="523220"/>
+          </a:xfrm>
+          <a:prstGeom prst="rect">
+            <a:avLst/>
+          </a:prstGeom>
+          <a:noFill/>
+        </p:spPr>
+        <p:txBody>
+          <a:bodyPr wrap="square" rtlCol="0">
+            <a:spAutoFit/>
+          </a:bodyPr>
+          <a:lstStyle/>
+          <a:p>
+            <a:r>
+              <a:rPr lang="pt-BR" sz="2800" b="1" dirty="0">
+                <a:solidFill>
+                  <a:schemeClr val="bg1"/>
+                </a:solidFill>
+              </a:rPr>
+              <a:t>5) Implicações Gerenciais e Conclusão do Projeto Analítico</a:t>
+            </a:r>
+          </a:p>
+        </p:txBody>
+      </p:sp>
+      <p:sp>
+        <p:nvSpPr>
+          <p:cNvPr id="3" name="Retângulo 2">
+            <a:extLst>
+              <a:ext uri="{FF2B5EF4-FFF2-40B4-BE49-F238E27FC236}">
+                <a16:creationId xmlns:a16="http://schemas.microsoft.com/office/drawing/2014/main" id="{6E4F48DF-7BE3-4E81-BCEE-F95E301A11C3}"/>
+              </a:ext>
+            </a:extLst>
+          </p:cNvPr>
+          <p:cNvSpPr/>
+          <p:nvPr/>
+        </p:nvSpPr>
+        <p:spPr>
+          <a:xfrm>
+            <a:off x="176644" y="1355075"/>
+            <a:ext cx="11919876" cy="462114"/>
+          </a:xfrm>
+          <a:prstGeom prst="rect">
+            <a:avLst/>
+          </a:prstGeom>
+          <a:solidFill>
+            <a:srgbClr val="CDCDCD"/>
+          </a:solidFill>
+        </p:spPr>
+        <p:txBody>
+          <a:bodyPr wrap="square">
+            <a:spAutoFit/>
+          </a:bodyPr>
+          <a:lstStyle/>
+          <a:p>
+            <a:pPr marL="15875" lvl="0" indent="-15875" algn="just">
+              <a:lnSpc>
+                <a:spcPts val="3000"/>
+              </a:lnSpc>
+            </a:pPr>
+            <a:r>
+              <a:rPr lang="pt-BR" sz="2400" dirty="0">
+                <a:solidFill>
+                  <a:prstClr val="black"/>
+                </a:solidFill>
+              </a:rPr>
+              <a:t>- Quais são as </a:t>
+            </a:r>
+            <a:r>
+              <a:rPr lang="pt-BR" sz="2400" b="1" dirty="0">
+                <a:solidFill>
+                  <a:prstClr val="black"/>
+                </a:solidFill>
+              </a:rPr>
+              <a:t>IMPLICAÇÕES GERENCIAIS</a:t>
+            </a:r>
+            <a:r>
+              <a:rPr lang="pt-BR" sz="2400" dirty="0">
+                <a:solidFill>
+                  <a:prstClr val="black"/>
+                </a:solidFill>
+              </a:rPr>
+              <a:t> da pesquisa?</a:t>
+            </a:r>
+          </a:p>
+        </p:txBody>
+      </p:sp>
+      <p:sp>
+        <p:nvSpPr>
+          <p:cNvPr id="4" name="CaixaDeTexto 3">
+            <a:extLst>
+              <a:ext uri="{FF2B5EF4-FFF2-40B4-BE49-F238E27FC236}">
+                <a16:creationId xmlns:a16="http://schemas.microsoft.com/office/drawing/2014/main" id="{6BFF6B08-BA12-4A27-A6FB-E5AD25D2188C}"/>
+              </a:ext>
+            </a:extLst>
+          </p:cNvPr>
+          <p:cNvSpPr txBox="1"/>
+          <p:nvPr/>
+        </p:nvSpPr>
+        <p:spPr>
+          <a:xfrm>
+            <a:off x="176644" y="2016087"/>
+            <a:ext cx="11919876" cy="430887"/>
+          </a:xfrm>
+          <a:prstGeom prst="rect">
+            <a:avLst/>
+          </a:prstGeom>
+          <a:noFill/>
+          <a:ln>
+            <a:noFill/>
+          </a:ln>
+        </p:spPr>
+        <p:txBody>
+          <a:bodyPr wrap="square" rtlCol="0">
+            <a:spAutoFit/>
+          </a:bodyPr>
+          <a:lstStyle/>
+          <a:p>
+            <a:r>
+              <a:rPr lang="pt-BR" sz="2200" i="1" dirty="0"/>
+              <a:t>Escrever aqui</a:t>
+            </a:r>
+          </a:p>
+        </p:txBody>
+      </p:sp>
+    </p:spTree>
+    <p:extLst>
+      <p:ext uri="{BB962C8B-B14F-4D97-AF65-F5344CB8AC3E}">
+        <p14:creationId xmlns:p14="http://schemas.microsoft.com/office/powerpoint/2010/main" val="3981785778"/>
+      </p:ext>
+    </p:extLst>
+  </p:cSld>
+  <p:clrMapOvr>
+    <a:masterClrMapping/>
+  </p:clrMapOvr>
+</p:sld>
+</file>
+
+<file path=ppt/slides/slide21.xml><?xml version="1.0" encoding="utf-8"?>
+<p:sld xmlns:a="http://schemas.openxmlformats.org/drawingml/2006/main" xmlns:r="http://schemas.openxmlformats.org/officeDocument/2006/relationships" xmlns:p="http://schemas.openxmlformats.org/presentationml/2006/main">
+  <p:cSld>
+    <p:spTree>
+      <p:nvGrpSpPr>
+        <p:cNvPr id="1" name=""/>
+        <p:cNvGrpSpPr/>
+        <p:nvPr/>
+      </p:nvGrpSpPr>
+      <p:grpSpPr>
+        <a:xfrm>
+          <a:off x="0" y="0"/>
+          <a:ext cx="0" cy="0"/>
+          <a:chOff x="0" y="0"/>
+          <a:chExt cx="0" cy="0"/>
+        </a:xfrm>
+      </p:grpSpPr>
+      <p:sp>
+        <p:nvSpPr>
+          <p:cNvPr id="2" name="CaixaDeTexto 1">
+            <a:extLst>
+              <a:ext uri="{FF2B5EF4-FFF2-40B4-BE49-F238E27FC236}">
+                <a16:creationId xmlns:a16="http://schemas.microsoft.com/office/drawing/2014/main" id="{E2289C40-6B36-4906-BF6F-3D1B594D6D57}"/>
+              </a:ext>
+            </a:extLst>
+          </p:cNvPr>
+          <p:cNvSpPr txBox="1"/>
+          <p:nvPr/>
+        </p:nvSpPr>
+        <p:spPr>
+          <a:xfrm>
+            <a:off x="176644" y="207818"/>
+            <a:ext cx="10619886" cy="523220"/>
+          </a:xfrm>
+          <a:prstGeom prst="rect">
+            <a:avLst/>
+          </a:prstGeom>
+          <a:noFill/>
+        </p:spPr>
+        <p:txBody>
+          <a:bodyPr wrap="square" rtlCol="0">
+            <a:spAutoFit/>
+          </a:bodyPr>
+          <a:lstStyle/>
+          <a:p>
+            <a:r>
+              <a:rPr lang="pt-BR" sz="2800" b="1" dirty="0">
+                <a:solidFill>
+                  <a:schemeClr val="bg1"/>
+                </a:solidFill>
+              </a:rPr>
+              <a:t>5) Implicações Gerenciais e Conclusão do Projeto Analítico</a:t>
+            </a:r>
+          </a:p>
+        </p:txBody>
+      </p:sp>
+      <p:sp>
+        <p:nvSpPr>
+          <p:cNvPr id="3" name="Retângulo 2">
+            <a:extLst>
+              <a:ext uri="{FF2B5EF4-FFF2-40B4-BE49-F238E27FC236}">
+                <a16:creationId xmlns:a16="http://schemas.microsoft.com/office/drawing/2014/main" id="{6E4F48DF-7BE3-4E81-BCEE-F95E301A11C3}"/>
+              </a:ext>
+            </a:extLst>
+          </p:cNvPr>
+          <p:cNvSpPr/>
+          <p:nvPr/>
+        </p:nvSpPr>
+        <p:spPr>
+          <a:xfrm>
+            <a:off x="176644" y="1355075"/>
+            <a:ext cx="11919876" cy="462114"/>
+          </a:xfrm>
+          <a:prstGeom prst="rect">
+            <a:avLst/>
+          </a:prstGeom>
+          <a:solidFill>
+            <a:srgbClr val="CDCDCD"/>
+          </a:solidFill>
+        </p:spPr>
+        <p:txBody>
+          <a:bodyPr wrap="square">
+            <a:spAutoFit/>
+          </a:bodyPr>
+          <a:lstStyle/>
+          <a:p>
+            <a:pPr marL="15875" indent="-15875" algn="just">
+              <a:lnSpc>
+                <a:spcPts val="3000"/>
+              </a:lnSpc>
+            </a:pPr>
+            <a:r>
+              <a:rPr lang="pt-BR" sz="2400" dirty="0">
+                <a:solidFill>
+                  <a:prstClr val="black"/>
+                </a:solidFill>
+              </a:rPr>
+              <a:t>- Quais foram as </a:t>
+            </a:r>
+            <a:r>
+              <a:rPr lang="pt-BR" sz="2400" b="1" dirty="0">
+                <a:solidFill>
+                  <a:prstClr val="black"/>
+                </a:solidFill>
+              </a:rPr>
+              <a:t>LIMITAÇÕES</a:t>
+            </a:r>
+            <a:r>
+              <a:rPr lang="pt-BR" sz="2400" dirty="0">
+                <a:solidFill>
+                  <a:prstClr val="black"/>
+                </a:solidFill>
+              </a:rPr>
+              <a:t> da pesquisa?</a:t>
+            </a:r>
+          </a:p>
+        </p:txBody>
+      </p:sp>
+      <p:sp>
+        <p:nvSpPr>
+          <p:cNvPr id="4" name="CaixaDeTexto 3">
+            <a:extLst>
+              <a:ext uri="{FF2B5EF4-FFF2-40B4-BE49-F238E27FC236}">
+                <a16:creationId xmlns:a16="http://schemas.microsoft.com/office/drawing/2014/main" id="{D2E0FDAC-7CB4-4675-900E-00A8FF1FFE1A}"/>
+              </a:ext>
+            </a:extLst>
+          </p:cNvPr>
+          <p:cNvSpPr txBox="1"/>
+          <p:nvPr/>
+        </p:nvSpPr>
+        <p:spPr>
+          <a:xfrm>
+            <a:off x="176644" y="2016087"/>
+            <a:ext cx="11919876" cy="430887"/>
+          </a:xfrm>
+          <a:prstGeom prst="rect">
+            <a:avLst/>
+          </a:prstGeom>
+          <a:noFill/>
+          <a:ln>
+            <a:noFill/>
+          </a:ln>
+        </p:spPr>
+        <p:txBody>
+          <a:bodyPr wrap="square" rtlCol="0">
+            <a:spAutoFit/>
+          </a:bodyPr>
+          <a:lstStyle/>
+          <a:p>
+            <a:r>
+              <a:rPr lang="pt-BR" sz="2200" i="1" dirty="0"/>
+              <a:t>Escrever aqui</a:t>
+            </a:r>
+          </a:p>
+        </p:txBody>
+      </p:sp>
+    </p:spTree>
+    <p:extLst>
+      <p:ext uri="{BB962C8B-B14F-4D97-AF65-F5344CB8AC3E}">
+        <p14:creationId xmlns:p14="http://schemas.microsoft.com/office/powerpoint/2010/main" val="1782597892"/>
+      </p:ext>
+    </p:extLst>
+  </p:cSld>
+  <p:clrMapOvr>
+    <a:masterClrMapping/>
+  </p:clrMapOvr>
+</p:sld>
+</file>
+
+<file path=ppt/slides/slide22.xml><?xml version="1.0" encoding="utf-8"?>
+<p:sld xmlns:a="http://schemas.openxmlformats.org/drawingml/2006/main" xmlns:r="http://schemas.openxmlformats.org/officeDocument/2006/relationships" xmlns:p="http://schemas.openxmlformats.org/presentationml/2006/main">
+  <p:cSld>
+    <p:spTree>
+      <p:nvGrpSpPr>
+        <p:cNvPr id="1" name=""/>
+        <p:cNvGrpSpPr/>
+        <p:nvPr/>
+      </p:nvGrpSpPr>
+      <p:grpSpPr>
+        <a:xfrm>
+          <a:off x="0" y="0"/>
+          <a:ext cx="0" cy="0"/>
+          <a:chOff x="0" y="0"/>
+          <a:chExt cx="0" cy="0"/>
+        </a:xfrm>
+      </p:grpSpPr>
+      <p:sp>
+        <p:nvSpPr>
+          <p:cNvPr id="2" name="CaixaDeTexto 1">
+            <a:extLst>
+              <a:ext uri="{FF2B5EF4-FFF2-40B4-BE49-F238E27FC236}">
+                <a16:creationId xmlns:a16="http://schemas.microsoft.com/office/drawing/2014/main" id="{E2289C40-6B36-4906-BF6F-3D1B594D6D57}"/>
+              </a:ext>
+            </a:extLst>
+          </p:cNvPr>
+          <p:cNvSpPr txBox="1"/>
+          <p:nvPr/>
+        </p:nvSpPr>
+        <p:spPr>
+          <a:xfrm>
+            <a:off x="176644" y="207818"/>
+            <a:ext cx="10619886" cy="523220"/>
+          </a:xfrm>
+          <a:prstGeom prst="rect">
+            <a:avLst/>
+          </a:prstGeom>
+          <a:noFill/>
+        </p:spPr>
+        <p:txBody>
+          <a:bodyPr wrap="square" rtlCol="0">
+            <a:spAutoFit/>
+          </a:bodyPr>
+          <a:lstStyle/>
+          <a:p>
+            <a:r>
+              <a:rPr lang="pt-BR" sz="2800" b="1" dirty="0">
+                <a:solidFill>
+                  <a:schemeClr val="bg1"/>
+                </a:solidFill>
+              </a:rPr>
+              <a:t>5) Implicações Gerenciais e Conclusão do Projeto Analítico</a:t>
+            </a:r>
+          </a:p>
+        </p:txBody>
+      </p:sp>
+      <p:sp>
+        <p:nvSpPr>
+          <p:cNvPr id="3" name="Retângulo 2">
+            <a:extLst>
+              <a:ext uri="{FF2B5EF4-FFF2-40B4-BE49-F238E27FC236}">
+                <a16:creationId xmlns:a16="http://schemas.microsoft.com/office/drawing/2014/main" id="{6E4F48DF-7BE3-4E81-BCEE-F95E301A11C3}"/>
+              </a:ext>
+            </a:extLst>
+          </p:cNvPr>
+          <p:cNvSpPr/>
+          <p:nvPr/>
+        </p:nvSpPr>
+        <p:spPr>
+          <a:xfrm>
+            <a:off x="176644" y="1355075"/>
+            <a:ext cx="11919876" cy="462114"/>
+          </a:xfrm>
+          <a:prstGeom prst="rect">
+            <a:avLst/>
+          </a:prstGeom>
+          <a:solidFill>
+            <a:srgbClr val="CDCDCD"/>
+          </a:solidFill>
+        </p:spPr>
+        <p:txBody>
+          <a:bodyPr wrap="square">
+            <a:spAutoFit/>
+          </a:bodyPr>
+          <a:lstStyle/>
+          <a:p>
+            <a:pPr marL="15875" indent="-15875" algn="just">
+              <a:lnSpc>
+                <a:spcPts val="3000"/>
+              </a:lnSpc>
+            </a:pPr>
+            <a:r>
+              <a:rPr lang="pt-BR" sz="2400" dirty="0">
+                <a:solidFill>
+                  <a:prstClr val="black"/>
+                </a:solidFill>
+              </a:rPr>
+              <a:t>- Quais são as </a:t>
+            </a:r>
+            <a:r>
+              <a:rPr lang="pt-BR" sz="2400" b="1" dirty="0">
+                <a:solidFill>
+                  <a:prstClr val="black"/>
+                </a:solidFill>
+              </a:rPr>
+              <a:t>RECOMENDAÇÕES</a:t>
+            </a:r>
+            <a:r>
+              <a:rPr lang="pt-BR" sz="2400" dirty="0">
+                <a:solidFill>
+                  <a:prstClr val="black"/>
+                </a:solidFill>
+              </a:rPr>
+              <a:t> para </a:t>
+            </a:r>
+            <a:r>
+              <a:rPr lang="pt-BR" sz="2400" b="1" dirty="0">
+                <a:solidFill>
+                  <a:prstClr val="black"/>
+                </a:solidFill>
+              </a:rPr>
+              <a:t>PESQUISAS FUTURAS</a:t>
+            </a:r>
+            <a:r>
+              <a:rPr lang="pt-BR" sz="2400" dirty="0">
+                <a:solidFill>
+                  <a:prstClr val="black"/>
+                </a:solidFill>
+              </a:rPr>
+              <a:t>?</a:t>
+            </a:r>
+          </a:p>
+        </p:txBody>
+      </p:sp>
+      <p:sp>
+        <p:nvSpPr>
+          <p:cNvPr id="4" name="CaixaDeTexto 3">
+            <a:extLst>
+              <a:ext uri="{FF2B5EF4-FFF2-40B4-BE49-F238E27FC236}">
+                <a16:creationId xmlns:a16="http://schemas.microsoft.com/office/drawing/2014/main" id="{A669B354-350D-4C90-B1CF-E0DF5E164E9D}"/>
+              </a:ext>
+            </a:extLst>
+          </p:cNvPr>
+          <p:cNvSpPr txBox="1"/>
+          <p:nvPr/>
+        </p:nvSpPr>
+        <p:spPr>
+          <a:xfrm>
+            <a:off x="176644" y="2016087"/>
+            <a:ext cx="11919876" cy="2123658"/>
+          </a:xfrm>
+          <a:prstGeom prst="rect">
+            <a:avLst/>
+          </a:prstGeom>
+          <a:noFill/>
+          <a:ln>
+            <a:noFill/>
+          </a:ln>
+        </p:spPr>
+        <p:txBody>
+          <a:bodyPr wrap="square" rtlCol="0">
+            <a:spAutoFit/>
+          </a:bodyPr>
+          <a:lstStyle/>
+          <a:p>
+            <a:r>
+              <a:rPr lang="pt-BR" sz="2200" i="1" dirty="0" err="1"/>
+              <a:t>To-do</a:t>
+            </a:r>
+            <a:r>
+              <a:rPr lang="pt-BR" sz="2200" i="1" dirty="0"/>
+              <a:t>:</a:t>
+            </a:r>
+          </a:p>
+          <a:p>
+            <a:endParaRPr lang="pt-BR" sz="2200" i="1" dirty="0"/>
+          </a:p>
+          <a:p>
+            <a:r>
+              <a:rPr lang="pt-BR" sz="2200" i="1" dirty="0"/>
+              <a:t>Colocar possibilidades de criação de outros modelos para detecção de aglomerações, “</a:t>
+            </a:r>
+            <a:r>
+              <a:rPr lang="pt-BR" sz="2200" i="1" dirty="0" err="1"/>
+              <a:t>wrong</a:t>
+            </a:r>
+            <a:r>
+              <a:rPr lang="pt-BR" sz="2200" i="1" dirty="0"/>
+              <a:t> </a:t>
+            </a:r>
+            <a:r>
+              <a:rPr lang="pt-BR" sz="2200" i="1" dirty="0" err="1"/>
+              <a:t>way</a:t>
+            </a:r>
+            <a:r>
+              <a:rPr lang="pt-BR" sz="2200" i="1" dirty="0"/>
+              <a:t>” (sentido de fluxo de pessoas) etc.</a:t>
+            </a:r>
+          </a:p>
+          <a:p>
+            <a:endParaRPr lang="pt-BR" sz="2200" i="1" dirty="0"/>
+          </a:p>
+          <a:p>
+            <a:r>
+              <a:rPr lang="pt-BR" sz="2200" i="1" dirty="0">
+                <a:hlinkClick r:id="rId2"/>
+              </a:rPr>
+              <a:t>https://www.intuvisiontech.com/solutions/covid-19</a:t>
+            </a:r>
+            <a:r>
+              <a:rPr lang="pt-BR" sz="2200" i="1" dirty="0"/>
+              <a:t> </a:t>
+            </a:r>
+          </a:p>
+        </p:txBody>
+      </p:sp>
+    </p:spTree>
+    <p:extLst>
+      <p:ext uri="{BB962C8B-B14F-4D97-AF65-F5344CB8AC3E}">
+        <p14:creationId xmlns:p14="http://schemas.microsoft.com/office/powerpoint/2010/main" val="282548394"/>
+      </p:ext>
+    </p:extLst>
+  </p:cSld>
+  <p:clrMapOvr>
+    <a:masterClrMapping/>
+  </p:clrMapOvr>
+</p:sld>
+</file>
+
+<file path=ppt/slides/slide23.xml><?xml version="1.0" encoding="utf-8"?>
+<p:sld xmlns:a="http://schemas.openxmlformats.org/drawingml/2006/main" xmlns:r="http://schemas.openxmlformats.org/officeDocument/2006/relationships" xmlns:p="http://schemas.openxmlformats.org/presentationml/2006/main">
+  <p:cSld>
+    <p:spTree>
+      <p:nvGrpSpPr>
+        <p:cNvPr id="1" name=""/>
+        <p:cNvGrpSpPr/>
+        <p:nvPr/>
+      </p:nvGrpSpPr>
+      <p:grpSpPr>
+        <a:xfrm>
+          <a:off x="0" y="0"/>
+          <a:ext cx="0" cy="0"/>
+          <a:chOff x="0" y="0"/>
+          <a:chExt cx="0" cy="0"/>
+        </a:xfrm>
+      </p:grpSpPr>
+      <p:sp>
+        <p:nvSpPr>
+          <p:cNvPr id="2" name="CaixaDeTexto 1">
+            <a:extLst>
+              <a:ext uri="{FF2B5EF4-FFF2-40B4-BE49-F238E27FC236}">
+                <a16:creationId xmlns:a16="http://schemas.microsoft.com/office/drawing/2014/main" id="{E2289C40-6B36-4906-BF6F-3D1B594D6D57}"/>
+              </a:ext>
+            </a:extLst>
+          </p:cNvPr>
+          <p:cNvSpPr txBox="1"/>
+          <p:nvPr/>
+        </p:nvSpPr>
+        <p:spPr>
+          <a:xfrm>
+            <a:off x="176644" y="207818"/>
+            <a:ext cx="10619886" cy="523220"/>
+          </a:xfrm>
+          <a:prstGeom prst="rect">
+            <a:avLst/>
+          </a:prstGeom>
+          <a:noFill/>
+        </p:spPr>
+        <p:txBody>
+          <a:bodyPr wrap="square" rtlCol="0">
+            <a:spAutoFit/>
+          </a:bodyPr>
+          <a:lstStyle/>
+          <a:p>
+            <a:r>
+              <a:rPr lang="pt-BR" sz="2800" b="1" dirty="0">
+                <a:solidFill>
+                  <a:schemeClr val="bg1"/>
+                </a:solidFill>
+              </a:rPr>
+              <a:t>5) Implicações Gerenciais e Conclusão do Projeto Analítico</a:t>
+            </a:r>
+          </a:p>
+        </p:txBody>
+      </p:sp>
+      <p:sp>
+        <p:nvSpPr>
+          <p:cNvPr id="3" name="Retângulo 2">
+            <a:extLst>
+              <a:ext uri="{FF2B5EF4-FFF2-40B4-BE49-F238E27FC236}">
+                <a16:creationId xmlns:a16="http://schemas.microsoft.com/office/drawing/2014/main" id="{6E4F48DF-7BE3-4E81-BCEE-F95E301A11C3}"/>
+              </a:ext>
+            </a:extLst>
+          </p:cNvPr>
+          <p:cNvSpPr/>
+          <p:nvPr/>
+        </p:nvSpPr>
+        <p:spPr>
+          <a:xfrm>
+            <a:off x="176644" y="1355075"/>
+            <a:ext cx="11919876" cy="462114"/>
+          </a:xfrm>
+          <a:prstGeom prst="rect">
+            <a:avLst/>
+          </a:prstGeom>
+          <a:solidFill>
+            <a:srgbClr val="CDCDCD"/>
+          </a:solidFill>
+        </p:spPr>
+        <p:txBody>
+          <a:bodyPr wrap="square">
+            <a:spAutoFit/>
+          </a:bodyPr>
+          <a:lstStyle/>
+          <a:p>
+            <a:pPr marL="15875" indent="-15875" algn="just">
+              <a:lnSpc>
+                <a:spcPts val="3000"/>
+              </a:lnSpc>
+            </a:pPr>
+            <a:r>
+              <a:rPr lang="pt-BR" sz="2400" dirty="0">
+                <a:solidFill>
+                  <a:prstClr val="black"/>
+                </a:solidFill>
+              </a:rPr>
+              <a:t>- Quais são as </a:t>
+            </a:r>
+            <a:r>
+              <a:rPr lang="pt-BR" sz="2400" b="1" dirty="0">
+                <a:solidFill>
+                  <a:prstClr val="black"/>
+                </a:solidFill>
+              </a:rPr>
+              <a:t>CONCLUSÕES</a:t>
+            </a:r>
+            <a:r>
+              <a:rPr lang="pt-BR" sz="2400" dirty="0">
+                <a:solidFill>
+                  <a:prstClr val="black"/>
+                </a:solidFill>
+              </a:rPr>
+              <a:t> da pesquisa?</a:t>
+            </a:r>
+          </a:p>
+        </p:txBody>
+      </p:sp>
+      <p:sp>
+        <p:nvSpPr>
+          <p:cNvPr id="4" name="CaixaDeTexto 3">
+            <a:extLst>
+              <a:ext uri="{FF2B5EF4-FFF2-40B4-BE49-F238E27FC236}">
+                <a16:creationId xmlns:a16="http://schemas.microsoft.com/office/drawing/2014/main" id="{C36FC670-86D1-44ED-81A6-560366F90D65}"/>
+              </a:ext>
+            </a:extLst>
+          </p:cNvPr>
+          <p:cNvSpPr txBox="1"/>
+          <p:nvPr/>
+        </p:nvSpPr>
+        <p:spPr>
+          <a:xfrm>
+            <a:off x="176644" y="2016087"/>
+            <a:ext cx="11919876" cy="430887"/>
+          </a:xfrm>
+          <a:prstGeom prst="rect">
+            <a:avLst/>
+          </a:prstGeom>
+          <a:noFill/>
+          <a:ln>
+            <a:noFill/>
+          </a:ln>
+        </p:spPr>
+        <p:txBody>
+          <a:bodyPr wrap="square" rtlCol="0">
+            <a:spAutoFit/>
+          </a:bodyPr>
+          <a:lstStyle/>
+          <a:p>
+            <a:r>
+              <a:rPr lang="pt-BR" sz="2200" i="1" dirty="0"/>
+              <a:t>Escrever aqui</a:t>
+            </a:r>
+          </a:p>
+        </p:txBody>
+      </p:sp>
+    </p:spTree>
+    <p:extLst>
+      <p:ext uri="{BB962C8B-B14F-4D97-AF65-F5344CB8AC3E}">
+        <p14:creationId xmlns:p14="http://schemas.microsoft.com/office/powerpoint/2010/main" val="1923219699"/>
       </p:ext>
     </p:extLst>
   </p:cSld>
@@ -6199,7 +9526,7 @@
           <p:cNvPr id="2" name="CaixaDeTexto 1">
             <a:extLst>
               <a:ext uri="{FF2B5EF4-FFF2-40B4-BE49-F238E27FC236}">
-                <a16:creationId xmlns="" xmlns:a16="http://schemas.microsoft.com/office/drawing/2014/main" id="{E2289C40-6B36-4906-BF6F-3D1B594D6D57}"/>
+                <a16:creationId xmlns:a16="http://schemas.microsoft.com/office/drawing/2014/main" id="{E2289C40-6B36-4906-BF6F-3D1B594D6D57}"/>
               </a:ext>
             </a:extLst>
           </p:cNvPr>
@@ -6238,7 +9565,7 @@
           <p:cNvPr id="5" name="Retângulo 4">
             <a:extLst>
               <a:ext uri="{FF2B5EF4-FFF2-40B4-BE49-F238E27FC236}">
-                <a16:creationId xmlns="" xmlns:a16="http://schemas.microsoft.com/office/drawing/2014/main" id="{C4351BF4-6949-465B-A55A-C8561462CF2E}"/>
+                <a16:creationId xmlns:a16="http://schemas.microsoft.com/office/drawing/2014/main" id="{C4351BF4-6949-465B-A55A-C8561462CF2E}"/>
               </a:ext>
             </a:extLst>
           </p:cNvPr>
@@ -6280,7 +9607,7 @@
           <p:cNvPr id="7" name="Retângulo 4">
             <a:extLst>
               <a:ext uri="{FF2B5EF4-FFF2-40B4-BE49-F238E27FC236}">
-                <a16:creationId xmlns="" xmlns:a16="http://schemas.microsoft.com/office/drawing/2014/main" id="{6F061871-FDA0-491B-B84B-B5AB0970885B}"/>
+                <a16:creationId xmlns:a16="http://schemas.microsoft.com/office/drawing/2014/main" id="{6F061871-FDA0-491B-B84B-B5AB0970885B}"/>
               </a:ext>
             </a:extLst>
           </p:cNvPr>
@@ -6312,7 +9639,7 @@
             </a:pPr>
             <a:r>
               <a:rPr lang="pt-BR" dirty="0"/>
-              <a:t>[2 de 3]</a:t>
+              <a:t>[2 de 5]</a:t>
             </a:r>
           </a:p>
         </p:txBody>
@@ -6322,7 +9649,7 @@
           <p:cNvPr id="14" name="CaixaDeTexto 5">
             <a:extLst>
               <a:ext uri="{FF2B5EF4-FFF2-40B4-BE49-F238E27FC236}">
-                <a16:creationId xmlns="" xmlns:a16="http://schemas.microsoft.com/office/drawing/2014/main" id="{07CA8BF6-9A49-441F-836D-9072850A59D4}"/>
+                <a16:creationId xmlns:a16="http://schemas.microsoft.com/office/drawing/2014/main" id="{07CA8BF6-9A49-441F-836D-9072850A59D4}"/>
               </a:ext>
             </a:extLst>
           </p:cNvPr>
@@ -6366,7 +9693,7 @@
           <p:cNvPr id="15" name="Picture 14" descr="A screenshot of a cell phone&#10;&#10;Description automatically generated">
             <a:extLst>
               <a:ext uri="{FF2B5EF4-FFF2-40B4-BE49-F238E27FC236}">
-                <a16:creationId xmlns="" xmlns:a16="http://schemas.microsoft.com/office/drawing/2014/main" id="{2F22A74C-3364-4DD1-BBA7-38E977DAC637}"/>
+                <a16:creationId xmlns:a16="http://schemas.microsoft.com/office/drawing/2014/main" id="{2F22A74C-3364-4DD1-BBA7-38E977DAC637}"/>
               </a:ext>
             </a:extLst>
           </p:cNvPr>
@@ -6379,7 +9706,7 @@
           <a:blip r:embed="rId2" cstate="print">
             <a:extLst>
               <a:ext uri="{28A0092B-C50C-407E-A947-70E740481C1C}">
-                <a14:useLocalDpi xmlns="" xmlns:a14="http://schemas.microsoft.com/office/drawing/2010/main" val="0"/>
+                <a14:useLocalDpi xmlns:a14="http://schemas.microsoft.com/office/drawing/2010/main" val="0"/>
               </a:ext>
             </a:extLst>
           </a:blip>
@@ -6402,7 +9729,7 @@
           <p:cNvPr id="16" name="Picture 15">
             <a:extLst>
               <a:ext uri="{FF2B5EF4-FFF2-40B4-BE49-F238E27FC236}">
-                <a16:creationId xmlns="" xmlns:a16="http://schemas.microsoft.com/office/drawing/2014/main" id="{B1A27C00-ABA4-4EE5-95D2-97D339292616}"/>
+                <a16:creationId xmlns:a16="http://schemas.microsoft.com/office/drawing/2014/main" id="{B1A27C00-ABA4-4EE5-95D2-97D339292616}"/>
               </a:ext>
             </a:extLst>
           </p:cNvPr>
@@ -6432,7 +9759,7 @@
           <p:cNvPr id="17" name="Picture 16">
             <a:extLst>
               <a:ext uri="{FF2B5EF4-FFF2-40B4-BE49-F238E27FC236}">
-                <a16:creationId xmlns="" xmlns:a16="http://schemas.microsoft.com/office/drawing/2014/main" id="{D6CEEE49-8720-460A-9FA7-E01A051D6D3D}"/>
+                <a16:creationId xmlns:a16="http://schemas.microsoft.com/office/drawing/2014/main" id="{D6CEEE49-8720-460A-9FA7-E01A051D6D3D}"/>
               </a:ext>
             </a:extLst>
           </p:cNvPr>
@@ -6462,7 +9789,7 @@
           <p:cNvPr id="18" name="CaixaDeTexto 5">
             <a:extLst>
               <a:ext uri="{FF2B5EF4-FFF2-40B4-BE49-F238E27FC236}">
-                <a16:creationId xmlns="" xmlns:a16="http://schemas.microsoft.com/office/drawing/2014/main" id="{E05EE9CB-CEAD-49FB-B917-F3911C866716}"/>
+                <a16:creationId xmlns:a16="http://schemas.microsoft.com/office/drawing/2014/main" id="{E05EE9CB-CEAD-49FB-B917-F3911C866716}"/>
               </a:ext>
             </a:extLst>
           </p:cNvPr>
@@ -6519,7 +9846,7 @@
           <p:cNvPr id="19" name="Straight Connector 18">
             <a:extLst>
               <a:ext uri="{FF2B5EF4-FFF2-40B4-BE49-F238E27FC236}">
-                <a16:creationId xmlns="" xmlns:a16="http://schemas.microsoft.com/office/drawing/2014/main" id="{5E198959-BDE7-4419-BDC5-99C20E0B5EC8}"/>
+                <a16:creationId xmlns:a16="http://schemas.microsoft.com/office/drawing/2014/main" id="{5E198959-BDE7-4419-BDC5-99C20E0B5EC8}"/>
               </a:ext>
             </a:extLst>
           </p:cNvPr>
@@ -6560,7 +9887,7 @@
           <p:cNvPr id="3" name="Picture 2">
             <a:extLst>
               <a:ext uri="{FF2B5EF4-FFF2-40B4-BE49-F238E27FC236}">
-                <a16:creationId xmlns="" xmlns:a16="http://schemas.microsoft.com/office/drawing/2014/main" id="{36078AE8-5334-447D-AD43-BB3AF83E359B}"/>
+                <a16:creationId xmlns:a16="http://schemas.microsoft.com/office/drawing/2014/main" id="{36078AE8-5334-447D-AD43-BB3AF83E359B}"/>
               </a:ext>
             </a:extLst>
           </p:cNvPr>
@@ -6588,7 +9915,7 @@
     </p:spTree>
     <p:extLst>
       <p:ext uri="{BB962C8B-B14F-4D97-AF65-F5344CB8AC3E}">
-        <p14:creationId xmlns="" xmlns:p14="http://schemas.microsoft.com/office/powerpoint/2010/main" val="3921174963"/>
+        <p14:creationId xmlns:p14="http://schemas.microsoft.com/office/powerpoint/2010/main" val="3921174963"/>
       </p:ext>
     </p:extLst>
   </p:cSld>
@@ -6620,7 +9947,7 @@
           <p:cNvPr id="2" name="CaixaDeTexto 1">
             <a:extLst>
               <a:ext uri="{FF2B5EF4-FFF2-40B4-BE49-F238E27FC236}">
-                <a16:creationId xmlns="" xmlns:a16="http://schemas.microsoft.com/office/drawing/2014/main" id="{E2289C40-6B36-4906-BF6F-3D1B594D6D57}"/>
+                <a16:creationId xmlns:a16="http://schemas.microsoft.com/office/drawing/2014/main" id="{E2289C40-6B36-4906-BF6F-3D1B594D6D57}"/>
               </a:ext>
             </a:extLst>
           </p:cNvPr>
@@ -6659,7 +9986,7 @@
           <p:cNvPr id="5" name="Retângulo 4">
             <a:extLst>
               <a:ext uri="{FF2B5EF4-FFF2-40B4-BE49-F238E27FC236}">
-                <a16:creationId xmlns="" xmlns:a16="http://schemas.microsoft.com/office/drawing/2014/main" id="{C4351BF4-6949-465B-A55A-C8561462CF2E}"/>
+                <a16:creationId xmlns:a16="http://schemas.microsoft.com/office/drawing/2014/main" id="{C4351BF4-6949-465B-A55A-C8561462CF2E}"/>
               </a:ext>
             </a:extLst>
           </p:cNvPr>
@@ -6701,7 +10028,7 @@
           <p:cNvPr id="7" name="Retângulo 4">
             <a:extLst>
               <a:ext uri="{FF2B5EF4-FFF2-40B4-BE49-F238E27FC236}">
-                <a16:creationId xmlns="" xmlns:a16="http://schemas.microsoft.com/office/drawing/2014/main" id="{6F061871-FDA0-491B-B84B-B5AB0970885B}"/>
+                <a16:creationId xmlns:a16="http://schemas.microsoft.com/office/drawing/2014/main" id="{6F061871-FDA0-491B-B84B-B5AB0970885B}"/>
               </a:ext>
             </a:extLst>
           </p:cNvPr>
@@ -6733,7 +10060,7 @@
             </a:pPr>
             <a:r>
               <a:rPr lang="pt-BR" dirty="0"/>
-              <a:t>[3 de 3]</a:t>
+              <a:t>[3 de 5]</a:t>
             </a:r>
           </a:p>
         </p:txBody>
@@ -6743,7 +10070,885 @@
           <p:cNvPr id="17" name="CaixaDeTexto 5">
             <a:extLst>
               <a:ext uri="{FF2B5EF4-FFF2-40B4-BE49-F238E27FC236}">
-                <a16:creationId xmlns="" xmlns:a16="http://schemas.microsoft.com/office/drawing/2014/main" id="{0EACA767-5D74-4C51-98B7-763F041F495E}"/>
+                <a16:creationId xmlns:a16="http://schemas.microsoft.com/office/drawing/2014/main" id="{0EACA767-5D74-4C51-98B7-763F041F495E}"/>
+              </a:ext>
+            </a:extLst>
+          </p:cNvPr>
+          <p:cNvSpPr txBox="1"/>
+          <p:nvPr/>
+        </p:nvSpPr>
+        <p:spPr>
+          <a:xfrm>
+            <a:off x="173736" y="2001710"/>
+            <a:ext cx="11919876" cy="430887"/>
+          </a:xfrm>
+          <a:prstGeom prst="rect">
+            <a:avLst/>
+          </a:prstGeom>
+          <a:noFill/>
+          <a:ln>
+            <a:noFill/>
+          </a:ln>
+        </p:spPr>
+        <p:txBody>
+          <a:bodyPr wrap="square" rtlCol="0" anchor="t">
+            <a:spAutoFit/>
+          </a:bodyPr>
+          <a:lstStyle/>
+          <a:p>
+            <a:r>
+              <a:rPr lang="pt-BR" sz="2200" i="1" dirty="0" err="1">
+                <a:ea typeface="+mn-lt"/>
+                <a:cs typeface="+mn-lt"/>
+              </a:rPr>
+              <a:t>To-do</a:t>
+            </a:r>
+            <a:r>
+              <a:rPr lang="pt-BR" sz="2200" i="1" dirty="0">
+                <a:ea typeface="+mn-lt"/>
+                <a:cs typeface="+mn-lt"/>
+              </a:rPr>
+              <a:t>: Brasil</a:t>
+            </a:r>
+            <a:endParaRPr lang="pt-BR" dirty="0">
+              <a:ea typeface="+mn-lt"/>
+              <a:cs typeface="+mn-lt"/>
+            </a:endParaRPr>
+          </a:p>
+        </p:txBody>
+      </p:sp>
+      <p:cxnSp>
+        <p:nvCxnSpPr>
+          <p:cNvPr id="13" name="Straight Connector 18">
+            <a:extLst>
+              <a:ext uri="{FF2B5EF4-FFF2-40B4-BE49-F238E27FC236}">
+                <a16:creationId xmlns:a16="http://schemas.microsoft.com/office/drawing/2014/main" id="{48D98D49-C026-4684-B519-FFB569F22EC7}"/>
+              </a:ext>
+            </a:extLst>
+          </p:cNvPr>
+          <p:cNvCxnSpPr/>
+          <p:nvPr/>
+        </p:nvCxnSpPr>
+        <p:spPr>
+          <a:xfrm>
+            <a:off x="269310" y="6203352"/>
+            <a:ext cx="1528175" cy="0"/>
+          </a:xfrm>
+          <a:prstGeom prst="line">
+            <a:avLst/>
+          </a:prstGeom>
+          <a:ln>
+            <a:solidFill>
+              <a:srgbClr val="1B2C62"/>
+            </a:solidFill>
+          </a:ln>
+        </p:spPr>
+        <p:style>
+          <a:lnRef idx="1">
+            <a:schemeClr val="accent1"/>
+          </a:lnRef>
+          <a:fillRef idx="0">
+            <a:schemeClr val="accent1"/>
+          </a:fillRef>
+          <a:effectRef idx="0">
+            <a:schemeClr val="accent1"/>
+          </a:effectRef>
+          <a:fontRef idx="minor">
+            <a:schemeClr val="tx1"/>
+          </a:fontRef>
+        </p:style>
+      </p:cxnSp>
+      <p:sp>
+        <p:nvSpPr>
+          <p:cNvPr id="15" name="CaixaDeTexto 5">
+            <a:extLst>
+              <a:ext uri="{FF2B5EF4-FFF2-40B4-BE49-F238E27FC236}">
+                <a16:creationId xmlns:a16="http://schemas.microsoft.com/office/drawing/2014/main" id="{EE9AE69C-DA3A-4B1F-A561-C474F96FA82E}"/>
+              </a:ext>
+            </a:extLst>
+          </p:cNvPr>
+          <p:cNvSpPr txBox="1"/>
+          <p:nvPr/>
+        </p:nvSpPr>
+        <p:spPr>
+          <a:xfrm>
+            <a:off x="176644" y="6220657"/>
+            <a:ext cx="11867132" cy="415498"/>
+          </a:xfrm>
+          <a:prstGeom prst="rect">
+            <a:avLst/>
+          </a:prstGeom>
+          <a:noFill/>
+          <a:ln>
+            <a:noFill/>
+          </a:ln>
+        </p:spPr>
+        <p:txBody>
+          <a:bodyPr wrap="square" rtlCol="0" anchor="t">
+            <a:spAutoFit/>
+          </a:bodyPr>
+          <a:lstStyle/>
+          <a:p>
+            <a:r>
+              <a:rPr lang="pt-BR" sz="1050" b="1" i="1" dirty="0"/>
+              <a:t>Fonte(s) e URL(s) utilizada(s) em 27/05/2020:</a:t>
+            </a:r>
+          </a:p>
+          <a:p>
+            <a:r>
+              <a:rPr lang="pt-BR" sz="1050" i="1" dirty="0" err="1"/>
+              <a:t>To-do</a:t>
+            </a:r>
+            <a:endParaRPr lang="pt-BR" sz="1050" i="1" dirty="0"/>
+          </a:p>
+        </p:txBody>
+      </p:sp>
+    </p:spTree>
+    <p:extLst>
+      <p:ext uri="{BB962C8B-B14F-4D97-AF65-F5344CB8AC3E}">
+        <p14:creationId xmlns:p14="http://schemas.microsoft.com/office/powerpoint/2010/main" val="1275928961"/>
+      </p:ext>
+    </p:extLst>
+  </p:cSld>
+  <p:clrMapOvr>
+    <a:masterClrMapping/>
+  </p:clrMapOvr>
+</p:sld>
+</file>
+
+<file path=ppt/slides/slide5.xml><?xml version="1.0" encoding="utf-8"?>
+<p:sld xmlns:a="http://schemas.openxmlformats.org/drawingml/2006/main" xmlns:r="http://schemas.openxmlformats.org/officeDocument/2006/relationships" xmlns:p="http://schemas.openxmlformats.org/presentationml/2006/main">
+  <p:cSld>
+    <p:spTree>
+      <p:nvGrpSpPr>
+        <p:cNvPr id="1" name=""/>
+        <p:cNvGrpSpPr/>
+        <p:nvPr/>
+      </p:nvGrpSpPr>
+      <p:grpSpPr>
+        <a:xfrm>
+          <a:off x="0" y="0"/>
+          <a:ext cx="0" cy="0"/>
+          <a:chOff x="0" y="0"/>
+          <a:chExt cx="0" cy="0"/>
+        </a:xfrm>
+      </p:grpSpPr>
+      <p:sp>
+        <p:nvSpPr>
+          <p:cNvPr id="2" name="CaixaDeTexto 1">
+            <a:extLst>
+              <a:ext uri="{FF2B5EF4-FFF2-40B4-BE49-F238E27FC236}">
+                <a16:creationId xmlns:a16="http://schemas.microsoft.com/office/drawing/2014/main" id="{E2289C40-6B36-4906-BF6F-3D1B594D6D57}"/>
+              </a:ext>
+            </a:extLst>
+          </p:cNvPr>
+          <p:cNvSpPr txBox="1"/>
+          <p:nvPr/>
+        </p:nvSpPr>
+        <p:spPr>
+          <a:xfrm>
+            <a:off x="176644" y="207818"/>
+            <a:ext cx="10619886" cy="954107"/>
+          </a:xfrm>
+          <a:prstGeom prst="rect">
+            <a:avLst/>
+          </a:prstGeom>
+          <a:noFill/>
+        </p:spPr>
+        <p:txBody>
+          <a:bodyPr wrap="square" rtlCol="0">
+            <a:spAutoFit/>
+          </a:bodyPr>
+          <a:lstStyle/>
+          <a:p>
+            <a:r>
+              <a:rPr lang="pt-BR" sz="2800" b="1" dirty="0">
+                <a:solidFill>
+                  <a:schemeClr val="bg1"/>
+                </a:solidFill>
+              </a:rPr>
+              <a:t>1) Contexto da Pesquisa, Busca de Artigos Científicos, Problema, Hipóteses e Objetivos do Projeto Analítico</a:t>
+            </a:r>
+          </a:p>
+        </p:txBody>
+      </p:sp>
+      <p:sp>
+        <p:nvSpPr>
+          <p:cNvPr id="5" name="Retângulo 4">
+            <a:extLst>
+              <a:ext uri="{FF2B5EF4-FFF2-40B4-BE49-F238E27FC236}">
+                <a16:creationId xmlns:a16="http://schemas.microsoft.com/office/drawing/2014/main" id="{C4351BF4-6949-465B-A55A-C8561462CF2E}"/>
+              </a:ext>
+            </a:extLst>
+          </p:cNvPr>
+          <p:cNvSpPr/>
+          <p:nvPr/>
+        </p:nvSpPr>
+        <p:spPr>
+          <a:xfrm>
+            <a:off x="176644" y="1355075"/>
+            <a:ext cx="11919876" cy="462114"/>
+          </a:xfrm>
+          <a:prstGeom prst="rect">
+            <a:avLst/>
+          </a:prstGeom>
+          <a:solidFill>
+            <a:srgbClr val="CDCDCD"/>
+          </a:solidFill>
+        </p:spPr>
+        <p:txBody>
+          <a:bodyPr wrap="square">
+            <a:spAutoFit/>
+          </a:bodyPr>
+          <a:lstStyle/>
+          <a:p>
+            <a:pPr marL="15875" indent="-15875">
+              <a:lnSpc>
+                <a:spcPts val="3000"/>
+              </a:lnSpc>
+            </a:pPr>
+            <a:r>
+              <a:rPr lang="pt-BR" sz="2400" dirty="0"/>
+              <a:t>- Onde a pesquisa será realizada (contexto)?</a:t>
+            </a:r>
+          </a:p>
+        </p:txBody>
+      </p:sp>
+      <p:sp>
+        <p:nvSpPr>
+          <p:cNvPr id="7" name="Retângulo 4">
+            <a:extLst>
+              <a:ext uri="{FF2B5EF4-FFF2-40B4-BE49-F238E27FC236}">
+                <a16:creationId xmlns:a16="http://schemas.microsoft.com/office/drawing/2014/main" id="{6F061871-FDA0-491B-B84B-B5AB0970885B}"/>
+              </a:ext>
+            </a:extLst>
+          </p:cNvPr>
+          <p:cNvSpPr/>
+          <p:nvPr/>
+        </p:nvSpPr>
+        <p:spPr>
+          <a:xfrm>
+            <a:off x="11311003" y="1355074"/>
+            <a:ext cx="785517" cy="462113"/>
+          </a:xfrm>
+          <a:prstGeom prst="rect">
+            <a:avLst/>
+          </a:prstGeom>
+          <a:solidFill>
+            <a:srgbClr val="CDCDCD"/>
+          </a:solidFill>
+        </p:spPr>
+        <p:txBody>
+          <a:bodyPr wrap="none" lIns="0" tIns="0" rIns="0" bIns="91440" anchor="ctr" anchorCtr="1">
+            <a:noAutofit/>
+          </a:bodyPr>
+          <a:lstStyle/>
+          <a:p>
+            <a:pPr marL="15875" indent="-15875" algn="ctr">
+              <a:lnSpc>
+                <a:spcPts val="3000"/>
+              </a:lnSpc>
+            </a:pPr>
+            <a:r>
+              <a:rPr lang="pt-BR" dirty="0"/>
+              <a:t>[4 de 5]</a:t>
+            </a:r>
+          </a:p>
+        </p:txBody>
+      </p:sp>
+      <p:sp>
+        <p:nvSpPr>
+          <p:cNvPr id="17" name="CaixaDeTexto 5">
+            <a:extLst>
+              <a:ext uri="{FF2B5EF4-FFF2-40B4-BE49-F238E27FC236}">
+                <a16:creationId xmlns:a16="http://schemas.microsoft.com/office/drawing/2014/main" id="{0EACA767-5D74-4C51-98B7-763F041F495E}"/>
+              </a:ext>
+            </a:extLst>
+          </p:cNvPr>
+          <p:cNvSpPr txBox="1"/>
+          <p:nvPr/>
+        </p:nvSpPr>
+        <p:spPr>
+          <a:xfrm>
+            <a:off x="173736" y="2001710"/>
+            <a:ext cx="11919876" cy="1384995"/>
+          </a:xfrm>
+          <a:prstGeom prst="rect">
+            <a:avLst/>
+          </a:prstGeom>
+          <a:noFill/>
+          <a:ln>
+            <a:noFill/>
+          </a:ln>
+        </p:spPr>
+        <p:txBody>
+          <a:bodyPr wrap="square" rtlCol="0" anchor="t">
+            <a:spAutoFit/>
+          </a:bodyPr>
+          <a:lstStyle/>
+          <a:p>
+            <a:r>
+              <a:rPr lang="pt-BR" sz="2200" i="1" dirty="0">
+                <a:ea typeface="+mn-lt"/>
+                <a:cs typeface="+mn-lt"/>
+              </a:rPr>
+              <a:t>Recentemente o estado de São Paulo decretou o uso de máscaras de proteção facial como obrigatório, por tempo indeterminado. A medida, que entrou em vigor em 07/05/2020, estabelece o seguinte:</a:t>
+            </a:r>
+            <a:endParaRPr lang="pt-BR" i="1" dirty="0">
+              <a:cs typeface="Calibri"/>
+            </a:endParaRPr>
+          </a:p>
+          <a:p>
+            <a:pPr marL="342900" indent="-342900">
+              <a:buFont typeface="Arial"/>
+              <a:buChar char="•"/>
+            </a:pPr>
+            <a:endParaRPr lang="pt-BR" dirty="0">
+              <a:ea typeface="+mn-lt"/>
+              <a:cs typeface="+mn-lt"/>
+            </a:endParaRPr>
+          </a:p>
+        </p:txBody>
+      </p:sp>
+      <p:sp>
+        <p:nvSpPr>
+          <p:cNvPr id="3" name="CaixaDeTexto 2">
+            <a:extLst>
+              <a:ext uri="{FF2B5EF4-FFF2-40B4-BE49-F238E27FC236}">
+                <a16:creationId xmlns:a16="http://schemas.microsoft.com/office/drawing/2014/main" id="{14023F59-116C-43F1-AC35-B7027668E690}"/>
+              </a:ext>
+            </a:extLst>
+          </p:cNvPr>
+          <p:cNvSpPr txBox="1"/>
+          <p:nvPr/>
+        </p:nvSpPr>
+        <p:spPr>
+          <a:xfrm>
+            <a:off x="6673800" y="2919646"/>
+            <a:ext cx="2743200" cy="2369880"/>
+          </a:xfrm>
+          <a:prstGeom prst="rect">
+            <a:avLst/>
+          </a:prstGeom>
+          <a:noFill/>
+        </p:spPr>
+        <p:txBody>
+          <a:bodyPr rot="0" spcFirstLastPara="0" vertOverflow="overflow" horzOverflow="overflow" vert="horz" wrap="square" lIns="91440" tIns="45720" rIns="91440" bIns="45720" numCol="1" spcCol="0" rtlCol="0" fromWordArt="0" anchor="t" anchorCtr="0" forceAA="0" compatLnSpc="1">
+            <a:prstTxWarp prst="textNoShape">
+              <a:avLst/>
+            </a:prstTxWarp>
+            <a:spAutoFit/>
+          </a:bodyPr>
+          <a:lstStyle/>
+          <a:p>
+            <a:r>
+              <a:rPr lang="pt-BR" b="1" i="1" dirty="0">
+                <a:cs typeface="Arial"/>
+              </a:rPr>
+              <a:t>Usados por:</a:t>
+            </a:r>
+            <a:r>
+              <a:rPr lang="en-US" b="1" i="1" dirty="0">
+                <a:cs typeface="Arial"/>
+              </a:rPr>
+              <a:t>​</a:t>
+            </a:r>
+          </a:p>
+          <a:p>
+            <a:pPr>
+              <a:buChar char="•"/>
+            </a:pPr>
+            <a:r>
+              <a:rPr lang="pt-BR" i="1" dirty="0">
+                <a:cs typeface="Arial"/>
+              </a:rPr>
+              <a:t> consumidores;​</a:t>
+            </a:r>
+          </a:p>
+          <a:p>
+            <a:pPr>
+              <a:buChar char="•"/>
+            </a:pPr>
+            <a:r>
+              <a:rPr lang="pt-BR" i="1" dirty="0">
+                <a:cs typeface="Arial"/>
+              </a:rPr>
+              <a:t> fornecedores;​</a:t>
+            </a:r>
+          </a:p>
+          <a:p>
+            <a:pPr>
+              <a:buChar char="•"/>
+            </a:pPr>
+            <a:r>
+              <a:rPr lang="pt-BR" i="1" dirty="0">
+                <a:cs typeface="Arial"/>
+              </a:rPr>
+              <a:t> clientes;​</a:t>
+            </a:r>
+          </a:p>
+          <a:p>
+            <a:pPr>
+              <a:buChar char="•"/>
+            </a:pPr>
+            <a:r>
+              <a:rPr lang="pt-BR" i="1" dirty="0">
+                <a:cs typeface="Arial"/>
+              </a:rPr>
+              <a:t> empregados;​</a:t>
+            </a:r>
+          </a:p>
+          <a:p>
+            <a:pPr>
+              <a:buChar char="•"/>
+            </a:pPr>
+            <a:r>
+              <a:rPr lang="pt-BR" i="1" dirty="0">
+                <a:cs typeface="Arial"/>
+              </a:rPr>
+              <a:t> colaboradores;​</a:t>
+            </a:r>
+          </a:p>
+          <a:p>
+            <a:pPr>
+              <a:buChar char="•"/>
+            </a:pPr>
+            <a:r>
+              <a:rPr lang="pt-BR" i="1" dirty="0">
+                <a:cs typeface="Arial"/>
+              </a:rPr>
+              <a:t> agentes públicos;​</a:t>
+            </a:r>
+          </a:p>
+          <a:p>
+            <a:pPr>
+              <a:buChar char="•"/>
+            </a:pPr>
+            <a:r>
+              <a:rPr lang="pt-BR" i="1" dirty="0">
+                <a:cs typeface="Arial"/>
+              </a:rPr>
+              <a:t> prestadores de serviço.​</a:t>
+            </a:r>
+          </a:p>
+        </p:txBody>
+      </p:sp>
+      <p:sp>
+        <p:nvSpPr>
+          <p:cNvPr id="9" name="CaixaDeTexto 8">
+            <a:extLst>
+              <a:ext uri="{FF2B5EF4-FFF2-40B4-BE49-F238E27FC236}">
+                <a16:creationId xmlns:a16="http://schemas.microsoft.com/office/drawing/2014/main" id="{F9E7B998-4796-4D55-9B18-DDC86A145C52}"/>
+              </a:ext>
+            </a:extLst>
+          </p:cNvPr>
+          <p:cNvSpPr txBox="1"/>
+          <p:nvPr/>
+        </p:nvSpPr>
+        <p:spPr>
+          <a:xfrm>
+            <a:off x="1699234" y="2919646"/>
+            <a:ext cx="3729256" cy="1754326"/>
+          </a:xfrm>
+          <a:prstGeom prst="rect">
+            <a:avLst/>
+          </a:prstGeom>
+          <a:noFill/>
+        </p:spPr>
+        <p:txBody>
+          <a:bodyPr rot="0" spcFirstLastPara="0" vertOverflow="overflow" horzOverflow="overflow" vert="horz" wrap="square" lIns="91440" tIns="45720" rIns="91440" bIns="45720" numCol="1" spcCol="0" rtlCol="0" fromWordArt="0" anchor="t" anchorCtr="0" forceAA="0" compatLnSpc="1">
+            <a:prstTxWarp prst="textNoShape">
+              <a:avLst/>
+            </a:prstTxWarp>
+            <a:spAutoFit/>
+          </a:bodyPr>
+          <a:lstStyle/>
+          <a:p>
+            <a:r>
+              <a:rPr lang="pt-BR" b="1" i="1" dirty="0">
+                <a:cs typeface="Calibri"/>
+              </a:rPr>
+              <a:t>Uso de máscaras em:</a:t>
+            </a:r>
+            <a:endParaRPr lang="pt-BR" b="1" dirty="0">
+              <a:cs typeface="Calibri"/>
+            </a:endParaRPr>
+          </a:p>
+          <a:p>
+            <a:pPr>
+              <a:buChar char="•"/>
+            </a:pPr>
+            <a:r>
+              <a:rPr lang="pt-BR" i="1" dirty="0">
+                <a:cs typeface="Arial"/>
+              </a:rPr>
+              <a:t> espaços públicos;</a:t>
+            </a:r>
+            <a:r>
+              <a:rPr lang="pt-BR" dirty="0">
+                <a:cs typeface="Arial"/>
+              </a:rPr>
+              <a:t>​</a:t>
+            </a:r>
+            <a:endParaRPr lang="pt-BR" dirty="0"/>
+          </a:p>
+          <a:p>
+            <a:pPr marL="174625" indent="-174625">
+              <a:buChar char="•"/>
+            </a:pPr>
+            <a:r>
+              <a:rPr lang="pt-BR" i="1" dirty="0">
+                <a:cs typeface="Arial"/>
+              </a:rPr>
+              <a:t>estabelecimentos que executem atividades essenciais;</a:t>
+            </a:r>
+            <a:r>
+              <a:rPr lang="pt-BR" dirty="0">
+                <a:cs typeface="Arial"/>
+              </a:rPr>
+              <a:t>​</a:t>
+            </a:r>
+          </a:p>
+          <a:p>
+            <a:pPr>
+              <a:buChar char="•"/>
+            </a:pPr>
+            <a:r>
+              <a:rPr lang="pt-BR" i="1" dirty="0">
+                <a:cs typeface="Arial"/>
+              </a:rPr>
+              <a:t> repartições públicas estaduais;</a:t>
+            </a:r>
+            <a:r>
+              <a:rPr lang="pt-BR" dirty="0">
+                <a:cs typeface="Arial"/>
+              </a:rPr>
+              <a:t>​</a:t>
+            </a:r>
+          </a:p>
+          <a:p>
+            <a:pPr>
+              <a:buChar char="•"/>
+            </a:pPr>
+            <a:r>
+              <a:rPr lang="pt-BR" i="1" dirty="0">
+                <a:cs typeface="Arial"/>
+              </a:rPr>
+              <a:t> transporte por aplicativo.</a:t>
+            </a:r>
+          </a:p>
+        </p:txBody>
+      </p:sp>
+      <p:sp>
+        <p:nvSpPr>
+          <p:cNvPr id="11" name="CaixaDeTexto 5">
+            <a:extLst>
+              <a:ext uri="{FF2B5EF4-FFF2-40B4-BE49-F238E27FC236}">
+                <a16:creationId xmlns:a16="http://schemas.microsoft.com/office/drawing/2014/main" id="{CD626A95-8091-4F1D-A30E-C06E87498B5B}"/>
+              </a:ext>
+            </a:extLst>
+          </p:cNvPr>
+          <p:cNvSpPr txBox="1"/>
+          <p:nvPr/>
+        </p:nvSpPr>
+        <p:spPr>
+          <a:xfrm>
+            <a:off x="173736" y="5233398"/>
+            <a:ext cx="11919876" cy="769441"/>
+          </a:xfrm>
+          <a:prstGeom prst="rect">
+            <a:avLst/>
+          </a:prstGeom>
+          <a:noFill/>
+          <a:ln>
+            <a:noFill/>
+          </a:ln>
+        </p:spPr>
+        <p:txBody>
+          <a:bodyPr wrap="square" rtlCol="0" anchor="t">
+            <a:spAutoFit/>
+          </a:bodyPr>
+          <a:lstStyle/>
+          <a:p>
+            <a:r>
+              <a:rPr lang="pt-BR" sz="2200" i="1" dirty="0">
+                <a:cs typeface="Calibri"/>
+              </a:rPr>
+              <a:t>Além disso, o descumprimento da medida acarretará em infração, podendo o infrator ou o estabelecimento serem multados.</a:t>
+            </a:r>
+            <a:endParaRPr lang="pt-BR" dirty="0">
+              <a:ea typeface="+mn-lt"/>
+              <a:cs typeface="+mn-lt"/>
+            </a:endParaRPr>
+          </a:p>
+        </p:txBody>
+      </p:sp>
+      <p:cxnSp>
+        <p:nvCxnSpPr>
+          <p:cNvPr id="13" name="Straight Connector 18">
+            <a:extLst>
+              <a:ext uri="{FF2B5EF4-FFF2-40B4-BE49-F238E27FC236}">
+                <a16:creationId xmlns:a16="http://schemas.microsoft.com/office/drawing/2014/main" id="{48D98D49-C026-4684-B519-FFB569F22EC7}"/>
+              </a:ext>
+            </a:extLst>
+          </p:cNvPr>
+          <p:cNvCxnSpPr/>
+          <p:nvPr/>
+        </p:nvCxnSpPr>
+        <p:spPr>
+          <a:xfrm>
+            <a:off x="269310" y="6203352"/>
+            <a:ext cx="1528175" cy="0"/>
+          </a:xfrm>
+          <a:prstGeom prst="line">
+            <a:avLst/>
+          </a:prstGeom>
+          <a:ln>
+            <a:solidFill>
+              <a:srgbClr val="1B2C62"/>
+            </a:solidFill>
+          </a:ln>
+        </p:spPr>
+        <p:style>
+          <a:lnRef idx="1">
+            <a:schemeClr val="accent1"/>
+          </a:lnRef>
+          <a:fillRef idx="0">
+            <a:schemeClr val="accent1"/>
+          </a:fillRef>
+          <a:effectRef idx="0">
+            <a:schemeClr val="accent1"/>
+          </a:effectRef>
+          <a:fontRef idx="minor">
+            <a:schemeClr val="tx1"/>
+          </a:fontRef>
+        </p:style>
+      </p:cxnSp>
+      <p:sp>
+        <p:nvSpPr>
+          <p:cNvPr id="15" name="CaixaDeTexto 5">
+            <a:extLst>
+              <a:ext uri="{FF2B5EF4-FFF2-40B4-BE49-F238E27FC236}">
+                <a16:creationId xmlns:a16="http://schemas.microsoft.com/office/drawing/2014/main" id="{EE9AE69C-DA3A-4B1F-A561-C474F96FA82E}"/>
+              </a:ext>
+            </a:extLst>
+          </p:cNvPr>
+          <p:cNvSpPr txBox="1"/>
+          <p:nvPr/>
+        </p:nvSpPr>
+        <p:spPr>
+          <a:xfrm>
+            <a:off x="176644" y="6220657"/>
+            <a:ext cx="11867132" cy="577081"/>
+          </a:xfrm>
+          <a:prstGeom prst="rect">
+            <a:avLst/>
+          </a:prstGeom>
+          <a:noFill/>
+          <a:ln>
+            <a:noFill/>
+          </a:ln>
+        </p:spPr>
+        <p:txBody>
+          <a:bodyPr wrap="square" rtlCol="0" anchor="t">
+            <a:spAutoFit/>
+          </a:bodyPr>
+          <a:lstStyle/>
+          <a:p>
+            <a:r>
+              <a:rPr lang="pt-BR" sz="1050" b="1" i="1" dirty="0"/>
+              <a:t>Fonte(s) e URL(s) utilizada(s) em 27/05/2020:</a:t>
+            </a:r>
+          </a:p>
+          <a:p>
+            <a:r>
+              <a:rPr lang="en-US" sz="1050" i="1" dirty="0">
+                <a:ea typeface="+mn-lt"/>
+                <a:cs typeface="+mn-lt"/>
+                <a:hlinkClick r:id="rId2"/>
+              </a:rPr>
+              <a:t>https://g1.globo.com/sp/sao-paulo/noticia/2020/05/05/decreto-que-determina-uso-de-mascaras-em-sp-estipula-multa-de-ate-r-276-mil-e-4-anos-de-prisao.ghtml</a:t>
+            </a:r>
+            <a:br>
+              <a:rPr lang="en-US" sz="1050" i="1" dirty="0"/>
+            </a:br>
+            <a:r>
+              <a:rPr lang="en-US" sz="1050" i="1" dirty="0">
+                <a:ea typeface="+mn-lt"/>
+                <a:cs typeface="+mn-lt"/>
+                <a:hlinkClick r:id="rId3"/>
+              </a:rPr>
+              <a:t>https://www.al.sp.gov.br/repositorio/legislacao/decreto/2020/decreto-64959-04.05.2020.html</a:t>
+            </a:r>
+            <a:r>
+              <a:rPr lang="pt-BR" sz="1050" i="1" dirty="0"/>
+              <a:t> </a:t>
+            </a:r>
+            <a:endParaRPr lang="pt-BR" i="1" dirty="0">
+              <a:cs typeface="Calibri"/>
+            </a:endParaRPr>
+          </a:p>
+        </p:txBody>
+      </p:sp>
+    </p:spTree>
+    <p:extLst>
+      <p:ext uri="{BB962C8B-B14F-4D97-AF65-F5344CB8AC3E}">
+        <p14:creationId xmlns:p14="http://schemas.microsoft.com/office/powerpoint/2010/main" val="2687276991"/>
+      </p:ext>
+    </p:extLst>
+  </p:cSld>
+  <p:clrMapOvr>
+    <a:masterClrMapping/>
+  </p:clrMapOvr>
+</p:sld>
+</file>
+
+<file path=ppt/slides/slide6.xml><?xml version="1.0" encoding="utf-8"?>
+<p:sld xmlns:a="http://schemas.openxmlformats.org/drawingml/2006/main" xmlns:r="http://schemas.openxmlformats.org/officeDocument/2006/relationships" xmlns:p="http://schemas.openxmlformats.org/presentationml/2006/main">
+  <p:cSld>
+    <p:spTree>
+      <p:nvGrpSpPr>
+        <p:cNvPr id="1" name=""/>
+        <p:cNvGrpSpPr/>
+        <p:nvPr/>
+      </p:nvGrpSpPr>
+      <p:grpSpPr>
+        <a:xfrm>
+          <a:off x="0" y="0"/>
+          <a:ext cx="0" cy="0"/>
+          <a:chOff x="0" y="0"/>
+          <a:chExt cx="0" cy="0"/>
+        </a:xfrm>
+      </p:grpSpPr>
+      <p:sp>
+        <p:nvSpPr>
+          <p:cNvPr id="2" name="CaixaDeTexto 1">
+            <a:extLst>
+              <a:ext uri="{FF2B5EF4-FFF2-40B4-BE49-F238E27FC236}">
+                <a16:creationId xmlns:a16="http://schemas.microsoft.com/office/drawing/2014/main" id="{E2289C40-6B36-4906-BF6F-3D1B594D6D57}"/>
+              </a:ext>
+            </a:extLst>
+          </p:cNvPr>
+          <p:cNvSpPr txBox="1"/>
+          <p:nvPr/>
+        </p:nvSpPr>
+        <p:spPr>
+          <a:xfrm>
+            <a:off x="176644" y="207818"/>
+            <a:ext cx="10619886" cy="954107"/>
+          </a:xfrm>
+          <a:prstGeom prst="rect">
+            <a:avLst/>
+          </a:prstGeom>
+          <a:noFill/>
+        </p:spPr>
+        <p:txBody>
+          <a:bodyPr wrap="square" rtlCol="0">
+            <a:spAutoFit/>
+          </a:bodyPr>
+          <a:lstStyle/>
+          <a:p>
+            <a:r>
+              <a:rPr lang="pt-BR" sz="2800" b="1" dirty="0">
+                <a:solidFill>
+                  <a:schemeClr val="bg1"/>
+                </a:solidFill>
+              </a:rPr>
+              <a:t>1) Contexto da Pesquisa, Busca de Artigos Científicos, Problema, Hipóteses e Objetivos do Projeto Analítico</a:t>
+            </a:r>
+          </a:p>
+        </p:txBody>
+      </p:sp>
+      <p:sp>
+        <p:nvSpPr>
+          <p:cNvPr id="5" name="Retângulo 4">
+            <a:extLst>
+              <a:ext uri="{FF2B5EF4-FFF2-40B4-BE49-F238E27FC236}">
+                <a16:creationId xmlns:a16="http://schemas.microsoft.com/office/drawing/2014/main" id="{C4351BF4-6949-465B-A55A-C8561462CF2E}"/>
+              </a:ext>
+            </a:extLst>
+          </p:cNvPr>
+          <p:cNvSpPr/>
+          <p:nvPr/>
+        </p:nvSpPr>
+        <p:spPr>
+          <a:xfrm>
+            <a:off x="176644" y="1355075"/>
+            <a:ext cx="11919876" cy="462114"/>
+          </a:xfrm>
+          <a:prstGeom prst="rect">
+            <a:avLst/>
+          </a:prstGeom>
+          <a:solidFill>
+            <a:srgbClr val="CDCDCD"/>
+          </a:solidFill>
+        </p:spPr>
+        <p:txBody>
+          <a:bodyPr wrap="square">
+            <a:spAutoFit/>
+          </a:bodyPr>
+          <a:lstStyle/>
+          <a:p>
+            <a:pPr marL="15875" indent="-15875">
+              <a:lnSpc>
+                <a:spcPts val="3000"/>
+              </a:lnSpc>
+            </a:pPr>
+            <a:r>
+              <a:rPr lang="pt-BR" sz="2400" dirty="0"/>
+              <a:t>- Onde a pesquisa será realizada (contexto)?</a:t>
+            </a:r>
+          </a:p>
+        </p:txBody>
+      </p:sp>
+      <p:sp>
+        <p:nvSpPr>
+          <p:cNvPr id="7" name="Retângulo 4">
+            <a:extLst>
+              <a:ext uri="{FF2B5EF4-FFF2-40B4-BE49-F238E27FC236}">
+                <a16:creationId xmlns:a16="http://schemas.microsoft.com/office/drawing/2014/main" id="{6F061871-FDA0-491B-B84B-B5AB0970885B}"/>
+              </a:ext>
+            </a:extLst>
+          </p:cNvPr>
+          <p:cNvSpPr/>
+          <p:nvPr/>
+        </p:nvSpPr>
+        <p:spPr>
+          <a:xfrm>
+            <a:off x="11311003" y="1355074"/>
+            <a:ext cx="785517" cy="462113"/>
+          </a:xfrm>
+          <a:prstGeom prst="rect">
+            <a:avLst/>
+          </a:prstGeom>
+          <a:solidFill>
+            <a:srgbClr val="CDCDCD"/>
+          </a:solidFill>
+        </p:spPr>
+        <p:txBody>
+          <a:bodyPr wrap="none" lIns="0" tIns="0" rIns="0" bIns="91440" anchor="ctr" anchorCtr="1">
+            <a:noAutofit/>
+          </a:bodyPr>
+          <a:lstStyle/>
+          <a:p>
+            <a:pPr marL="15875" indent="-15875" algn="ctr">
+              <a:lnSpc>
+                <a:spcPts val="3000"/>
+              </a:lnSpc>
+            </a:pPr>
+            <a:r>
+              <a:rPr lang="pt-BR" dirty="0"/>
+              <a:t>[5 de 5]</a:t>
+            </a:r>
+          </a:p>
+        </p:txBody>
+      </p:sp>
+      <p:sp>
+        <p:nvSpPr>
+          <p:cNvPr id="17" name="CaixaDeTexto 5">
+            <a:extLst>
+              <a:ext uri="{FF2B5EF4-FFF2-40B4-BE49-F238E27FC236}">
+                <a16:creationId xmlns:a16="http://schemas.microsoft.com/office/drawing/2014/main" id="{0EACA767-5D74-4C51-98B7-763F041F495E}"/>
               </a:ext>
             </a:extLst>
           </p:cNvPr>
@@ -6753,7 +10958,7 @@
         <p:spPr>
           <a:xfrm>
             <a:off x="176644" y="2016087"/>
-            <a:ext cx="11919876" cy="3816429"/>
+            <a:ext cx="11919876" cy="3477875"/>
           </a:xfrm>
           <a:prstGeom prst="rect">
             <a:avLst/>
@@ -6771,31 +10976,7 @@
           <a:p>
             <a:r>
               <a:rPr lang="pt-BR" sz="2200" i="1" dirty="0"/>
-              <a:t>A presente pesquisa tem como objetivo principal, desenvolver possibilidades de aplicação de Deep Learning, utilizando um </a:t>
-            </a:r>
-            <a:r>
-              <a:rPr lang="pt-BR" sz="2200" i="1" dirty="0" err="1"/>
-              <a:t>stacking</a:t>
-            </a:r>
-            <a:r>
-              <a:rPr lang="pt-BR" sz="2200" i="1" dirty="0"/>
-              <a:t> de técnicas (como por exemplo, </a:t>
-            </a:r>
-            <a:r>
-              <a:rPr lang="en-US" sz="2200" i="1" dirty="0"/>
-              <a:t>CNN + </a:t>
-            </a:r>
-            <a:r>
-              <a:rPr lang="en-US" sz="2200" i="1" dirty="0" err="1"/>
-              <a:t>XGBoost</a:t>
-            </a:r>
-            <a:r>
-              <a:rPr lang="en-US" sz="2200" i="1" dirty="0"/>
-              <a:t> stacking com Bayesian Optimization</a:t>
-            </a:r>
-            <a:r>
-              <a:rPr lang="pt-BR" sz="2200" i="1" dirty="0"/>
-              <a:t>), para uso na detecção de indivíduos utilizando máscaras faciais como ferramenta de monitoramento de medidas preventivas ao alastramento da COVID-19 em locais e áreas de convívio público ou privado.</a:t>
+              <a:t>A presente pesquisa tem como objetivo principal, desenvolver um modelo de detecção de indivíduos utilizando máscaras faciais, através de técnicas de Deep Learning, como ferramenta possível de ser implementada em sistemas de monitoramento preventivo ao alastramento da COVID-19 em locais e áreas de convívio público ou privado.</a:t>
             </a:r>
           </a:p>
           <a:p>
@@ -6814,7 +10995,7 @@
           <p:cNvPr id="8" name="Group 7">
             <a:extLst>
               <a:ext uri="{FF2B5EF4-FFF2-40B4-BE49-F238E27FC236}">
-                <a16:creationId xmlns="" xmlns:a16="http://schemas.microsoft.com/office/drawing/2014/main" id="{1E163097-A71F-4360-857F-CDF7256C8A07}"/>
+                <a16:creationId xmlns:a16="http://schemas.microsoft.com/office/drawing/2014/main" id="{1E163097-A71F-4360-857F-CDF7256C8A07}"/>
               </a:ext>
             </a:extLst>
           </p:cNvPr>
@@ -6834,7 +11015,7 @@
             <p:cNvPr id="4" name="Graphic 3" descr="Person with idea">
               <a:extLst>
                 <a:ext uri="{FF2B5EF4-FFF2-40B4-BE49-F238E27FC236}">
-                  <a16:creationId xmlns="" xmlns:a16="http://schemas.microsoft.com/office/drawing/2014/main" id="{2AFB5B40-0E71-438C-A693-F6960B64154E}"/>
+                  <a16:creationId xmlns:a16="http://schemas.microsoft.com/office/drawing/2014/main" id="{2AFB5B40-0E71-438C-A693-F6960B64154E}"/>
                 </a:ext>
               </a:extLst>
             </p:cNvPr>
@@ -6847,10 +11028,10 @@
             <a:blip r:embed="rId2" cstate="print">
               <a:extLst>
                 <a:ext uri="{28A0092B-C50C-407E-A947-70E740481C1C}">
-                  <a14:useLocalDpi xmlns="" xmlns:a14="http://schemas.microsoft.com/office/drawing/2010/main" val="0"/>
+                  <a14:useLocalDpi xmlns:a14="http://schemas.microsoft.com/office/drawing/2010/main" val="0"/>
                 </a:ext>
                 <a:ext uri="{96DAC541-7B7A-43D3-8B79-37D633B846F1}">
-                  <asvg:svgBlip xmlns="" xmlns:asvg="http://schemas.microsoft.com/office/drawing/2016/SVG/main" r:embed="rId3"/>
+                  <asvg:svgBlip xmlns:asvg="http://schemas.microsoft.com/office/drawing/2016/SVG/main" r:embed="rId3"/>
                 </a:ext>
               </a:extLst>
             </a:blip>
@@ -6873,7 +11054,7 @@
             <p:cNvPr id="6" name="Rectangle 5">
               <a:extLst>
                 <a:ext uri="{FF2B5EF4-FFF2-40B4-BE49-F238E27FC236}">
-                  <a16:creationId xmlns="" xmlns:a16="http://schemas.microsoft.com/office/drawing/2014/main" id="{AD1205DC-63D6-44A4-B20E-BC9057891E98}"/>
+                  <a16:creationId xmlns:a16="http://schemas.microsoft.com/office/drawing/2014/main" id="{AD1205DC-63D6-44A4-B20E-BC9057891E98}"/>
                 </a:ext>
               </a:extLst>
             </p:cNvPr>
@@ -6987,10 +11168,6 @@
                 <a:rPr lang="pt-BR" sz="1400" i="1" dirty="0"/>
                 <a:t>." </a:t>
               </a:r>
-              <a:r>
-                <a:rPr lang="pt-BR" sz="1400" dirty="0"/>
-                <a:t/>
-              </a:r>
               <a:br>
                 <a:rPr lang="pt-BR" sz="1400" dirty="0"/>
               </a:br>
@@ -7029,497 +11206,7 @@
     </p:spTree>
     <p:extLst>
       <p:ext uri="{BB962C8B-B14F-4D97-AF65-F5344CB8AC3E}">
-        <p14:creationId xmlns="" xmlns:p14="http://schemas.microsoft.com/office/powerpoint/2010/main" val="1275928961"/>
-      </p:ext>
-    </p:extLst>
-  </p:cSld>
-  <p:clrMapOvr>
-    <a:masterClrMapping/>
-  </p:clrMapOvr>
-</p:sld>
-</file>
-
-<file path=ppt/slides/slide5.xml><?xml version="1.0" encoding="utf-8"?>
-<p:sld xmlns:a="http://schemas.openxmlformats.org/drawingml/2006/main" xmlns:r="http://schemas.openxmlformats.org/officeDocument/2006/relationships" xmlns:p="http://schemas.openxmlformats.org/presentationml/2006/main">
-  <p:cSld>
-    <p:spTree>
-      <p:nvGrpSpPr>
-        <p:cNvPr id="1" name=""/>
-        <p:cNvGrpSpPr/>
-        <p:nvPr/>
-      </p:nvGrpSpPr>
-      <p:grpSpPr>
-        <a:xfrm>
-          <a:off x="0" y="0"/>
-          <a:ext cx="0" cy="0"/>
-          <a:chOff x="0" y="0"/>
-          <a:chExt cx="0" cy="0"/>
-        </a:xfrm>
-      </p:grpSpPr>
-      <p:sp>
-        <p:nvSpPr>
-          <p:cNvPr id="2" name="CaixaDeTexto 1">
-            <a:extLst>
-              <a:ext uri="{FF2B5EF4-FFF2-40B4-BE49-F238E27FC236}">
-                <a16:creationId xmlns="" xmlns:a16="http://schemas.microsoft.com/office/drawing/2014/main" id="{E2289C40-6B36-4906-BF6F-3D1B594D6D57}"/>
-              </a:ext>
-            </a:extLst>
-          </p:cNvPr>
-          <p:cNvSpPr txBox="1"/>
-          <p:nvPr/>
-        </p:nvSpPr>
-        <p:spPr>
-          <a:xfrm>
-            <a:off x="176644" y="207818"/>
-            <a:ext cx="10619886" cy="954107"/>
-          </a:xfrm>
-          <a:prstGeom prst="rect">
-            <a:avLst/>
-          </a:prstGeom>
-          <a:noFill/>
-        </p:spPr>
-        <p:txBody>
-          <a:bodyPr wrap="square" rtlCol="0">
-            <a:spAutoFit/>
-          </a:bodyPr>
-          <a:lstStyle/>
-          <a:p>
-            <a:r>
-              <a:rPr lang="pt-BR" sz="2800" b="1" dirty="0">
-                <a:solidFill>
-                  <a:schemeClr val="bg1"/>
-                </a:solidFill>
-              </a:rPr>
-              <a:t>1) Contexto da Pesquisa, Busca de Artigos Científicos, Problema, Hipóteses e Objetivos do Projeto Analítico</a:t>
-            </a:r>
-          </a:p>
-        </p:txBody>
-      </p:sp>
-      <p:sp>
-        <p:nvSpPr>
-          <p:cNvPr id="5" name="Retângulo 4">
-            <a:extLst>
-              <a:ext uri="{FF2B5EF4-FFF2-40B4-BE49-F238E27FC236}">
-                <a16:creationId xmlns="" xmlns:a16="http://schemas.microsoft.com/office/drawing/2014/main" id="{C4351BF4-6949-465B-A55A-C8561462CF2E}"/>
-              </a:ext>
-            </a:extLst>
-          </p:cNvPr>
-          <p:cNvSpPr/>
-          <p:nvPr/>
-        </p:nvSpPr>
-        <p:spPr>
-          <a:xfrm>
-            <a:off x="176644" y="1355075"/>
-            <a:ext cx="11919876" cy="462114"/>
-          </a:xfrm>
-          <a:prstGeom prst="rect">
-            <a:avLst/>
-          </a:prstGeom>
-          <a:solidFill>
-            <a:srgbClr val="CDCDCD"/>
-          </a:solidFill>
-        </p:spPr>
-        <p:txBody>
-          <a:bodyPr wrap="square">
-            <a:spAutoFit/>
-          </a:bodyPr>
-          <a:lstStyle/>
-          <a:p>
-            <a:pPr marL="15875" indent="-15875">
-              <a:lnSpc>
-                <a:spcPts val="3000"/>
-              </a:lnSpc>
-            </a:pPr>
-            <a:r>
-              <a:rPr lang="pt-BR" sz="2400" dirty="0"/>
-              <a:t>- Qual é a </a:t>
-            </a:r>
-            <a:r>
-              <a:rPr lang="pt-BR" sz="2400" b="1" dirty="0"/>
-              <a:t>PERGUNTA </a:t>
-            </a:r>
-            <a:r>
-              <a:rPr lang="pt-BR" sz="2400" dirty="0"/>
-              <a:t>do</a:t>
-            </a:r>
-            <a:r>
-              <a:rPr lang="pt-BR" sz="2400" b="1" dirty="0"/>
-              <a:t> PROBLEMA</a:t>
-            </a:r>
-            <a:r>
-              <a:rPr lang="pt-BR" sz="2400" dirty="0"/>
-              <a:t> de pesquisa?</a:t>
-            </a:r>
-          </a:p>
-        </p:txBody>
-      </p:sp>
-      <p:sp>
-        <p:nvSpPr>
-          <p:cNvPr id="4" name="CaixaDeTexto 3">
-            <a:extLst>
-              <a:ext uri="{FF2B5EF4-FFF2-40B4-BE49-F238E27FC236}">
-                <a16:creationId xmlns="" xmlns:a16="http://schemas.microsoft.com/office/drawing/2014/main" id="{6C14915E-E529-4FEB-989B-94707A646704}"/>
-              </a:ext>
-            </a:extLst>
-          </p:cNvPr>
-          <p:cNvSpPr txBox="1"/>
-          <p:nvPr/>
-        </p:nvSpPr>
-        <p:spPr>
-          <a:xfrm>
-            <a:off x="176644" y="2016087"/>
-            <a:ext cx="11919876" cy="1785104"/>
-          </a:xfrm>
-          <a:prstGeom prst="rect">
-            <a:avLst/>
-          </a:prstGeom>
-          <a:noFill/>
-          <a:ln>
-            <a:noFill/>
-          </a:ln>
-        </p:spPr>
-        <p:txBody>
-          <a:bodyPr wrap="square" rtlCol="0">
-            <a:spAutoFit/>
-          </a:bodyPr>
-          <a:lstStyle/>
-          <a:p>
-            <a:r>
-              <a:rPr lang="pt-BR" sz="2200" i="1" dirty="0" smtClean="0"/>
-              <a:t>Diante do contexto descrito, apresentam-se os questionamentos à serem abordados nessa pesquisa:</a:t>
-            </a:r>
-          </a:p>
-          <a:p>
-            <a:endParaRPr lang="pt-BR" sz="2200" i="1" dirty="0" smtClean="0"/>
-          </a:p>
-          <a:p>
-            <a:pPr marL="457200" indent="-457200">
-              <a:buFont typeface="+mj-lt"/>
-              <a:buAutoNum type="arabicPeriod"/>
-            </a:pPr>
-            <a:r>
-              <a:rPr lang="pt-BR" sz="2200" b="1" i="1" dirty="0" smtClean="0"/>
-              <a:t>Como identificar </a:t>
-            </a:r>
-            <a:r>
-              <a:rPr lang="pt-BR" sz="2200" b="1" i="1" dirty="0" smtClean="0"/>
-              <a:t>de forma </a:t>
-            </a:r>
-            <a:r>
-              <a:rPr lang="pt-BR" sz="2200" b="1" i="1" dirty="0" smtClean="0"/>
-              <a:t>automatizada, </a:t>
-            </a:r>
-            <a:r>
-              <a:rPr lang="pt-BR" sz="2200" b="1" i="1" dirty="0" smtClean="0"/>
-              <a:t>se as </a:t>
-            </a:r>
-            <a:r>
-              <a:rPr lang="pt-BR" sz="2200" b="1" i="1" dirty="0" smtClean="0"/>
-              <a:t>pessoas (ex: consumidores em supermercados, passageiros no transporte público, pessoas nos aeroportos) </a:t>
-            </a:r>
-            <a:r>
-              <a:rPr lang="pt-BR" sz="2200" b="1" i="1" dirty="0" smtClean="0"/>
-              <a:t>estão utilizando </a:t>
-            </a:r>
-            <a:r>
-              <a:rPr lang="pt-BR" sz="2200" b="1" i="1" dirty="0" smtClean="0"/>
-              <a:t>máscaras de proteção facial ?</a:t>
-            </a:r>
-            <a:endParaRPr lang="pt-BR" sz="2200" b="1" i="1" dirty="0"/>
-          </a:p>
-        </p:txBody>
-      </p:sp>
-    </p:spTree>
-    <p:extLst>
-      <p:ext uri="{BB962C8B-B14F-4D97-AF65-F5344CB8AC3E}">
-        <p14:creationId xmlns="" xmlns:p14="http://schemas.microsoft.com/office/powerpoint/2010/main" val="3817115773"/>
-      </p:ext>
-    </p:extLst>
-  </p:cSld>
-  <p:clrMapOvr>
-    <a:masterClrMapping/>
-  </p:clrMapOvr>
-</p:sld>
-</file>
-
-<file path=ppt/slides/slide6.xml><?xml version="1.0" encoding="utf-8"?>
-<p:sld xmlns:a="http://schemas.openxmlformats.org/drawingml/2006/main" xmlns:r="http://schemas.openxmlformats.org/officeDocument/2006/relationships" xmlns:p="http://schemas.openxmlformats.org/presentationml/2006/main">
-  <p:cSld>
-    <p:spTree>
-      <p:nvGrpSpPr>
-        <p:cNvPr id="1" name=""/>
-        <p:cNvGrpSpPr/>
-        <p:nvPr/>
-      </p:nvGrpSpPr>
-      <p:grpSpPr>
-        <a:xfrm>
-          <a:off x="0" y="0"/>
-          <a:ext cx="0" cy="0"/>
-          <a:chOff x="0" y="0"/>
-          <a:chExt cx="0" cy="0"/>
-        </a:xfrm>
-      </p:grpSpPr>
-      <p:sp>
-        <p:nvSpPr>
-          <p:cNvPr id="2" name="CaixaDeTexto 1">
-            <a:extLst>
-              <a:ext uri="{FF2B5EF4-FFF2-40B4-BE49-F238E27FC236}">
-                <a16:creationId xmlns="" xmlns:a16="http://schemas.microsoft.com/office/drawing/2014/main" id="{E2289C40-6B36-4906-BF6F-3D1B594D6D57}"/>
-              </a:ext>
-            </a:extLst>
-          </p:cNvPr>
-          <p:cNvSpPr txBox="1"/>
-          <p:nvPr/>
-        </p:nvSpPr>
-        <p:spPr>
-          <a:xfrm>
-            <a:off x="176644" y="207818"/>
-            <a:ext cx="10619886" cy="954107"/>
-          </a:xfrm>
-          <a:prstGeom prst="rect">
-            <a:avLst/>
-          </a:prstGeom>
-          <a:noFill/>
-        </p:spPr>
-        <p:txBody>
-          <a:bodyPr wrap="square" rtlCol="0">
-            <a:spAutoFit/>
-          </a:bodyPr>
-          <a:lstStyle/>
-          <a:p>
-            <a:r>
-              <a:rPr lang="pt-BR" sz="2800" b="1" dirty="0">
-                <a:solidFill>
-                  <a:schemeClr val="bg1"/>
-                </a:solidFill>
-              </a:rPr>
-              <a:t>1) Contexto da Pesquisa, Busca de Artigos Científicos, Problema, Hipóteses e Objetivos do Projeto Analítico</a:t>
-            </a:r>
-          </a:p>
-        </p:txBody>
-      </p:sp>
-      <p:sp>
-        <p:nvSpPr>
-          <p:cNvPr id="5" name="Retângulo 4">
-            <a:extLst>
-              <a:ext uri="{FF2B5EF4-FFF2-40B4-BE49-F238E27FC236}">
-                <a16:creationId xmlns="" xmlns:a16="http://schemas.microsoft.com/office/drawing/2014/main" id="{C4351BF4-6949-465B-A55A-C8561462CF2E}"/>
-              </a:ext>
-            </a:extLst>
-          </p:cNvPr>
-          <p:cNvSpPr/>
-          <p:nvPr/>
-        </p:nvSpPr>
-        <p:spPr>
-          <a:xfrm>
-            <a:off x="176644" y="1355075"/>
-            <a:ext cx="11919876" cy="462114"/>
-          </a:xfrm>
-          <a:prstGeom prst="rect">
-            <a:avLst/>
-          </a:prstGeom>
-          <a:solidFill>
-            <a:srgbClr val="CDCDCD"/>
-          </a:solidFill>
-        </p:spPr>
-        <p:txBody>
-          <a:bodyPr wrap="square">
-            <a:spAutoFit/>
-          </a:bodyPr>
-          <a:lstStyle/>
-          <a:p>
-            <a:pPr marL="15875" indent="-15875">
-              <a:lnSpc>
-                <a:spcPts val="3000"/>
-              </a:lnSpc>
-            </a:pPr>
-            <a:r>
-              <a:rPr lang="pt-BR" sz="2400" dirty="0"/>
-              <a:t>- Qual é o </a:t>
-            </a:r>
-            <a:r>
-              <a:rPr lang="pt-BR" sz="2400" b="1" dirty="0"/>
-              <a:t>OBJETIVO GERAL</a:t>
-            </a:r>
-            <a:r>
-              <a:rPr lang="pt-BR" sz="2400" dirty="0"/>
-              <a:t> e quais são os </a:t>
-            </a:r>
-            <a:r>
-              <a:rPr lang="pt-BR" sz="2400" b="1" dirty="0"/>
-              <a:t>OBJETIVOS ESPECÍFICOS</a:t>
-            </a:r>
-            <a:r>
-              <a:rPr lang="pt-BR" sz="2400" dirty="0"/>
-              <a:t>?</a:t>
-            </a:r>
-          </a:p>
-        </p:txBody>
-      </p:sp>
-      <p:sp>
-        <p:nvSpPr>
-          <p:cNvPr id="4" name="CaixaDeTexto 3">
-            <a:extLst>
-              <a:ext uri="{FF2B5EF4-FFF2-40B4-BE49-F238E27FC236}">
-                <a16:creationId xmlns="" xmlns:a16="http://schemas.microsoft.com/office/drawing/2014/main" id="{84CA2768-938F-4EEA-B0DD-BAF05149B6F5}"/>
-              </a:ext>
-            </a:extLst>
-          </p:cNvPr>
-          <p:cNvSpPr txBox="1"/>
-          <p:nvPr/>
-        </p:nvSpPr>
-        <p:spPr>
-          <a:xfrm>
-            <a:off x="176644" y="2016087"/>
-            <a:ext cx="11919876" cy="4493538"/>
-          </a:xfrm>
-          <a:prstGeom prst="rect">
-            <a:avLst/>
-          </a:prstGeom>
-          <a:noFill/>
-          <a:ln>
-            <a:noFill/>
-          </a:ln>
-        </p:spPr>
-        <p:txBody>
-          <a:bodyPr wrap="square" rtlCol="0">
-            <a:spAutoFit/>
-          </a:bodyPr>
-          <a:lstStyle/>
-          <a:p>
-            <a:r>
-              <a:rPr lang="pt-BR" sz="2200" i="1" dirty="0" smtClean="0"/>
-              <a:t>Objetivo geral: </a:t>
-            </a:r>
-            <a:r>
-              <a:rPr lang="pt-BR" sz="2200" b="1" i="1" dirty="0" smtClean="0"/>
-              <a:t>Identificar de forma </a:t>
-            </a:r>
-            <a:r>
-              <a:rPr lang="pt-BR" sz="2200" b="1" i="1" dirty="0" smtClean="0"/>
-              <a:t>automatizada, se as pessoas </a:t>
-            </a:r>
-            <a:r>
-              <a:rPr lang="pt-BR" sz="2200" b="1" i="1" dirty="0" smtClean="0"/>
-              <a:t>estão </a:t>
-            </a:r>
-            <a:r>
-              <a:rPr lang="pt-BR" sz="2200" b="1" i="1" dirty="0" smtClean="0"/>
-              <a:t>utilizando máscaras de proteção </a:t>
-            </a:r>
-            <a:r>
-              <a:rPr lang="pt-BR" sz="2200" b="1" i="1" dirty="0" smtClean="0"/>
-              <a:t>facial.</a:t>
-            </a:r>
-          </a:p>
-          <a:p>
-            <a:endParaRPr lang="pt-BR" sz="2200" b="1" i="1" dirty="0" smtClean="0"/>
-          </a:p>
-          <a:p>
-            <a:r>
-              <a:rPr lang="pt-BR" sz="2200" i="1" dirty="0" smtClean="0"/>
-              <a:t>Objetivos específicos:</a:t>
-            </a:r>
-          </a:p>
-          <a:p>
-            <a:endParaRPr lang="pt-BR" sz="2200" i="1" dirty="0" smtClean="0"/>
-          </a:p>
-          <a:p>
-            <a:pPr marL="457200" indent="-457200">
-              <a:buFont typeface="+mj-lt"/>
-              <a:buAutoNum type="arabicPeriod"/>
-            </a:pPr>
-            <a:r>
-              <a:rPr lang="pt-BR" sz="2200" i="1" dirty="0" smtClean="0"/>
-              <a:t>Definir, e eventualmente construir, a base de imagens que será utilizada;</a:t>
-            </a:r>
-          </a:p>
-          <a:p>
-            <a:pPr marL="457200" indent="-457200">
-              <a:buFont typeface="+mj-lt"/>
-              <a:buAutoNum type="arabicPeriod"/>
-            </a:pPr>
-            <a:r>
-              <a:rPr lang="pt-BR" sz="2200" i="1" dirty="0" smtClean="0"/>
-              <a:t>Realizar revisão </a:t>
-            </a:r>
-            <a:r>
-              <a:rPr lang="pt-BR" sz="2200" i="1" dirty="0" smtClean="0"/>
-              <a:t>bibliográfica de técnicas aplicadas ao tema de pesquisa;</a:t>
-            </a:r>
-          </a:p>
-          <a:p>
-            <a:pPr marL="457200" indent="-457200">
-              <a:buFont typeface="+mj-lt"/>
-              <a:buAutoNum type="arabicPeriod"/>
-            </a:pPr>
-            <a:r>
-              <a:rPr lang="pt-BR" sz="2200" i="1" dirty="0" smtClean="0"/>
-              <a:t>Definir os algoritmos que serão utilizados; </a:t>
-            </a:r>
-          </a:p>
-          <a:p>
-            <a:pPr marL="457200" indent="-457200">
-              <a:buFont typeface="+mj-lt"/>
-              <a:buAutoNum type="arabicPeriod"/>
-            </a:pPr>
-            <a:r>
-              <a:rPr lang="pt-BR" sz="2200" i="1" dirty="0" smtClean="0"/>
-              <a:t>Definir a arquitetura inicial dos algoritmos; </a:t>
-            </a:r>
-            <a:endParaRPr lang="pt-BR" sz="2200" i="1" dirty="0" smtClean="0"/>
-          </a:p>
-          <a:p>
-            <a:pPr marL="457200" indent="-457200">
-              <a:buFont typeface="+mj-lt"/>
-              <a:buAutoNum type="arabicPeriod"/>
-            </a:pPr>
-            <a:r>
-              <a:rPr lang="pt-BR" sz="2200" i="1" dirty="0" smtClean="0"/>
-              <a:t>Construir os modelos;</a:t>
-            </a:r>
-          </a:p>
-          <a:p>
-            <a:pPr marL="457200" indent="-457200">
-              <a:buFont typeface="+mj-lt"/>
-              <a:buAutoNum type="arabicPeriod"/>
-            </a:pPr>
-            <a:r>
-              <a:rPr lang="pt-BR" sz="2200" i="1" dirty="0" smtClean="0"/>
-              <a:t>Realizar o </a:t>
-            </a:r>
-            <a:r>
-              <a:rPr lang="pt-BR" sz="2200" i="1" dirty="0" err="1" smtClean="0"/>
-              <a:t>tunning</a:t>
-            </a:r>
-            <a:r>
-              <a:rPr lang="pt-BR" sz="2200" i="1" dirty="0" smtClean="0"/>
-              <a:t> de hiperparâmetros;</a:t>
-            </a:r>
-          </a:p>
-          <a:p>
-            <a:pPr marL="457200" indent="-457200">
-              <a:buFont typeface="+mj-lt"/>
-              <a:buAutoNum type="arabicPeriod"/>
-            </a:pPr>
-            <a:r>
-              <a:rPr lang="pt-BR" sz="2200" i="1" dirty="0" smtClean="0"/>
-              <a:t>Analisar a performance da solução;</a:t>
-            </a:r>
-          </a:p>
-          <a:p>
-            <a:pPr marL="457200" indent="-457200">
-              <a:buFont typeface="+mj-lt"/>
-              <a:buAutoNum type="arabicPeriod"/>
-            </a:pPr>
-            <a:endParaRPr lang="pt-BR" sz="2200" i="1" dirty="0"/>
-          </a:p>
-        </p:txBody>
-      </p:sp>
-    </p:spTree>
-    <p:extLst>
-      <p:ext uri="{BB962C8B-B14F-4D97-AF65-F5344CB8AC3E}">
-        <p14:creationId xmlns="" xmlns:p14="http://schemas.microsoft.com/office/powerpoint/2010/main" val="3953857876"/>
+        <p14:creationId xmlns:p14="http://schemas.microsoft.com/office/powerpoint/2010/main" val="2557986528"/>
       </p:ext>
     </p:extLst>
   </p:cSld>
@@ -7551,7 +11238,7 @@
           <p:cNvPr id="2" name="CaixaDeTexto 1">
             <a:extLst>
               <a:ext uri="{FF2B5EF4-FFF2-40B4-BE49-F238E27FC236}">
-                <a16:creationId xmlns="" xmlns:a16="http://schemas.microsoft.com/office/drawing/2014/main" id="{E2289C40-6B36-4906-BF6F-3D1B594D6D57}"/>
+                <a16:creationId xmlns:a16="http://schemas.microsoft.com/office/drawing/2014/main" id="{E2289C40-6B36-4906-BF6F-3D1B594D6D57}"/>
               </a:ext>
             </a:extLst>
           </p:cNvPr>
@@ -7590,7 +11277,7 @@
           <p:cNvPr id="5" name="Retângulo 4">
             <a:extLst>
               <a:ext uri="{FF2B5EF4-FFF2-40B4-BE49-F238E27FC236}">
-                <a16:creationId xmlns="" xmlns:a16="http://schemas.microsoft.com/office/drawing/2014/main" id="{C4351BF4-6949-465B-A55A-C8561462CF2E}"/>
+                <a16:creationId xmlns:a16="http://schemas.microsoft.com/office/drawing/2014/main" id="{C4351BF4-6949-465B-A55A-C8561462CF2E}"/>
               </a:ext>
             </a:extLst>
           </p:cNvPr>
@@ -7622,15 +11309,23 @@
             </a:pPr>
             <a:r>
               <a:rPr lang="pt-BR" sz="2400" dirty="0"/>
-              <a:t>- Quais são as </a:t>
+              <a:t>- Qual é a </a:t>
             </a:r>
             <a:r>
               <a:rPr lang="pt-BR" sz="2400" b="1" dirty="0"/>
-              <a:t>HIPÓTESES</a:t>
+              <a:t>PERGUNTA </a:t>
             </a:r>
             <a:r>
               <a:rPr lang="pt-BR" sz="2400" dirty="0"/>
-              <a:t> da pesquisa (se necessário)?</a:t>
+              <a:t>do</a:t>
+            </a:r>
+            <a:r>
+              <a:rPr lang="pt-BR" sz="2400" b="1" dirty="0"/>
+              <a:t> PROBLEMA</a:t>
+            </a:r>
+            <a:r>
+              <a:rPr lang="pt-BR" sz="2400" dirty="0"/>
+              <a:t> de pesquisa?</a:t>
             </a:r>
           </a:p>
         </p:txBody>
@@ -7640,7 +11335,7 @@
           <p:cNvPr id="4" name="CaixaDeTexto 3">
             <a:extLst>
               <a:ext uri="{FF2B5EF4-FFF2-40B4-BE49-F238E27FC236}">
-                <a16:creationId xmlns="" xmlns:a16="http://schemas.microsoft.com/office/drawing/2014/main" id="{201C3BF0-3DB6-45FE-ABB3-0E8206DE61D9}"/>
+                <a16:creationId xmlns:a16="http://schemas.microsoft.com/office/drawing/2014/main" id="{6C14915E-E529-4FEB-989B-94707A646704}"/>
               </a:ext>
             </a:extLst>
           </p:cNvPr>
@@ -7650,7 +11345,7 @@
         <p:spPr>
           <a:xfrm>
             <a:off x="176644" y="2016087"/>
-            <a:ext cx="11919876" cy="430887"/>
+            <a:ext cx="11919876" cy="2123658"/>
           </a:xfrm>
           <a:prstGeom prst="rect">
             <a:avLst/>
@@ -7668,7 +11363,20 @@
           <a:p>
             <a:r>
               <a:rPr lang="pt-BR" sz="2200" i="1" dirty="0"/>
-              <a:t>Escrever aqui</a:t>
+              <a:t>Diante do contexto descrito, apresentam-se os questionamentos à serem abordados nessa pesquisa:</a:t>
+            </a:r>
+          </a:p>
+          <a:p>
+            <a:endParaRPr lang="pt-BR" sz="2200" i="1" dirty="0"/>
+          </a:p>
+          <a:p>
+            <a:pPr marL="457200" indent="-457200">
+              <a:buFont typeface="+mj-lt"/>
+              <a:buAutoNum type="arabicPeriod"/>
+            </a:pPr>
+            <a:r>
+              <a:rPr lang="pt-BR" sz="2200" b="1" i="1" dirty="0"/>
+              <a:t>Como identificar de forma automatizada em espaços públicos, estabelecimentos que executem atividades essenciais, repartições públicas estaduais, transporte por aplicativo se os consumidores,  fornecedores,  clientes, empregados, colaboradores, agentes públicos e  prestadores de serviço) estão utilizando máscaras de proteção facial?</a:t>
             </a:r>
           </a:p>
         </p:txBody>
@@ -7676,7 +11384,7 @@
     </p:spTree>
     <p:extLst>
       <p:ext uri="{BB962C8B-B14F-4D97-AF65-F5344CB8AC3E}">
-        <p14:creationId xmlns="" xmlns:p14="http://schemas.microsoft.com/office/powerpoint/2010/main" val="1702763331"/>
+        <p14:creationId xmlns:p14="http://schemas.microsoft.com/office/powerpoint/2010/main" val="3817115773"/>
       </p:ext>
     </p:extLst>
   </p:cSld>
@@ -7708,7 +11416,7 @@
           <p:cNvPr id="2" name="CaixaDeTexto 1">
             <a:extLst>
               <a:ext uri="{FF2B5EF4-FFF2-40B4-BE49-F238E27FC236}">
-                <a16:creationId xmlns="" xmlns:a16="http://schemas.microsoft.com/office/drawing/2014/main" id="{E2289C40-6B36-4906-BF6F-3D1B594D6D57}"/>
+                <a16:creationId xmlns:a16="http://schemas.microsoft.com/office/drawing/2014/main" id="{E2289C40-6B36-4906-BF6F-3D1B594D6D57}"/>
               </a:ext>
             </a:extLst>
           </p:cNvPr>
@@ -7747,7 +11455,7 @@
           <p:cNvPr id="5" name="Retângulo 4">
             <a:extLst>
               <a:ext uri="{FF2B5EF4-FFF2-40B4-BE49-F238E27FC236}">
-                <a16:creationId xmlns="" xmlns:a16="http://schemas.microsoft.com/office/drawing/2014/main" id="{C4351BF4-6949-465B-A55A-C8561462CF2E}"/>
+                <a16:creationId xmlns:a16="http://schemas.microsoft.com/office/drawing/2014/main" id="{C4351BF4-6949-465B-A55A-C8561462CF2E}"/>
               </a:ext>
             </a:extLst>
           </p:cNvPr>
@@ -7757,7 +11465,7 @@
         <p:spPr>
           <a:xfrm>
             <a:off x="176644" y="1355075"/>
-            <a:ext cx="11919876" cy="1231556"/>
+            <a:ext cx="11919876" cy="462114"/>
           </a:xfrm>
           <a:prstGeom prst="rect">
             <a:avLst/>
@@ -7779,31 +11487,23 @@
             </a:pPr>
             <a:r>
               <a:rPr lang="pt-BR" sz="2400" dirty="0"/>
-              <a:t>- Quais artigos científicos já trataram do mesmo contexto e/ou utilizaram as mesmas técnicas estatísticas e/ou de </a:t>
-            </a:r>
-            <a:r>
-              <a:rPr lang="pt-BR" sz="2400" i="1" dirty="0" err="1"/>
-              <a:t>machine</a:t>
-            </a:r>
-            <a:r>
-              <a:rPr lang="pt-BR" sz="2400" i="1" dirty="0"/>
-              <a:t> </a:t>
-            </a:r>
-            <a:r>
-              <a:rPr lang="pt-BR" sz="2400" i="1" dirty="0" err="1"/>
-              <a:t>learning</a:t>
+              <a:t>- Qual é o </a:t>
+            </a:r>
+            <a:r>
+              <a:rPr lang="pt-BR" sz="2400" b="1" dirty="0"/>
+              <a:t>OBJETIVO GERAL</a:t>
             </a:r>
             <a:r>
               <a:rPr lang="pt-BR" sz="2400" dirty="0"/>
-              <a:t> que serão utilizadas (</a:t>
+              <a:t> e quais são os </a:t>
             </a:r>
             <a:r>
               <a:rPr lang="pt-BR" sz="2400" b="1" dirty="0"/>
-              <a:t>apresentar resumidamente 20 artigos no mínimo</a:t>
+              <a:t>OBJETIVOS ESPECÍFICOS</a:t>
             </a:r>
             <a:r>
               <a:rPr lang="pt-BR" sz="2400" dirty="0"/>
-              <a:t>)?</a:t>
+              <a:t>?</a:t>
             </a:r>
           </a:p>
         </p:txBody>
@@ -7813,7 +11513,7 @@
           <p:cNvPr id="4" name="CaixaDeTexto 3">
             <a:extLst>
               <a:ext uri="{FF2B5EF4-FFF2-40B4-BE49-F238E27FC236}">
-                <a16:creationId xmlns="" xmlns:a16="http://schemas.microsoft.com/office/drawing/2014/main" id="{E4CC8CAB-3F4C-409C-8745-BB5BD7AF0FCB}"/>
+                <a16:creationId xmlns:a16="http://schemas.microsoft.com/office/drawing/2014/main" id="{84CA2768-938F-4EEA-B0DD-BAF05149B6F5}"/>
               </a:ext>
             </a:extLst>
           </p:cNvPr>
@@ -7822,8 +11522,8 @@
         </p:nvSpPr>
         <p:spPr>
           <a:xfrm>
-            <a:off x="176644" y="2699134"/>
-            <a:ext cx="11919876" cy="430887"/>
+            <a:off x="176644" y="2016087"/>
+            <a:ext cx="11919876" cy="3816429"/>
           </a:xfrm>
           <a:prstGeom prst="rect">
             <a:avLst/>
@@ -7834,14 +11534,115 @@
           </a:ln>
         </p:spPr>
         <p:txBody>
-          <a:bodyPr wrap="square" rtlCol="0">
+          <a:bodyPr wrap="square" rtlCol="0" anchor="t">
             <a:spAutoFit/>
           </a:bodyPr>
           <a:lstStyle/>
           <a:p>
             <a:r>
               <a:rPr lang="pt-BR" sz="2200" i="1" dirty="0"/>
-              <a:t>Escrever aqui</a:t>
+              <a:t>Objetivo geral: </a:t>
+            </a:r>
+          </a:p>
+          <a:p>
+            <a:r>
+              <a:rPr lang="pt-BR" sz="2200" b="1" i="1" dirty="0"/>
+              <a:t>Identificar de forma automatizada, se as pessoas estão utilizando máscaras de proteção facial.</a:t>
+            </a:r>
+          </a:p>
+          <a:p>
+            <a:endParaRPr lang="pt-BR" sz="2200" b="1" i="1" dirty="0"/>
+          </a:p>
+          <a:p>
+            <a:r>
+              <a:rPr lang="pt-BR" sz="2200" i="1" dirty="0"/>
+              <a:t>Objetivos específicos:</a:t>
+            </a:r>
+          </a:p>
+          <a:p>
+            <a:pPr marL="457200" indent="-457200">
+              <a:buFont typeface="+mj-lt"/>
+              <a:buAutoNum type="arabicPeriod"/>
+            </a:pPr>
+            <a:r>
+              <a:rPr lang="pt-BR" sz="2200" i="1" dirty="0"/>
+              <a:t>Definir, e eventualmente construir, a base de imagens que será utilizada;</a:t>
+            </a:r>
+          </a:p>
+          <a:p>
+            <a:pPr marL="457200" indent="-457200">
+              <a:buFont typeface="+mj-lt"/>
+              <a:buAutoNum type="arabicPeriod"/>
+            </a:pPr>
+            <a:r>
+              <a:rPr lang="pt-BR" sz="2200" i="1" dirty="0"/>
+              <a:t>Realizar revisão bibliográfica de técnicas aplicadas ao tema de pesquisa;</a:t>
+            </a:r>
+          </a:p>
+          <a:p>
+            <a:pPr marL="457200" indent="-457200">
+              <a:buFont typeface="+mj-lt"/>
+              <a:buAutoNum type="arabicPeriod"/>
+            </a:pPr>
+            <a:r>
+              <a:rPr lang="pt-BR" sz="2200" i="1" dirty="0"/>
+              <a:t>Definir os algoritmos que serão utilizados; </a:t>
+            </a:r>
+          </a:p>
+          <a:p>
+            <a:pPr marL="457200" indent="-457200">
+              <a:buFont typeface="+mj-lt"/>
+              <a:buAutoNum type="arabicPeriod"/>
+            </a:pPr>
+            <a:r>
+              <a:rPr lang="pt-BR" sz="2200" i="1" dirty="0"/>
+              <a:t>Definir a arquitetura inicial dos algoritmos; </a:t>
+            </a:r>
+          </a:p>
+          <a:p>
+            <a:pPr marL="457200" indent="-457200">
+              <a:buFont typeface="+mj-lt"/>
+              <a:buAutoNum type="arabicPeriod"/>
+            </a:pPr>
+            <a:r>
+              <a:rPr lang="pt-BR" sz="2200" i="1" dirty="0"/>
+              <a:t>Construir os modelos;</a:t>
+            </a:r>
+          </a:p>
+          <a:p>
+            <a:pPr marL="457200" indent="-457200">
+              <a:buFont typeface="+mj-lt"/>
+              <a:buAutoNum type="arabicPeriod"/>
+            </a:pPr>
+            <a:r>
+              <a:rPr lang="pt-BR" sz="2200" i="1" dirty="0"/>
+              <a:t>Realizar o </a:t>
+            </a:r>
+            <a:r>
+              <a:rPr lang="pt-BR" sz="2200" i="1" dirty="0" err="1"/>
+              <a:t>tuning</a:t>
+            </a:r>
+            <a:r>
+              <a:rPr lang="pt-BR" sz="2200" i="1" dirty="0"/>
+              <a:t> de </a:t>
+            </a:r>
+            <a:r>
+              <a:rPr lang="pt-BR" sz="2200" i="1" dirty="0" err="1"/>
+              <a:t>hiperparâmetros</a:t>
+            </a:r>
+            <a:r>
+              <a:rPr lang="pt-BR" sz="2200" i="1" dirty="0"/>
+              <a:t>;</a:t>
+            </a:r>
+          </a:p>
+          <a:p>
+            <a:pPr marL="457200" indent="-457200">
+              <a:buFont typeface="+mj-lt"/>
+              <a:buAutoNum type="arabicPeriod"/>
+            </a:pPr>
+            <a:r>
+              <a:rPr lang="pt-BR" sz="2200" i="1" dirty="0"/>
+              <a:t>Analisar a performance e a estabilidade da solução.</a:t>
             </a:r>
           </a:p>
         </p:txBody>
@@ -7849,7 +11650,7 @@
     </p:spTree>
     <p:extLst>
       <p:ext uri="{BB962C8B-B14F-4D97-AF65-F5344CB8AC3E}">
-        <p14:creationId xmlns="" xmlns:p14="http://schemas.microsoft.com/office/powerpoint/2010/main" val="1752641579"/>
+        <p14:creationId xmlns:p14="http://schemas.microsoft.com/office/powerpoint/2010/main" val="3953857876"/>
       </p:ext>
     </p:extLst>
   </p:cSld>
@@ -7881,7 +11682,7 @@
           <p:cNvPr id="2" name="CaixaDeTexto 1">
             <a:extLst>
               <a:ext uri="{FF2B5EF4-FFF2-40B4-BE49-F238E27FC236}">
-                <a16:creationId xmlns="" xmlns:a16="http://schemas.microsoft.com/office/drawing/2014/main" id="{E2289C40-6B36-4906-BF6F-3D1B594D6D57}"/>
+                <a16:creationId xmlns:a16="http://schemas.microsoft.com/office/drawing/2014/main" id="{E2289C40-6B36-4906-BF6F-3D1B594D6D57}"/>
               </a:ext>
             </a:extLst>
           </p:cNvPr>
@@ -7891,7 +11692,7 @@
         <p:spPr>
           <a:xfrm>
             <a:off x="176644" y="207818"/>
-            <a:ext cx="10058026" cy="954107"/>
+            <a:ext cx="10619886" cy="954107"/>
           </a:xfrm>
           <a:prstGeom prst="rect">
             <a:avLst/>
@@ -7910,41 +11711,17 @@
                   <a:schemeClr val="bg1"/>
                 </a:solidFill>
               </a:rPr>
-              <a:t>2) Base de Dados e Técnicas Estatísticas e/ou de </a:t>
-            </a:r>
-            <a:r>
-              <a:rPr lang="pt-BR" sz="2800" b="1" i="1" dirty="0" err="1">
-                <a:solidFill>
-                  <a:schemeClr val="bg1"/>
-                </a:solidFill>
-              </a:rPr>
-              <a:t>Machine</a:t>
-            </a:r>
-            <a:r>
-              <a:rPr lang="pt-BR" sz="2800" b="1" i="1" dirty="0">
-                <a:solidFill>
-                  <a:schemeClr val="bg1"/>
-                </a:solidFill>
-              </a:rPr>
-              <a:t> Learning</a:t>
-            </a:r>
-            <a:r>
-              <a:rPr lang="pt-BR" sz="2800" b="1" dirty="0">
-                <a:solidFill>
-                  <a:schemeClr val="bg1"/>
-                </a:solidFill>
-              </a:rPr>
-              <a:t> do Projeto Analítico</a:t>
+              <a:t>1) Contexto da Pesquisa, Busca de Artigos Científicos, Problema, Hipóteses e Objetivos do Projeto Analítico</a:t>
             </a:r>
           </a:p>
         </p:txBody>
       </p:sp>
       <p:sp>
         <p:nvSpPr>
-          <p:cNvPr id="3" name="Retângulo 2">
+          <p:cNvPr id="5" name="Retângulo 4">
             <a:extLst>
               <a:ext uri="{FF2B5EF4-FFF2-40B4-BE49-F238E27FC236}">
-                <a16:creationId xmlns="" xmlns:a16="http://schemas.microsoft.com/office/drawing/2014/main" id="{174208DE-0C00-40F4-A31A-3BC0AEE1B5CE}"/>
+                <a16:creationId xmlns:a16="http://schemas.microsoft.com/office/drawing/2014/main" id="{C4351BF4-6949-465B-A55A-C8561462CF2E}"/>
               </a:ext>
             </a:extLst>
           </p:cNvPr>
@@ -7976,23 +11753,15 @@
             </a:pPr>
             <a:r>
               <a:rPr lang="pt-BR" sz="2400" dirty="0"/>
-              <a:t>- Quais variáveis formam a </a:t>
+              <a:t>- Quais são as </a:t>
             </a:r>
             <a:r>
               <a:rPr lang="pt-BR" sz="2400" b="1" dirty="0"/>
-              <a:t>BASE DE DADOS</a:t>
+              <a:t>HIPÓTESES</a:t>
             </a:r>
             <a:r>
               <a:rPr lang="pt-BR" sz="2400" dirty="0"/>
-              <a:t> (</a:t>
-            </a:r>
-            <a:r>
-              <a:rPr lang="pt-BR" sz="2400" b="1" dirty="0"/>
-              <a:t>mostrar a base de dados completa</a:t>
-            </a:r>
-            <a:r>
-              <a:rPr lang="pt-BR" sz="2400" dirty="0"/>
-              <a:t>)?</a:t>
+              <a:t> da pesquisa (se necessário)?</a:t>
             </a:r>
           </a:p>
         </p:txBody>
@@ -8002,7 +11771,7 @@
           <p:cNvPr id="4" name="CaixaDeTexto 3">
             <a:extLst>
               <a:ext uri="{FF2B5EF4-FFF2-40B4-BE49-F238E27FC236}">
-                <a16:creationId xmlns="" xmlns:a16="http://schemas.microsoft.com/office/drawing/2014/main" id="{F523F8A5-43AB-4AB2-BB4F-7F4A30E4A077}"/>
+                <a16:creationId xmlns:a16="http://schemas.microsoft.com/office/drawing/2014/main" id="{201C3BF0-3DB6-45FE-ABB3-0E8206DE61D9}"/>
               </a:ext>
             </a:extLst>
           </p:cNvPr>
@@ -8012,7 +11781,7 @@
         <p:spPr>
           <a:xfrm>
             <a:off x="176644" y="2016087"/>
-            <a:ext cx="11919876" cy="430887"/>
+            <a:ext cx="11919876" cy="769441"/>
           </a:xfrm>
           <a:prstGeom prst="rect">
             <a:avLst/>
@@ -8030,7 +11799,7 @@
           <a:p>
             <a:r>
               <a:rPr lang="pt-BR" sz="2200" i="1" dirty="0"/>
-              <a:t>Escrever aqui</a:t>
+              <a:t>Para este trabalho, dado o contexto da proposta, não se faz necessária a inclusão de hipóteses a serem validadas ou refutadas posteriormente.</a:t>
             </a:r>
           </a:p>
         </p:txBody>
@@ -8038,7 +11807,7 @@
     </p:spTree>
     <p:extLst>
       <p:ext uri="{BB962C8B-B14F-4D97-AF65-F5344CB8AC3E}">
-        <p14:creationId xmlns="" xmlns:p14="http://schemas.microsoft.com/office/powerpoint/2010/main" val="599003997"/>
+        <p14:creationId xmlns:p14="http://schemas.microsoft.com/office/powerpoint/2010/main" val="1702763331"/>
       </p:ext>
     </p:extLst>
   </p:cSld>
@@ -8337,7 +12106,7 @@
   <a:extraClrSchemeLst/>
   <a:extLst>
     <a:ext uri="{05A4C25C-085E-4340-85A3-A5531E510DB2}">
-      <thm15:themeFamily xmlns="" xmlns:thm15="http://schemas.microsoft.com/office/thememl/2012/main" name="Office Theme" id="{62F939B6-93AF-4DB8-9C6B-D6C7DFDC589F}" vid="{4A3C46E8-61CC-4603-A589-7422A47A8E4A}"/>
+      <thm15:themeFamily xmlns:thm15="http://schemas.microsoft.com/office/thememl/2012/main" name="Office Theme" id="{62F939B6-93AF-4DB8-9C6B-D6C7DFDC589F}" vid="{4A3C46E8-61CC-4603-A589-7422A47A8E4A}"/>
     </a:ext>
   </a:extLst>
 </a:theme>
@@ -8632,7 +12401,7 @@
   <a:extraClrSchemeLst/>
   <a:extLst>
     <a:ext uri="{05A4C25C-085E-4340-85A3-A5531E510DB2}">
-      <thm15:themeFamily xmlns="" xmlns:thm15="http://schemas.microsoft.com/office/thememl/2012/main" name="Office Theme" id="{62F939B6-93AF-4DB8-9C6B-D6C7DFDC589F}" vid="{4A3C46E8-61CC-4603-A589-7422A47A8E4A}"/>
+      <thm15:themeFamily xmlns:thm15="http://schemas.microsoft.com/office/thememl/2012/main" name="Office Theme" id="{62F939B6-93AF-4DB8-9C6B-D6C7DFDC589F}" vid="{4A3C46E8-61CC-4603-A589-7422A47A8E4A}"/>
     </a:ext>
   </a:extLst>
 </a:theme>
@@ -8927,7 +12696,7 @@
   <a:extraClrSchemeLst/>
   <a:extLst>
     <a:ext uri="{05A4C25C-085E-4340-85A3-A5531E510DB2}">
-      <thm15:themeFamily xmlns="" xmlns:thm15="http://schemas.microsoft.com/office/thememl/2012/main" name="Office Theme" id="{62F939B6-93AF-4DB8-9C6B-D6C7DFDC589F}" vid="{4A3C46E8-61CC-4603-A589-7422A47A8E4A}"/>
+      <thm15:themeFamily xmlns:thm15="http://schemas.microsoft.com/office/thememl/2012/main" name="Office Theme" id="{62F939B6-93AF-4DB8-9C6B-D6C7DFDC589F}" vid="{4A3C46E8-61CC-4603-A589-7422A47A8E4A}"/>
     </a:ext>
   </a:extLst>
 </a:theme>
@@ -9188,7 +12957,7 @@
   <a:extraClrSchemeLst/>
   <a:extLst>
     <a:ext uri="{05A4C25C-085E-4340-85A3-A5531E510DB2}">
-      <thm15:themeFamily xmlns="" xmlns:thm15="http://schemas.microsoft.com/office/thememl/2012/main" name="Office Theme" id="{62F939B6-93AF-4DB8-9C6B-D6C7DFDC589F}" vid="{4A3C46E8-61CC-4603-A589-7422A47A8E4A}"/>
+      <thm15:themeFamily xmlns:thm15="http://schemas.microsoft.com/office/thememl/2012/main" name="Office Theme" id="{62F939B6-93AF-4DB8-9C6B-D6C7DFDC589F}" vid="{4A3C46E8-61CC-4603-A589-7422A47A8E4A}"/>
     </a:ext>
   </a:extLst>
 </a:theme>
@@ -9483,7 +13252,7 @@
   <a:extraClrSchemeLst/>
   <a:extLst>
     <a:ext uri="{05A4C25C-085E-4340-85A3-A5531E510DB2}">
-      <thm15:themeFamily xmlns="" xmlns:thm15="http://schemas.microsoft.com/office/thememl/2012/main" name="Office Theme" id="{62F939B6-93AF-4DB8-9C6B-D6C7DFDC589F}" vid="{4A3C46E8-61CC-4603-A589-7422A47A8E4A}"/>
+      <thm15:themeFamily xmlns:thm15="http://schemas.microsoft.com/office/thememl/2012/main" name="Office Theme" id="{62F939B6-93AF-4DB8-9C6B-D6C7DFDC589F}" vid="{4A3C46E8-61CC-4603-A589-7422A47A8E4A}"/>
     </a:ext>
   </a:extLst>
 </a:theme>
